--- a/PROJECT/TINF20C_Präsentation_Semester3_Team_4.pptx
+++ b/PROJECT/TINF20C_Präsentation_Semester3_Team_4.pptx
@@ -130,12 +130,10 @@
 <file path=ppt/revisionInfo.xml><?xml version="1.0" encoding="utf-8"?>
 <p1510:revInfo xmlns:a="http://schemas.openxmlformats.org/drawingml/2006/main" xmlns:r="http://schemas.openxmlformats.org/officeDocument/2006/relationships" xmlns:p1510="http://schemas.microsoft.com/office/powerpoint/2015/10/main">
   <p1510:revLst>
-    <p1510:client id="{33F5FBC9-F6FB-4024-A9F9-5C55C4EE8010}" v="30" dt="2021-11-10T15:46:18.075"/>
-    <p1510:client id="{66BD89BB-1F64-4C31-8A39-7CD03BA7EE7C}" v="5635" dt="2021-11-10T16:57:44.328"/>
-    <p1510:client id="{8696F980-2F25-4ADA-BD10-6749D0CD96FB}" v="374" dt="2021-11-10T15:42:01.018"/>
-    <p1510:client id="{95D04942-A7D3-BB39-8E2F-4180869ADAA5}" v="10" dt="2021-11-10T15:32:26.864"/>
-    <p1510:client id="{B54DDF13-DC95-4D47-A585-CFA795214509}" v="565" dt="2021-11-10T17:13:06.362"/>
-    <p1510:client id="{FF877F04-F039-484B-BC1B-9E8A79215F40}" v="618" dt="2021-11-10T17:00:03.665"/>
+    <p1510:client id="{66BD89BB-1F64-4C31-8A39-7CD03BA7EE7C}" v="5638" dt="2021-11-11T16:52:06.716"/>
+    <p1510:client id="{6FFE81DE-97AE-D846-9CC4-71711C1517E9}" v="149" dt="2021-11-11T16:39:06.267"/>
+    <p1510:client id="{B54DDF13-DC95-4D47-A585-CFA795214509}" v="821" dt="2021-11-11T16:48:56.251"/>
+    <p1510:client id="{FF877F04-F039-484B-BC1B-9E8A79215F40}" v="3924" dt="2021-11-11T16:57:13.139"/>
   </p1510:revLst>
 </p1510:revInfo>
 </file>
@@ -143,18 +141,114 @@
 <file path=ppt/changesInfos/changesInfo1.xml><?xml version="1.0" encoding="utf-8"?>
 <pc:chgInfo xmlns:a="http://schemas.openxmlformats.org/drawingml/2006/main" xmlns:r="http://schemas.openxmlformats.org/officeDocument/2006/relationships" xmlns:ac="http://schemas.microsoft.com/office/drawing/2013/main/command" xmlns:pc="http://schemas.microsoft.com/office/powerpoint/2013/main/command">
   <pc:docChgLst>
+    <pc:chgData name="Plaschko Yannis (inf20093)" userId="S::inf20093@lehre.dhbw-stuttgart.de::f4d33fb3-2c8f-4127-90f7-f67e7a622ff7" providerId="AD" clId="Web-{A0531A10-4470-AF7D-919D-7FD57CDFF1C1}"/>
+    <pc:docChg chg="modSld">
+      <pc:chgData name="Plaschko Yannis (inf20093)" userId="S::inf20093@lehre.dhbw-stuttgart.de::f4d33fb3-2c8f-4127-90f7-f67e7a622ff7" providerId="AD" clId="Web-{A0531A10-4470-AF7D-919D-7FD57CDFF1C1}" dt="2021-11-08T16:22:44.789" v="53" actId="1076"/>
+      <pc:docMkLst>
+        <pc:docMk/>
+      </pc:docMkLst>
+      <pc:sldChg chg="addSp delSp modSp">
+        <pc:chgData name="Plaschko Yannis (inf20093)" userId="S::inf20093@lehre.dhbw-stuttgart.de::f4d33fb3-2c8f-4127-90f7-f67e7a622ff7" providerId="AD" clId="Web-{A0531A10-4470-AF7D-919D-7FD57CDFF1C1}" dt="2021-11-08T16:22:44.789" v="53" actId="1076"/>
+        <pc:sldMkLst>
+          <pc:docMk/>
+          <pc:sldMk cId="3942132956" sldId="263"/>
+        </pc:sldMkLst>
+        <pc:spChg chg="mod">
+          <ac:chgData name="Plaschko Yannis (inf20093)" userId="S::inf20093@lehre.dhbw-stuttgart.de::f4d33fb3-2c8f-4127-90f7-f67e7a622ff7" providerId="AD" clId="Web-{A0531A10-4470-AF7D-919D-7FD57CDFF1C1}" dt="2021-11-08T16:22:32.007" v="50" actId="20577"/>
+          <ac:spMkLst>
+            <pc:docMk/>
+            <pc:sldMk cId="3942132956" sldId="263"/>
+            <ac:spMk id="7" creationId="{FC78B868-2DAB-42D6-8796-474CB0AE7293}"/>
+          </ac:spMkLst>
+        </pc:spChg>
+        <pc:picChg chg="add del mod">
+          <ac:chgData name="Plaschko Yannis (inf20093)" userId="S::inf20093@lehre.dhbw-stuttgart.de::f4d33fb3-2c8f-4127-90f7-f67e7a622ff7" providerId="AD" clId="Web-{A0531A10-4470-AF7D-919D-7FD57CDFF1C1}" dt="2021-11-08T16:18:55.306" v="3"/>
+          <ac:picMkLst>
+            <pc:docMk/>
+            <pc:sldMk cId="3942132956" sldId="263"/>
+            <ac:picMk id="6" creationId="{272CF389-6641-47AF-B22E-AC7EF7B4E966}"/>
+          </ac:picMkLst>
+        </pc:picChg>
+        <pc:picChg chg="mod">
+          <ac:chgData name="Plaschko Yannis (inf20093)" userId="S::inf20093@lehre.dhbw-stuttgart.de::f4d33fb3-2c8f-4127-90f7-f67e7a622ff7" providerId="AD" clId="Web-{A0531A10-4470-AF7D-919D-7FD57CDFF1C1}" dt="2021-11-08T16:22:44.789" v="53" actId="1076"/>
+          <ac:picMkLst>
+            <pc:docMk/>
+            <pc:sldMk cId="3942132956" sldId="263"/>
+            <ac:picMk id="10" creationId="{5E607E01-D6E5-413B-B7FB-B23E944BF295}"/>
+          </ac:picMkLst>
+        </pc:picChg>
+        <pc:picChg chg="add del mod">
+          <ac:chgData name="Plaschko Yannis (inf20093)" userId="S::inf20093@lehre.dhbw-stuttgart.de::f4d33fb3-2c8f-4127-90f7-f67e7a622ff7" providerId="AD" clId="Web-{A0531A10-4470-AF7D-919D-7FD57CDFF1C1}" dt="2021-11-08T16:19:03.057" v="6"/>
+          <ac:picMkLst>
+            <pc:docMk/>
+            <pc:sldMk cId="3942132956" sldId="263"/>
+            <ac:picMk id="11" creationId="{2FB80C82-3657-4825-BFE5-A5FF7B84D852}"/>
+          </ac:picMkLst>
+        </pc:picChg>
+        <pc:picChg chg="add mod">
+          <ac:chgData name="Plaschko Yannis (inf20093)" userId="S::inf20093@lehre.dhbw-stuttgart.de::f4d33fb3-2c8f-4127-90f7-f67e7a622ff7" providerId="AD" clId="Web-{A0531A10-4470-AF7D-919D-7FD57CDFF1C1}" dt="2021-11-08T16:20:28.546" v="43" actId="1076"/>
+          <ac:picMkLst>
+            <pc:docMk/>
+            <pc:sldMk cId="3942132956" sldId="263"/>
+            <ac:picMk id="12" creationId="{8FBA7D60-6CC6-40A9-926E-775EAA84B231}"/>
+          </ac:picMkLst>
+        </pc:picChg>
+      </pc:sldChg>
+    </pc:docChg>
+  </pc:docChgLst>
+  <pc:docChgLst>
+    <pc:chgData name="Plaschko Yannis (inf20093)" userId="S::inf20093@lehre.dhbw-stuttgart.de::f4d33fb3-2c8f-4127-90f7-f67e7a622ff7" providerId="AD" clId="Web-{95D04942-A7D3-BB39-8E2F-4180869ADAA5}"/>
+    <pc:docChg chg="modSld">
+      <pc:chgData name="Plaschko Yannis (inf20093)" userId="S::inf20093@lehre.dhbw-stuttgart.de::f4d33fb3-2c8f-4127-90f7-f67e7a622ff7" providerId="AD" clId="Web-{95D04942-A7D3-BB39-8E2F-4180869ADAA5}" dt="2021-11-10T15:32:26.864" v="7" actId="1076"/>
+      <pc:docMkLst>
+        <pc:docMk/>
+      </pc:docMkLst>
+      <pc:sldChg chg="addSp delSp modSp">
+        <pc:chgData name="Plaschko Yannis (inf20093)" userId="S::inf20093@lehre.dhbw-stuttgart.de::f4d33fb3-2c8f-4127-90f7-f67e7a622ff7" providerId="AD" clId="Web-{95D04942-A7D3-BB39-8E2F-4180869ADAA5}" dt="2021-11-10T15:32:26.864" v="7" actId="1076"/>
+        <pc:sldMkLst>
+          <pc:docMk/>
+          <pc:sldMk cId="3111845278" sldId="267"/>
+        </pc:sldMkLst>
+        <pc:picChg chg="add del mod">
+          <ac:chgData name="Plaschko Yannis (inf20093)" userId="S::inf20093@lehre.dhbw-stuttgart.de::f4d33fb3-2c8f-4127-90f7-f67e7a622ff7" providerId="AD" clId="Web-{95D04942-A7D3-BB39-8E2F-4180869ADAA5}" dt="2021-11-10T15:30:30.811" v="4"/>
+          <ac:picMkLst>
+            <pc:docMk/>
+            <pc:sldMk cId="3111845278" sldId="267"/>
+            <ac:picMk id="5" creationId="{E28D88D2-03B0-4A08-9935-C8B6C9333C64}"/>
+          </ac:picMkLst>
+        </pc:picChg>
+        <pc:picChg chg="add mod">
+          <ac:chgData name="Plaschko Yannis (inf20093)" userId="S::inf20093@lehre.dhbw-stuttgart.de::f4d33fb3-2c8f-4127-90f7-f67e7a622ff7" providerId="AD" clId="Web-{95D04942-A7D3-BB39-8E2F-4180869ADAA5}" dt="2021-11-10T15:32:26.864" v="7" actId="1076"/>
+          <ac:picMkLst>
+            <pc:docMk/>
+            <pc:sldMk cId="3111845278" sldId="267"/>
+            <ac:picMk id="8" creationId="{E3CAA7F0-A921-49C7-8D0C-768B1F5592CD}"/>
+          </ac:picMkLst>
+        </pc:picChg>
+      </pc:sldChg>
+    </pc:docChg>
+  </pc:docChgLst>
+  <pc:docChgLst>
     <pc:chgData name="Kaczynski Lucas (inf20147)" userId="708919b4-25d7-44a9-b300-2323f832514c" providerId="ADAL" clId="{FF877F04-F039-484B-BC1B-9E8A79215F40}"/>
-    <pc:docChg chg="undo custSel addSld delSld modSld sldOrd">
-      <pc:chgData name="Kaczynski Lucas (inf20147)" userId="708919b4-25d7-44a9-b300-2323f832514c" providerId="ADAL" clId="{FF877F04-F039-484B-BC1B-9E8A79215F40}" dt="2021-11-10T17:00:03.665" v="620" actId="166"/>
+    <pc:docChg chg="undo redo custSel addSld delSld modSld sldOrd">
+      <pc:chgData name="Kaczynski Lucas (inf20147)" userId="708919b4-25d7-44a9-b300-2323f832514c" providerId="ADAL" clId="{FF877F04-F039-484B-BC1B-9E8A79215F40}" dt="2021-11-11T16:57:13.139" v="3916" actId="20577"/>
       <pc:docMkLst>
         <pc:docMk/>
       </pc:docMkLst>
       <pc:sldChg chg="addSp delSp modSp mod">
-        <pc:chgData name="Kaczynski Lucas (inf20147)" userId="708919b4-25d7-44a9-b300-2323f832514c" providerId="ADAL" clId="{FF877F04-F039-484B-BC1B-9E8A79215F40}" dt="2021-11-10T17:00:03.665" v="620" actId="166"/>
+        <pc:chgData name="Kaczynski Lucas (inf20147)" userId="708919b4-25d7-44a9-b300-2323f832514c" providerId="ADAL" clId="{FF877F04-F039-484B-BC1B-9E8A79215F40}" dt="2021-11-11T16:20:26.648" v="3699" actId="20577"/>
         <pc:sldMkLst>
           <pc:docMk/>
           <pc:sldMk cId="1575568240" sldId="257"/>
         </pc:sldMkLst>
+        <pc:spChg chg="mod">
+          <ac:chgData name="Kaczynski Lucas (inf20147)" userId="708919b4-25d7-44a9-b300-2323f832514c" providerId="ADAL" clId="{FF877F04-F039-484B-BC1B-9E8A79215F40}" dt="2021-11-11T16:20:26.648" v="3699" actId="20577"/>
+          <ac:spMkLst>
+            <pc:docMk/>
+            <pc:sldMk cId="1575568240" sldId="257"/>
+            <ac:spMk id="2" creationId="{056543D8-4C07-41C1-B32B-D0675555A49D}"/>
+          </ac:spMkLst>
+        </pc:spChg>
         <pc:spChg chg="add del">
           <ac:chgData name="Kaczynski Lucas (inf20147)" userId="708919b4-25d7-44a9-b300-2323f832514c" providerId="ADAL" clId="{FF877F04-F039-484B-BC1B-9E8A79215F40}" dt="2021-11-10T16:50:48.196" v="613" actId="11529"/>
           <ac:spMkLst>
@@ -203,6 +297,27 @@
           </ac:spMkLst>
         </pc:spChg>
       </pc:sldChg>
+      <pc:sldChg chg="add del modNotesTx">
+        <pc:chgData name="Kaczynski Lucas (inf20147)" userId="708919b4-25d7-44a9-b300-2323f832514c" providerId="ADAL" clId="{FF877F04-F039-484B-BC1B-9E8A79215F40}" dt="2021-11-11T15:50:03.903" v="1877" actId="20577"/>
+        <pc:sldMkLst>
+          <pc:docMk/>
+          <pc:sldMk cId="452856955" sldId="259"/>
+        </pc:sldMkLst>
+      </pc:sldChg>
+      <pc:sldChg chg="modNotesTx">
+        <pc:chgData name="Kaczynski Lucas (inf20147)" userId="708919b4-25d7-44a9-b300-2323f832514c" providerId="ADAL" clId="{FF877F04-F039-484B-BC1B-9E8A79215F40}" dt="2021-11-11T16:57:13.139" v="3916" actId="20577"/>
+        <pc:sldMkLst>
+          <pc:docMk/>
+          <pc:sldMk cId="4147236091" sldId="262"/>
+        </pc:sldMkLst>
+      </pc:sldChg>
+      <pc:sldChg chg="modNotesTx">
+        <pc:chgData name="Kaczynski Lucas (inf20147)" userId="708919b4-25d7-44a9-b300-2323f832514c" providerId="ADAL" clId="{FF877F04-F039-484B-BC1B-9E8A79215F40}" dt="2021-11-11T16:46:29.748" v="3710" actId="6549"/>
+        <pc:sldMkLst>
+          <pc:docMk/>
+          <pc:sldMk cId="943001127" sldId="265"/>
+        </pc:sldMkLst>
+      </pc:sldChg>
       <pc:sldChg chg="modSp new del mod ord">
         <pc:chgData name="Kaczynski Lucas (inf20147)" userId="708919b4-25d7-44a9-b300-2323f832514c" providerId="ADAL" clId="{FF877F04-F039-484B-BC1B-9E8A79215F40}" dt="2021-11-10T15:55:20.781" v="608" actId="2696"/>
         <pc:sldMkLst>
@@ -227,7 +342,7 @@
         </pc:spChg>
       </pc:sldChg>
       <pc:sldChg chg="modSp mod modNotesTx">
-        <pc:chgData name="Kaczynski Lucas (inf20147)" userId="708919b4-25d7-44a9-b300-2323f832514c" providerId="ADAL" clId="{FF877F04-F039-484B-BC1B-9E8A79215F40}" dt="2021-11-10T15:55:55.376" v="611"/>
+        <pc:chgData name="Kaczynski Lucas (inf20147)" userId="708919b4-25d7-44a9-b300-2323f832514c" providerId="ADAL" clId="{FF877F04-F039-484B-BC1B-9E8A79215F40}" dt="2021-11-11T16:09:48.992" v="3695" actId="20577"/>
         <pc:sldMkLst>
           <pc:docMk/>
           <pc:sldMk cId="4239830214" sldId="271"/>
@@ -248,6 +363,20 @@
             <ac:graphicFrameMk id="7" creationId="{8F3C9722-F46A-4C89-8618-92AE70556025}"/>
           </ac:graphicFrameMkLst>
         </pc:graphicFrameChg>
+      </pc:sldChg>
+      <pc:sldChg chg="modNotesTx">
+        <pc:chgData name="Kaczynski Lucas (inf20147)" userId="708919b4-25d7-44a9-b300-2323f832514c" providerId="ADAL" clId="{FF877F04-F039-484B-BC1B-9E8A79215F40}" dt="2021-11-11T16:54:00.557" v="3774" actId="313"/>
+        <pc:sldMkLst>
+          <pc:docMk/>
+          <pc:sldMk cId="1256033996" sldId="272"/>
+        </pc:sldMkLst>
+      </pc:sldChg>
+      <pc:sldChg chg="modNotesTx">
+        <pc:chgData name="Kaczynski Lucas (inf20147)" userId="708919b4-25d7-44a9-b300-2323f832514c" providerId="ADAL" clId="{FF877F04-F039-484B-BC1B-9E8A79215F40}" dt="2021-11-11T16:54:33.055" v="3833" actId="20577"/>
+        <pc:sldMkLst>
+          <pc:docMk/>
+          <pc:sldMk cId="2321171521" sldId="273"/>
+        </pc:sldMkLst>
       </pc:sldChg>
     </pc:docChg>
   </pc:docChgLst>
@@ -318,3263 +447,6 @@
             <ac:spMk id="3" creationId="{73D225A9-9311-48FD-AAF5-55E50D2A7DCC}"/>
           </ac:spMkLst>
         </pc:spChg>
-      </pc:sldChg>
-    </pc:docChg>
-  </pc:docChgLst>
-  <pc:docChgLst>
-    <pc:chgData name="Reeken Laura (inf20051)" userId="S::inf20051@lehre.dhbw-stuttgart.de::b6dee9c5-cc36-4888-b156-97d84b7a0163" providerId="AD" clId="Web-{A96D7DC3-64E2-0C2D-2643-CD46240CDB76}"/>
-    <pc:docChg chg="modSld">
-      <pc:chgData name="Reeken Laura (inf20051)" userId="S::inf20051@lehre.dhbw-stuttgart.de::b6dee9c5-cc36-4888-b156-97d84b7a0163" providerId="AD" clId="Web-{A96D7DC3-64E2-0C2D-2643-CD46240CDB76}" dt="2021-11-08T18:08:27.301" v="523" actId="14100"/>
-      <pc:docMkLst>
-        <pc:docMk/>
-      </pc:docMkLst>
-      <pc:sldChg chg="addSp delSp modSp">
-        <pc:chgData name="Reeken Laura (inf20051)" userId="S::inf20051@lehre.dhbw-stuttgart.de::b6dee9c5-cc36-4888-b156-97d84b7a0163" providerId="AD" clId="Web-{A96D7DC3-64E2-0C2D-2643-CD46240CDB76}" dt="2021-11-08T16:59:10.105" v="518" actId="20577"/>
-        <pc:sldMkLst>
-          <pc:docMk/>
-          <pc:sldMk cId="3942132956" sldId="263"/>
-        </pc:sldMkLst>
-        <pc:spChg chg="mod">
-          <ac:chgData name="Reeken Laura (inf20051)" userId="S::inf20051@lehre.dhbw-stuttgart.de::b6dee9c5-cc36-4888-b156-97d84b7a0163" providerId="AD" clId="Web-{A96D7DC3-64E2-0C2D-2643-CD46240CDB76}" dt="2021-11-08T16:59:10.105" v="518" actId="20577"/>
-          <ac:spMkLst>
-            <pc:docMk/>
-            <pc:sldMk cId="3942132956" sldId="263"/>
-            <ac:spMk id="3" creationId="{8ECD18E5-590E-4C0D-B1EF-55B4404B39CD}"/>
-          </ac:spMkLst>
-        </pc:spChg>
-        <pc:spChg chg="add del mod">
-          <ac:chgData name="Reeken Laura (inf20051)" userId="S::inf20051@lehre.dhbw-stuttgart.de::b6dee9c5-cc36-4888-b156-97d84b7a0163" providerId="AD" clId="Web-{A96D7DC3-64E2-0C2D-2643-CD46240CDB76}" dt="2021-11-08T15:51:19.477" v="344"/>
-          <ac:spMkLst>
-            <pc:docMk/>
-            <pc:sldMk cId="3942132956" sldId="263"/>
-            <ac:spMk id="5" creationId="{B4FC40AA-DCD6-4019-9F24-14FBCF122870}"/>
-          </ac:spMkLst>
-        </pc:spChg>
-        <pc:spChg chg="add mod">
-          <ac:chgData name="Reeken Laura (inf20051)" userId="S::inf20051@lehre.dhbw-stuttgart.de::b6dee9c5-cc36-4888-b156-97d84b7a0163" providerId="AD" clId="Web-{A96D7DC3-64E2-0C2D-2643-CD46240CDB76}" dt="2021-11-08T16:30:51.531" v="488" actId="14100"/>
-          <ac:spMkLst>
-            <pc:docMk/>
-            <pc:sldMk cId="3942132956" sldId="263"/>
-            <ac:spMk id="7" creationId="{FC78B868-2DAB-42D6-8796-474CB0AE7293}"/>
-          </ac:spMkLst>
-        </pc:spChg>
-        <pc:spChg chg="add del">
-          <ac:chgData name="Reeken Laura (inf20051)" userId="S::inf20051@lehre.dhbw-stuttgart.de::b6dee9c5-cc36-4888-b156-97d84b7a0163" providerId="AD" clId="Web-{A96D7DC3-64E2-0C2D-2643-CD46240CDB76}" dt="2021-11-08T15:52:46.591" v="359"/>
-          <ac:spMkLst>
-            <pc:docMk/>
-            <pc:sldMk cId="3942132956" sldId="263"/>
-            <ac:spMk id="8" creationId="{557FC71C-C502-4C8E-8A68-78FCA10B54A4}"/>
-          </ac:spMkLst>
-        </pc:spChg>
-        <pc:spChg chg="add del">
-          <ac:chgData name="Reeken Laura (inf20051)" userId="S::inf20051@lehre.dhbw-stuttgart.de::b6dee9c5-cc36-4888-b156-97d84b7a0163" providerId="AD" clId="Web-{A96D7DC3-64E2-0C2D-2643-CD46240CDB76}" dt="2021-11-08T15:52:44.841" v="358"/>
-          <ac:spMkLst>
-            <pc:docMk/>
-            <pc:sldMk cId="3942132956" sldId="263"/>
-            <ac:spMk id="9" creationId="{0592EE56-81D3-429E-AC49-907C6021A2A9}"/>
-          </ac:spMkLst>
-        </pc:spChg>
-        <pc:picChg chg="add mod">
-          <ac:chgData name="Reeken Laura (inf20051)" userId="S::inf20051@lehre.dhbw-stuttgart.de::b6dee9c5-cc36-4888-b156-97d84b7a0163" providerId="AD" clId="Web-{A96D7DC3-64E2-0C2D-2643-CD46240CDB76}" dt="2021-11-08T15:59:37.989" v="467" actId="1076"/>
-          <ac:picMkLst>
-            <pc:docMk/>
-            <pc:sldMk cId="3942132956" sldId="263"/>
-            <ac:picMk id="10" creationId="{5E607E01-D6E5-413B-B7FB-B23E944BF295}"/>
-          </ac:picMkLst>
-        </pc:picChg>
-      </pc:sldChg>
-      <pc:sldChg chg="addSp delSp modSp">
-        <pc:chgData name="Reeken Laura (inf20051)" userId="S::inf20051@lehre.dhbw-stuttgart.de::b6dee9c5-cc36-4888-b156-97d84b7a0163" providerId="AD" clId="Web-{A96D7DC3-64E2-0C2D-2643-CD46240CDB76}" dt="2021-11-08T18:08:27.301" v="523" actId="14100"/>
-        <pc:sldMkLst>
-          <pc:docMk/>
-          <pc:sldMk cId="3108174479" sldId="264"/>
-        </pc:sldMkLst>
-        <pc:spChg chg="add del mod">
-          <ac:chgData name="Reeken Laura (inf20051)" userId="S::inf20051@lehre.dhbw-stuttgart.de::b6dee9c5-cc36-4888-b156-97d84b7a0163" providerId="AD" clId="Web-{A96D7DC3-64E2-0C2D-2643-CD46240CDB76}" dt="2021-11-08T18:08:07.550" v="520"/>
-          <ac:spMkLst>
-            <pc:docMk/>
-            <pc:sldMk cId="3108174479" sldId="264"/>
-            <ac:spMk id="5" creationId="{D09F04E1-09ED-44FB-8059-E3691C9C93F8}"/>
-          </ac:spMkLst>
-        </pc:spChg>
-        <pc:picChg chg="del">
-          <ac:chgData name="Reeken Laura (inf20051)" userId="S::inf20051@lehre.dhbw-stuttgart.de::b6dee9c5-cc36-4888-b156-97d84b7a0163" providerId="AD" clId="Web-{A96D7DC3-64E2-0C2D-2643-CD46240CDB76}" dt="2021-11-08T18:07:49.127" v="519"/>
-          <ac:picMkLst>
-            <pc:docMk/>
-            <pc:sldMk cId="3108174479" sldId="264"/>
-            <ac:picMk id="6" creationId="{9126A48E-B2C7-4A2A-813B-E0213E3B9851}"/>
-          </ac:picMkLst>
-        </pc:picChg>
-        <pc:picChg chg="add mod ord">
-          <ac:chgData name="Reeken Laura (inf20051)" userId="S::inf20051@lehre.dhbw-stuttgart.de::b6dee9c5-cc36-4888-b156-97d84b7a0163" providerId="AD" clId="Web-{A96D7DC3-64E2-0C2D-2643-CD46240CDB76}" dt="2021-11-08T18:08:27.301" v="523" actId="14100"/>
-          <ac:picMkLst>
-            <pc:docMk/>
-            <pc:sldMk cId="3108174479" sldId="264"/>
-            <ac:picMk id="7" creationId="{A9E99026-33F4-4AA7-BE43-9FCB7BB779AA}"/>
-          </ac:picMkLst>
-        </pc:picChg>
-      </pc:sldChg>
-    </pc:docChg>
-  </pc:docChgLst>
-  <pc:docChgLst>
-    <pc:chgData name="Esenwein Benjamin (inf20074)" userId="7720cf97-c6ae-4bac-a435-f995da81a4ba" providerId="ADAL" clId="{66BD89BB-1F64-4C31-8A39-7CD03BA7EE7C}"/>
-    <pc:docChg chg="undo custSel addSld delSld modSld sldOrd modMainMaster">
-      <pc:chgData name="Esenwein Benjamin (inf20074)" userId="7720cf97-c6ae-4bac-a435-f995da81a4ba" providerId="ADAL" clId="{66BD89BB-1F64-4C31-8A39-7CD03BA7EE7C}" dt="2021-11-10T16:57:44.328" v="6651" actId="1076"/>
-      <pc:docMkLst>
-        <pc:docMk/>
-      </pc:docMkLst>
-      <pc:sldChg chg="addSp delSp modSp mod modTransition setBg modNotesTx">
-        <pc:chgData name="Esenwein Benjamin (inf20074)" userId="7720cf97-c6ae-4bac-a435-f995da81a4ba" providerId="ADAL" clId="{66BD89BB-1F64-4C31-8A39-7CD03BA7EE7C}" dt="2021-11-10T16:41:25.052" v="6604" actId="14430"/>
-        <pc:sldMkLst>
-          <pc:docMk/>
-          <pc:sldMk cId="2505959144" sldId="256"/>
-        </pc:sldMkLst>
-        <pc:spChg chg="mod">
-          <ac:chgData name="Esenwein Benjamin (inf20074)" userId="7720cf97-c6ae-4bac-a435-f995da81a4ba" providerId="ADAL" clId="{66BD89BB-1F64-4C31-8A39-7CD03BA7EE7C}" dt="2021-11-08T15:55:13.443" v="1552" actId="113"/>
-          <ac:spMkLst>
-            <pc:docMk/>
-            <pc:sldMk cId="2505959144" sldId="256"/>
-            <ac:spMk id="2" creationId="{FEA21FFC-A6C3-4E95-94C4-C1E4C4F6F8D3}"/>
-          </ac:spMkLst>
-        </pc:spChg>
-        <pc:spChg chg="mod">
-          <ac:chgData name="Esenwein Benjamin (inf20074)" userId="7720cf97-c6ae-4bac-a435-f995da81a4ba" providerId="ADAL" clId="{66BD89BB-1F64-4C31-8A39-7CD03BA7EE7C}" dt="2021-11-08T15:25:58.021" v="623" actId="26606"/>
-          <ac:spMkLst>
-            <pc:docMk/>
-            <pc:sldMk cId="2505959144" sldId="256"/>
-            <ac:spMk id="3" creationId="{EA356760-99B3-4061-95B7-F0DFCD7C51E9}"/>
-          </ac:spMkLst>
-        </pc:spChg>
-        <pc:spChg chg="add mod">
-          <ac:chgData name="Esenwein Benjamin (inf20074)" userId="7720cf97-c6ae-4bac-a435-f995da81a4ba" providerId="ADAL" clId="{66BD89BB-1F64-4C31-8A39-7CD03BA7EE7C}" dt="2021-11-08T15:40:01.319" v="1397" actId="1076"/>
-          <ac:spMkLst>
-            <pc:docMk/>
-            <pc:sldMk cId="2505959144" sldId="256"/>
-            <ac:spMk id="4" creationId="{4C155EFA-025E-411E-B149-1F267B975FB5}"/>
-          </ac:spMkLst>
-        </pc:spChg>
-        <pc:spChg chg="add">
-          <ac:chgData name="Esenwein Benjamin (inf20074)" userId="7720cf97-c6ae-4bac-a435-f995da81a4ba" providerId="ADAL" clId="{66BD89BB-1F64-4C31-8A39-7CD03BA7EE7C}" dt="2021-11-08T15:25:58.021" v="623" actId="26606"/>
-          <ac:spMkLst>
-            <pc:docMk/>
-            <pc:sldMk cId="2505959144" sldId="256"/>
-            <ac:spMk id="8" creationId="{458C1BCA-247F-4480-B78C-924FEBA5CD65}"/>
-          </ac:spMkLst>
-        </pc:spChg>
-        <pc:spChg chg="add">
-          <ac:chgData name="Esenwein Benjamin (inf20074)" userId="7720cf97-c6ae-4bac-a435-f995da81a4ba" providerId="ADAL" clId="{66BD89BB-1F64-4C31-8A39-7CD03BA7EE7C}" dt="2021-11-08T15:25:58.021" v="623" actId="26606"/>
-          <ac:spMkLst>
-            <pc:docMk/>
-            <pc:sldMk cId="2505959144" sldId="256"/>
-            <ac:spMk id="10" creationId="{B8E37057-BDB6-4452-836A-27973D54F2D8}"/>
-          </ac:spMkLst>
-        </pc:spChg>
-        <pc:spChg chg="add mod">
-          <ac:chgData name="Esenwein Benjamin (inf20074)" userId="7720cf97-c6ae-4bac-a435-f995da81a4ba" providerId="ADAL" clId="{66BD89BB-1F64-4C31-8A39-7CD03BA7EE7C}" dt="2021-11-08T15:42:57.864" v="1468" actId="1035"/>
-          <ac:spMkLst>
-            <pc:docMk/>
-            <pc:sldMk cId="2505959144" sldId="256"/>
-            <ac:spMk id="11" creationId="{0BE4B811-E571-4A24-840B-9C321B8128B4}"/>
-          </ac:spMkLst>
-        </pc:spChg>
-        <pc:spChg chg="add">
-          <ac:chgData name="Esenwein Benjamin (inf20074)" userId="7720cf97-c6ae-4bac-a435-f995da81a4ba" providerId="ADAL" clId="{66BD89BB-1F64-4C31-8A39-7CD03BA7EE7C}" dt="2021-11-08T15:25:58.021" v="623" actId="26606"/>
-          <ac:spMkLst>
-            <pc:docMk/>
-            <pc:sldMk cId="2505959144" sldId="256"/>
-            <ac:spMk id="12" creationId="{11A3A707-72D6-4BAB-8187-F8204F4EDC6B}"/>
-          </ac:spMkLst>
-        </pc:spChg>
-        <pc:spChg chg="add mod modVis">
-          <ac:chgData name="Esenwein Benjamin (inf20074)" userId="7720cf97-c6ae-4bac-a435-f995da81a4ba" providerId="ADAL" clId="{66BD89BB-1F64-4C31-8A39-7CD03BA7EE7C}" dt="2021-11-10T16:41:25.052" v="6604" actId="14430"/>
-          <ac:spMkLst>
-            <pc:docMk/>
-            <pc:sldMk cId="2505959144" sldId="256"/>
-            <ac:spMk id="14" creationId="{C983411D-901F-4574-9926-33415AA921FF}"/>
-          </ac:spMkLst>
-        </pc:spChg>
-        <pc:cxnChg chg="add mod">
-          <ac:chgData name="Esenwein Benjamin (inf20074)" userId="7720cf97-c6ae-4bac-a435-f995da81a4ba" providerId="ADAL" clId="{66BD89BB-1F64-4C31-8A39-7CD03BA7EE7C}" dt="2021-11-08T15:41:04.432" v="1439" actId="692"/>
-          <ac:cxnSpMkLst>
-            <pc:docMk/>
-            <pc:sldMk cId="2505959144" sldId="256"/>
-            <ac:cxnSpMk id="6" creationId="{37572286-AC26-4A95-9729-80EF7C66611F}"/>
-          </ac:cxnSpMkLst>
-        </pc:cxnChg>
-        <pc:cxnChg chg="add del mod">
-          <ac:chgData name="Esenwein Benjamin (inf20074)" userId="7720cf97-c6ae-4bac-a435-f995da81a4ba" providerId="ADAL" clId="{66BD89BB-1F64-4C31-8A39-7CD03BA7EE7C}" dt="2021-11-10T16:19:00.457" v="6520"/>
-          <ac:cxnSpMkLst>
-            <pc:docMk/>
-            <pc:sldMk cId="2505959144" sldId="256"/>
-            <ac:cxnSpMk id="13" creationId="{70154295-10AD-493E-B8FF-203578906CE5}"/>
-          </ac:cxnSpMkLst>
-        </pc:cxnChg>
-      </pc:sldChg>
-      <pc:sldChg chg="addSp delSp modSp new add del mod ord modTransition modNotesTx">
-        <pc:chgData name="Esenwein Benjamin (inf20074)" userId="7720cf97-c6ae-4bac-a435-f995da81a4ba" providerId="ADAL" clId="{66BD89BB-1F64-4C31-8A39-7CD03BA7EE7C}" dt="2021-11-10T16:52:57.667" v="6634" actId="1076"/>
-        <pc:sldMkLst>
-          <pc:docMk/>
-          <pc:sldMk cId="1575568240" sldId="257"/>
-        </pc:sldMkLst>
-        <pc:spChg chg="mod">
-          <ac:chgData name="Esenwein Benjamin (inf20074)" userId="7720cf97-c6ae-4bac-a435-f995da81a4ba" providerId="ADAL" clId="{66BD89BB-1F64-4C31-8A39-7CD03BA7EE7C}" dt="2021-11-08T15:55:21.636" v="1554" actId="113"/>
-          <ac:spMkLst>
-            <pc:docMk/>
-            <pc:sldMk cId="1575568240" sldId="257"/>
-            <ac:spMk id="2" creationId="{056543D8-4C07-41C1-B32B-D0675555A49D}"/>
-          </ac:spMkLst>
-        </pc:spChg>
-        <pc:spChg chg="mod">
-          <ac:chgData name="Esenwein Benjamin (inf20074)" userId="7720cf97-c6ae-4bac-a435-f995da81a4ba" providerId="ADAL" clId="{66BD89BB-1F64-4C31-8A39-7CD03BA7EE7C}" dt="2021-11-08T19:26:19.793" v="5955" actId="20577"/>
-          <ac:spMkLst>
-            <pc:docMk/>
-            <pc:sldMk cId="1575568240" sldId="257"/>
-            <ac:spMk id="3" creationId="{DF539375-44E3-4147-BAE7-6E5166F80167}"/>
-          </ac:spMkLst>
-        </pc:spChg>
-        <pc:spChg chg="add mod">
-          <ac:chgData name="Esenwein Benjamin (inf20074)" userId="7720cf97-c6ae-4bac-a435-f995da81a4ba" providerId="ADAL" clId="{66BD89BB-1F64-4C31-8A39-7CD03BA7EE7C}" dt="2021-11-08T15:43:51.207" v="1470" actId="207"/>
-          <ac:spMkLst>
-            <pc:docMk/>
-            <pc:sldMk cId="1575568240" sldId="257"/>
-            <ac:spMk id="4" creationId="{13F6B2C5-4685-47AB-A9E6-6EB6FAA6953B}"/>
-          </ac:spMkLst>
-        </pc:spChg>
-        <pc:spChg chg="add del mod">
-          <ac:chgData name="Esenwein Benjamin (inf20074)" userId="7720cf97-c6ae-4bac-a435-f995da81a4ba" providerId="ADAL" clId="{66BD89BB-1F64-4C31-8A39-7CD03BA7EE7C}" dt="2021-11-10T16:12:14.908" v="6457" actId="478"/>
-          <ac:spMkLst>
-            <pc:docMk/>
-            <pc:sldMk cId="1575568240" sldId="257"/>
-            <ac:spMk id="7" creationId="{8E596E59-E6FE-40DA-82DC-4A57F719AD10}"/>
-          </ac:spMkLst>
-        </pc:spChg>
-        <pc:spChg chg="add mod">
-          <ac:chgData name="Esenwein Benjamin (inf20074)" userId="7720cf97-c6ae-4bac-a435-f995da81a4ba" providerId="ADAL" clId="{66BD89BB-1F64-4C31-8A39-7CD03BA7EE7C}" dt="2021-11-10T16:52:57.667" v="6634" actId="1076"/>
-          <ac:spMkLst>
-            <pc:docMk/>
-            <pc:sldMk cId="1575568240" sldId="257"/>
-            <ac:spMk id="8" creationId="{49CE44EA-F4B1-4B54-B01D-7F853505004E}"/>
-          </ac:spMkLst>
-        </pc:spChg>
-        <pc:spChg chg="add mod">
-          <ac:chgData name="Esenwein Benjamin (inf20074)" userId="7720cf97-c6ae-4bac-a435-f995da81a4ba" providerId="ADAL" clId="{66BD89BB-1F64-4C31-8A39-7CD03BA7EE7C}" dt="2021-11-10T16:52:57.667" v="6634" actId="1076"/>
-          <ac:spMkLst>
-            <pc:docMk/>
-            <pc:sldMk cId="1575568240" sldId="257"/>
-            <ac:spMk id="10" creationId="{2659683F-E70E-4B0C-905D-50AB01167893}"/>
-          </ac:spMkLst>
-        </pc:spChg>
-        <pc:spChg chg="mod">
-          <ac:chgData name="Esenwein Benjamin (inf20074)" userId="7720cf97-c6ae-4bac-a435-f995da81a4ba" providerId="ADAL" clId="{66BD89BB-1F64-4C31-8A39-7CD03BA7EE7C}" dt="2021-11-10T16:52:57.667" v="6634" actId="1076"/>
-          <ac:spMkLst>
-            <pc:docMk/>
-            <pc:sldMk cId="1575568240" sldId="257"/>
-            <ac:spMk id="11" creationId="{FE8486AE-0B22-4A2F-AAEB-A9E9777DF897}"/>
-          </ac:spMkLst>
-        </pc:spChg>
-        <pc:spChg chg="mod">
-          <ac:chgData name="Esenwein Benjamin (inf20074)" userId="7720cf97-c6ae-4bac-a435-f995da81a4ba" providerId="ADAL" clId="{66BD89BB-1F64-4C31-8A39-7CD03BA7EE7C}" dt="2021-11-10T16:52:57.667" v="6634" actId="1076"/>
-          <ac:spMkLst>
-            <pc:docMk/>
-            <pc:sldMk cId="1575568240" sldId="257"/>
-            <ac:spMk id="12" creationId="{A3E9974F-677D-43C4-ABD5-206FDCE7833B}"/>
-          </ac:spMkLst>
-        </pc:spChg>
-        <pc:spChg chg="mod">
-          <ac:chgData name="Esenwein Benjamin (inf20074)" userId="7720cf97-c6ae-4bac-a435-f995da81a4ba" providerId="ADAL" clId="{66BD89BB-1F64-4C31-8A39-7CD03BA7EE7C}" dt="2021-11-10T16:52:57.667" v="6634" actId="1076"/>
-          <ac:spMkLst>
-            <pc:docMk/>
-            <pc:sldMk cId="1575568240" sldId="257"/>
-            <ac:spMk id="13" creationId="{2CE22E48-7F81-4358-BE5F-61F07F2111F8}"/>
-          </ac:spMkLst>
-        </pc:spChg>
-        <pc:spChg chg="mod">
-          <ac:chgData name="Esenwein Benjamin (inf20074)" userId="7720cf97-c6ae-4bac-a435-f995da81a4ba" providerId="ADAL" clId="{66BD89BB-1F64-4C31-8A39-7CD03BA7EE7C}" dt="2021-11-10T16:52:57.667" v="6634" actId="1076"/>
-          <ac:spMkLst>
-            <pc:docMk/>
-            <pc:sldMk cId="1575568240" sldId="257"/>
-            <ac:spMk id="14" creationId="{9235CBCA-E9D4-45C1-8DFE-2A5CD2761BA8}"/>
-          </ac:spMkLst>
-        </pc:spChg>
-        <pc:spChg chg="mod">
-          <ac:chgData name="Esenwein Benjamin (inf20074)" userId="7720cf97-c6ae-4bac-a435-f995da81a4ba" providerId="ADAL" clId="{66BD89BB-1F64-4C31-8A39-7CD03BA7EE7C}" dt="2021-11-10T16:52:57.667" v="6634" actId="1076"/>
-          <ac:spMkLst>
-            <pc:docMk/>
-            <pc:sldMk cId="1575568240" sldId="257"/>
-            <ac:spMk id="15" creationId="{07A668D7-1DA3-45CA-9217-9E0ADBF4AA4D}"/>
-          </ac:spMkLst>
-        </pc:spChg>
-        <pc:spChg chg="mod">
-          <ac:chgData name="Esenwein Benjamin (inf20074)" userId="7720cf97-c6ae-4bac-a435-f995da81a4ba" providerId="ADAL" clId="{66BD89BB-1F64-4C31-8A39-7CD03BA7EE7C}" dt="2021-11-10T16:52:57.667" v="6634" actId="1076"/>
-          <ac:spMkLst>
-            <pc:docMk/>
-            <pc:sldMk cId="1575568240" sldId="257"/>
-            <ac:spMk id="16" creationId="{D3F36C19-9615-4DEA-94E5-5C44F53D0942}"/>
-          </ac:spMkLst>
-        </pc:spChg>
-        <pc:spChg chg="mod">
-          <ac:chgData name="Esenwein Benjamin (inf20074)" userId="7720cf97-c6ae-4bac-a435-f995da81a4ba" providerId="ADAL" clId="{66BD89BB-1F64-4C31-8A39-7CD03BA7EE7C}" dt="2021-11-10T16:52:57.667" v="6634" actId="1076"/>
-          <ac:spMkLst>
-            <pc:docMk/>
-            <pc:sldMk cId="1575568240" sldId="257"/>
-            <ac:spMk id="17" creationId="{B2D777E6-BD25-4B35-9FAA-989F9B8468DC}"/>
-          </ac:spMkLst>
-        </pc:spChg>
-        <pc:spChg chg="mod">
-          <ac:chgData name="Esenwein Benjamin (inf20074)" userId="7720cf97-c6ae-4bac-a435-f995da81a4ba" providerId="ADAL" clId="{66BD89BB-1F64-4C31-8A39-7CD03BA7EE7C}" dt="2021-11-10T16:52:57.667" v="6634" actId="1076"/>
-          <ac:spMkLst>
-            <pc:docMk/>
-            <pc:sldMk cId="1575568240" sldId="257"/>
-            <ac:spMk id="18" creationId="{27FD9119-6CC2-49A2-8AA8-7817F2AC84BD}"/>
-          </ac:spMkLst>
-        </pc:spChg>
-        <pc:spChg chg="mod">
-          <ac:chgData name="Esenwein Benjamin (inf20074)" userId="7720cf97-c6ae-4bac-a435-f995da81a4ba" providerId="ADAL" clId="{66BD89BB-1F64-4C31-8A39-7CD03BA7EE7C}" dt="2021-11-10T16:52:57.667" v="6634" actId="1076"/>
-          <ac:spMkLst>
-            <pc:docMk/>
-            <pc:sldMk cId="1575568240" sldId="257"/>
-            <ac:spMk id="19" creationId="{D992AAE6-FDB3-4376-82C5-EACB6B766CBA}"/>
-          </ac:spMkLst>
-        </pc:spChg>
-        <pc:cxnChg chg="del">
-          <ac:chgData name="Esenwein Benjamin (inf20074)" userId="7720cf97-c6ae-4bac-a435-f995da81a4ba" providerId="ADAL" clId="{66BD89BB-1F64-4C31-8A39-7CD03BA7EE7C}" dt="2021-11-10T15:31:15.876" v="6193" actId="478"/>
-          <ac:cxnSpMkLst>
-            <pc:docMk/>
-            <pc:sldMk cId="1575568240" sldId="257"/>
-            <ac:cxnSpMk id="5" creationId="{937A5EEC-7461-4917-B053-8C17E69D3EAA}"/>
-          </ac:cxnSpMkLst>
-        </pc:cxnChg>
-        <pc:cxnChg chg="add mod">
-          <ac:chgData name="Esenwein Benjamin (inf20074)" userId="7720cf97-c6ae-4bac-a435-f995da81a4ba" providerId="ADAL" clId="{66BD89BB-1F64-4C31-8A39-7CD03BA7EE7C}" dt="2021-11-10T15:31:16.364" v="6194"/>
-          <ac:cxnSpMkLst>
-            <pc:docMk/>
-            <pc:sldMk cId="1575568240" sldId="257"/>
-            <ac:cxnSpMk id="6" creationId="{BF20E217-E64C-48E2-9384-24AF160BC5EF}"/>
-          </ac:cxnSpMkLst>
-        </pc:cxnChg>
-        <pc:cxnChg chg="add del mod">
-          <ac:chgData name="Esenwein Benjamin (inf20074)" userId="7720cf97-c6ae-4bac-a435-f995da81a4ba" providerId="ADAL" clId="{66BD89BB-1F64-4C31-8A39-7CD03BA7EE7C}" dt="2021-11-10T16:20:35.209" v="6531" actId="478"/>
-          <ac:cxnSpMkLst>
-            <pc:docMk/>
-            <pc:sldMk cId="1575568240" sldId="257"/>
-            <ac:cxnSpMk id="9" creationId="{179527E8-B373-468D-A836-3AB28D12887B}"/>
-          </ac:cxnSpMkLst>
-        </pc:cxnChg>
-      </pc:sldChg>
-      <pc:sldChg chg="addSp delSp modSp new mod modTransition setBg modNotesTx">
-        <pc:chgData name="Esenwein Benjamin (inf20074)" userId="7720cf97-c6ae-4bac-a435-f995da81a4ba" providerId="ADAL" clId="{66BD89BB-1F64-4C31-8A39-7CD03BA7EE7C}" dt="2021-11-10T16:52:36.919" v="6633" actId="478"/>
-        <pc:sldMkLst>
-          <pc:docMk/>
-          <pc:sldMk cId="719139584" sldId="258"/>
-        </pc:sldMkLst>
-        <pc:spChg chg="mod">
-          <ac:chgData name="Esenwein Benjamin (inf20074)" userId="7720cf97-c6ae-4bac-a435-f995da81a4ba" providerId="ADAL" clId="{66BD89BB-1F64-4C31-8A39-7CD03BA7EE7C}" dt="2021-11-08T19:25:46.812" v="5942" actId="3064"/>
-          <ac:spMkLst>
-            <pc:docMk/>
-            <pc:sldMk cId="719139584" sldId="258"/>
-            <ac:spMk id="2" creationId="{8E43454D-15E9-4568-97E9-95D78897E538}"/>
-          </ac:spMkLst>
-        </pc:spChg>
-        <pc:spChg chg="del">
-          <ac:chgData name="Esenwein Benjamin (inf20074)" userId="7720cf97-c6ae-4bac-a435-f995da81a4ba" providerId="ADAL" clId="{66BD89BB-1F64-4C31-8A39-7CD03BA7EE7C}" dt="2021-11-08T15:27:22.183" v="640" actId="3680"/>
-          <ac:spMkLst>
-            <pc:docMk/>
-            <pc:sldMk cId="719139584" sldId="258"/>
-            <ac:spMk id="3" creationId="{85CA04E6-7752-4655-B014-5FF7FCF00112}"/>
-          </ac:spMkLst>
-        </pc:spChg>
-        <pc:spChg chg="add mod">
-          <ac:chgData name="Esenwein Benjamin (inf20074)" userId="7720cf97-c6ae-4bac-a435-f995da81a4ba" providerId="ADAL" clId="{66BD89BB-1F64-4C31-8A39-7CD03BA7EE7C}" dt="2021-11-08T15:43:46.264" v="1469" actId="207"/>
-          <ac:spMkLst>
-            <pc:docMk/>
-            <pc:sldMk cId="719139584" sldId="258"/>
-            <ac:spMk id="5" creationId="{7F5DEE1F-3EAB-4F4D-BD22-A55EC85D667F}"/>
-          </ac:spMkLst>
-        </pc:spChg>
-        <pc:spChg chg="mod">
-          <ac:chgData name="Esenwein Benjamin (inf20074)" userId="7720cf97-c6ae-4bac-a435-f995da81a4ba" providerId="ADAL" clId="{66BD89BB-1F64-4C31-8A39-7CD03BA7EE7C}" dt="2021-11-10T16:51:32.990" v="6605" actId="1076"/>
-          <ac:spMkLst>
-            <pc:docMk/>
-            <pc:sldMk cId="719139584" sldId="258"/>
-            <ac:spMk id="12" creationId="{0939BD5A-5FE2-444A-ACF8-D050C8E064BC}"/>
-          </ac:spMkLst>
-        </pc:spChg>
-        <pc:spChg chg="mod">
-          <ac:chgData name="Esenwein Benjamin (inf20074)" userId="7720cf97-c6ae-4bac-a435-f995da81a4ba" providerId="ADAL" clId="{66BD89BB-1F64-4C31-8A39-7CD03BA7EE7C}" dt="2021-11-10T16:51:41.050" v="6606" actId="1076"/>
-          <ac:spMkLst>
-            <pc:docMk/>
-            <pc:sldMk cId="719139584" sldId="258"/>
-            <ac:spMk id="13" creationId="{DD63B2AE-C1B5-4451-B3C5-8543168935BF}"/>
-          </ac:spMkLst>
-        </pc:spChg>
-        <pc:spChg chg="mod">
-          <ac:chgData name="Esenwein Benjamin (inf20074)" userId="7720cf97-c6ae-4bac-a435-f995da81a4ba" providerId="ADAL" clId="{66BD89BB-1F64-4C31-8A39-7CD03BA7EE7C}" dt="2021-11-10T16:51:49.949" v="6607" actId="1076"/>
-          <ac:spMkLst>
-            <pc:docMk/>
-            <pc:sldMk cId="719139584" sldId="258"/>
-            <ac:spMk id="14" creationId="{578BD130-2B86-452B-A497-7F6322A84756}"/>
-          </ac:spMkLst>
-        </pc:spChg>
-        <pc:spChg chg="add mod">
-          <ac:chgData name="Esenwein Benjamin (inf20074)" userId="7720cf97-c6ae-4bac-a435-f995da81a4ba" providerId="ADAL" clId="{66BD89BB-1F64-4C31-8A39-7CD03BA7EE7C}" dt="2021-11-10T16:37:42.362" v="6594" actId="1582"/>
-          <ac:spMkLst>
-            <pc:docMk/>
-            <pc:sldMk cId="719139584" sldId="258"/>
-            <ac:spMk id="15" creationId="{1DD9A950-E8F2-4681-B140-33159C406AAB}"/>
-          </ac:spMkLst>
-        </pc:spChg>
-        <pc:spChg chg="add mod">
-          <ac:chgData name="Esenwein Benjamin (inf20074)" userId="7720cf97-c6ae-4bac-a435-f995da81a4ba" providerId="ADAL" clId="{66BD89BB-1F64-4C31-8A39-7CD03BA7EE7C}" dt="2021-11-10T16:31:08.025" v="6577"/>
-          <ac:spMkLst>
-            <pc:docMk/>
-            <pc:sldMk cId="719139584" sldId="258"/>
-            <ac:spMk id="17" creationId="{101D8872-045F-4854-98A2-E0CA3B940FE3}"/>
-          </ac:spMkLst>
-        </pc:spChg>
-        <pc:spChg chg="mod">
-          <ac:chgData name="Esenwein Benjamin (inf20074)" userId="7720cf97-c6ae-4bac-a435-f995da81a4ba" providerId="ADAL" clId="{66BD89BB-1F64-4C31-8A39-7CD03BA7EE7C}" dt="2021-11-10T16:51:56.028" v="6608" actId="1076"/>
-          <ac:spMkLst>
-            <pc:docMk/>
-            <pc:sldMk cId="719139584" sldId="258"/>
-            <ac:spMk id="18" creationId="{78F100DB-A976-49DE-A569-2E98ADDC27E3}"/>
-          </ac:spMkLst>
-        </pc:spChg>
-        <pc:spChg chg="mod">
-          <ac:chgData name="Esenwein Benjamin (inf20074)" userId="7720cf97-c6ae-4bac-a435-f995da81a4ba" providerId="ADAL" clId="{66BD89BB-1F64-4C31-8A39-7CD03BA7EE7C}" dt="2021-11-10T16:52:03.364" v="6609" actId="1076"/>
-          <ac:spMkLst>
-            <pc:docMk/>
-            <pc:sldMk cId="719139584" sldId="258"/>
-            <ac:spMk id="20" creationId="{91D2FAC1-CE8B-4738-9296-4CB614522BC7}"/>
-          </ac:spMkLst>
-        </pc:spChg>
-        <pc:graphicFrameChg chg="add mod ord modGraphic">
-          <ac:chgData name="Esenwein Benjamin (inf20074)" userId="7720cf97-c6ae-4bac-a435-f995da81a4ba" providerId="ADAL" clId="{66BD89BB-1F64-4C31-8A39-7CD03BA7EE7C}" dt="2021-11-08T15:45:43.567" v="1486" actId="12788"/>
-          <ac:graphicFrameMkLst>
-            <pc:docMk/>
-            <pc:sldMk cId="719139584" sldId="258"/>
-            <ac:graphicFrameMk id="4" creationId="{A368CB9D-E35A-44A3-927D-593C6BE5804F}"/>
-          </ac:graphicFrameMkLst>
-        </pc:graphicFrameChg>
-        <pc:cxnChg chg="add mod">
-          <ac:chgData name="Esenwein Benjamin (inf20074)" userId="7720cf97-c6ae-4bac-a435-f995da81a4ba" providerId="ADAL" clId="{66BD89BB-1F64-4C31-8A39-7CD03BA7EE7C}" dt="2021-11-10T15:30:51.359" v="6192" actId="1036"/>
-          <ac:cxnSpMkLst>
-            <pc:docMk/>
-            <pc:sldMk cId="719139584" sldId="258"/>
-            <ac:cxnSpMk id="6" creationId="{47BA24B0-9E14-4EF2-A37A-C072B3BA8293}"/>
-          </ac:cxnSpMkLst>
-        </pc:cxnChg>
-        <pc:cxnChg chg="add del mod">
-          <ac:chgData name="Esenwein Benjamin (inf20074)" userId="7720cf97-c6ae-4bac-a435-f995da81a4ba" providerId="ADAL" clId="{66BD89BB-1F64-4C31-8A39-7CD03BA7EE7C}" dt="2021-11-10T16:20:37.277" v="6532" actId="478"/>
-          <ac:cxnSpMkLst>
-            <pc:docMk/>
-            <pc:sldMk cId="719139584" sldId="258"/>
-            <ac:cxnSpMk id="16" creationId="{764DA249-88D0-4B22-9537-AD27665980F0}"/>
-          </ac:cxnSpMkLst>
-        </pc:cxnChg>
-        <pc:cxnChg chg="add del mod">
-          <ac:chgData name="Esenwein Benjamin (inf20074)" userId="7720cf97-c6ae-4bac-a435-f995da81a4ba" providerId="ADAL" clId="{66BD89BB-1F64-4C31-8A39-7CD03BA7EE7C}" dt="2021-11-10T16:52:36.919" v="6633" actId="478"/>
-          <ac:cxnSpMkLst>
-            <pc:docMk/>
-            <pc:sldMk cId="719139584" sldId="258"/>
-            <ac:cxnSpMk id="22" creationId="{0C448D12-140B-4595-B085-65C257F23B99}"/>
-          </ac:cxnSpMkLst>
-        </pc:cxnChg>
-      </pc:sldChg>
-      <pc:sldChg chg="addSp delSp modSp new mod ord modTransition modNotesTx">
-        <pc:chgData name="Esenwein Benjamin (inf20074)" userId="7720cf97-c6ae-4bac-a435-f995da81a4ba" providerId="ADAL" clId="{66BD89BB-1F64-4C31-8A39-7CD03BA7EE7C}" dt="2021-11-10T16:55:02.728" v="6639" actId="1076"/>
-        <pc:sldMkLst>
-          <pc:docMk/>
-          <pc:sldMk cId="452856955" sldId="259"/>
-        </pc:sldMkLst>
-        <pc:spChg chg="mod">
-          <ac:chgData name="Esenwein Benjamin (inf20074)" userId="7720cf97-c6ae-4bac-a435-f995da81a4ba" providerId="ADAL" clId="{66BD89BB-1F64-4C31-8A39-7CD03BA7EE7C}" dt="2021-11-08T19:24:28.463" v="5933" actId="1036"/>
-          <ac:spMkLst>
-            <pc:docMk/>
-            <pc:sldMk cId="452856955" sldId="259"/>
-            <ac:spMk id="2" creationId="{41BEF49C-9A74-47E5-BEA8-0F56E53ACD27}"/>
-          </ac:spMkLst>
-        </pc:spChg>
-        <pc:spChg chg="del mod">
-          <ac:chgData name="Esenwein Benjamin (inf20074)" userId="7720cf97-c6ae-4bac-a435-f995da81a4ba" providerId="ADAL" clId="{66BD89BB-1F64-4C31-8A39-7CD03BA7EE7C}" dt="2021-11-08T15:59:34.996" v="1590"/>
-          <ac:spMkLst>
-            <pc:docMk/>
-            <pc:sldMk cId="452856955" sldId="259"/>
-            <ac:spMk id="3" creationId="{5C260FDF-3366-49B5-908A-01A7213B5FD9}"/>
-          </ac:spMkLst>
-        </pc:spChg>
-        <pc:spChg chg="add mod">
-          <ac:chgData name="Esenwein Benjamin (inf20074)" userId="7720cf97-c6ae-4bac-a435-f995da81a4ba" providerId="ADAL" clId="{66BD89BB-1F64-4C31-8A39-7CD03BA7EE7C}" dt="2021-11-08T15:43:56.049" v="1471" actId="207"/>
-          <ac:spMkLst>
-            <pc:docMk/>
-            <pc:sldMk cId="452856955" sldId="259"/>
-            <ac:spMk id="4" creationId="{EFBBD174-C394-4AA1-9756-7422815033CF}"/>
-          </ac:spMkLst>
-        </pc:spChg>
-        <pc:spChg chg="add del mod">
-          <ac:chgData name="Esenwein Benjamin (inf20074)" userId="7720cf97-c6ae-4bac-a435-f995da81a4ba" providerId="ADAL" clId="{66BD89BB-1F64-4C31-8A39-7CD03BA7EE7C}" dt="2021-11-08T16:04:56.664" v="1598" actId="478"/>
-          <ac:spMkLst>
-            <pc:docMk/>
-            <pc:sldMk cId="452856955" sldId="259"/>
-            <ac:spMk id="6" creationId="{5D228291-7CD4-451C-AD6D-641DBAE03510}"/>
-          </ac:spMkLst>
-        </pc:spChg>
-        <pc:spChg chg="add mod">
-          <ac:chgData name="Esenwein Benjamin (inf20074)" userId="7720cf97-c6ae-4bac-a435-f995da81a4ba" providerId="ADAL" clId="{66BD89BB-1F64-4C31-8A39-7CD03BA7EE7C}" dt="2021-11-08T16:12:27.841" v="1678" actId="255"/>
-          <ac:spMkLst>
-            <pc:docMk/>
-            <pc:sldMk cId="452856955" sldId="259"/>
-            <ac:spMk id="7" creationId="{9BA4BE39-D5CC-4407-B8B9-8C17DDB719B4}"/>
-          </ac:spMkLst>
-        </pc:spChg>
-        <pc:spChg chg="add del">
-          <ac:chgData name="Esenwein Benjamin (inf20074)" userId="7720cf97-c6ae-4bac-a435-f995da81a4ba" providerId="ADAL" clId="{66BD89BB-1F64-4C31-8A39-7CD03BA7EE7C}" dt="2021-11-08T16:06:14.627" v="1604" actId="478"/>
-          <ac:spMkLst>
-            <pc:docMk/>
-            <pc:sldMk cId="452856955" sldId="259"/>
-            <ac:spMk id="10" creationId="{25CBC2D2-D7AA-4C10-99BA-50060D15A59E}"/>
-          </ac:spMkLst>
-        </pc:spChg>
-        <pc:spChg chg="add mod">
-          <ac:chgData name="Esenwein Benjamin (inf20074)" userId="7720cf97-c6ae-4bac-a435-f995da81a4ba" providerId="ADAL" clId="{66BD89BB-1F64-4C31-8A39-7CD03BA7EE7C}" dt="2021-11-08T17:05:12.094" v="4416" actId="1038"/>
-          <ac:spMkLst>
-            <pc:docMk/>
-            <pc:sldMk cId="452856955" sldId="259"/>
-            <ac:spMk id="11" creationId="{8C0CABCE-9729-4340-BE4A-358949FD759E}"/>
-          </ac:spMkLst>
-        </pc:spChg>
-        <pc:spChg chg="add del">
-          <ac:chgData name="Esenwein Benjamin (inf20074)" userId="7720cf97-c6ae-4bac-a435-f995da81a4ba" providerId="ADAL" clId="{66BD89BB-1F64-4C31-8A39-7CD03BA7EE7C}" dt="2021-11-08T16:06:45.034" v="1615"/>
-          <ac:spMkLst>
-            <pc:docMk/>
-            <pc:sldMk cId="452856955" sldId="259"/>
-            <ac:spMk id="13" creationId="{B5FF8560-47E8-4524-B46D-A2B3159C5AE1}"/>
-          </ac:spMkLst>
-        </pc:spChg>
-        <pc:spChg chg="add del">
-          <ac:chgData name="Esenwein Benjamin (inf20074)" userId="7720cf97-c6ae-4bac-a435-f995da81a4ba" providerId="ADAL" clId="{66BD89BB-1F64-4C31-8A39-7CD03BA7EE7C}" dt="2021-11-08T16:06:47.438" v="1617"/>
-          <ac:spMkLst>
-            <pc:docMk/>
-            <pc:sldMk cId="452856955" sldId="259"/>
-            <ac:spMk id="14" creationId="{0140DEBA-42BE-48B8-81D1-9ECC6AD38D62}"/>
-          </ac:spMkLst>
-        </pc:spChg>
-        <pc:spChg chg="add del mod">
-          <ac:chgData name="Esenwein Benjamin (inf20074)" userId="7720cf97-c6ae-4bac-a435-f995da81a4ba" providerId="ADAL" clId="{66BD89BB-1F64-4C31-8A39-7CD03BA7EE7C}" dt="2021-11-08T16:11:06.208" v="1656" actId="478"/>
-          <ac:spMkLst>
-            <pc:docMk/>
-            <pc:sldMk cId="452856955" sldId="259"/>
-            <ac:spMk id="16" creationId="{18C54E56-CA70-4B85-8093-7A00B1264D8D}"/>
-          </ac:spMkLst>
-        </pc:spChg>
-        <pc:spChg chg="add mod">
-          <ac:chgData name="Esenwein Benjamin (inf20074)" userId="7720cf97-c6ae-4bac-a435-f995da81a4ba" providerId="ADAL" clId="{66BD89BB-1F64-4C31-8A39-7CD03BA7EE7C}" dt="2021-11-10T16:55:02.728" v="6639" actId="1076"/>
-          <ac:spMkLst>
-            <pc:docMk/>
-            <pc:sldMk cId="452856955" sldId="259"/>
-            <ac:spMk id="17" creationId="{E6E5A29A-75DA-40A7-9FF3-18AE87E100B5}"/>
-          </ac:spMkLst>
-        </pc:spChg>
-        <pc:spChg chg="add mod">
-          <ac:chgData name="Esenwein Benjamin (inf20074)" userId="7720cf97-c6ae-4bac-a435-f995da81a4ba" providerId="ADAL" clId="{66BD89BB-1F64-4C31-8A39-7CD03BA7EE7C}" dt="2021-11-08T17:05:12.094" v="4416" actId="1038"/>
-          <ac:spMkLst>
-            <pc:docMk/>
-            <pc:sldMk cId="452856955" sldId="259"/>
-            <ac:spMk id="19" creationId="{92F382EB-2698-4AE3-8689-76B65CE3AAFD}"/>
-          </ac:spMkLst>
-        </pc:spChg>
-        <pc:spChg chg="add mod ord">
-          <ac:chgData name="Esenwein Benjamin (inf20074)" userId="7720cf97-c6ae-4bac-a435-f995da81a4ba" providerId="ADAL" clId="{66BD89BB-1F64-4C31-8A39-7CD03BA7EE7C}" dt="2021-11-08T16:11:36.113" v="1665" actId="164"/>
-          <ac:spMkLst>
-            <pc:docMk/>
-            <pc:sldMk cId="452856955" sldId="259"/>
-            <ac:spMk id="22" creationId="{99B19DE3-4C92-477E-9B0A-2347C02709CC}"/>
-          </ac:spMkLst>
-        </pc:spChg>
-        <pc:spChg chg="add mod">
-          <ac:chgData name="Esenwein Benjamin (inf20074)" userId="7720cf97-c6ae-4bac-a435-f995da81a4ba" providerId="ADAL" clId="{66BD89BB-1F64-4C31-8A39-7CD03BA7EE7C}" dt="2021-11-08T17:05:12.094" v="4416" actId="1038"/>
-          <ac:spMkLst>
-            <pc:docMk/>
-            <pc:sldMk cId="452856955" sldId="259"/>
-            <ac:spMk id="23" creationId="{17004FF8-7BBD-478D-A1EC-664852512FB2}"/>
-          </ac:spMkLst>
-        </pc:spChg>
-        <pc:spChg chg="add mod">
-          <ac:chgData name="Esenwein Benjamin (inf20074)" userId="7720cf97-c6ae-4bac-a435-f995da81a4ba" providerId="ADAL" clId="{66BD89BB-1F64-4C31-8A39-7CD03BA7EE7C}" dt="2021-11-10T16:55:02.728" v="6639" actId="1076"/>
-          <ac:spMkLst>
-            <pc:docMk/>
-            <pc:sldMk cId="452856955" sldId="259"/>
-            <ac:spMk id="25" creationId="{23F06576-B842-4374-AA79-71D1BE837003}"/>
-          </ac:spMkLst>
-        </pc:spChg>
-        <pc:spChg chg="mod">
-          <ac:chgData name="Esenwein Benjamin (inf20074)" userId="7720cf97-c6ae-4bac-a435-f995da81a4ba" providerId="ADAL" clId="{66BD89BB-1F64-4C31-8A39-7CD03BA7EE7C}" dt="2021-11-10T16:55:02.728" v="6639" actId="1076"/>
-          <ac:spMkLst>
-            <pc:docMk/>
-            <pc:sldMk cId="452856955" sldId="259"/>
-            <ac:spMk id="26" creationId="{F2B79D3E-7830-48CE-9FAA-564ED3B2E51D}"/>
-          </ac:spMkLst>
-        </pc:spChg>
-        <pc:spChg chg="mod">
-          <ac:chgData name="Esenwein Benjamin (inf20074)" userId="7720cf97-c6ae-4bac-a435-f995da81a4ba" providerId="ADAL" clId="{66BD89BB-1F64-4C31-8A39-7CD03BA7EE7C}" dt="2021-11-10T16:55:02.728" v="6639" actId="1076"/>
-          <ac:spMkLst>
-            <pc:docMk/>
-            <pc:sldMk cId="452856955" sldId="259"/>
-            <ac:spMk id="27" creationId="{D6B9F240-DA94-4F81-86C5-79DB5752BFA7}"/>
-          </ac:spMkLst>
-        </pc:spChg>
-        <pc:spChg chg="add del mod">
-          <ac:chgData name="Esenwein Benjamin (inf20074)" userId="7720cf97-c6ae-4bac-a435-f995da81a4ba" providerId="ADAL" clId="{66BD89BB-1F64-4C31-8A39-7CD03BA7EE7C}" dt="2021-11-08T16:14:58.568" v="1680"/>
-          <ac:spMkLst>
-            <pc:docMk/>
-            <pc:sldMk cId="452856955" sldId="259"/>
-            <ac:spMk id="28" creationId="{44605575-25E2-45E9-A15E-0F6211F3EC7B}"/>
-          </ac:spMkLst>
-        </pc:spChg>
-        <pc:spChg chg="mod">
-          <ac:chgData name="Esenwein Benjamin (inf20074)" userId="7720cf97-c6ae-4bac-a435-f995da81a4ba" providerId="ADAL" clId="{66BD89BB-1F64-4C31-8A39-7CD03BA7EE7C}" dt="2021-11-10T16:55:02.728" v="6639" actId="1076"/>
-          <ac:spMkLst>
-            <pc:docMk/>
-            <pc:sldMk cId="452856955" sldId="259"/>
-            <ac:spMk id="28" creationId="{D3FA81CC-9F07-45C8-9344-9369B58B01CF}"/>
-          </ac:spMkLst>
-        </pc:spChg>
-        <pc:spChg chg="add del mod">
-          <ac:chgData name="Esenwein Benjamin (inf20074)" userId="7720cf97-c6ae-4bac-a435-f995da81a4ba" providerId="ADAL" clId="{66BD89BB-1F64-4C31-8A39-7CD03BA7EE7C}" dt="2021-11-08T16:14:58.568" v="1680"/>
-          <ac:spMkLst>
-            <pc:docMk/>
-            <pc:sldMk cId="452856955" sldId="259"/>
-            <ac:spMk id="29" creationId="{99468DC4-B8C8-4252-8FE3-71C52611A2F4}"/>
-          </ac:spMkLst>
-        </pc:spChg>
-        <pc:spChg chg="mod">
-          <ac:chgData name="Esenwein Benjamin (inf20074)" userId="7720cf97-c6ae-4bac-a435-f995da81a4ba" providerId="ADAL" clId="{66BD89BB-1F64-4C31-8A39-7CD03BA7EE7C}" dt="2021-11-10T16:55:02.728" v="6639" actId="1076"/>
-          <ac:spMkLst>
-            <pc:docMk/>
-            <pc:sldMk cId="452856955" sldId="259"/>
-            <ac:spMk id="29" creationId="{E92F2DA4-5AEB-4D5B-9968-94A4CEFDB893}"/>
-          </ac:spMkLst>
-        </pc:spChg>
-        <pc:spChg chg="mod">
-          <ac:chgData name="Esenwein Benjamin (inf20074)" userId="7720cf97-c6ae-4bac-a435-f995da81a4ba" providerId="ADAL" clId="{66BD89BB-1F64-4C31-8A39-7CD03BA7EE7C}" dt="2021-11-10T16:55:02.728" v="6639" actId="1076"/>
-          <ac:spMkLst>
-            <pc:docMk/>
-            <pc:sldMk cId="452856955" sldId="259"/>
-            <ac:spMk id="30" creationId="{4E218B74-5243-415B-9655-E58BE56AEFC7}"/>
-          </ac:spMkLst>
-        </pc:spChg>
-        <pc:spChg chg="add del mod">
-          <ac:chgData name="Esenwein Benjamin (inf20074)" userId="7720cf97-c6ae-4bac-a435-f995da81a4ba" providerId="ADAL" clId="{66BD89BB-1F64-4C31-8A39-7CD03BA7EE7C}" dt="2021-11-08T16:14:58.568" v="1680"/>
-          <ac:spMkLst>
-            <pc:docMk/>
-            <pc:sldMk cId="452856955" sldId="259"/>
-            <ac:spMk id="30" creationId="{AE77E544-0B6F-4CCB-AA8E-CE41B73AABAE}"/>
-          </ac:spMkLst>
-        </pc:spChg>
-        <pc:spChg chg="add del mod">
-          <ac:chgData name="Esenwein Benjamin (inf20074)" userId="7720cf97-c6ae-4bac-a435-f995da81a4ba" providerId="ADAL" clId="{66BD89BB-1F64-4C31-8A39-7CD03BA7EE7C}" dt="2021-11-08T16:14:58.568" v="1680"/>
-          <ac:spMkLst>
-            <pc:docMk/>
-            <pc:sldMk cId="452856955" sldId="259"/>
-            <ac:spMk id="31" creationId="{165C7CBB-776C-4E1D-8FE6-055F256488C1}"/>
-          </ac:spMkLst>
-        </pc:spChg>
-        <pc:spChg chg="mod">
-          <ac:chgData name="Esenwein Benjamin (inf20074)" userId="7720cf97-c6ae-4bac-a435-f995da81a4ba" providerId="ADAL" clId="{66BD89BB-1F64-4C31-8A39-7CD03BA7EE7C}" dt="2021-11-10T16:55:02.728" v="6639" actId="1076"/>
-          <ac:spMkLst>
-            <pc:docMk/>
-            <pc:sldMk cId="452856955" sldId="259"/>
-            <ac:spMk id="31" creationId="{19D9E93B-98EB-420F-9357-38A238F52743}"/>
-          </ac:spMkLst>
-        </pc:spChg>
-        <pc:spChg chg="mod">
-          <ac:chgData name="Esenwein Benjamin (inf20074)" userId="7720cf97-c6ae-4bac-a435-f995da81a4ba" providerId="ADAL" clId="{66BD89BB-1F64-4C31-8A39-7CD03BA7EE7C}" dt="2021-11-10T16:55:02.728" v="6639" actId="1076"/>
-          <ac:spMkLst>
-            <pc:docMk/>
-            <pc:sldMk cId="452856955" sldId="259"/>
-            <ac:spMk id="32" creationId="{D563C1BD-737A-4C8E-AEDA-C11D93CD3966}"/>
-          </ac:spMkLst>
-        </pc:spChg>
-        <pc:grpChg chg="add mod">
-          <ac:chgData name="Esenwein Benjamin (inf20074)" userId="7720cf97-c6ae-4bac-a435-f995da81a4ba" providerId="ADAL" clId="{66BD89BB-1F64-4C31-8A39-7CD03BA7EE7C}" dt="2021-11-08T17:05:06.097" v="4392" actId="1076"/>
-          <ac:grpSpMkLst>
-            <pc:docMk/>
-            <pc:sldMk cId="452856955" sldId="259"/>
-            <ac:grpSpMk id="24" creationId="{E43CD1C5-71EC-4B1C-BB00-55F5529E774E}"/>
-          </ac:grpSpMkLst>
-        </pc:grpChg>
-        <pc:picChg chg="add del mod">
-          <ac:chgData name="Esenwein Benjamin (inf20074)" userId="7720cf97-c6ae-4bac-a435-f995da81a4ba" providerId="ADAL" clId="{66BD89BB-1F64-4C31-8A39-7CD03BA7EE7C}" dt="2021-11-08T16:06:14.627" v="1604" actId="478"/>
-          <ac:picMkLst>
-            <pc:docMk/>
-            <pc:sldMk cId="452856955" sldId="259"/>
-            <ac:picMk id="8" creationId="{B35D19EF-97F6-467E-8B95-5432EF1E46B0}"/>
-          </ac:picMkLst>
-        </pc:picChg>
-        <pc:picChg chg="add del mod">
-          <ac:chgData name="Esenwein Benjamin (inf20074)" userId="7720cf97-c6ae-4bac-a435-f995da81a4ba" providerId="ADAL" clId="{66BD89BB-1F64-4C31-8A39-7CD03BA7EE7C}" dt="2021-11-08T16:06:29.355" v="1610"/>
-          <ac:picMkLst>
-            <pc:docMk/>
-            <pc:sldMk cId="452856955" sldId="259"/>
-            <ac:picMk id="12" creationId="{A76F7B96-8A95-440E-825D-4054F317AA26}"/>
-          </ac:picMkLst>
-        </pc:picChg>
-        <pc:picChg chg="add mod ord">
-          <ac:chgData name="Esenwein Benjamin (inf20074)" userId="7720cf97-c6ae-4bac-a435-f995da81a4ba" providerId="ADAL" clId="{66BD89BB-1F64-4C31-8A39-7CD03BA7EE7C}" dt="2021-11-08T16:11:36.113" v="1665" actId="164"/>
-          <ac:picMkLst>
-            <pc:docMk/>
-            <pc:sldMk cId="452856955" sldId="259"/>
-            <ac:picMk id="15" creationId="{71614E73-266E-4E12-98E5-0C22AEC230D0}"/>
-          </ac:picMkLst>
-        </pc:picChg>
-        <pc:picChg chg="add mod">
-          <ac:chgData name="Esenwein Benjamin (inf20074)" userId="7720cf97-c6ae-4bac-a435-f995da81a4ba" providerId="ADAL" clId="{66BD89BB-1F64-4C31-8A39-7CD03BA7EE7C}" dt="2021-11-08T16:11:36.113" v="1665" actId="164"/>
-          <ac:picMkLst>
-            <pc:docMk/>
-            <pc:sldMk cId="452856955" sldId="259"/>
-            <ac:picMk id="18" creationId="{AB65A386-85B3-4A4C-B2F1-388A8E1512F6}"/>
-          </ac:picMkLst>
-        </pc:picChg>
-        <pc:picChg chg="add mod">
-          <ac:chgData name="Esenwein Benjamin (inf20074)" userId="7720cf97-c6ae-4bac-a435-f995da81a4ba" providerId="ADAL" clId="{66BD89BB-1F64-4C31-8A39-7CD03BA7EE7C}" dt="2021-11-08T16:11:36.113" v="1665" actId="164"/>
-          <ac:picMkLst>
-            <pc:docMk/>
-            <pc:sldMk cId="452856955" sldId="259"/>
-            <ac:picMk id="20" creationId="{7F320540-572A-43E9-979A-D0D7287D4DD1}"/>
-          </ac:picMkLst>
-        </pc:picChg>
-        <pc:picChg chg="add del mod">
-          <ac:chgData name="Esenwein Benjamin (inf20074)" userId="7720cf97-c6ae-4bac-a435-f995da81a4ba" providerId="ADAL" clId="{66BD89BB-1F64-4C31-8A39-7CD03BA7EE7C}" dt="2021-11-08T17:04:54.166" v="4391" actId="478"/>
-          <ac:picMkLst>
-            <pc:docMk/>
-            <pc:sldMk cId="452856955" sldId="259"/>
-            <ac:picMk id="25" creationId="{16462EF4-E135-4219-8F30-5350135DB854}"/>
-          </ac:picMkLst>
-        </pc:picChg>
-        <pc:picChg chg="add mod">
-          <ac:chgData name="Esenwein Benjamin (inf20074)" userId="7720cf97-c6ae-4bac-a435-f995da81a4ba" providerId="ADAL" clId="{66BD89BB-1F64-4C31-8A39-7CD03BA7EE7C}" dt="2021-11-08T16:06:41.701" v="1613" actId="1076"/>
-          <ac:picMkLst>
-            <pc:docMk/>
-            <pc:sldMk cId="452856955" sldId="259"/>
-            <ac:picMk id="1026" creationId="{A6B07CCD-D2CC-42B8-93BA-AB79E27EC9E7}"/>
-          </ac:picMkLst>
-        </pc:picChg>
-        <pc:cxnChg chg="del">
-          <ac:chgData name="Esenwein Benjamin (inf20074)" userId="7720cf97-c6ae-4bac-a435-f995da81a4ba" providerId="ADAL" clId="{66BD89BB-1F64-4C31-8A39-7CD03BA7EE7C}" dt="2021-11-10T15:31:19.776" v="6195" actId="478"/>
-          <ac:cxnSpMkLst>
-            <pc:docMk/>
-            <pc:sldMk cId="452856955" sldId="259"/>
-            <ac:cxnSpMk id="14" creationId="{5630DF80-EB0C-4207-B4D8-298E0A44F081}"/>
-          </ac:cxnSpMkLst>
-        </pc:cxnChg>
-        <pc:cxnChg chg="add mod">
-          <ac:chgData name="Esenwein Benjamin (inf20074)" userId="7720cf97-c6ae-4bac-a435-f995da81a4ba" providerId="ADAL" clId="{66BD89BB-1F64-4C31-8A39-7CD03BA7EE7C}" dt="2021-11-10T15:31:20.033" v="6196"/>
-          <ac:cxnSpMkLst>
-            <pc:docMk/>
-            <pc:sldMk cId="452856955" sldId="259"/>
-            <ac:cxnSpMk id="16" creationId="{07BD3071-2943-427C-A101-4CA434609CDA}"/>
-          </ac:cxnSpMkLst>
-        </pc:cxnChg>
-        <pc:cxnChg chg="add del mod">
-          <ac:chgData name="Esenwein Benjamin (inf20074)" userId="7720cf97-c6ae-4bac-a435-f995da81a4ba" providerId="ADAL" clId="{66BD89BB-1F64-4C31-8A39-7CD03BA7EE7C}" dt="2021-11-10T16:20:30.840" v="6529" actId="478"/>
-          <ac:cxnSpMkLst>
-            <pc:docMk/>
-            <pc:sldMk cId="452856955" sldId="259"/>
-            <ac:cxnSpMk id="21" creationId="{1FC297FA-0856-4DE4-AF98-21B2D6692972}"/>
-          </ac:cxnSpMkLst>
-        </pc:cxnChg>
-        <pc:cxnChg chg="add del mod">
-          <ac:chgData name="Esenwein Benjamin (inf20074)" userId="7720cf97-c6ae-4bac-a435-f995da81a4ba" providerId="ADAL" clId="{66BD89BB-1F64-4C31-8A39-7CD03BA7EE7C}" dt="2021-11-08T16:14:58.568" v="1680"/>
-          <ac:cxnSpMkLst>
-            <pc:docMk/>
-            <pc:sldMk cId="452856955" sldId="259"/>
-            <ac:cxnSpMk id="26" creationId="{B89B1BDF-2600-47D2-AEB6-ADC2BD0C8075}"/>
-          </ac:cxnSpMkLst>
-        </pc:cxnChg>
-        <pc:cxnChg chg="add del mod">
-          <ac:chgData name="Esenwein Benjamin (inf20074)" userId="7720cf97-c6ae-4bac-a435-f995da81a4ba" providerId="ADAL" clId="{66BD89BB-1F64-4C31-8A39-7CD03BA7EE7C}" dt="2021-11-08T16:14:58.568" v="1680"/>
-          <ac:cxnSpMkLst>
-            <pc:docMk/>
-            <pc:sldMk cId="452856955" sldId="259"/>
-            <ac:cxnSpMk id="27" creationId="{BB2B4E49-E54E-452B-8A38-7FCB4BD39D9C}"/>
-          </ac:cxnSpMkLst>
-        </pc:cxnChg>
-      </pc:sldChg>
-      <pc:sldChg chg="addSp delSp modSp new add del mod modTransition modShow modNotesTx">
-        <pc:chgData name="Esenwein Benjamin (inf20074)" userId="7720cf97-c6ae-4bac-a435-f995da81a4ba" providerId="ADAL" clId="{66BD89BB-1F64-4C31-8A39-7CD03BA7EE7C}" dt="2021-11-10T15:54:45.499" v="6372" actId="729"/>
-        <pc:sldMkLst>
-          <pc:docMk/>
-          <pc:sldMk cId="1356689989" sldId="260"/>
-        </pc:sldMkLst>
-        <pc:spChg chg="mod">
-          <ac:chgData name="Esenwein Benjamin (inf20074)" userId="7720cf97-c6ae-4bac-a435-f995da81a4ba" providerId="ADAL" clId="{66BD89BB-1F64-4C31-8A39-7CD03BA7EE7C}" dt="2021-11-08T15:55:27.121" v="1556" actId="113"/>
-          <ac:spMkLst>
-            <pc:docMk/>
-            <pc:sldMk cId="1356689989" sldId="260"/>
-            <ac:spMk id="2" creationId="{6A6CFDC0-5DE2-410C-961A-B89176639397}"/>
-          </ac:spMkLst>
-        </pc:spChg>
-        <pc:spChg chg="mod">
-          <ac:chgData name="Esenwein Benjamin (inf20074)" userId="7720cf97-c6ae-4bac-a435-f995da81a4ba" providerId="ADAL" clId="{66BD89BB-1F64-4C31-8A39-7CD03BA7EE7C}" dt="2021-11-08T18:41:51.629" v="4842" actId="790"/>
-          <ac:spMkLst>
-            <pc:docMk/>
-            <pc:sldMk cId="1356689989" sldId="260"/>
-            <ac:spMk id="3" creationId="{73D225A9-9311-48FD-AAF5-55E50D2A7DCC}"/>
-          </ac:spMkLst>
-        </pc:spChg>
-        <pc:spChg chg="add mod">
-          <ac:chgData name="Esenwein Benjamin (inf20074)" userId="7720cf97-c6ae-4bac-a435-f995da81a4ba" providerId="ADAL" clId="{66BD89BB-1F64-4C31-8A39-7CD03BA7EE7C}" dt="2021-11-08T15:44:01.850" v="1472"/>
-          <ac:spMkLst>
-            <pc:docMk/>
-            <pc:sldMk cId="1356689989" sldId="260"/>
-            <ac:spMk id="4" creationId="{42EEF7A8-BD98-4490-8838-2CF3D5B4C738}"/>
-          </ac:spMkLst>
-        </pc:spChg>
-        <pc:cxnChg chg="del">
-          <ac:chgData name="Esenwein Benjamin (inf20074)" userId="7720cf97-c6ae-4bac-a435-f995da81a4ba" providerId="ADAL" clId="{66BD89BB-1F64-4C31-8A39-7CD03BA7EE7C}" dt="2021-11-10T15:31:27.707" v="6199" actId="478"/>
-          <ac:cxnSpMkLst>
-            <pc:docMk/>
-            <pc:sldMk cId="1356689989" sldId="260"/>
-            <ac:cxnSpMk id="5" creationId="{8B5D101D-A589-4C3B-9061-C7CE7FE9E84E}"/>
-          </ac:cxnSpMkLst>
-        </pc:cxnChg>
-        <pc:cxnChg chg="add mod">
-          <ac:chgData name="Esenwein Benjamin (inf20074)" userId="7720cf97-c6ae-4bac-a435-f995da81a4ba" providerId="ADAL" clId="{66BD89BB-1F64-4C31-8A39-7CD03BA7EE7C}" dt="2021-11-10T15:31:28.044" v="6200"/>
-          <ac:cxnSpMkLst>
-            <pc:docMk/>
-            <pc:sldMk cId="1356689989" sldId="260"/>
-            <ac:cxnSpMk id="6" creationId="{5866BF4A-F283-4EF4-92EA-27F2B1E24C51}"/>
-          </ac:cxnSpMkLst>
-        </pc:cxnChg>
-        <pc:cxnChg chg="del">
-          <ac:chgData name="Esenwein Benjamin (inf20074)" userId="7720cf97-c6ae-4bac-a435-f995da81a4ba" providerId="ADAL" clId="{66BD89BB-1F64-4C31-8A39-7CD03BA7EE7C}" dt="2021-11-10T15:31:55.738" v="6209" actId="478"/>
-          <ac:cxnSpMkLst>
-            <pc:docMk/>
-            <pc:sldMk cId="1356689989" sldId="260"/>
-            <ac:cxnSpMk id="7" creationId="{B76961E3-1B5A-4C55-9AF4-6A84F6D9C363}"/>
-          </ac:cxnSpMkLst>
-        </pc:cxnChg>
-      </pc:sldChg>
-      <pc:sldChg chg="addSp delSp modSp add mod modTransition modNotesTx">
-        <pc:chgData name="Esenwein Benjamin (inf20074)" userId="7720cf97-c6ae-4bac-a435-f995da81a4ba" providerId="ADAL" clId="{66BD89BB-1F64-4C31-8A39-7CD03BA7EE7C}" dt="2021-11-10T16:20:20.878" v="6525" actId="478"/>
-        <pc:sldMkLst>
-          <pc:docMk/>
-          <pc:sldMk cId="2980803954" sldId="261"/>
-        </pc:sldMkLst>
-        <pc:spChg chg="mod">
-          <ac:chgData name="Esenwein Benjamin (inf20074)" userId="7720cf97-c6ae-4bac-a435-f995da81a4ba" providerId="ADAL" clId="{66BD89BB-1F64-4C31-8A39-7CD03BA7EE7C}" dt="2021-11-08T19:27:36.347" v="5957" actId="14100"/>
-          <ac:spMkLst>
-            <pc:docMk/>
-            <pc:sldMk cId="2980803954" sldId="261"/>
-            <ac:spMk id="2" creationId="{6A6CFDC0-5DE2-410C-961A-B89176639397}"/>
-          </ac:spMkLst>
-        </pc:spChg>
-        <pc:spChg chg="mod">
-          <ac:chgData name="Esenwein Benjamin (inf20074)" userId="7720cf97-c6ae-4bac-a435-f995da81a4ba" providerId="ADAL" clId="{66BD89BB-1F64-4C31-8A39-7CD03BA7EE7C}" dt="2021-11-08T19:28:06.305" v="5959" actId="790"/>
-          <ac:spMkLst>
-            <pc:docMk/>
-            <pc:sldMk cId="2980803954" sldId="261"/>
-            <ac:spMk id="3" creationId="{73D225A9-9311-48FD-AAF5-55E50D2A7DCC}"/>
-          </ac:spMkLst>
-        </pc:spChg>
-        <pc:spChg chg="add mod">
-          <ac:chgData name="Esenwein Benjamin (inf20074)" userId="7720cf97-c6ae-4bac-a435-f995da81a4ba" providerId="ADAL" clId="{66BD89BB-1F64-4C31-8A39-7CD03BA7EE7C}" dt="2021-11-08T15:44:02.880" v="1473"/>
-          <ac:spMkLst>
-            <pc:docMk/>
-            <pc:sldMk cId="2980803954" sldId="261"/>
-            <ac:spMk id="4" creationId="{56001663-622C-4C67-88DB-B8EC87D385FB}"/>
-          </ac:spMkLst>
-        </pc:spChg>
-        <pc:spChg chg="add mod">
-          <ac:chgData name="Esenwein Benjamin (inf20074)" userId="7720cf97-c6ae-4bac-a435-f995da81a4ba" providerId="ADAL" clId="{66BD89BB-1F64-4C31-8A39-7CD03BA7EE7C}" dt="2021-11-10T16:14:58.725" v="6482" actId="1076"/>
-          <ac:spMkLst>
-            <pc:docMk/>
-            <pc:sldMk cId="2980803954" sldId="261"/>
-            <ac:spMk id="7" creationId="{F7F29040-3579-4248-977C-7CBC048C3111}"/>
-          </ac:spMkLst>
-        </pc:spChg>
-        <pc:cxnChg chg="add mod">
-          <ac:chgData name="Esenwein Benjamin (inf20074)" userId="7720cf97-c6ae-4bac-a435-f995da81a4ba" providerId="ADAL" clId="{66BD89BB-1F64-4C31-8A39-7CD03BA7EE7C}" dt="2021-11-10T15:31:30.459" v="6201"/>
-          <ac:cxnSpMkLst>
-            <pc:docMk/>
-            <pc:sldMk cId="2980803954" sldId="261"/>
-            <ac:cxnSpMk id="6" creationId="{6E25CDE1-697B-4F40-9BC5-079FB0A625C9}"/>
-          </ac:cxnSpMkLst>
-        </pc:cxnChg>
-        <pc:cxnChg chg="del">
-          <ac:chgData name="Esenwein Benjamin (inf20074)" userId="7720cf97-c6ae-4bac-a435-f995da81a4ba" providerId="ADAL" clId="{66BD89BB-1F64-4C31-8A39-7CD03BA7EE7C}" dt="2021-11-10T15:31:52.002" v="6208" actId="478"/>
-          <ac:cxnSpMkLst>
-            <pc:docMk/>
-            <pc:sldMk cId="2980803954" sldId="261"/>
-            <ac:cxnSpMk id="7" creationId="{F593A212-2085-42A7-8687-A76C52BE0A76}"/>
-          </ac:cxnSpMkLst>
-        </pc:cxnChg>
-        <pc:cxnChg chg="add del mod">
-          <ac:chgData name="Esenwein Benjamin (inf20074)" userId="7720cf97-c6ae-4bac-a435-f995da81a4ba" providerId="ADAL" clId="{66BD89BB-1F64-4C31-8A39-7CD03BA7EE7C}" dt="2021-11-10T16:20:20.878" v="6525" actId="478"/>
-          <ac:cxnSpMkLst>
-            <pc:docMk/>
-            <pc:sldMk cId="2980803954" sldId="261"/>
-            <ac:cxnSpMk id="8" creationId="{99BC0D80-7565-4CD1-89EE-7B35F9871ED6}"/>
-          </ac:cxnSpMkLst>
-        </pc:cxnChg>
-      </pc:sldChg>
-      <pc:sldChg chg="addSp delSp modSp new mod modTransition modAnim modNotesTx">
-        <pc:chgData name="Esenwein Benjamin (inf20074)" userId="7720cf97-c6ae-4bac-a435-f995da81a4ba" providerId="ADAL" clId="{66BD89BB-1F64-4C31-8A39-7CD03BA7EE7C}" dt="2021-11-10T16:57:17.791" v="6647" actId="1076"/>
-        <pc:sldMkLst>
-          <pc:docMk/>
-          <pc:sldMk cId="4147236091" sldId="262"/>
-        </pc:sldMkLst>
-        <pc:spChg chg="mod">
-          <ac:chgData name="Esenwein Benjamin (inf20074)" userId="7720cf97-c6ae-4bac-a435-f995da81a4ba" providerId="ADAL" clId="{66BD89BB-1F64-4C31-8A39-7CD03BA7EE7C}" dt="2021-11-08T15:55:34.053" v="1558" actId="113"/>
-          <ac:spMkLst>
-            <pc:docMk/>
-            <pc:sldMk cId="4147236091" sldId="262"/>
-            <ac:spMk id="2" creationId="{1747C8D8-D661-4E78-B917-32AB748623DB}"/>
-          </ac:spMkLst>
-        </pc:spChg>
-        <pc:spChg chg="del">
-          <ac:chgData name="Esenwein Benjamin (inf20074)" userId="7720cf97-c6ae-4bac-a435-f995da81a4ba" providerId="ADAL" clId="{66BD89BB-1F64-4C31-8A39-7CD03BA7EE7C}" dt="2021-11-08T16:30:29.826" v="1719"/>
-          <ac:spMkLst>
-            <pc:docMk/>
-            <pc:sldMk cId="4147236091" sldId="262"/>
-            <ac:spMk id="3" creationId="{7696D98C-9EE6-4815-8B29-959EB68EC44C}"/>
-          </ac:spMkLst>
-        </pc:spChg>
-        <pc:spChg chg="add mod">
-          <ac:chgData name="Esenwein Benjamin (inf20074)" userId="7720cf97-c6ae-4bac-a435-f995da81a4ba" providerId="ADAL" clId="{66BD89BB-1F64-4C31-8A39-7CD03BA7EE7C}" dt="2021-11-08T15:44:04.669" v="1474"/>
-          <ac:spMkLst>
-            <pc:docMk/>
-            <pc:sldMk cId="4147236091" sldId="262"/>
-            <ac:spMk id="4" creationId="{9F3249F3-F807-49E4-B25C-F8E254374BE1}"/>
-          </ac:spMkLst>
-        </pc:spChg>
-        <pc:spChg chg="add del mod">
-          <ac:chgData name="Esenwein Benjamin (inf20074)" userId="7720cf97-c6ae-4bac-a435-f995da81a4ba" providerId="ADAL" clId="{66BD89BB-1F64-4C31-8A39-7CD03BA7EE7C}" dt="2021-11-08T16:34:13.205" v="1725"/>
-          <ac:spMkLst>
-            <pc:docMk/>
-            <pc:sldMk cId="4147236091" sldId="262"/>
-            <ac:spMk id="8" creationId="{B4A9557C-9768-4F38-88A8-2638E3CDFF59}"/>
-          </ac:spMkLst>
-        </pc:spChg>
-        <pc:spChg chg="add mod">
-          <ac:chgData name="Esenwein Benjamin (inf20074)" userId="7720cf97-c6ae-4bac-a435-f995da81a4ba" providerId="ADAL" clId="{66BD89BB-1F64-4C31-8A39-7CD03BA7EE7C}" dt="2021-11-10T16:00:10.614" v="6376" actId="207"/>
-          <ac:spMkLst>
-            <pc:docMk/>
-            <pc:sldMk cId="4147236091" sldId="262"/>
-            <ac:spMk id="12" creationId="{87AD0200-DD05-49D8-A458-EA41761A8DE1}"/>
-          </ac:spMkLst>
-        </pc:spChg>
-        <pc:spChg chg="add mod">
-          <ac:chgData name="Esenwein Benjamin (inf20074)" userId="7720cf97-c6ae-4bac-a435-f995da81a4ba" providerId="ADAL" clId="{66BD89BB-1F64-4C31-8A39-7CD03BA7EE7C}" dt="2021-11-10T16:57:17.791" v="6647" actId="1076"/>
-          <ac:spMkLst>
-            <pc:docMk/>
-            <pc:sldMk cId="4147236091" sldId="262"/>
-            <ac:spMk id="15" creationId="{209566E8-9D98-465B-BE0F-01BCCF75D1EA}"/>
-          </ac:spMkLst>
-        </pc:spChg>
-        <pc:spChg chg="add mod">
-          <ac:chgData name="Esenwein Benjamin (inf20074)" userId="7720cf97-c6ae-4bac-a435-f995da81a4ba" providerId="ADAL" clId="{66BD89BB-1F64-4C31-8A39-7CD03BA7EE7C}" dt="2021-11-10T16:57:17.791" v="6647" actId="1076"/>
-          <ac:spMkLst>
-            <pc:docMk/>
-            <pc:sldMk cId="4147236091" sldId="262"/>
-            <ac:spMk id="17" creationId="{4CFD39F8-4CBB-4EE4-8478-BADE98CF2E40}"/>
-          </ac:spMkLst>
-        </pc:spChg>
-        <pc:spChg chg="mod">
-          <ac:chgData name="Esenwein Benjamin (inf20074)" userId="7720cf97-c6ae-4bac-a435-f995da81a4ba" providerId="ADAL" clId="{66BD89BB-1F64-4C31-8A39-7CD03BA7EE7C}" dt="2021-11-10T16:57:17.791" v="6647" actId="1076"/>
-          <ac:spMkLst>
-            <pc:docMk/>
-            <pc:sldMk cId="4147236091" sldId="262"/>
-            <ac:spMk id="18" creationId="{65F52A42-A9AF-4503-8AF2-4EC1BBF45A1B}"/>
-          </ac:spMkLst>
-        </pc:spChg>
-        <pc:spChg chg="mod">
-          <ac:chgData name="Esenwein Benjamin (inf20074)" userId="7720cf97-c6ae-4bac-a435-f995da81a4ba" providerId="ADAL" clId="{66BD89BB-1F64-4C31-8A39-7CD03BA7EE7C}" dt="2021-11-10T16:57:17.791" v="6647" actId="1076"/>
-          <ac:spMkLst>
-            <pc:docMk/>
-            <pc:sldMk cId="4147236091" sldId="262"/>
-            <ac:spMk id="20" creationId="{CDFA100E-A128-4646-A86D-500F8424EF60}"/>
-          </ac:spMkLst>
-        </pc:spChg>
-        <pc:spChg chg="mod">
-          <ac:chgData name="Esenwein Benjamin (inf20074)" userId="7720cf97-c6ae-4bac-a435-f995da81a4ba" providerId="ADAL" clId="{66BD89BB-1F64-4C31-8A39-7CD03BA7EE7C}" dt="2021-11-10T16:57:17.791" v="6647" actId="1076"/>
-          <ac:spMkLst>
-            <pc:docMk/>
-            <pc:sldMk cId="4147236091" sldId="262"/>
-            <ac:spMk id="21" creationId="{EFDB0F1D-06FB-4FF3-BA0D-D74305FF8E92}"/>
-          </ac:spMkLst>
-        </pc:spChg>
-        <pc:graphicFrameChg chg="add mod modGraphic">
-          <ac:chgData name="Esenwein Benjamin (inf20074)" userId="7720cf97-c6ae-4bac-a435-f995da81a4ba" providerId="ADAL" clId="{66BD89BB-1F64-4C31-8A39-7CD03BA7EE7C}" dt="2021-11-08T16:41:30.148" v="1973" actId="1076"/>
-          <ac:graphicFrameMkLst>
-            <pc:docMk/>
-            <pc:sldMk cId="4147236091" sldId="262"/>
-            <ac:graphicFrameMk id="13" creationId="{86E52FFC-05E8-46A6-B4A1-33E2B7A7C8B4}"/>
-          </ac:graphicFrameMkLst>
-        </pc:graphicFrameChg>
-        <pc:picChg chg="add del mod modCrop">
-          <ac:chgData name="Esenwein Benjamin (inf20074)" userId="7720cf97-c6ae-4bac-a435-f995da81a4ba" providerId="ADAL" clId="{66BD89BB-1F64-4C31-8A39-7CD03BA7EE7C}" dt="2021-11-08T16:30:46.134" v="1724" actId="478"/>
-          <ac:picMkLst>
-            <pc:docMk/>
-            <pc:sldMk cId="4147236091" sldId="262"/>
-            <ac:picMk id="6" creationId="{E5B02E5B-D215-4415-94FD-952BB2620F13}"/>
-          </ac:picMkLst>
-        </pc:picChg>
-        <pc:picChg chg="add mod">
-          <ac:chgData name="Esenwein Benjamin (inf20074)" userId="7720cf97-c6ae-4bac-a435-f995da81a4ba" providerId="ADAL" clId="{66BD89BB-1F64-4C31-8A39-7CD03BA7EE7C}" dt="2021-11-08T19:33:26.217" v="5989" actId="14826"/>
-          <ac:picMkLst>
-            <pc:docMk/>
-            <pc:sldMk cId="4147236091" sldId="262"/>
-            <ac:picMk id="9" creationId="{C75CF267-E927-4BB0-BA73-A7F230D085F1}"/>
-          </ac:picMkLst>
-        </pc:picChg>
-        <pc:picChg chg="add del mod modCrop">
-          <ac:chgData name="Esenwein Benjamin (inf20074)" userId="7720cf97-c6ae-4bac-a435-f995da81a4ba" providerId="ADAL" clId="{66BD89BB-1F64-4C31-8A39-7CD03BA7EE7C}" dt="2021-11-08T16:36:45.728" v="1793" actId="478"/>
-          <ac:picMkLst>
-            <pc:docMk/>
-            <pc:sldMk cId="4147236091" sldId="262"/>
-            <ac:picMk id="10" creationId="{8A09203B-CB14-4E0C-9068-67F4B4027108}"/>
-          </ac:picMkLst>
-        </pc:picChg>
-        <pc:picChg chg="add mod modCrop">
-          <ac:chgData name="Esenwein Benjamin (inf20074)" userId="7720cf97-c6ae-4bac-a435-f995da81a4ba" providerId="ADAL" clId="{66BD89BB-1F64-4C31-8A39-7CD03BA7EE7C}" dt="2021-11-08T19:34:32.569" v="5999" actId="1076"/>
-          <ac:picMkLst>
-            <pc:docMk/>
-            <pc:sldMk cId="4147236091" sldId="262"/>
-            <ac:picMk id="11" creationId="{A9ED0D2B-E1E9-433D-A571-67069977AB7B}"/>
-          </ac:picMkLst>
-        </pc:picChg>
-        <pc:picChg chg="add del">
-          <ac:chgData name="Esenwein Benjamin (inf20074)" userId="7720cf97-c6ae-4bac-a435-f995da81a4ba" providerId="ADAL" clId="{66BD89BB-1F64-4C31-8A39-7CD03BA7EE7C}" dt="2021-11-08T19:33:27.858" v="5990" actId="478"/>
-          <ac:picMkLst>
-            <pc:docMk/>
-            <pc:sldMk cId="4147236091" sldId="262"/>
-            <ac:picMk id="14" creationId="{1E4706FC-4097-4941-BA90-EEEC38405E2F}"/>
-          </ac:picMkLst>
-        </pc:picChg>
-        <pc:picChg chg="add del mod modCrop">
-          <ac:chgData name="Esenwein Benjamin (inf20074)" userId="7720cf97-c6ae-4bac-a435-f995da81a4ba" providerId="ADAL" clId="{66BD89BB-1F64-4C31-8A39-7CD03BA7EE7C}" dt="2021-11-08T19:34:30.512" v="5998" actId="478"/>
-          <ac:picMkLst>
-            <pc:docMk/>
-            <pc:sldMk cId="4147236091" sldId="262"/>
-            <ac:picMk id="15" creationId="{FDBF7E64-1AF6-4948-8976-19403595F080}"/>
-          </ac:picMkLst>
-        </pc:picChg>
-        <pc:picChg chg="add del">
-          <ac:chgData name="Esenwein Benjamin (inf20074)" userId="7720cf97-c6ae-4bac-a435-f995da81a4ba" providerId="ADAL" clId="{66BD89BB-1F64-4C31-8A39-7CD03BA7EE7C}" dt="2021-11-08T19:34:25.359" v="5996" actId="478"/>
-          <ac:picMkLst>
-            <pc:docMk/>
-            <pc:sldMk cId="4147236091" sldId="262"/>
-            <ac:picMk id="16" creationId="{19AEAFC8-387B-411D-A65C-5018B0052CDD}"/>
-          </ac:picMkLst>
-        </pc:picChg>
-        <pc:cxnChg chg="del">
-          <ac:chgData name="Esenwein Benjamin (inf20074)" userId="7720cf97-c6ae-4bac-a435-f995da81a4ba" providerId="ADAL" clId="{66BD89BB-1F64-4C31-8A39-7CD03BA7EE7C}" dt="2021-11-10T15:31:34.874" v="6203" actId="478"/>
-          <ac:cxnSpMkLst>
-            <pc:docMk/>
-            <pc:sldMk cId="4147236091" sldId="262"/>
-            <ac:cxnSpMk id="10" creationId="{29E1E09D-5A74-45D9-9D33-A846C9C127DB}"/>
-          </ac:cxnSpMkLst>
-        </pc:cxnChg>
-        <pc:cxnChg chg="add mod">
-          <ac:chgData name="Esenwein Benjamin (inf20074)" userId="7720cf97-c6ae-4bac-a435-f995da81a4ba" providerId="ADAL" clId="{66BD89BB-1F64-4C31-8A39-7CD03BA7EE7C}" dt="2021-11-10T15:31:32.346" v="6202"/>
-          <ac:cxnSpMkLst>
-            <pc:docMk/>
-            <pc:sldMk cId="4147236091" sldId="262"/>
-            <ac:cxnSpMk id="14" creationId="{41B0F850-8A23-4255-9729-22A00430A6F6}"/>
-          </ac:cxnSpMkLst>
-        </pc:cxnChg>
-        <pc:cxnChg chg="add del mod">
-          <ac:chgData name="Esenwein Benjamin (inf20074)" userId="7720cf97-c6ae-4bac-a435-f995da81a4ba" providerId="ADAL" clId="{66BD89BB-1F64-4C31-8A39-7CD03BA7EE7C}" dt="2021-11-10T16:20:18.121" v="6524" actId="478"/>
-          <ac:cxnSpMkLst>
-            <pc:docMk/>
-            <pc:sldMk cId="4147236091" sldId="262"/>
-            <ac:cxnSpMk id="16" creationId="{6278035C-70FE-48DF-ADDB-7181575A13DA}"/>
-          </ac:cxnSpMkLst>
-        </pc:cxnChg>
-      </pc:sldChg>
-      <pc:sldChg chg="addSp delSp modSp new mod modTransition modNotesTx">
-        <pc:chgData name="Esenwein Benjamin (inf20074)" userId="7720cf97-c6ae-4bac-a435-f995da81a4ba" providerId="ADAL" clId="{66BD89BB-1F64-4C31-8A39-7CD03BA7EE7C}" dt="2021-11-10T16:57:28.595" v="6649" actId="1076"/>
-        <pc:sldMkLst>
-          <pc:docMk/>
-          <pc:sldMk cId="3942132956" sldId="263"/>
-        </pc:sldMkLst>
-        <pc:spChg chg="mod">
-          <ac:chgData name="Esenwein Benjamin (inf20074)" userId="7720cf97-c6ae-4bac-a435-f995da81a4ba" providerId="ADAL" clId="{66BD89BB-1F64-4C31-8A39-7CD03BA7EE7C}" dt="2021-11-08T15:55:47.433" v="1561" actId="113"/>
-          <ac:spMkLst>
-            <pc:docMk/>
-            <pc:sldMk cId="3942132956" sldId="263"/>
-            <ac:spMk id="2" creationId="{DA9BDA2B-56A2-491C-9E03-6C9A0F6F509F}"/>
-          </ac:spMkLst>
-        </pc:spChg>
-        <pc:spChg chg="mod">
-          <ac:chgData name="Esenwein Benjamin (inf20074)" userId="7720cf97-c6ae-4bac-a435-f995da81a4ba" providerId="ADAL" clId="{66BD89BB-1F64-4C31-8A39-7CD03BA7EE7C}" dt="2021-11-08T19:31:53.805" v="5987" actId="20577"/>
-          <ac:spMkLst>
-            <pc:docMk/>
-            <pc:sldMk cId="3942132956" sldId="263"/>
-            <ac:spMk id="3" creationId="{8ECD18E5-590E-4C0D-B1EF-55B4404B39CD}"/>
-          </ac:spMkLst>
-        </pc:spChg>
-        <pc:spChg chg="add mod">
-          <ac:chgData name="Esenwein Benjamin (inf20074)" userId="7720cf97-c6ae-4bac-a435-f995da81a4ba" providerId="ADAL" clId="{66BD89BB-1F64-4C31-8A39-7CD03BA7EE7C}" dt="2021-11-08T15:44:06.042" v="1475"/>
-          <ac:spMkLst>
-            <pc:docMk/>
-            <pc:sldMk cId="3942132956" sldId="263"/>
-            <ac:spMk id="4" creationId="{D0AFC6DD-26D2-4007-A5FF-10495AFF19EB}"/>
-          </ac:spMkLst>
-        </pc:spChg>
-        <pc:spChg chg="add mod">
-          <ac:chgData name="Esenwein Benjamin (inf20074)" userId="7720cf97-c6ae-4bac-a435-f995da81a4ba" providerId="ADAL" clId="{66BD89BB-1F64-4C31-8A39-7CD03BA7EE7C}" dt="2021-11-10T16:57:28.595" v="6649" actId="1076"/>
-          <ac:spMkLst>
-            <pc:docMk/>
-            <pc:sldMk cId="3942132956" sldId="263"/>
-            <ac:spMk id="13" creationId="{510F2CD5-8D4D-4B3E-A766-46C21EBB3180}"/>
-          </ac:spMkLst>
-        </pc:spChg>
-        <pc:spChg chg="add mod">
-          <ac:chgData name="Esenwein Benjamin (inf20074)" userId="7720cf97-c6ae-4bac-a435-f995da81a4ba" providerId="ADAL" clId="{66BD89BB-1F64-4C31-8A39-7CD03BA7EE7C}" dt="2021-11-10T16:57:28.595" v="6649" actId="1076"/>
-          <ac:spMkLst>
-            <pc:docMk/>
-            <pc:sldMk cId="3942132956" sldId="263"/>
-            <ac:spMk id="15" creationId="{E349ECFE-6CEA-4AB3-9828-2FBEEFC29540}"/>
-          </ac:spMkLst>
-        </pc:spChg>
-        <pc:spChg chg="mod">
-          <ac:chgData name="Esenwein Benjamin (inf20074)" userId="7720cf97-c6ae-4bac-a435-f995da81a4ba" providerId="ADAL" clId="{66BD89BB-1F64-4C31-8A39-7CD03BA7EE7C}" dt="2021-11-10T16:57:28.595" v="6649" actId="1076"/>
-          <ac:spMkLst>
-            <pc:docMk/>
-            <pc:sldMk cId="3942132956" sldId="263"/>
-            <ac:spMk id="16" creationId="{CCDE6B28-49C9-4EFD-B8A1-4ACBED39E3FC}"/>
-          </ac:spMkLst>
-        </pc:spChg>
-        <pc:spChg chg="mod">
-          <ac:chgData name="Esenwein Benjamin (inf20074)" userId="7720cf97-c6ae-4bac-a435-f995da81a4ba" providerId="ADAL" clId="{66BD89BB-1F64-4C31-8A39-7CD03BA7EE7C}" dt="2021-11-10T16:57:28.595" v="6649" actId="1076"/>
-          <ac:spMkLst>
-            <pc:docMk/>
-            <pc:sldMk cId="3942132956" sldId="263"/>
-            <ac:spMk id="17" creationId="{1B4D3D75-F96F-4B01-8CF7-E1DC3E2E98B8}"/>
-          </ac:spMkLst>
-        </pc:spChg>
-        <pc:cxnChg chg="del">
-          <ac:chgData name="Esenwein Benjamin (inf20074)" userId="7720cf97-c6ae-4bac-a435-f995da81a4ba" providerId="ADAL" clId="{66BD89BB-1F64-4C31-8A39-7CD03BA7EE7C}" dt="2021-11-10T15:31:38.586" v="6204" actId="478"/>
-          <ac:cxnSpMkLst>
-            <pc:docMk/>
-            <pc:sldMk cId="3942132956" sldId="263"/>
-            <ac:cxnSpMk id="9" creationId="{32685653-62C9-4646-9E9A-356DE4410098}"/>
-          </ac:cxnSpMkLst>
-        </pc:cxnChg>
-        <pc:cxnChg chg="add mod">
-          <ac:chgData name="Esenwein Benjamin (inf20074)" userId="7720cf97-c6ae-4bac-a435-f995da81a4ba" providerId="ADAL" clId="{66BD89BB-1F64-4C31-8A39-7CD03BA7EE7C}" dt="2021-11-10T15:31:38.871" v="6205"/>
-          <ac:cxnSpMkLst>
-            <pc:docMk/>
-            <pc:sldMk cId="3942132956" sldId="263"/>
-            <ac:cxnSpMk id="11" creationId="{A3DC1B73-40F9-4DDE-87D8-6EA5699D55D0}"/>
-          </ac:cxnSpMkLst>
-        </pc:cxnChg>
-        <pc:cxnChg chg="add del mod">
-          <ac:chgData name="Esenwein Benjamin (inf20074)" userId="7720cf97-c6ae-4bac-a435-f995da81a4ba" providerId="ADAL" clId="{66BD89BB-1F64-4C31-8A39-7CD03BA7EE7C}" dt="2021-11-10T16:20:15.339" v="6523" actId="478"/>
-          <ac:cxnSpMkLst>
-            <pc:docMk/>
-            <pc:sldMk cId="3942132956" sldId="263"/>
-            <ac:cxnSpMk id="14" creationId="{C67BAB91-CCD2-4594-9D62-ACB13D46C902}"/>
-          </ac:cxnSpMkLst>
-        </pc:cxnChg>
-      </pc:sldChg>
-      <pc:sldChg chg="addSp delSp modSp new mod modTransition">
-        <pc:chgData name="Esenwein Benjamin (inf20074)" userId="7720cf97-c6ae-4bac-a435-f995da81a4ba" providerId="ADAL" clId="{66BD89BB-1F64-4C31-8A39-7CD03BA7EE7C}" dt="2021-11-10T16:57:44.328" v="6651" actId="1076"/>
-        <pc:sldMkLst>
-          <pc:docMk/>
-          <pc:sldMk cId="3108174479" sldId="264"/>
-        </pc:sldMkLst>
-        <pc:spChg chg="mod">
-          <ac:chgData name="Esenwein Benjamin (inf20074)" userId="7720cf97-c6ae-4bac-a435-f995da81a4ba" providerId="ADAL" clId="{66BD89BB-1F64-4C31-8A39-7CD03BA7EE7C}" dt="2021-11-08T15:55:51.258" v="1562" actId="113"/>
-          <ac:spMkLst>
-            <pc:docMk/>
-            <pc:sldMk cId="3108174479" sldId="264"/>
-            <ac:spMk id="2" creationId="{098C8E74-948A-4D59-9E4F-8E3EE0B24F04}"/>
-          </ac:spMkLst>
-        </pc:spChg>
-        <pc:spChg chg="del">
-          <ac:chgData name="Esenwein Benjamin (inf20074)" userId="7720cf97-c6ae-4bac-a435-f995da81a4ba" providerId="ADAL" clId="{66BD89BB-1F64-4C31-8A39-7CD03BA7EE7C}" dt="2021-11-08T15:50:21.380" v="1514" actId="931"/>
-          <ac:spMkLst>
-            <pc:docMk/>
-            <pc:sldMk cId="3108174479" sldId="264"/>
-            <ac:spMk id="3" creationId="{62C49631-B69B-4485-9812-C66F8A299CD2}"/>
-          </ac:spMkLst>
-        </pc:spChg>
-        <pc:spChg chg="add mod">
-          <ac:chgData name="Esenwein Benjamin (inf20074)" userId="7720cf97-c6ae-4bac-a435-f995da81a4ba" providerId="ADAL" clId="{66BD89BB-1F64-4C31-8A39-7CD03BA7EE7C}" dt="2021-11-08T15:44:07.579" v="1476"/>
-          <ac:spMkLst>
-            <pc:docMk/>
-            <pc:sldMk cId="3108174479" sldId="264"/>
-            <ac:spMk id="4" creationId="{DE205510-11F1-4DA8-A373-073412079E9E}"/>
-          </ac:spMkLst>
-        </pc:spChg>
-        <pc:spChg chg="add mod">
-          <ac:chgData name="Esenwein Benjamin (inf20074)" userId="7720cf97-c6ae-4bac-a435-f995da81a4ba" providerId="ADAL" clId="{66BD89BB-1F64-4C31-8A39-7CD03BA7EE7C}" dt="2021-11-10T16:57:44.328" v="6651" actId="1076"/>
-          <ac:spMkLst>
-            <pc:docMk/>
-            <pc:sldMk cId="3108174479" sldId="264"/>
-            <ac:spMk id="8" creationId="{DE20D7D9-ADD6-46E6-94A2-F5082BE29DC5}"/>
-          </ac:spMkLst>
-        </pc:spChg>
-        <pc:spChg chg="add del mod">
-          <ac:chgData name="Esenwein Benjamin (inf20074)" userId="7720cf97-c6ae-4bac-a435-f995da81a4ba" providerId="ADAL" clId="{66BD89BB-1F64-4C31-8A39-7CD03BA7EE7C}" dt="2021-11-08T15:51:04.133" v="1525" actId="478"/>
-          <ac:spMkLst>
-            <pc:docMk/>
-            <pc:sldMk cId="3108174479" sldId="264"/>
-            <ac:spMk id="8" creationId="{E131E462-E430-42CF-A109-21B28154715E}"/>
-          </ac:spMkLst>
-        </pc:spChg>
-        <pc:spChg chg="add mod">
-          <ac:chgData name="Esenwein Benjamin (inf20074)" userId="7720cf97-c6ae-4bac-a435-f995da81a4ba" providerId="ADAL" clId="{66BD89BB-1F64-4C31-8A39-7CD03BA7EE7C}" dt="2021-11-10T16:57:44.328" v="6651" actId="1076"/>
-          <ac:spMkLst>
-            <pc:docMk/>
-            <pc:sldMk cId="3108174479" sldId="264"/>
-            <ac:spMk id="10" creationId="{9AC20EBF-5404-49CB-AA24-598A015B3747}"/>
-          </ac:spMkLst>
-        </pc:spChg>
-        <pc:spChg chg="mod">
-          <ac:chgData name="Esenwein Benjamin (inf20074)" userId="7720cf97-c6ae-4bac-a435-f995da81a4ba" providerId="ADAL" clId="{66BD89BB-1F64-4C31-8A39-7CD03BA7EE7C}" dt="2021-11-10T16:57:44.328" v="6651" actId="1076"/>
-          <ac:spMkLst>
-            <pc:docMk/>
-            <pc:sldMk cId="3108174479" sldId="264"/>
-            <ac:spMk id="11" creationId="{7152BBBF-2F52-4F17-B91A-FF51F38B140A}"/>
-          </ac:spMkLst>
-        </pc:spChg>
-        <pc:picChg chg="add del mod modCrop">
-          <ac:chgData name="Esenwein Benjamin (inf20074)" userId="7720cf97-c6ae-4bac-a435-f995da81a4ba" providerId="ADAL" clId="{66BD89BB-1F64-4C31-8A39-7CD03BA7EE7C}" dt="2021-11-08T15:53:00.613" v="1536"/>
-          <ac:picMkLst>
-            <pc:docMk/>
-            <pc:sldMk cId="3108174479" sldId="264"/>
-            <ac:picMk id="6" creationId="{9126A48E-B2C7-4A2A-813B-E0213E3B9851}"/>
-          </ac:picMkLst>
-        </pc:picChg>
-        <pc:cxnChg chg="add mod">
-          <ac:chgData name="Esenwein Benjamin (inf20074)" userId="7720cf97-c6ae-4bac-a435-f995da81a4ba" providerId="ADAL" clId="{66BD89BB-1F64-4C31-8A39-7CD03BA7EE7C}" dt="2021-11-10T15:31:41.794" v="6206"/>
-          <ac:cxnSpMkLst>
-            <pc:docMk/>
-            <pc:sldMk cId="3108174479" sldId="264"/>
-            <ac:cxnSpMk id="6" creationId="{68F9B753-0435-4884-B289-937B9B2A8761}"/>
-          </ac:cxnSpMkLst>
-        </pc:cxnChg>
-        <pc:cxnChg chg="add del mod">
-          <ac:chgData name="Esenwein Benjamin (inf20074)" userId="7720cf97-c6ae-4bac-a435-f995da81a4ba" providerId="ADAL" clId="{66BD89BB-1F64-4C31-8A39-7CD03BA7EE7C}" dt="2021-11-10T16:20:13.267" v="6522" actId="478"/>
-          <ac:cxnSpMkLst>
-            <pc:docMk/>
-            <pc:sldMk cId="3108174479" sldId="264"/>
-            <ac:cxnSpMk id="9" creationId="{A386A069-2F65-4DB1-9CAE-4AD126DFD365}"/>
-          </ac:cxnSpMkLst>
-        </pc:cxnChg>
-      </pc:sldChg>
-      <pc:sldChg chg="addSp delSp modSp new mod modTransition modNotesTx">
-        <pc:chgData name="Esenwein Benjamin (inf20074)" userId="7720cf97-c6ae-4bac-a435-f995da81a4ba" providerId="ADAL" clId="{66BD89BB-1F64-4C31-8A39-7CD03BA7EE7C}" dt="2021-11-10T16:56:28.388" v="6641" actId="1076"/>
-        <pc:sldMkLst>
-          <pc:docMk/>
-          <pc:sldMk cId="943001127" sldId="265"/>
-        </pc:sldMkLst>
-        <pc:spChg chg="mod">
-          <ac:chgData name="Esenwein Benjamin (inf20074)" userId="7720cf97-c6ae-4bac-a435-f995da81a4ba" providerId="ADAL" clId="{66BD89BB-1F64-4C31-8A39-7CD03BA7EE7C}" dt="2021-11-08T15:55:53.866" v="1563" actId="113"/>
-          <ac:spMkLst>
-            <pc:docMk/>
-            <pc:sldMk cId="943001127" sldId="265"/>
-            <ac:spMk id="2" creationId="{1848D95F-1980-426E-9C4C-B2B524762F9F}"/>
-          </ac:spMkLst>
-        </pc:spChg>
-        <pc:spChg chg="add mod">
-          <ac:chgData name="Esenwein Benjamin (inf20074)" userId="7720cf97-c6ae-4bac-a435-f995da81a4ba" providerId="ADAL" clId="{66BD89BB-1F64-4C31-8A39-7CD03BA7EE7C}" dt="2021-11-08T15:44:09.141" v="1477"/>
-          <ac:spMkLst>
-            <pc:docMk/>
-            <pc:sldMk cId="943001127" sldId="265"/>
-            <ac:spMk id="4" creationId="{7904228C-2749-49A4-BDAE-05A08DDAA8DA}"/>
-          </ac:spMkLst>
-        </pc:spChg>
-        <pc:spChg chg="mod">
-          <ac:chgData name="Esenwein Benjamin (inf20074)" userId="7720cf97-c6ae-4bac-a435-f995da81a4ba" providerId="ADAL" clId="{66BD89BB-1F64-4C31-8A39-7CD03BA7EE7C}" dt="2021-11-09T16:49:45.496" v="6057" actId="1076"/>
-          <ac:spMkLst>
-            <pc:docMk/>
-            <pc:sldMk cId="943001127" sldId="265"/>
-            <ac:spMk id="6" creationId="{DC81DD02-0064-4DFD-A44C-F5A60FBF5789}"/>
-          </ac:spMkLst>
-        </pc:spChg>
-        <pc:spChg chg="mod">
-          <ac:chgData name="Esenwein Benjamin (inf20074)" userId="7720cf97-c6ae-4bac-a435-f995da81a4ba" providerId="ADAL" clId="{66BD89BB-1F64-4C31-8A39-7CD03BA7EE7C}" dt="2021-11-09T16:50:09.523" v="6065" actId="1076"/>
-          <ac:spMkLst>
-            <pc:docMk/>
-            <pc:sldMk cId="943001127" sldId="265"/>
-            <ac:spMk id="7" creationId="{B9D56C12-9039-422F-A211-496641B9BBBD}"/>
-          </ac:spMkLst>
-        </pc:spChg>
-        <pc:spChg chg="add mod">
-          <ac:chgData name="Esenwein Benjamin (inf20074)" userId="7720cf97-c6ae-4bac-a435-f995da81a4ba" providerId="ADAL" clId="{66BD89BB-1F64-4C31-8A39-7CD03BA7EE7C}" dt="2021-11-10T16:38:12.655" v="6602" actId="1582"/>
-          <ac:spMkLst>
-            <pc:docMk/>
-            <pc:sldMk cId="943001127" sldId="265"/>
-            <ac:spMk id="8" creationId="{5B764A9E-1860-4FBF-82A5-AEB3615DCD65}"/>
-          </ac:spMkLst>
-        </pc:spChg>
-        <pc:spChg chg="mod">
-          <ac:chgData name="Esenwein Benjamin (inf20074)" userId="7720cf97-c6ae-4bac-a435-f995da81a4ba" providerId="ADAL" clId="{66BD89BB-1F64-4C31-8A39-7CD03BA7EE7C}" dt="2021-11-09T16:49:31.685" v="6051" actId="164"/>
-          <ac:spMkLst>
-            <pc:docMk/>
-            <pc:sldMk cId="943001127" sldId="265"/>
-            <ac:spMk id="8" creationId="{68C634A0-A3E5-4DE0-A6E9-5E5AD3161A64}"/>
-          </ac:spMkLst>
-        </pc:spChg>
-        <pc:spChg chg="mod">
-          <ac:chgData name="Esenwein Benjamin (inf20074)" userId="7720cf97-c6ae-4bac-a435-f995da81a4ba" providerId="ADAL" clId="{66BD89BB-1F64-4C31-8A39-7CD03BA7EE7C}" dt="2021-11-09T16:49:31.685" v="6051" actId="164"/>
-          <ac:spMkLst>
-            <pc:docMk/>
-            <pc:sldMk cId="943001127" sldId="265"/>
-            <ac:spMk id="9" creationId="{DF695DBF-DEB0-4588-A706-08EB01B0C9EA}"/>
-          </ac:spMkLst>
-        </pc:spChg>
-        <pc:spChg chg="add mod">
-          <ac:chgData name="Esenwein Benjamin (inf20074)" userId="7720cf97-c6ae-4bac-a435-f995da81a4ba" providerId="ADAL" clId="{66BD89BB-1F64-4C31-8A39-7CD03BA7EE7C}" dt="2021-11-10T16:31:03.379" v="6573"/>
-          <ac:spMkLst>
-            <pc:docMk/>
-            <pc:sldMk cId="943001127" sldId="265"/>
-            <ac:spMk id="10" creationId="{CD099C78-05A7-4EFB-82BF-A6FD90D072D6}"/>
-          </ac:spMkLst>
-        </pc:spChg>
-        <pc:spChg chg="del mod">
-          <ac:chgData name="Esenwein Benjamin (inf20074)" userId="7720cf97-c6ae-4bac-a435-f995da81a4ba" providerId="ADAL" clId="{66BD89BB-1F64-4C31-8A39-7CD03BA7EE7C}" dt="2021-11-09T16:49:53.738" v="6059" actId="478"/>
-          <ac:spMkLst>
-            <pc:docMk/>
-            <pc:sldMk cId="943001127" sldId="265"/>
-            <ac:spMk id="10" creationId="{EDBB8735-12C8-487D-B163-2E9AB9C20B27}"/>
-          </ac:spMkLst>
-        </pc:spChg>
-        <pc:spChg chg="mod">
-          <ac:chgData name="Esenwein Benjamin (inf20074)" userId="7720cf97-c6ae-4bac-a435-f995da81a4ba" providerId="ADAL" clId="{66BD89BB-1F64-4C31-8A39-7CD03BA7EE7C}" dt="2021-11-10T16:56:21.572" v="6640" actId="1076"/>
-          <ac:spMkLst>
-            <pc:docMk/>
-            <pc:sldMk cId="943001127" sldId="265"/>
-            <ac:spMk id="15" creationId="{B11C4652-3554-4227-A056-000CBC867DB1}"/>
-          </ac:spMkLst>
-        </pc:spChg>
-        <pc:spChg chg="mod">
-          <ac:chgData name="Esenwein Benjamin (inf20074)" userId="7720cf97-c6ae-4bac-a435-f995da81a4ba" providerId="ADAL" clId="{66BD89BB-1F64-4C31-8A39-7CD03BA7EE7C}" dt="2021-11-10T16:56:28.388" v="6641" actId="1076"/>
-          <ac:spMkLst>
-            <pc:docMk/>
-            <pc:sldMk cId="943001127" sldId="265"/>
-            <ac:spMk id="16" creationId="{7376AA6A-6198-41B8-9A31-B74F35A58511}"/>
-          </ac:spMkLst>
-        </pc:spChg>
-        <pc:grpChg chg="add del mod">
-          <ac:chgData name="Esenwein Benjamin (inf20074)" userId="7720cf97-c6ae-4bac-a435-f995da81a4ba" providerId="ADAL" clId="{66BD89BB-1F64-4C31-8A39-7CD03BA7EE7C}" dt="2021-11-09T16:50:48.091" v="6072" actId="478"/>
-          <ac:grpSpMkLst>
-            <pc:docMk/>
-            <pc:sldMk cId="943001127" sldId="265"/>
-            <ac:grpSpMk id="3" creationId="{7EC0C933-80C1-41E9-80CA-FEAC2D279065}"/>
-          </ac:grpSpMkLst>
-        </pc:grpChg>
-        <pc:picChg chg="add mod">
-          <ac:chgData name="Esenwein Benjamin (inf20074)" userId="7720cf97-c6ae-4bac-a435-f995da81a4ba" providerId="ADAL" clId="{66BD89BB-1F64-4C31-8A39-7CD03BA7EE7C}" dt="2021-11-09T16:50:58.136" v="6075" actId="1076"/>
-          <ac:picMkLst>
-            <pc:docMk/>
-            <pc:sldMk cId="943001127" sldId="265"/>
-            <ac:picMk id="5" creationId="{498ADD88-7C60-4287-8469-ED9DD450D546}"/>
-          </ac:picMkLst>
-        </pc:picChg>
-        <pc:picChg chg="add del">
-          <ac:chgData name="Esenwein Benjamin (inf20074)" userId="7720cf97-c6ae-4bac-a435-f995da81a4ba" providerId="ADAL" clId="{66BD89BB-1F64-4C31-8A39-7CD03BA7EE7C}" dt="2021-11-09T16:50:22.655" v="6067"/>
-          <ac:picMkLst>
-            <pc:docMk/>
-            <pc:sldMk cId="943001127" sldId="265"/>
-            <ac:picMk id="11" creationId="{80CAD53E-179A-4252-A94C-310DA6969CD0}"/>
-          </ac:picMkLst>
-        </pc:picChg>
-        <pc:picChg chg="add mod">
-          <ac:chgData name="Esenwein Benjamin (inf20074)" userId="7720cf97-c6ae-4bac-a435-f995da81a4ba" providerId="ADAL" clId="{66BD89BB-1F64-4C31-8A39-7CD03BA7EE7C}" dt="2021-11-09T16:50:53.416" v="6073" actId="1076"/>
-          <ac:picMkLst>
-            <pc:docMk/>
-            <pc:sldMk cId="943001127" sldId="265"/>
-            <ac:picMk id="12" creationId="{B5EC90F6-2066-4874-9F3A-A56A104413C9}"/>
-          </ac:picMkLst>
-        </pc:picChg>
-        <pc:cxnChg chg="del">
-          <ac:chgData name="Esenwein Benjamin (inf20074)" userId="7720cf97-c6ae-4bac-a435-f995da81a4ba" providerId="ADAL" clId="{66BD89BB-1F64-4C31-8A39-7CD03BA7EE7C}" dt="2021-11-10T15:31:23.209" v="6197" actId="478"/>
-          <ac:cxnSpMkLst>
-            <pc:docMk/>
-            <pc:sldMk cId="943001127" sldId="265"/>
-            <ac:cxnSpMk id="6" creationId="{E61A5AC7-522C-425C-8CAC-B7EADA7025C3}"/>
-          </ac:cxnSpMkLst>
-        </pc:cxnChg>
-        <pc:cxnChg chg="add mod">
-          <ac:chgData name="Esenwein Benjamin (inf20074)" userId="7720cf97-c6ae-4bac-a435-f995da81a4ba" providerId="ADAL" clId="{66BD89BB-1F64-4C31-8A39-7CD03BA7EE7C}" dt="2021-11-10T15:31:23.531" v="6198"/>
-          <ac:cxnSpMkLst>
-            <pc:docMk/>
-            <pc:sldMk cId="943001127" sldId="265"/>
-            <ac:cxnSpMk id="7" creationId="{25C163D5-9CF1-4716-BDCB-813690F7D2DA}"/>
-          </ac:cxnSpMkLst>
-        </pc:cxnChg>
-        <pc:cxnChg chg="add del mod">
-          <ac:chgData name="Esenwein Benjamin (inf20074)" userId="7720cf97-c6ae-4bac-a435-f995da81a4ba" providerId="ADAL" clId="{66BD89BB-1F64-4C31-8A39-7CD03BA7EE7C}" dt="2021-11-10T16:20:28.624" v="6528" actId="478"/>
-          <ac:cxnSpMkLst>
-            <pc:docMk/>
-            <pc:sldMk cId="943001127" sldId="265"/>
-            <ac:cxnSpMk id="9" creationId="{3425B0A6-23AF-4216-9271-7306DE50F2FB}"/>
-          </ac:cxnSpMkLst>
-        </pc:cxnChg>
-      </pc:sldChg>
-      <pc:sldChg chg="addSp modSp new del mod">
-        <pc:chgData name="Esenwein Benjamin (inf20074)" userId="7720cf97-c6ae-4bac-a435-f995da81a4ba" providerId="ADAL" clId="{66BD89BB-1F64-4C31-8A39-7CD03BA7EE7C}" dt="2021-11-08T16:23:03.624" v="1715" actId="47"/>
-        <pc:sldMkLst>
-          <pc:docMk/>
-          <pc:sldMk cId="2450536836" sldId="266"/>
-        </pc:sldMkLst>
-        <pc:spChg chg="mod">
-          <ac:chgData name="Esenwein Benjamin (inf20074)" userId="7720cf97-c6ae-4bac-a435-f995da81a4ba" providerId="ADAL" clId="{66BD89BB-1F64-4C31-8A39-7CD03BA7EE7C}" dt="2021-11-08T15:55:56.898" v="1564" actId="113"/>
-          <ac:spMkLst>
-            <pc:docMk/>
-            <pc:sldMk cId="2450536836" sldId="266"/>
-            <ac:spMk id="2" creationId="{54C8EB8C-392F-4AB0-9D04-AAB70A6467FB}"/>
-          </ac:spMkLst>
-        </pc:spChg>
-        <pc:spChg chg="add mod">
-          <ac:chgData name="Esenwein Benjamin (inf20074)" userId="7720cf97-c6ae-4bac-a435-f995da81a4ba" providerId="ADAL" clId="{66BD89BB-1F64-4C31-8A39-7CD03BA7EE7C}" dt="2021-11-08T15:44:10.860" v="1478"/>
-          <ac:spMkLst>
-            <pc:docMk/>
-            <pc:sldMk cId="2450536836" sldId="266"/>
-            <ac:spMk id="4" creationId="{B30EAA39-9F19-4AD6-B248-8AB448D98382}"/>
-          </ac:spMkLst>
-        </pc:spChg>
-      </pc:sldChg>
-      <pc:sldChg chg="addSp delSp modSp new mod modTransition">
-        <pc:chgData name="Esenwein Benjamin (inf20074)" userId="7720cf97-c6ae-4bac-a435-f995da81a4ba" providerId="ADAL" clId="{66BD89BB-1F64-4C31-8A39-7CD03BA7EE7C}" dt="2021-11-10T16:28:25.852" v="6567" actId="478"/>
-        <pc:sldMkLst>
-          <pc:docMk/>
-          <pc:sldMk cId="3111845278" sldId="267"/>
-        </pc:sldMkLst>
-        <pc:spChg chg="mod">
-          <ac:chgData name="Esenwein Benjamin (inf20074)" userId="7720cf97-c6ae-4bac-a435-f995da81a4ba" providerId="ADAL" clId="{66BD89BB-1F64-4C31-8A39-7CD03BA7EE7C}" dt="2021-11-08T19:21:22.150" v="5774" actId="27636"/>
-          <ac:spMkLst>
-            <pc:docMk/>
-            <pc:sldMk cId="3111845278" sldId="267"/>
-            <ac:spMk id="2" creationId="{D7130879-2349-44F2-9B21-A942E12F574C}"/>
-          </ac:spMkLst>
-        </pc:spChg>
-        <pc:spChg chg="mod">
-          <ac:chgData name="Esenwein Benjamin (inf20074)" userId="7720cf97-c6ae-4bac-a435-f995da81a4ba" providerId="ADAL" clId="{66BD89BB-1F64-4C31-8A39-7CD03BA7EE7C}" dt="2021-11-08T19:22:53.202" v="5922" actId="179"/>
-          <ac:spMkLst>
-            <pc:docMk/>
-            <pc:sldMk cId="3111845278" sldId="267"/>
-            <ac:spMk id="3" creationId="{A160F1B4-1AA9-4CEB-BFE1-686D0FA4E1B5}"/>
-          </ac:spMkLst>
-        </pc:spChg>
-        <pc:spChg chg="add mod">
-          <ac:chgData name="Esenwein Benjamin (inf20074)" userId="7720cf97-c6ae-4bac-a435-f995da81a4ba" providerId="ADAL" clId="{66BD89BB-1F64-4C31-8A39-7CD03BA7EE7C}" dt="2021-11-08T15:44:11.450" v="1479"/>
-          <ac:spMkLst>
-            <pc:docMk/>
-            <pc:sldMk cId="3111845278" sldId="267"/>
-            <ac:spMk id="4" creationId="{6BA2AE8F-6BF5-4518-877D-452D7875A0B8}"/>
-          </ac:spMkLst>
-        </pc:spChg>
-        <pc:spChg chg="add">
-          <ac:chgData name="Esenwein Benjamin (inf20074)" userId="7720cf97-c6ae-4bac-a435-f995da81a4ba" providerId="ADAL" clId="{66BD89BB-1F64-4C31-8A39-7CD03BA7EE7C}" dt="2021-11-10T16:23:42.514" v="6533" actId="11529"/>
-          <ac:spMkLst>
-            <pc:docMk/>
-            <pc:sldMk cId="3111845278" sldId="267"/>
-            <ac:spMk id="6" creationId="{824B1024-2640-46C8-9968-E57FB1EB59E1}"/>
-          </ac:spMkLst>
-        </pc:spChg>
-        <pc:spChg chg="add del">
-          <ac:chgData name="Esenwein Benjamin (inf20074)" userId="7720cf97-c6ae-4bac-a435-f995da81a4ba" providerId="ADAL" clId="{66BD89BB-1F64-4C31-8A39-7CD03BA7EE7C}" dt="2021-11-10T16:24:23.085" v="6535" actId="478"/>
-          <ac:spMkLst>
-            <pc:docMk/>
-            <pc:sldMk cId="3111845278" sldId="267"/>
-            <ac:spMk id="9" creationId="{C811F379-6F24-43DF-9452-BCCE32B09967}"/>
-          </ac:spMkLst>
-        </pc:spChg>
-        <pc:spChg chg="add del mod">
-          <ac:chgData name="Esenwein Benjamin (inf20074)" userId="7720cf97-c6ae-4bac-a435-f995da81a4ba" providerId="ADAL" clId="{66BD89BB-1F64-4C31-8A39-7CD03BA7EE7C}" dt="2021-11-10T16:25:44.531" v="6545" actId="478"/>
-          <ac:spMkLst>
-            <pc:docMk/>
-            <pc:sldMk cId="3111845278" sldId="267"/>
-            <ac:spMk id="11" creationId="{30EB4167-4D62-44A9-992E-048EF5EE849D}"/>
-          </ac:spMkLst>
-        </pc:spChg>
-        <pc:spChg chg="add mod">
-          <ac:chgData name="Esenwein Benjamin (inf20074)" userId="7720cf97-c6ae-4bac-a435-f995da81a4ba" providerId="ADAL" clId="{66BD89BB-1F64-4C31-8A39-7CD03BA7EE7C}" dt="2021-11-10T16:15:28.614" v="6490" actId="1076"/>
-          <ac:spMkLst>
-            <pc:docMk/>
-            <pc:sldMk cId="3111845278" sldId="267"/>
-            <ac:spMk id="12" creationId="{715D1EF5-4E95-4320-B597-5C70A266DEA2}"/>
-          </ac:spMkLst>
-        </pc:spChg>
-        <pc:spChg chg="add del mod">
-          <ac:chgData name="Esenwein Benjamin (inf20074)" userId="7720cf97-c6ae-4bac-a435-f995da81a4ba" providerId="ADAL" clId="{66BD89BB-1F64-4C31-8A39-7CD03BA7EE7C}" dt="2021-11-10T16:26:18.701" v="6549" actId="478"/>
-          <ac:spMkLst>
-            <pc:docMk/>
-            <pc:sldMk cId="3111845278" sldId="267"/>
-            <ac:spMk id="13" creationId="{4766942B-E18E-4B4E-B777-C7479310EEA3}"/>
-          </ac:spMkLst>
-        </pc:spChg>
-        <pc:spChg chg="add del">
-          <ac:chgData name="Esenwein Benjamin (inf20074)" userId="7720cf97-c6ae-4bac-a435-f995da81a4ba" providerId="ADAL" clId="{66BD89BB-1F64-4C31-8A39-7CD03BA7EE7C}" dt="2021-11-10T16:26:25.051" v="6551" actId="478"/>
-          <ac:spMkLst>
-            <pc:docMk/>
-            <pc:sldMk cId="3111845278" sldId="267"/>
-            <ac:spMk id="14" creationId="{F39FED19-CE99-487B-B7F3-195449A7DB24}"/>
-          </ac:spMkLst>
-        </pc:spChg>
-        <pc:spChg chg="add mod">
-          <ac:chgData name="Esenwein Benjamin (inf20074)" userId="7720cf97-c6ae-4bac-a435-f995da81a4ba" providerId="ADAL" clId="{66BD89BB-1F64-4C31-8A39-7CD03BA7EE7C}" dt="2021-11-10T16:27:23.971" v="6565" actId="164"/>
-          <ac:spMkLst>
-            <pc:docMk/>
-            <pc:sldMk cId="3111845278" sldId="267"/>
-            <ac:spMk id="15" creationId="{BC72179A-43C3-4787-8316-E43F1FE6DCD2}"/>
-          </ac:spMkLst>
-        </pc:spChg>
-        <pc:spChg chg="add mod">
-          <ac:chgData name="Esenwein Benjamin (inf20074)" userId="7720cf97-c6ae-4bac-a435-f995da81a4ba" providerId="ADAL" clId="{66BD89BB-1F64-4C31-8A39-7CD03BA7EE7C}" dt="2021-11-10T16:27:23.971" v="6565" actId="164"/>
-          <ac:spMkLst>
-            <pc:docMk/>
-            <pc:sldMk cId="3111845278" sldId="267"/>
-            <ac:spMk id="16" creationId="{80DFC5B4-BAFD-405E-B15F-7665709C6A02}"/>
-          </ac:spMkLst>
-        </pc:spChg>
-        <pc:spChg chg="add mod">
-          <ac:chgData name="Esenwein Benjamin (inf20074)" userId="7720cf97-c6ae-4bac-a435-f995da81a4ba" providerId="ADAL" clId="{66BD89BB-1F64-4C31-8A39-7CD03BA7EE7C}" dt="2021-11-10T16:27:23.971" v="6565" actId="164"/>
-          <ac:spMkLst>
-            <pc:docMk/>
-            <pc:sldMk cId="3111845278" sldId="267"/>
-            <ac:spMk id="17" creationId="{30CE6CCD-2419-4C13-BE94-024C2B84C5C9}"/>
-          </ac:spMkLst>
-        </pc:spChg>
-        <pc:grpChg chg="add del mod">
-          <ac:chgData name="Esenwein Benjamin (inf20074)" userId="7720cf97-c6ae-4bac-a435-f995da81a4ba" providerId="ADAL" clId="{66BD89BB-1F64-4C31-8A39-7CD03BA7EE7C}" dt="2021-11-10T16:28:25.852" v="6567" actId="478"/>
-          <ac:grpSpMkLst>
-            <pc:docMk/>
-            <pc:sldMk cId="3111845278" sldId="267"/>
-            <ac:grpSpMk id="18" creationId="{4824536E-5C0A-4A03-B132-325674F3336F}"/>
-          </ac:grpSpMkLst>
-        </pc:grpChg>
-        <pc:picChg chg="mod">
-          <ac:chgData name="Esenwein Benjamin (inf20074)" userId="7720cf97-c6ae-4bac-a435-f995da81a4ba" providerId="ADAL" clId="{66BD89BB-1F64-4C31-8A39-7CD03BA7EE7C}" dt="2021-11-10T16:07:05.137" v="6434" actId="1036"/>
-          <ac:picMkLst>
-            <pc:docMk/>
-            <pc:sldMk cId="3111845278" sldId="267"/>
-            <ac:picMk id="8" creationId="{E3CAA7F0-A921-49C7-8D0C-768B1F5592CD}"/>
-          </ac:picMkLst>
-        </pc:picChg>
-        <pc:picChg chg="add del mod modCrop">
-          <ac:chgData name="Esenwein Benjamin (inf20074)" userId="7720cf97-c6ae-4bac-a435-f995da81a4ba" providerId="ADAL" clId="{66BD89BB-1F64-4C31-8A39-7CD03BA7EE7C}" dt="2021-11-10T16:04:44.326" v="6401" actId="478"/>
-          <ac:picMkLst>
-            <pc:docMk/>
-            <pc:sldMk cId="3111845278" sldId="267"/>
-            <ac:picMk id="9" creationId="{555304C4-D1F3-49B0-A54C-E7464646471D}"/>
-          </ac:picMkLst>
-        </pc:picChg>
-        <pc:picChg chg="add del mod">
-          <ac:chgData name="Esenwein Benjamin (inf20074)" userId="7720cf97-c6ae-4bac-a435-f995da81a4ba" providerId="ADAL" clId="{66BD89BB-1F64-4C31-8A39-7CD03BA7EE7C}" dt="2021-11-10T16:06:46.681" v="6418" actId="478"/>
-          <ac:picMkLst>
-            <pc:docMk/>
-            <pc:sldMk cId="3111845278" sldId="267"/>
-            <ac:picMk id="11" creationId="{EA104748-7F8F-48F7-91B7-3F7228E2E3CE}"/>
-          </ac:picMkLst>
-        </pc:picChg>
-        <pc:cxnChg chg="add mod">
-          <ac:chgData name="Esenwein Benjamin (inf20074)" userId="7720cf97-c6ae-4bac-a435-f995da81a4ba" providerId="ADAL" clId="{66BD89BB-1F64-4C31-8A39-7CD03BA7EE7C}" dt="2021-11-10T15:31:43.335" v="6207"/>
-          <ac:cxnSpMkLst>
-            <pc:docMk/>
-            <pc:sldMk cId="3111845278" sldId="267"/>
-            <ac:cxnSpMk id="7" creationId="{8B2F45AF-92A3-4F90-889A-B2E52CEC67D7}"/>
-          </ac:cxnSpMkLst>
-        </pc:cxnChg>
-        <pc:cxnChg chg="add del mod">
-          <ac:chgData name="Esenwein Benjamin (inf20074)" userId="7720cf97-c6ae-4bac-a435-f995da81a4ba" providerId="ADAL" clId="{66BD89BB-1F64-4C31-8A39-7CD03BA7EE7C}" dt="2021-11-10T16:20:10.950" v="6521" actId="478"/>
-          <ac:cxnSpMkLst>
-            <pc:docMk/>
-            <pc:sldMk cId="3111845278" sldId="267"/>
-            <ac:cxnSpMk id="13" creationId="{93E9C9D6-2717-422B-A3BA-87D3AD1C9E5A}"/>
-          </ac:cxnSpMkLst>
-        </pc:cxnChg>
-      </pc:sldChg>
-      <pc:sldChg chg="addSp delSp modSp add mod ord modTransition">
-        <pc:chgData name="Esenwein Benjamin (inf20074)" userId="7720cf97-c6ae-4bac-a435-f995da81a4ba" providerId="ADAL" clId="{66BD89BB-1F64-4C31-8A39-7CD03BA7EE7C}" dt="2021-11-10T16:41:05.453" v="6603" actId="14430"/>
-        <pc:sldMkLst>
-          <pc:docMk/>
-          <pc:sldMk cId="408674404" sldId="268"/>
-        </pc:sldMkLst>
-        <pc:spChg chg="add del mod">
-          <ac:chgData name="Esenwein Benjamin (inf20074)" userId="7720cf97-c6ae-4bac-a435-f995da81a4ba" providerId="ADAL" clId="{66BD89BB-1F64-4C31-8A39-7CD03BA7EE7C}" dt="2021-11-10T16:15:36.399" v="6492" actId="478"/>
-          <ac:spMkLst>
-            <pc:docMk/>
-            <pc:sldMk cId="408674404" sldId="268"/>
-            <ac:spMk id="13" creationId="{E8F5A24F-AAB8-45EA-98F7-213574D48429}"/>
-          </ac:spMkLst>
-        </pc:spChg>
-        <pc:spChg chg="mod modVis">
-          <ac:chgData name="Esenwein Benjamin (inf20074)" userId="7720cf97-c6ae-4bac-a435-f995da81a4ba" providerId="ADAL" clId="{66BD89BB-1F64-4C31-8A39-7CD03BA7EE7C}" dt="2021-11-10T16:41:05.453" v="6603" actId="14430"/>
-          <ac:spMkLst>
-            <pc:docMk/>
-            <pc:sldMk cId="408674404" sldId="268"/>
-            <ac:spMk id="14" creationId="{C983411D-901F-4574-9926-33415AA921FF}"/>
-          </ac:spMkLst>
-        </pc:spChg>
-      </pc:sldChg>
-      <pc:sldChg chg="delSp add del setBg delDesignElem">
-        <pc:chgData name="Esenwein Benjamin (inf20074)" userId="7720cf97-c6ae-4bac-a435-f995da81a4ba" providerId="ADAL" clId="{66BD89BB-1F64-4C31-8A39-7CD03BA7EE7C}" dt="2021-11-08T19:23:14.293" v="5925" actId="47"/>
-        <pc:sldMkLst>
-          <pc:docMk/>
-          <pc:sldMk cId="2969775368" sldId="268"/>
-        </pc:sldMkLst>
-        <pc:spChg chg="del">
-          <ac:chgData name="Esenwein Benjamin (inf20074)" userId="7720cf97-c6ae-4bac-a435-f995da81a4ba" providerId="ADAL" clId="{66BD89BB-1F64-4C31-8A39-7CD03BA7EE7C}" dt="2021-11-08T19:23:05.883" v="5924"/>
-          <ac:spMkLst>
-            <pc:docMk/>
-            <pc:sldMk cId="2969775368" sldId="268"/>
-            <ac:spMk id="8" creationId="{458C1BCA-247F-4480-B78C-924FEBA5CD65}"/>
-          </ac:spMkLst>
-        </pc:spChg>
-        <pc:spChg chg="del">
-          <ac:chgData name="Esenwein Benjamin (inf20074)" userId="7720cf97-c6ae-4bac-a435-f995da81a4ba" providerId="ADAL" clId="{66BD89BB-1F64-4C31-8A39-7CD03BA7EE7C}" dt="2021-11-08T19:23:05.883" v="5924"/>
-          <ac:spMkLst>
-            <pc:docMk/>
-            <pc:sldMk cId="2969775368" sldId="268"/>
-            <ac:spMk id="10" creationId="{B8E37057-BDB6-4452-836A-27973D54F2D8}"/>
-          </ac:spMkLst>
-        </pc:spChg>
-        <pc:spChg chg="del">
-          <ac:chgData name="Esenwein Benjamin (inf20074)" userId="7720cf97-c6ae-4bac-a435-f995da81a4ba" providerId="ADAL" clId="{66BD89BB-1F64-4C31-8A39-7CD03BA7EE7C}" dt="2021-11-08T19:23:05.883" v="5924"/>
-          <ac:spMkLst>
-            <pc:docMk/>
-            <pc:sldMk cId="2969775368" sldId="268"/>
-            <ac:spMk id="12" creationId="{11A3A707-72D6-4BAB-8187-F8204F4EDC6B}"/>
-          </ac:spMkLst>
-        </pc:spChg>
-        <pc:spChg chg="del">
-          <ac:chgData name="Esenwein Benjamin (inf20074)" userId="7720cf97-c6ae-4bac-a435-f995da81a4ba" providerId="ADAL" clId="{66BD89BB-1F64-4C31-8A39-7CD03BA7EE7C}" dt="2021-11-08T19:23:05.883" v="5924"/>
-          <ac:spMkLst>
-            <pc:docMk/>
-            <pc:sldMk cId="2969775368" sldId="268"/>
-            <ac:spMk id="14" creationId="{C983411D-901F-4574-9926-33415AA921FF}"/>
-          </ac:spMkLst>
-        </pc:spChg>
-      </pc:sldChg>
-      <pc:sldChg chg="delSp add del setBg delDesignElem">
-        <pc:chgData name="Esenwein Benjamin (inf20074)" userId="7720cf97-c6ae-4bac-a435-f995da81a4ba" providerId="ADAL" clId="{66BD89BB-1F64-4C31-8A39-7CD03BA7EE7C}" dt="2021-11-08T19:23:21.277" v="5928" actId="47"/>
-        <pc:sldMkLst>
-          <pc:docMk/>
-          <pc:sldMk cId="4157536896" sldId="268"/>
-        </pc:sldMkLst>
-        <pc:spChg chg="del">
-          <ac:chgData name="Esenwein Benjamin (inf20074)" userId="7720cf97-c6ae-4bac-a435-f995da81a4ba" providerId="ADAL" clId="{66BD89BB-1F64-4C31-8A39-7CD03BA7EE7C}" dt="2021-11-08T19:23:19.651" v="5927"/>
-          <ac:spMkLst>
-            <pc:docMk/>
-            <pc:sldMk cId="4157536896" sldId="268"/>
-            <ac:spMk id="8" creationId="{458C1BCA-247F-4480-B78C-924FEBA5CD65}"/>
-          </ac:spMkLst>
-        </pc:spChg>
-        <pc:spChg chg="del">
-          <ac:chgData name="Esenwein Benjamin (inf20074)" userId="7720cf97-c6ae-4bac-a435-f995da81a4ba" providerId="ADAL" clId="{66BD89BB-1F64-4C31-8A39-7CD03BA7EE7C}" dt="2021-11-08T19:23:19.651" v="5927"/>
-          <ac:spMkLst>
-            <pc:docMk/>
-            <pc:sldMk cId="4157536896" sldId="268"/>
-            <ac:spMk id="10" creationId="{B8E37057-BDB6-4452-836A-27973D54F2D8}"/>
-          </ac:spMkLst>
-        </pc:spChg>
-        <pc:spChg chg="del">
-          <ac:chgData name="Esenwein Benjamin (inf20074)" userId="7720cf97-c6ae-4bac-a435-f995da81a4ba" providerId="ADAL" clId="{66BD89BB-1F64-4C31-8A39-7CD03BA7EE7C}" dt="2021-11-08T19:23:19.651" v="5927"/>
-          <ac:spMkLst>
-            <pc:docMk/>
-            <pc:sldMk cId="4157536896" sldId="268"/>
-            <ac:spMk id="12" creationId="{11A3A707-72D6-4BAB-8187-F8204F4EDC6B}"/>
-          </ac:spMkLst>
-        </pc:spChg>
-        <pc:spChg chg="del">
-          <ac:chgData name="Esenwein Benjamin (inf20074)" userId="7720cf97-c6ae-4bac-a435-f995da81a4ba" providerId="ADAL" clId="{66BD89BB-1F64-4C31-8A39-7CD03BA7EE7C}" dt="2021-11-08T19:23:19.651" v="5927"/>
-          <ac:spMkLst>
-            <pc:docMk/>
-            <pc:sldMk cId="4157536896" sldId="268"/>
-            <ac:spMk id="14" creationId="{C983411D-901F-4574-9926-33415AA921FF}"/>
-          </ac:spMkLst>
-        </pc:spChg>
-      </pc:sldChg>
-      <pc:sldChg chg="addSp modSp mod modShow modNotesTx">
-        <pc:chgData name="Esenwein Benjamin (inf20074)" userId="7720cf97-c6ae-4bac-a435-f995da81a4ba" providerId="ADAL" clId="{66BD89BB-1F64-4C31-8A39-7CD03BA7EE7C}" dt="2021-11-10T15:45:28.273" v="6307" actId="729"/>
-        <pc:sldMkLst>
-          <pc:docMk/>
-          <pc:sldMk cId="1151420925" sldId="269"/>
-        </pc:sldMkLst>
-        <pc:spChg chg="mod">
-          <ac:chgData name="Esenwein Benjamin (inf20074)" userId="7720cf97-c6ae-4bac-a435-f995da81a4ba" providerId="ADAL" clId="{66BD89BB-1F64-4C31-8A39-7CD03BA7EE7C}" dt="2021-11-09T16:51:28.057" v="6078"/>
-          <ac:spMkLst>
-            <pc:docMk/>
-            <pc:sldMk cId="1151420925" sldId="269"/>
-            <ac:spMk id="2" creationId="{A0A64D99-EE90-4A04-BD26-4BA773F38F9F}"/>
-          </ac:spMkLst>
-        </pc:spChg>
-        <pc:spChg chg="add mod">
-          <ac:chgData name="Esenwein Benjamin (inf20074)" userId="7720cf97-c6ae-4bac-a435-f995da81a4ba" providerId="ADAL" clId="{66BD89BB-1F64-4C31-8A39-7CD03BA7EE7C}" dt="2021-11-10T15:32:23.215" v="6210"/>
-          <ac:spMkLst>
-            <pc:docMk/>
-            <pc:sldMk cId="1151420925" sldId="269"/>
-            <ac:spMk id="5" creationId="{5B86A746-630F-43F6-B566-F7554D1A46DB}"/>
-          </ac:spMkLst>
-        </pc:spChg>
-      </pc:sldChg>
-      <pc:sldChg chg="modSp add mod modShow">
-        <pc:chgData name="Esenwein Benjamin (inf20074)" userId="7720cf97-c6ae-4bac-a435-f995da81a4ba" providerId="ADAL" clId="{66BD89BB-1F64-4C31-8A39-7CD03BA7EE7C}" dt="2021-11-10T15:08:44.473" v="6087" actId="1076"/>
-        <pc:sldMkLst>
-          <pc:docMk/>
-          <pc:sldMk cId="1056718913" sldId="270"/>
-        </pc:sldMkLst>
-        <pc:picChg chg="mod">
-          <ac:chgData name="Esenwein Benjamin (inf20074)" userId="7720cf97-c6ae-4bac-a435-f995da81a4ba" providerId="ADAL" clId="{66BD89BB-1F64-4C31-8A39-7CD03BA7EE7C}" dt="2021-11-10T15:08:44.473" v="6087" actId="1076"/>
-          <ac:picMkLst>
-            <pc:docMk/>
-            <pc:sldMk cId="1056718913" sldId="270"/>
-            <ac:picMk id="12" creationId="{B5EC90F6-2066-4874-9F3A-A56A104413C9}"/>
-          </ac:picMkLst>
-        </pc:picChg>
-      </pc:sldChg>
-      <pc:sldChg chg="delSp add del mod">
-        <pc:chgData name="Esenwein Benjamin (inf20074)" userId="7720cf97-c6ae-4bac-a435-f995da81a4ba" providerId="ADAL" clId="{66BD89BB-1F64-4C31-8A39-7CD03BA7EE7C}" dt="2021-11-10T15:28:46.648" v="6158" actId="2696"/>
-        <pc:sldMkLst>
-          <pc:docMk/>
-          <pc:sldMk cId="1524211221" sldId="271"/>
-        </pc:sldMkLst>
-        <pc:spChg chg="del">
-          <ac:chgData name="Esenwein Benjamin (inf20074)" userId="7720cf97-c6ae-4bac-a435-f995da81a4ba" providerId="ADAL" clId="{66BD89BB-1F64-4C31-8A39-7CD03BA7EE7C}" dt="2021-11-10T15:28:33.521" v="6157" actId="478"/>
-          <ac:spMkLst>
-            <pc:docMk/>
-            <pc:sldMk cId="1524211221" sldId="271"/>
-            <ac:spMk id="4" creationId="{4C155EFA-025E-411E-B149-1F267B975FB5}"/>
-          </ac:spMkLst>
-        </pc:spChg>
-        <pc:spChg chg="del">
-          <ac:chgData name="Esenwein Benjamin (inf20074)" userId="7720cf97-c6ae-4bac-a435-f995da81a4ba" providerId="ADAL" clId="{66BD89BB-1F64-4C31-8A39-7CD03BA7EE7C}" dt="2021-11-10T15:28:31.521" v="6156" actId="478"/>
-          <ac:spMkLst>
-            <pc:docMk/>
-            <pc:sldMk cId="1524211221" sldId="271"/>
-            <ac:spMk id="11" creationId="{0BE4B811-E571-4A24-840B-9C321B8128B4}"/>
-          </ac:spMkLst>
-        </pc:spChg>
-      </pc:sldChg>
-      <pc:sldChg chg="addSp delSp modSp add mod modTransition modShow">
-        <pc:chgData name="Esenwein Benjamin (inf20074)" userId="7720cf97-c6ae-4bac-a435-f995da81a4ba" providerId="ADAL" clId="{66BD89BB-1F64-4C31-8A39-7CD03BA7EE7C}" dt="2021-11-10T16:54:36.500" v="6638" actId="1076"/>
-        <pc:sldMkLst>
-          <pc:docMk/>
-          <pc:sldMk cId="4239830214" sldId="271"/>
-        </pc:sldMkLst>
-        <pc:spChg chg="del">
-          <ac:chgData name="Esenwein Benjamin (inf20074)" userId="7720cf97-c6ae-4bac-a435-f995da81a4ba" providerId="ADAL" clId="{66BD89BB-1F64-4C31-8A39-7CD03BA7EE7C}" dt="2021-11-10T15:33:54.616" v="6212" actId="26606"/>
-          <ac:spMkLst>
-            <pc:docMk/>
-            <pc:sldMk cId="4239830214" sldId="271"/>
-            <ac:spMk id="3" creationId="{6EE3DC0E-32E8-4B73-85C4-C4DF34D00479}"/>
-          </ac:spMkLst>
-        </pc:spChg>
-        <pc:spChg chg="add mod">
-          <ac:chgData name="Esenwein Benjamin (inf20074)" userId="7720cf97-c6ae-4bac-a435-f995da81a4ba" providerId="ADAL" clId="{66BD89BB-1F64-4C31-8A39-7CD03BA7EE7C}" dt="2021-11-10T15:41:39.986" v="6303" actId="790"/>
-          <ac:spMkLst>
-            <pc:docMk/>
-            <pc:sldMk cId="4239830214" sldId="271"/>
-            <ac:spMk id="4" creationId="{715BBC7D-9FBF-4837-A895-6981C3B9692B}"/>
-          </ac:spMkLst>
-        </pc:spChg>
-        <pc:spChg chg="add mod">
-          <ac:chgData name="Esenwein Benjamin (inf20074)" userId="7720cf97-c6ae-4bac-a435-f995da81a4ba" providerId="ADAL" clId="{66BD89BB-1F64-4C31-8A39-7CD03BA7EE7C}" dt="2021-11-10T16:37:59.289" v="6598" actId="1582"/>
-          <ac:spMkLst>
-            <pc:docMk/>
-            <pc:sldMk cId="4239830214" sldId="271"/>
-            <ac:spMk id="9" creationId="{8D690BA4-A659-42B1-8FD6-E6020B72838E}"/>
-          </ac:spMkLst>
-        </pc:spChg>
-        <pc:spChg chg="add mod">
-          <ac:chgData name="Esenwein Benjamin (inf20074)" userId="7720cf97-c6ae-4bac-a435-f995da81a4ba" providerId="ADAL" clId="{66BD89BB-1F64-4C31-8A39-7CD03BA7EE7C}" dt="2021-11-10T16:31:05.773" v="6575"/>
-          <ac:spMkLst>
-            <pc:docMk/>
-            <pc:sldMk cId="4239830214" sldId="271"/>
-            <ac:spMk id="11" creationId="{F5164AF3-C6B2-4BEF-B378-BD3DA4E9ED17}"/>
-          </ac:spMkLst>
-        </pc:spChg>
-        <pc:spChg chg="mod">
-          <ac:chgData name="Esenwein Benjamin (inf20074)" userId="7720cf97-c6ae-4bac-a435-f995da81a4ba" providerId="ADAL" clId="{66BD89BB-1F64-4C31-8A39-7CD03BA7EE7C}" dt="2021-11-10T16:54:36.500" v="6638" actId="1076"/>
-          <ac:spMkLst>
-            <pc:docMk/>
-            <pc:sldMk cId="4239830214" sldId="271"/>
-            <ac:spMk id="15" creationId="{6C5E2977-923D-465F-B12A-725EC970800C}"/>
-          </ac:spMkLst>
-        </pc:spChg>
-        <pc:spChg chg="mod">
-          <ac:chgData name="Esenwein Benjamin (inf20074)" userId="7720cf97-c6ae-4bac-a435-f995da81a4ba" providerId="ADAL" clId="{66BD89BB-1F64-4C31-8A39-7CD03BA7EE7C}" dt="2021-11-10T16:54:31.154" v="6637" actId="1076"/>
-          <ac:spMkLst>
-            <pc:docMk/>
-            <pc:sldMk cId="4239830214" sldId="271"/>
-            <ac:spMk id="16" creationId="{33FFEEB0-D889-4A73-B5AC-08DA523D1CC0}"/>
-          </ac:spMkLst>
-        </pc:spChg>
-        <pc:spChg chg="mod">
-          <ac:chgData name="Esenwein Benjamin (inf20074)" userId="7720cf97-c6ae-4bac-a435-f995da81a4ba" providerId="ADAL" clId="{66BD89BB-1F64-4C31-8A39-7CD03BA7EE7C}" dt="2021-11-10T16:54:24.224" v="6636" actId="1076"/>
-          <ac:spMkLst>
-            <pc:docMk/>
-            <pc:sldMk cId="4239830214" sldId="271"/>
-            <ac:spMk id="17" creationId="{C50C0AC1-851B-433F-B965-6C77E7F63904}"/>
-          </ac:spMkLst>
-        </pc:spChg>
-        <pc:spChg chg="mod">
-          <ac:chgData name="Esenwein Benjamin (inf20074)" userId="7720cf97-c6ae-4bac-a435-f995da81a4ba" providerId="ADAL" clId="{66BD89BB-1F64-4C31-8A39-7CD03BA7EE7C}" dt="2021-11-10T16:54:18.233" v="6635" actId="1076"/>
-          <ac:spMkLst>
-            <pc:docMk/>
-            <pc:sldMk cId="4239830214" sldId="271"/>
-            <ac:spMk id="18" creationId="{EBC11378-34FA-4165-825A-AD6ADF1E4845}"/>
-          </ac:spMkLst>
-        </pc:spChg>
-        <pc:graphicFrameChg chg="add mod">
-          <ac:chgData name="Esenwein Benjamin (inf20074)" userId="7720cf97-c6ae-4bac-a435-f995da81a4ba" providerId="ADAL" clId="{66BD89BB-1F64-4C31-8A39-7CD03BA7EE7C}" dt="2021-11-10T15:42:24.367" v="6306" actId="2085"/>
-          <ac:graphicFrameMkLst>
-            <pc:docMk/>
-            <pc:sldMk cId="4239830214" sldId="271"/>
-            <ac:graphicFrameMk id="7" creationId="{8F3C9722-F46A-4C89-8618-92AE70556025}"/>
-          </ac:graphicFrameMkLst>
-        </pc:graphicFrameChg>
-        <pc:cxnChg chg="add mod">
-          <ac:chgData name="Esenwein Benjamin (inf20074)" userId="7720cf97-c6ae-4bac-a435-f995da81a4ba" providerId="ADAL" clId="{66BD89BB-1F64-4C31-8A39-7CD03BA7EE7C}" dt="2021-11-10T15:40:43.361" v="6295"/>
-          <ac:cxnSpMkLst>
-            <pc:docMk/>
-            <pc:sldMk cId="4239830214" sldId="271"/>
-            <ac:cxnSpMk id="8" creationId="{7102F055-FF8F-496E-BC9C-43153FE543F3}"/>
-          </ac:cxnSpMkLst>
-        </pc:cxnChg>
-        <pc:cxnChg chg="add del mod">
-          <ac:chgData name="Esenwein Benjamin (inf20074)" userId="7720cf97-c6ae-4bac-a435-f995da81a4ba" providerId="ADAL" clId="{66BD89BB-1F64-4C31-8A39-7CD03BA7EE7C}" dt="2021-11-10T16:20:32.917" v="6530" actId="478"/>
-          <ac:cxnSpMkLst>
-            <pc:docMk/>
-            <pc:sldMk cId="4239830214" sldId="271"/>
-            <ac:cxnSpMk id="10" creationId="{45301344-AB3B-470B-A88F-807C861E712D}"/>
-          </ac:cxnSpMkLst>
-        </pc:cxnChg>
-      </pc:sldChg>
-      <pc:sldChg chg="addSp delSp modSp add mod modTransition">
-        <pc:chgData name="Esenwein Benjamin (inf20074)" userId="7720cf97-c6ae-4bac-a435-f995da81a4ba" providerId="ADAL" clId="{66BD89BB-1F64-4C31-8A39-7CD03BA7EE7C}" dt="2021-11-10T16:56:49.969" v="6643" actId="1076"/>
-        <pc:sldMkLst>
-          <pc:docMk/>
-          <pc:sldMk cId="1256033996" sldId="272"/>
-        </pc:sldMkLst>
-        <pc:spChg chg="add mod">
-          <ac:chgData name="Esenwein Benjamin (inf20074)" userId="7720cf97-c6ae-4bac-a435-f995da81a4ba" providerId="ADAL" clId="{66BD89BB-1F64-4C31-8A39-7CD03BA7EE7C}" dt="2021-11-10T16:56:49.969" v="6643" actId="1076"/>
-          <ac:spMkLst>
-            <pc:docMk/>
-            <pc:sldMk cId="1256033996" sldId="272"/>
-            <ac:spMk id="7" creationId="{AA5EE8F0-FC60-4D7F-86F3-7A49C737DDED}"/>
-          </ac:spMkLst>
-        </pc:spChg>
-        <pc:spChg chg="add mod">
-          <ac:chgData name="Esenwein Benjamin (inf20074)" userId="7720cf97-c6ae-4bac-a435-f995da81a4ba" providerId="ADAL" clId="{66BD89BB-1F64-4C31-8A39-7CD03BA7EE7C}" dt="2021-11-10T16:56:49.969" v="6643" actId="1076"/>
-          <ac:spMkLst>
-            <pc:docMk/>
-            <pc:sldMk cId="1256033996" sldId="272"/>
-            <ac:spMk id="10" creationId="{E69DD1C9-2B33-4DCC-B4D3-77F14063339E}"/>
-          </ac:spMkLst>
-        </pc:spChg>
-        <pc:spChg chg="mod">
-          <ac:chgData name="Esenwein Benjamin (inf20074)" userId="7720cf97-c6ae-4bac-a435-f995da81a4ba" providerId="ADAL" clId="{66BD89BB-1F64-4C31-8A39-7CD03BA7EE7C}" dt="2021-11-10T16:56:49.969" v="6643" actId="1076"/>
-          <ac:spMkLst>
-            <pc:docMk/>
-            <pc:sldMk cId="1256033996" sldId="272"/>
-            <ac:spMk id="11" creationId="{786167EF-794B-41F1-B090-CCD6CD4EA0F0}"/>
-          </ac:spMkLst>
-        </pc:spChg>
-        <pc:spChg chg="mod">
-          <ac:chgData name="Esenwein Benjamin (inf20074)" userId="7720cf97-c6ae-4bac-a435-f995da81a4ba" providerId="ADAL" clId="{66BD89BB-1F64-4C31-8A39-7CD03BA7EE7C}" dt="2021-11-10T16:56:49.969" v="6643" actId="1076"/>
-          <ac:spMkLst>
-            <pc:docMk/>
-            <pc:sldMk cId="1256033996" sldId="272"/>
-            <ac:spMk id="12" creationId="{4881C562-1A3C-44F7-A83C-4A8A676C8599}"/>
-          </ac:spMkLst>
-        </pc:spChg>
-        <pc:spChg chg="mod">
-          <ac:chgData name="Esenwein Benjamin (inf20074)" userId="7720cf97-c6ae-4bac-a435-f995da81a4ba" providerId="ADAL" clId="{66BD89BB-1F64-4C31-8A39-7CD03BA7EE7C}" dt="2021-11-10T16:56:49.969" v="6643" actId="1076"/>
-          <ac:spMkLst>
-            <pc:docMk/>
-            <pc:sldMk cId="1256033996" sldId="272"/>
-            <ac:spMk id="13" creationId="{5EB17F7C-757F-444B-A280-3E5862DE5F37}"/>
-          </ac:spMkLst>
-        </pc:spChg>
-        <pc:spChg chg="mod">
-          <ac:chgData name="Esenwein Benjamin (inf20074)" userId="7720cf97-c6ae-4bac-a435-f995da81a4ba" providerId="ADAL" clId="{66BD89BB-1F64-4C31-8A39-7CD03BA7EE7C}" dt="2021-11-10T16:56:49.969" v="6643" actId="1076"/>
-          <ac:spMkLst>
-            <pc:docMk/>
-            <pc:sldMk cId="1256033996" sldId="272"/>
-            <ac:spMk id="14" creationId="{2C2C7C17-2BB7-45AA-849B-7D2A3E4A0427}"/>
-          </ac:spMkLst>
-        </pc:spChg>
-        <pc:spChg chg="mod">
-          <ac:chgData name="Esenwein Benjamin (inf20074)" userId="7720cf97-c6ae-4bac-a435-f995da81a4ba" providerId="ADAL" clId="{66BD89BB-1F64-4C31-8A39-7CD03BA7EE7C}" dt="2021-11-10T16:56:49.969" v="6643" actId="1076"/>
-          <ac:spMkLst>
-            <pc:docMk/>
-            <pc:sldMk cId="1256033996" sldId="272"/>
-            <ac:spMk id="15" creationId="{165DE5BB-789A-49E6-8F90-552EA8E9D22C}"/>
-          </ac:spMkLst>
-        </pc:spChg>
-        <pc:graphicFrameChg chg="mod">
-          <ac:chgData name="Esenwein Benjamin (inf20074)" userId="7720cf97-c6ae-4bac-a435-f995da81a4ba" providerId="ADAL" clId="{66BD89BB-1F64-4C31-8A39-7CD03BA7EE7C}" dt="2021-11-10T15:55:28.820" v="6375"/>
-          <ac:graphicFrameMkLst>
-            <pc:docMk/>
-            <pc:sldMk cId="1256033996" sldId="272"/>
-            <ac:graphicFrameMk id="9" creationId="{60A33CBF-DE16-4C1D-BF35-F06D1970B5CF}"/>
-          </ac:graphicFrameMkLst>
-        </pc:graphicFrameChg>
-        <pc:cxnChg chg="add del mod">
-          <ac:chgData name="Esenwein Benjamin (inf20074)" userId="7720cf97-c6ae-4bac-a435-f995da81a4ba" providerId="ADAL" clId="{66BD89BB-1F64-4C31-8A39-7CD03BA7EE7C}" dt="2021-11-10T16:20:26.212" v="6527" actId="478"/>
-          <ac:cxnSpMkLst>
-            <pc:docMk/>
-            <pc:sldMk cId="1256033996" sldId="272"/>
-            <ac:cxnSpMk id="8" creationId="{337447E2-F946-4726-AFFA-F53E5BD69BC2}"/>
-          </ac:cxnSpMkLst>
-        </pc:cxnChg>
-      </pc:sldChg>
-      <pc:sldChg chg="add del">
-        <pc:chgData name="Esenwein Benjamin (inf20074)" userId="7720cf97-c6ae-4bac-a435-f995da81a4ba" providerId="ADAL" clId="{66BD89BB-1F64-4C31-8A39-7CD03BA7EE7C}" dt="2021-11-10T15:40:30.200" v="6293" actId="2696"/>
-        <pc:sldMkLst>
-          <pc:docMk/>
-          <pc:sldMk cId="3107000390" sldId="272"/>
-        </pc:sldMkLst>
-      </pc:sldChg>
-      <pc:sldChg chg="modSp add del mod">
-        <pc:chgData name="Esenwein Benjamin (inf20074)" userId="7720cf97-c6ae-4bac-a435-f995da81a4ba" providerId="ADAL" clId="{66BD89BB-1F64-4C31-8A39-7CD03BA7EE7C}" dt="2021-11-10T15:52:39.005" v="6365" actId="2696"/>
-        <pc:sldMkLst>
-          <pc:docMk/>
-          <pc:sldMk cId="3508791801" sldId="272"/>
-        </pc:sldMkLst>
-        <pc:graphicFrameChg chg="mod">
-          <ac:chgData name="Esenwein Benjamin (inf20074)" userId="7720cf97-c6ae-4bac-a435-f995da81a4ba" providerId="ADAL" clId="{66BD89BB-1F64-4C31-8A39-7CD03BA7EE7C}" dt="2021-11-10T15:51:36.602" v="6364" actId="404"/>
-          <ac:graphicFrameMkLst>
-            <pc:docMk/>
-            <pc:sldMk cId="3508791801" sldId="272"/>
-            <ac:graphicFrameMk id="10" creationId="{9FB93DCE-8C55-4EAB-8730-8EC83B7A794C}"/>
-          </ac:graphicFrameMkLst>
-        </pc:graphicFrameChg>
-      </pc:sldChg>
-      <pc:sldChg chg="addSp delSp modSp mod">
-        <pc:chgData name="Esenwein Benjamin (inf20074)" userId="7720cf97-c6ae-4bac-a435-f995da81a4ba" providerId="ADAL" clId="{66BD89BB-1F64-4C31-8A39-7CD03BA7EE7C}" dt="2021-11-10T16:57:03.967" v="6645" actId="1076"/>
-        <pc:sldMkLst>
-          <pc:docMk/>
-          <pc:sldMk cId="2321171521" sldId="273"/>
-        </pc:sldMkLst>
-        <pc:spChg chg="add mod">
-          <ac:chgData name="Esenwein Benjamin (inf20074)" userId="7720cf97-c6ae-4bac-a435-f995da81a4ba" providerId="ADAL" clId="{66BD89BB-1F64-4C31-8A39-7CD03BA7EE7C}" dt="2021-11-10T16:57:03.967" v="6645" actId="1076"/>
-          <ac:spMkLst>
-            <pc:docMk/>
-            <pc:sldMk cId="2321171521" sldId="273"/>
-            <ac:spMk id="28" creationId="{8F02DE3A-7630-45A1-AA53-B3F96052A8C4}"/>
-          </ac:spMkLst>
-        </pc:spChg>
-        <pc:spChg chg="add mod">
-          <ac:chgData name="Esenwein Benjamin (inf20074)" userId="7720cf97-c6ae-4bac-a435-f995da81a4ba" providerId="ADAL" clId="{66BD89BB-1F64-4C31-8A39-7CD03BA7EE7C}" dt="2021-11-10T16:57:03.967" v="6645" actId="1076"/>
-          <ac:spMkLst>
-            <pc:docMk/>
-            <pc:sldMk cId="2321171521" sldId="273"/>
-            <ac:spMk id="30" creationId="{DBE68B4A-A9D1-4E0A-A22A-AE958825147D}"/>
-          </ac:spMkLst>
-        </pc:spChg>
-        <pc:spChg chg="mod">
-          <ac:chgData name="Esenwein Benjamin (inf20074)" userId="7720cf97-c6ae-4bac-a435-f995da81a4ba" providerId="ADAL" clId="{66BD89BB-1F64-4C31-8A39-7CD03BA7EE7C}" dt="2021-11-10T16:57:03.967" v="6645" actId="1076"/>
-          <ac:spMkLst>
-            <pc:docMk/>
-            <pc:sldMk cId="2321171521" sldId="273"/>
-            <ac:spMk id="31" creationId="{3F4A46D4-675F-4FA3-A15E-340C6B6519AB}"/>
-          </ac:spMkLst>
-        </pc:spChg>
-        <pc:spChg chg="mod">
-          <ac:chgData name="Esenwein Benjamin (inf20074)" userId="7720cf97-c6ae-4bac-a435-f995da81a4ba" providerId="ADAL" clId="{66BD89BB-1F64-4C31-8A39-7CD03BA7EE7C}" dt="2021-11-10T16:57:03.967" v="6645" actId="1076"/>
-          <ac:spMkLst>
-            <pc:docMk/>
-            <pc:sldMk cId="2321171521" sldId="273"/>
-            <ac:spMk id="32" creationId="{7737097B-5D95-4F57-B602-C1B2B0EF19C8}"/>
-          </ac:spMkLst>
-        </pc:spChg>
-        <pc:spChg chg="mod">
-          <ac:chgData name="Esenwein Benjamin (inf20074)" userId="7720cf97-c6ae-4bac-a435-f995da81a4ba" providerId="ADAL" clId="{66BD89BB-1F64-4C31-8A39-7CD03BA7EE7C}" dt="2021-11-10T16:57:03.967" v="6645" actId="1076"/>
-          <ac:spMkLst>
-            <pc:docMk/>
-            <pc:sldMk cId="2321171521" sldId="273"/>
-            <ac:spMk id="33" creationId="{12954FAD-D7FA-41A7-BF61-2E34BCA604C8}"/>
-          </ac:spMkLst>
-        </pc:spChg>
-        <pc:spChg chg="mod">
-          <ac:chgData name="Esenwein Benjamin (inf20074)" userId="7720cf97-c6ae-4bac-a435-f995da81a4ba" providerId="ADAL" clId="{66BD89BB-1F64-4C31-8A39-7CD03BA7EE7C}" dt="2021-11-10T16:57:03.967" v="6645" actId="1076"/>
-          <ac:spMkLst>
-            <pc:docMk/>
-            <pc:sldMk cId="2321171521" sldId="273"/>
-            <ac:spMk id="34" creationId="{7E9B58ED-3FC8-41C6-A541-CD436E8EAB9E}"/>
-          </ac:spMkLst>
-        </pc:spChg>
-        <pc:cxnChg chg="add del mod">
-          <ac:chgData name="Esenwein Benjamin (inf20074)" userId="7720cf97-c6ae-4bac-a435-f995da81a4ba" providerId="ADAL" clId="{66BD89BB-1F64-4C31-8A39-7CD03BA7EE7C}" dt="2021-11-10T16:20:23.682" v="6526" actId="478"/>
-          <ac:cxnSpMkLst>
-            <pc:docMk/>
-            <pc:sldMk cId="2321171521" sldId="273"/>
-            <ac:cxnSpMk id="29" creationId="{BA3BD8AF-66AC-49EF-A8BF-4E5707C49113}"/>
-          </ac:cxnSpMkLst>
-        </pc:cxnChg>
-      </pc:sldChg>
-      <pc:sldMasterChg chg="modTransition modSldLayout">
-        <pc:chgData name="Esenwein Benjamin (inf20074)" userId="7720cf97-c6ae-4bac-a435-f995da81a4ba" providerId="ADAL" clId="{66BD89BB-1F64-4C31-8A39-7CD03BA7EE7C}" dt="2021-11-08T16:45:22.750" v="1988"/>
-        <pc:sldMasterMkLst>
-          <pc:docMk/>
-          <pc:sldMasterMk cId="4145530830" sldId="2147483648"/>
-        </pc:sldMasterMkLst>
-        <pc:sldLayoutChg chg="modTransition">
-          <pc:chgData name="Esenwein Benjamin (inf20074)" userId="7720cf97-c6ae-4bac-a435-f995da81a4ba" providerId="ADAL" clId="{66BD89BB-1F64-4C31-8A39-7CD03BA7EE7C}" dt="2021-11-08T16:45:22.750" v="1988"/>
-          <pc:sldLayoutMkLst>
-            <pc:docMk/>
-            <pc:sldMasterMk cId="4145530830" sldId="2147483648"/>
-            <pc:sldLayoutMk cId="1523920087" sldId="2147483649"/>
-          </pc:sldLayoutMkLst>
-        </pc:sldLayoutChg>
-        <pc:sldLayoutChg chg="modTransition">
-          <pc:chgData name="Esenwein Benjamin (inf20074)" userId="7720cf97-c6ae-4bac-a435-f995da81a4ba" providerId="ADAL" clId="{66BD89BB-1F64-4C31-8A39-7CD03BA7EE7C}" dt="2021-11-08T16:45:22.750" v="1988"/>
-          <pc:sldLayoutMkLst>
-            <pc:docMk/>
-            <pc:sldMasterMk cId="4145530830" sldId="2147483648"/>
-            <pc:sldLayoutMk cId="3688355300" sldId="2147483650"/>
-          </pc:sldLayoutMkLst>
-        </pc:sldLayoutChg>
-        <pc:sldLayoutChg chg="modTransition">
-          <pc:chgData name="Esenwein Benjamin (inf20074)" userId="7720cf97-c6ae-4bac-a435-f995da81a4ba" providerId="ADAL" clId="{66BD89BB-1F64-4C31-8A39-7CD03BA7EE7C}" dt="2021-11-08T16:45:22.750" v="1988"/>
-          <pc:sldLayoutMkLst>
-            <pc:docMk/>
-            <pc:sldMasterMk cId="4145530830" sldId="2147483648"/>
-            <pc:sldLayoutMk cId="213148764" sldId="2147483651"/>
-          </pc:sldLayoutMkLst>
-        </pc:sldLayoutChg>
-        <pc:sldLayoutChg chg="modTransition">
-          <pc:chgData name="Esenwein Benjamin (inf20074)" userId="7720cf97-c6ae-4bac-a435-f995da81a4ba" providerId="ADAL" clId="{66BD89BB-1F64-4C31-8A39-7CD03BA7EE7C}" dt="2021-11-08T16:45:22.750" v="1988"/>
-          <pc:sldLayoutMkLst>
-            <pc:docMk/>
-            <pc:sldMasterMk cId="4145530830" sldId="2147483648"/>
-            <pc:sldLayoutMk cId="2218366721" sldId="2147483652"/>
-          </pc:sldLayoutMkLst>
-        </pc:sldLayoutChg>
-        <pc:sldLayoutChg chg="modTransition">
-          <pc:chgData name="Esenwein Benjamin (inf20074)" userId="7720cf97-c6ae-4bac-a435-f995da81a4ba" providerId="ADAL" clId="{66BD89BB-1F64-4C31-8A39-7CD03BA7EE7C}" dt="2021-11-08T16:45:22.750" v="1988"/>
-          <pc:sldLayoutMkLst>
-            <pc:docMk/>
-            <pc:sldMasterMk cId="4145530830" sldId="2147483648"/>
-            <pc:sldLayoutMk cId="1831998497" sldId="2147483653"/>
-          </pc:sldLayoutMkLst>
-        </pc:sldLayoutChg>
-        <pc:sldLayoutChg chg="modTransition">
-          <pc:chgData name="Esenwein Benjamin (inf20074)" userId="7720cf97-c6ae-4bac-a435-f995da81a4ba" providerId="ADAL" clId="{66BD89BB-1F64-4C31-8A39-7CD03BA7EE7C}" dt="2021-11-08T16:45:22.750" v="1988"/>
-          <pc:sldLayoutMkLst>
-            <pc:docMk/>
-            <pc:sldMasterMk cId="4145530830" sldId="2147483648"/>
-            <pc:sldLayoutMk cId="2833997531" sldId="2147483654"/>
-          </pc:sldLayoutMkLst>
-        </pc:sldLayoutChg>
-        <pc:sldLayoutChg chg="modTransition">
-          <pc:chgData name="Esenwein Benjamin (inf20074)" userId="7720cf97-c6ae-4bac-a435-f995da81a4ba" providerId="ADAL" clId="{66BD89BB-1F64-4C31-8A39-7CD03BA7EE7C}" dt="2021-11-08T16:45:22.750" v="1988"/>
-          <pc:sldLayoutMkLst>
-            <pc:docMk/>
-            <pc:sldMasterMk cId="4145530830" sldId="2147483648"/>
-            <pc:sldLayoutMk cId="2733043906" sldId="2147483655"/>
-          </pc:sldLayoutMkLst>
-        </pc:sldLayoutChg>
-        <pc:sldLayoutChg chg="modTransition">
-          <pc:chgData name="Esenwein Benjamin (inf20074)" userId="7720cf97-c6ae-4bac-a435-f995da81a4ba" providerId="ADAL" clId="{66BD89BB-1F64-4C31-8A39-7CD03BA7EE7C}" dt="2021-11-08T16:45:22.750" v="1988"/>
-          <pc:sldLayoutMkLst>
-            <pc:docMk/>
-            <pc:sldMasterMk cId="4145530830" sldId="2147483648"/>
-            <pc:sldLayoutMk cId="226675919" sldId="2147483656"/>
-          </pc:sldLayoutMkLst>
-        </pc:sldLayoutChg>
-        <pc:sldLayoutChg chg="modTransition">
-          <pc:chgData name="Esenwein Benjamin (inf20074)" userId="7720cf97-c6ae-4bac-a435-f995da81a4ba" providerId="ADAL" clId="{66BD89BB-1F64-4C31-8A39-7CD03BA7EE7C}" dt="2021-11-08T16:45:22.750" v="1988"/>
-          <pc:sldLayoutMkLst>
-            <pc:docMk/>
-            <pc:sldMasterMk cId="4145530830" sldId="2147483648"/>
-            <pc:sldLayoutMk cId="1216304292" sldId="2147483657"/>
-          </pc:sldLayoutMkLst>
-        </pc:sldLayoutChg>
-        <pc:sldLayoutChg chg="modTransition">
-          <pc:chgData name="Esenwein Benjamin (inf20074)" userId="7720cf97-c6ae-4bac-a435-f995da81a4ba" providerId="ADAL" clId="{66BD89BB-1F64-4C31-8A39-7CD03BA7EE7C}" dt="2021-11-08T16:45:22.750" v="1988"/>
-          <pc:sldLayoutMkLst>
-            <pc:docMk/>
-            <pc:sldMasterMk cId="4145530830" sldId="2147483648"/>
-            <pc:sldLayoutMk cId="2320620289" sldId="2147483658"/>
-          </pc:sldLayoutMkLst>
-        </pc:sldLayoutChg>
-        <pc:sldLayoutChg chg="modTransition">
-          <pc:chgData name="Esenwein Benjamin (inf20074)" userId="7720cf97-c6ae-4bac-a435-f995da81a4ba" providerId="ADAL" clId="{66BD89BB-1F64-4C31-8A39-7CD03BA7EE7C}" dt="2021-11-08T16:45:22.750" v="1988"/>
-          <pc:sldLayoutMkLst>
-            <pc:docMk/>
-            <pc:sldMasterMk cId="4145530830" sldId="2147483648"/>
-            <pc:sldLayoutMk cId="4021944686" sldId="2147483659"/>
-          </pc:sldLayoutMkLst>
-        </pc:sldLayoutChg>
-      </pc:sldMasterChg>
-    </pc:docChg>
-  </pc:docChgLst>
-  <pc:docChgLst>
-    <pc:chgData name="Plaschko Yannis (inf20093)" userId="S::inf20093@lehre.dhbw-stuttgart.de::f4d33fb3-2c8f-4127-90f7-f67e7a622ff7" providerId="AD" clId="Web-{A0531A10-4470-AF7D-919D-7FD57CDFF1C1}"/>
-    <pc:docChg chg="modSld">
-      <pc:chgData name="Plaschko Yannis (inf20093)" userId="S::inf20093@lehre.dhbw-stuttgart.de::f4d33fb3-2c8f-4127-90f7-f67e7a622ff7" providerId="AD" clId="Web-{A0531A10-4470-AF7D-919D-7FD57CDFF1C1}" dt="2021-11-08T16:22:44.789" v="53" actId="1076"/>
-      <pc:docMkLst>
-        <pc:docMk/>
-      </pc:docMkLst>
-      <pc:sldChg chg="addSp delSp modSp">
-        <pc:chgData name="Plaschko Yannis (inf20093)" userId="S::inf20093@lehre.dhbw-stuttgart.de::f4d33fb3-2c8f-4127-90f7-f67e7a622ff7" providerId="AD" clId="Web-{A0531A10-4470-AF7D-919D-7FD57CDFF1C1}" dt="2021-11-08T16:22:44.789" v="53" actId="1076"/>
-        <pc:sldMkLst>
-          <pc:docMk/>
-          <pc:sldMk cId="3942132956" sldId="263"/>
-        </pc:sldMkLst>
-        <pc:spChg chg="mod">
-          <ac:chgData name="Plaschko Yannis (inf20093)" userId="S::inf20093@lehre.dhbw-stuttgart.de::f4d33fb3-2c8f-4127-90f7-f67e7a622ff7" providerId="AD" clId="Web-{A0531A10-4470-AF7D-919D-7FD57CDFF1C1}" dt="2021-11-08T16:22:32.007" v="50" actId="20577"/>
-          <ac:spMkLst>
-            <pc:docMk/>
-            <pc:sldMk cId="3942132956" sldId="263"/>
-            <ac:spMk id="7" creationId="{FC78B868-2DAB-42D6-8796-474CB0AE7293}"/>
-          </ac:spMkLst>
-        </pc:spChg>
-        <pc:picChg chg="add del mod">
-          <ac:chgData name="Plaschko Yannis (inf20093)" userId="S::inf20093@lehre.dhbw-stuttgart.de::f4d33fb3-2c8f-4127-90f7-f67e7a622ff7" providerId="AD" clId="Web-{A0531A10-4470-AF7D-919D-7FD57CDFF1C1}" dt="2021-11-08T16:18:55.306" v="3"/>
-          <ac:picMkLst>
-            <pc:docMk/>
-            <pc:sldMk cId="3942132956" sldId="263"/>
-            <ac:picMk id="6" creationId="{272CF389-6641-47AF-B22E-AC7EF7B4E966}"/>
-          </ac:picMkLst>
-        </pc:picChg>
-        <pc:picChg chg="mod">
-          <ac:chgData name="Plaschko Yannis (inf20093)" userId="S::inf20093@lehre.dhbw-stuttgart.de::f4d33fb3-2c8f-4127-90f7-f67e7a622ff7" providerId="AD" clId="Web-{A0531A10-4470-AF7D-919D-7FD57CDFF1C1}" dt="2021-11-08T16:22:44.789" v="53" actId="1076"/>
-          <ac:picMkLst>
-            <pc:docMk/>
-            <pc:sldMk cId="3942132956" sldId="263"/>
-            <ac:picMk id="10" creationId="{5E607E01-D6E5-413B-B7FB-B23E944BF295}"/>
-          </ac:picMkLst>
-        </pc:picChg>
-        <pc:picChg chg="add del mod">
-          <ac:chgData name="Plaschko Yannis (inf20093)" userId="S::inf20093@lehre.dhbw-stuttgart.de::f4d33fb3-2c8f-4127-90f7-f67e7a622ff7" providerId="AD" clId="Web-{A0531A10-4470-AF7D-919D-7FD57CDFF1C1}" dt="2021-11-08T16:19:03.057" v="6"/>
-          <ac:picMkLst>
-            <pc:docMk/>
-            <pc:sldMk cId="3942132956" sldId="263"/>
-            <ac:picMk id="11" creationId="{2FB80C82-3657-4825-BFE5-A5FF7B84D852}"/>
-          </ac:picMkLst>
-        </pc:picChg>
-        <pc:picChg chg="add mod">
-          <ac:chgData name="Plaschko Yannis (inf20093)" userId="S::inf20093@lehre.dhbw-stuttgart.de::f4d33fb3-2c8f-4127-90f7-f67e7a622ff7" providerId="AD" clId="Web-{A0531A10-4470-AF7D-919D-7FD57CDFF1C1}" dt="2021-11-08T16:20:28.546" v="43" actId="1076"/>
-          <ac:picMkLst>
-            <pc:docMk/>
-            <pc:sldMk cId="3942132956" sldId="263"/>
-            <ac:picMk id="12" creationId="{8FBA7D60-6CC6-40A9-926E-775EAA84B231}"/>
-          </ac:picMkLst>
-        </pc:picChg>
-      </pc:sldChg>
-    </pc:docChg>
-  </pc:docChgLst>
-  <pc:docChgLst>
-    <pc:chgData name="Plaschko Yannis (inf20093)" userId="S::inf20093@lehre.dhbw-stuttgart.de::f4d33fb3-2c8f-4127-90f7-f67e7a622ff7" providerId="AD" clId="Web-{95D04942-A7D3-BB39-8E2F-4180869ADAA5}"/>
-    <pc:docChg chg="modSld">
-      <pc:chgData name="Plaschko Yannis (inf20093)" userId="S::inf20093@lehre.dhbw-stuttgart.de::f4d33fb3-2c8f-4127-90f7-f67e7a622ff7" providerId="AD" clId="Web-{95D04942-A7D3-BB39-8E2F-4180869ADAA5}" dt="2021-11-10T15:32:26.864" v="7" actId="1076"/>
-      <pc:docMkLst>
-        <pc:docMk/>
-      </pc:docMkLst>
-      <pc:sldChg chg="addSp delSp modSp">
-        <pc:chgData name="Plaschko Yannis (inf20093)" userId="S::inf20093@lehre.dhbw-stuttgart.de::f4d33fb3-2c8f-4127-90f7-f67e7a622ff7" providerId="AD" clId="Web-{95D04942-A7D3-BB39-8E2F-4180869ADAA5}" dt="2021-11-10T15:32:26.864" v="7" actId="1076"/>
-        <pc:sldMkLst>
-          <pc:docMk/>
-          <pc:sldMk cId="3111845278" sldId="267"/>
-        </pc:sldMkLst>
-        <pc:picChg chg="add del mod">
-          <ac:chgData name="Plaschko Yannis (inf20093)" userId="S::inf20093@lehre.dhbw-stuttgart.de::f4d33fb3-2c8f-4127-90f7-f67e7a622ff7" providerId="AD" clId="Web-{95D04942-A7D3-BB39-8E2F-4180869ADAA5}" dt="2021-11-10T15:30:30.811" v="4"/>
-          <ac:picMkLst>
-            <pc:docMk/>
-            <pc:sldMk cId="3111845278" sldId="267"/>
-            <ac:picMk id="5" creationId="{E28D88D2-03B0-4A08-9935-C8B6C9333C64}"/>
-          </ac:picMkLst>
-        </pc:picChg>
-        <pc:picChg chg="add mod">
-          <ac:chgData name="Plaschko Yannis (inf20093)" userId="S::inf20093@lehre.dhbw-stuttgart.de::f4d33fb3-2c8f-4127-90f7-f67e7a622ff7" providerId="AD" clId="Web-{95D04942-A7D3-BB39-8E2F-4180869ADAA5}" dt="2021-11-10T15:32:26.864" v="7" actId="1076"/>
-          <ac:picMkLst>
-            <pc:docMk/>
-            <pc:sldMk cId="3111845278" sldId="267"/>
-            <ac:picMk id="8" creationId="{E3CAA7F0-A921-49C7-8D0C-768B1F5592CD}"/>
-          </ac:picMkLst>
-        </pc:picChg>
-      </pc:sldChg>
-    </pc:docChg>
-  </pc:docChgLst>
-  <pc:docChgLst>
-    <pc:chgData name="Laura" userId="b6dee9c5-cc36-4888-b156-97d84b7a0163" providerId="ADAL" clId="{B54DDF13-DC95-4D47-A585-CFA795214509}"/>
-    <pc:docChg chg="undo redo custSel delSld modSld">
-      <pc:chgData name="Laura" userId="b6dee9c5-cc36-4888-b156-97d84b7a0163" providerId="ADAL" clId="{B54DDF13-DC95-4D47-A585-CFA795214509}" dt="2021-11-10T17:13:06.362" v="558" actId="2696"/>
-      <pc:docMkLst>
-        <pc:docMk/>
-      </pc:docMkLst>
-      <pc:sldChg chg="modNotesTx">
-        <pc:chgData name="Laura" userId="b6dee9c5-cc36-4888-b156-97d84b7a0163" providerId="ADAL" clId="{B54DDF13-DC95-4D47-A585-CFA795214509}" dt="2021-11-10T15:56:54.154" v="221" actId="20577"/>
-        <pc:sldMkLst>
-          <pc:docMk/>
-          <pc:sldMk cId="2505959144" sldId="256"/>
-        </pc:sldMkLst>
-      </pc:sldChg>
-      <pc:sldChg chg="addSp modSp mod">
-        <pc:chgData name="Laura" userId="b6dee9c5-cc36-4888-b156-97d84b7a0163" providerId="ADAL" clId="{B54DDF13-DC95-4D47-A585-CFA795214509}" dt="2021-11-10T16:57:08.863" v="508" actId="166"/>
-        <pc:sldMkLst>
-          <pc:docMk/>
-          <pc:sldMk cId="1575568240" sldId="257"/>
-        </pc:sldMkLst>
-        <pc:spChg chg="mod">
-          <ac:chgData name="Laura" userId="b6dee9c5-cc36-4888-b156-97d84b7a0163" providerId="ADAL" clId="{B54DDF13-DC95-4D47-A585-CFA795214509}" dt="2021-11-10T15:11:00.246" v="12" actId="20577"/>
-          <ac:spMkLst>
-            <pc:docMk/>
-            <pc:sldMk cId="1575568240" sldId="257"/>
-            <ac:spMk id="3" creationId="{DF539375-44E3-4147-BAE7-6E5166F80167}"/>
-          </ac:spMkLst>
-        </pc:spChg>
-        <pc:spChg chg="ord">
-          <ac:chgData name="Laura" userId="b6dee9c5-cc36-4888-b156-97d84b7a0163" providerId="ADAL" clId="{B54DDF13-DC95-4D47-A585-CFA795214509}" dt="2021-11-10T16:57:08.863" v="508" actId="166"/>
-          <ac:spMkLst>
-            <pc:docMk/>
-            <pc:sldMk cId="1575568240" sldId="257"/>
-            <ac:spMk id="8" creationId="{49CE44EA-F4B1-4B54-B01D-7F853505004E}"/>
-          </ac:spMkLst>
-        </pc:spChg>
-        <pc:spChg chg="add mod">
-          <ac:chgData name="Laura" userId="b6dee9c5-cc36-4888-b156-97d84b7a0163" providerId="ADAL" clId="{B54DDF13-DC95-4D47-A585-CFA795214509}" dt="2021-11-10T16:57:01.434" v="505" actId="207"/>
-          <ac:spMkLst>
-            <pc:docMk/>
-            <pc:sldMk cId="1575568240" sldId="257"/>
-            <ac:spMk id="11" creationId="{FE8486AE-0B22-4A2F-AAEB-A9E9777DF897}"/>
-          </ac:spMkLst>
-        </pc:spChg>
-        <pc:spChg chg="add mod">
-          <ac:chgData name="Laura" userId="b6dee9c5-cc36-4888-b156-97d84b7a0163" providerId="ADAL" clId="{B54DDF13-DC95-4D47-A585-CFA795214509}" dt="2021-11-10T16:57:01.434" v="505" actId="207"/>
-          <ac:spMkLst>
-            <pc:docMk/>
-            <pc:sldMk cId="1575568240" sldId="257"/>
-            <ac:spMk id="12" creationId="{A3E9974F-677D-43C4-ABD5-206FDCE7833B}"/>
-          </ac:spMkLst>
-        </pc:spChg>
-        <pc:spChg chg="add mod">
-          <ac:chgData name="Laura" userId="b6dee9c5-cc36-4888-b156-97d84b7a0163" providerId="ADAL" clId="{B54DDF13-DC95-4D47-A585-CFA795214509}" dt="2021-11-10T16:57:01.434" v="505" actId="207"/>
-          <ac:spMkLst>
-            <pc:docMk/>
-            <pc:sldMk cId="1575568240" sldId="257"/>
-            <ac:spMk id="13" creationId="{2CE22E48-7F81-4358-BE5F-61F07F2111F8}"/>
-          </ac:spMkLst>
-        </pc:spChg>
-        <pc:spChg chg="add mod">
-          <ac:chgData name="Laura" userId="b6dee9c5-cc36-4888-b156-97d84b7a0163" providerId="ADAL" clId="{B54DDF13-DC95-4D47-A585-CFA795214509}" dt="2021-11-10T16:57:01.434" v="505" actId="207"/>
-          <ac:spMkLst>
-            <pc:docMk/>
-            <pc:sldMk cId="1575568240" sldId="257"/>
-            <ac:spMk id="14" creationId="{9235CBCA-E9D4-45C1-8DFE-2A5CD2761BA8}"/>
-          </ac:spMkLst>
-        </pc:spChg>
-        <pc:spChg chg="add mod">
-          <ac:chgData name="Laura" userId="b6dee9c5-cc36-4888-b156-97d84b7a0163" providerId="ADAL" clId="{B54DDF13-DC95-4D47-A585-CFA795214509}" dt="2021-11-10T16:57:01.434" v="505" actId="207"/>
-          <ac:spMkLst>
-            <pc:docMk/>
-            <pc:sldMk cId="1575568240" sldId="257"/>
-            <ac:spMk id="15" creationId="{07A668D7-1DA3-45CA-9217-9E0ADBF4AA4D}"/>
-          </ac:spMkLst>
-        </pc:spChg>
-        <pc:spChg chg="add mod">
-          <ac:chgData name="Laura" userId="b6dee9c5-cc36-4888-b156-97d84b7a0163" providerId="ADAL" clId="{B54DDF13-DC95-4D47-A585-CFA795214509}" dt="2021-11-10T16:57:01.434" v="505" actId="207"/>
-          <ac:spMkLst>
-            <pc:docMk/>
-            <pc:sldMk cId="1575568240" sldId="257"/>
-            <ac:spMk id="16" creationId="{D3F36C19-9615-4DEA-94E5-5C44F53D0942}"/>
-          </ac:spMkLst>
-        </pc:spChg>
-        <pc:spChg chg="add mod">
-          <ac:chgData name="Laura" userId="b6dee9c5-cc36-4888-b156-97d84b7a0163" providerId="ADAL" clId="{B54DDF13-DC95-4D47-A585-CFA795214509}" dt="2021-11-10T16:57:01.434" v="505" actId="207"/>
-          <ac:spMkLst>
-            <pc:docMk/>
-            <pc:sldMk cId="1575568240" sldId="257"/>
-            <ac:spMk id="17" creationId="{B2D777E6-BD25-4B35-9FAA-989F9B8468DC}"/>
-          </ac:spMkLst>
-        </pc:spChg>
-        <pc:spChg chg="add mod ord">
-          <ac:chgData name="Laura" userId="b6dee9c5-cc36-4888-b156-97d84b7a0163" providerId="ADAL" clId="{B54DDF13-DC95-4D47-A585-CFA795214509}" dt="2021-11-10T16:57:05.436" v="507" actId="166"/>
-          <ac:spMkLst>
-            <pc:docMk/>
-            <pc:sldMk cId="1575568240" sldId="257"/>
-            <ac:spMk id="18" creationId="{27FD9119-6CC2-49A2-8AA8-7817F2AC84BD}"/>
-          </ac:spMkLst>
-        </pc:spChg>
-        <pc:spChg chg="add mod">
-          <ac:chgData name="Laura" userId="b6dee9c5-cc36-4888-b156-97d84b7a0163" providerId="ADAL" clId="{B54DDF13-DC95-4D47-A585-CFA795214509}" dt="2021-11-10T16:45:48.958" v="459" actId="1076"/>
-          <ac:spMkLst>
-            <pc:docMk/>
-            <pc:sldMk cId="1575568240" sldId="257"/>
-            <ac:spMk id="19" creationId="{D992AAE6-FDB3-4376-82C5-EACB6B766CBA}"/>
-          </ac:spMkLst>
-        </pc:spChg>
-        <pc:cxnChg chg="add mod">
-          <ac:chgData name="Laura" userId="b6dee9c5-cc36-4888-b156-97d84b7a0163" providerId="ADAL" clId="{B54DDF13-DC95-4D47-A585-CFA795214509}" dt="2021-11-10T15:30:11.751" v="143" actId="14100"/>
-          <ac:cxnSpMkLst>
-            <pc:docMk/>
-            <pc:sldMk cId="1575568240" sldId="257"/>
-            <ac:cxnSpMk id="5" creationId="{937A5EEC-7461-4917-B053-8C17E69D3EAA}"/>
-          </ac:cxnSpMkLst>
-        </pc:cxnChg>
-      </pc:sldChg>
-      <pc:sldChg chg="addSp modSp mod modNotesTx">
-        <pc:chgData name="Laura" userId="b6dee9c5-cc36-4888-b156-97d84b7a0163" providerId="ADAL" clId="{B54DDF13-DC95-4D47-A585-CFA795214509}" dt="2021-11-10T17:00:47.483" v="519" actId="167"/>
-        <pc:sldMkLst>
-          <pc:docMk/>
-          <pc:sldMk cId="719139584" sldId="258"/>
-        </pc:sldMkLst>
-        <pc:spChg chg="mod">
-          <ac:chgData name="Laura" userId="b6dee9c5-cc36-4888-b156-97d84b7a0163" providerId="ADAL" clId="{B54DDF13-DC95-4D47-A585-CFA795214509}" dt="2021-11-10T16:49:43.163" v="467" actId="1076"/>
-          <ac:spMkLst>
-            <pc:docMk/>
-            <pc:sldMk cId="719139584" sldId="258"/>
-            <ac:spMk id="2" creationId="{8E43454D-15E9-4568-97E9-95D78897E538}"/>
-          </ac:spMkLst>
-        </pc:spChg>
-        <pc:spChg chg="add mod">
-          <ac:chgData name="Laura" userId="b6dee9c5-cc36-4888-b156-97d84b7a0163" providerId="ADAL" clId="{B54DDF13-DC95-4D47-A585-CFA795214509}" dt="2021-11-10T16:49:31.342" v="464" actId="207"/>
-          <ac:spMkLst>
-            <pc:docMk/>
-            <pc:sldMk cId="719139584" sldId="258"/>
-            <ac:spMk id="9" creationId="{BEC9ECC9-4211-476A-81B4-8185174D826A}"/>
-          </ac:spMkLst>
-        </pc:spChg>
-        <pc:spChg chg="add mod">
-          <ac:chgData name="Laura" userId="b6dee9c5-cc36-4888-b156-97d84b7a0163" providerId="ADAL" clId="{B54DDF13-DC95-4D47-A585-CFA795214509}" dt="2021-11-10T16:49:01.970" v="463" actId="207"/>
-          <ac:spMkLst>
-            <pc:docMk/>
-            <pc:sldMk cId="719139584" sldId="258"/>
-            <ac:spMk id="10" creationId="{9BC203D4-27A5-498F-BD18-FA5D28D9870B}"/>
-          </ac:spMkLst>
-        </pc:spChg>
-        <pc:spChg chg="add mod">
-          <ac:chgData name="Laura" userId="b6dee9c5-cc36-4888-b156-97d84b7a0163" providerId="ADAL" clId="{B54DDF13-DC95-4D47-A585-CFA795214509}" dt="2021-11-10T16:49:31.342" v="464" actId="207"/>
-          <ac:spMkLst>
-            <pc:docMk/>
-            <pc:sldMk cId="719139584" sldId="258"/>
-            <ac:spMk id="11" creationId="{C592ABF4-CEDC-4628-9F7B-83CCA72E3EEE}"/>
-          </ac:spMkLst>
-        </pc:spChg>
-        <pc:spChg chg="add mod">
-          <ac:chgData name="Laura" userId="b6dee9c5-cc36-4888-b156-97d84b7a0163" providerId="ADAL" clId="{B54DDF13-DC95-4D47-A585-CFA795214509}" dt="2021-11-10T16:49:31.342" v="464" actId="207"/>
-          <ac:spMkLst>
-            <pc:docMk/>
-            <pc:sldMk cId="719139584" sldId="258"/>
-            <ac:spMk id="12" creationId="{0939BD5A-5FE2-444A-ACF8-D050C8E064BC}"/>
-          </ac:spMkLst>
-        </pc:spChg>
-        <pc:spChg chg="add mod">
-          <ac:chgData name="Laura" userId="b6dee9c5-cc36-4888-b156-97d84b7a0163" providerId="ADAL" clId="{B54DDF13-DC95-4D47-A585-CFA795214509}" dt="2021-11-10T16:49:31.342" v="464" actId="207"/>
-          <ac:spMkLst>
-            <pc:docMk/>
-            <pc:sldMk cId="719139584" sldId="258"/>
-            <ac:spMk id="13" creationId="{DD63B2AE-C1B5-4451-B3C5-8543168935BF}"/>
-          </ac:spMkLst>
-        </pc:spChg>
-        <pc:spChg chg="add mod">
-          <ac:chgData name="Laura" userId="b6dee9c5-cc36-4888-b156-97d84b7a0163" providerId="ADAL" clId="{B54DDF13-DC95-4D47-A585-CFA795214509}" dt="2021-11-10T16:49:31.342" v="464" actId="207"/>
-          <ac:spMkLst>
-            <pc:docMk/>
-            <pc:sldMk cId="719139584" sldId="258"/>
-            <ac:spMk id="14" creationId="{578BD130-2B86-452B-A497-7F6322A84756}"/>
-          </ac:spMkLst>
-        </pc:spChg>
-        <pc:spChg chg="mod ord">
-          <ac:chgData name="Laura" userId="b6dee9c5-cc36-4888-b156-97d84b7a0163" providerId="ADAL" clId="{B54DDF13-DC95-4D47-A585-CFA795214509}" dt="2021-11-10T17:00:47.483" v="519" actId="167"/>
-          <ac:spMkLst>
-            <pc:docMk/>
-            <pc:sldMk cId="719139584" sldId="258"/>
-            <ac:spMk id="15" creationId="{1DD9A950-E8F2-4681-B140-33159C406AAB}"/>
-          </ac:spMkLst>
-        </pc:spChg>
-        <pc:spChg chg="add mod">
-          <ac:chgData name="Laura" userId="b6dee9c5-cc36-4888-b156-97d84b7a0163" providerId="ADAL" clId="{B54DDF13-DC95-4D47-A585-CFA795214509}" dt="2021-11-10T16:49:31.342" v="464" actId="207"/>
-          <ac:spMkLst>
-            <pc:docMk/>
-            <pc:sldMk cId="719139584" sldId="258"/>
-            <ac:spMk id="18" creationId="{78F100DB-A976-49DE-A569-2E98ADDC27E3}"/>
-          </ac:spMkLst>
-        </pc:spChg>
-        <pc:spChg chg="add mod ord">
-          <ac:chgData name="Laura" userId="b6dee9c5-cc36-4888-b156-97d84b7a0163" providerId="ADAL" clId="{B54DDF13-DC95-4D47-A585-CFA795214509}" dt="2021-11-10T16:50:47.603" v="477" actId="167"/>
-          <ac:spMkLst>
-            <pc:docMk/>
-            <pc:sldMk cId="719139584" sldId="258"/>
-            <ac:spMk id="19" creationId="{90691A9C-183C-4D16-A251-02B94D6CCBD1}"/>
-          </ac:spMkLst>
-        </pc:spChg>
-        <pc:spChg chg="add mod ord">
-          <ac:chgData name="Laura" userId="b6dee9c5-cc36-4888-b156-97d84b7a0163" providerId="ADAL" clId="{B54DDF13-DC95-4D47-A585-CFA795214509}" dt="2021-11-10T16:50:50.090" v="478" actId="171"/>
-          <ac:spMkLst>
-            <pc:docMk/>
-            <pc:sldMk cId="719139584" sldId="258"/>
-            <ac:spMk id="20" creationId="{91D2FAC1-CE8B-4738-9296-4CB614522BC7}"/>
-          </ac:spMkLst>
-        </pc:spChg>
-      </pc:sldChg>
-      <pc:sldChg chg="addSp delSp modSp mod">
-        <pc:chgData name="Laura" userId="b6dee9c5-cc36-4888-b156-97d84b7a0163" providerId="ADAL" clId="{B54DDF13-DC95-4D47-A585-CFA795214509}" dt="2021-11-10T17:04:58.814" v="550" actId="167"/>
-        <pc:sldMkLst>
-          <pc:docMk/>
-          <pc:sldMk cId="452856955" sldId="259"/>
-        </pc:sldMkLst>
-        <pc:spChg chg="ord">
-          <ac:chgData name="Laura" userId="b6dee9c5-cc36-4888-b156-97d84b7a0163" providerId="ADAL" clId="{B54DDF13-DC95-4D47-A585-CFA795214509}" dt="2021-11-10T17:04:58.814" v="550" actId="167"/>
-          <ac:spMkLst>
-            <pc:docMk/>
-            <pc:sldMk cId="452856955" sldId="259"/>
-            <ac:spMk id="17" creationId="{E6E5A29A-75DA-40A7-9FF3-18AE87E100B5}"/>
-          </ac:spMkLst>
-        </pc:spChg>
-        <pc:spChg chg="add mod">
-          <ac:chgData name="Laura" userId="b6dee9c5-cc36-4888-b156-97d84b7a0163" providerId="ADAL" clId="{B54DDF13-DC95-4D47-A585-CFA795214509}" dt="2021-11-10T16:56:13.838" v="498" actId="207"/>
-          <ac:spMkLst>
-            <pc:docMk/>
-            <pc:sldMk cId="452856955" sldId="259"/>
-            <ac:spMk id="26" creationId="{F2B79D3E-7830-48CE-9FAA-564ED3B2E51D}"/>
-          </ac:spMkLst>
-        </pc:spChg>
-        <pc:spChg chg="add mod">
-          <ac:chgData name="Laura" userId="b6dee9c5-cc36-4888-b156-97d84b7a0163" providerId="ADAL" clId="{B54DDF13-DC95-4D47-A585-CFA795214509}" dt="2021-11-10T16:56:13.838" v="498" actId="207"/>
-          <ac:spMkLst>
-            <pc:docMk/>
-            <pc:sldMk cId="452856955" sldId="259"/>
-            <ac:spMk id="27" creationId="{D6B9F240-DA94-4F81-86C5-79DB5752BFA7}"/>
-          </ac:spMkLst>
-        </pc:spChg>
-        <pc:spChg chg="add mod">
-          <ac:chgData name="Laura" userId="b6dee9c5-cc36-4888-b156-97d84b7a0163" providerId="ADAL" clId="{B54DDF13-DC95-4D47-A585-CFA795214509}" dt="2021-11-10T16:56:13.838" v="498" actId="207"/>
-          <ac:spMkLst>
-            <pc:docMk/>
-            <pc:sldMk cId="452856955" sldId="259"/>
-            <ac:spMk id="28" creationId="{D3FA81CC-9F07-45C8-9344-9369B58B01CF}"/>
-          </ac:spMkLst>
-        </pc:spChg>
-        <pc:spChg chg="add mod">
-          <ac:chgData name="Laura" userId="b6dee9c5-cc36-4888-b156-97d84b7a0163" providerId="ADAL" clId="{B54DDF13-DC95-4D47-A585-CFA795214509}" dt="2021-11-10T16:56:13.838" v="498" actId="207"/>
-          <ac:spMkLst>
-            <pc:docMk/>
-            <pc:sldMk cId="452856955" sldId="259"/>
-            <ac:spMk id="29" creationId="{E92F2DA4-5AEB-4D5B-9968-94A4CEFDB893}"/>
-          </ac:spMkLst>
-        </pc:spChg>
-        <pc:spChg chg="add mod">
-          <ac:chgData name="Laura" userId="b6dee9c5-cc36-4888-b156-97d84b7a0163" providerId="ADAL" clId="{B54DDF13-DC95-4D47-A585-CFA795214509}" dt="2021-11-10T16:56:13.838" v="498" actId="207"/>
-          <ac:spMkLst>
-            <pc:docMk/>
-            <pc:sldMk cId="452856955" sldId="259"/>
-            <ac:spMk id="30" creationId="{4E218B74-5243-415B-9655-E58BE56AEFC7}"/>
-          </ac:spMkLst>
-        </pc:spChg>
-        <pc:spChg chg="add mod ord">
-          <ac:chgData name="Laura" userId="b6dee9c5-cc36-4888-b156-97d84b7a0163" providerId="ADAL" clId="{B54DDF13-DC95-4D47-A585-CFA795214509}" dt="2021-11-10T16:56:18.440" v="499" actId="166"/>
-          <ac:spMkLst>
-            <pc:docMk/>
-            <pc:sldMk cId="452856955" sldId="259"/>
-            <ac:spMk id="31" creationId="{19D9E93B-98EB-420F-9357-38A238F52743}"/>
-          </ac:spMkLst>
-        </pc:spChg>
-        <pc:spChg chg="add del mod">
-          <ac:chgData name="Laura" userId="b6dee9c5-cc36-4888-b156-97d84b7a0163" providerId="ADAL" clId="{B54DDF13-DC95-4D47-A585-CFA795214509}" dt="2021-11-10T17:01:07.899" v="523" actId="21"/>
-          <ac:spMkLst>
-            <pc:docMk/>
-            <pc:sldMk cId="452856955" sldId="259"/>
-            <ac:spMk id="32" creationId="{D563C1BD-737A-4C8E-AEDA-C11D93CD3966}"/>
-          </ac:spMkLst>
-        </pc:spChg>
-        <pc:cxnChg chg="add mod">
-          <ac:chgData name="Laura" userId="b6dee9c5-cc36-4888-b156-97d84b7a0163" providerId="ADAL" clId="{B54DDF13-DC95-4D47-A585-CFA795214509}" dt="2021-11-10T15:30:40.983" v="145"/>
-          <ac:cxnSpMkLst>
-            <pc:docMk/>
-            <pc:sldMk cId="452856955" sldId="259"/>
-            <ac:cxnSpMk id="14" creationId="{5630DF80-EB0C-4207-B4D8-298E0A44F081}"/>
-          </ac:cxnSpMkLst>
-        </pc:cxnChg>
-      </pc:sldChg>
-      <pc:sldChg chg="addSp modSp del mod">
-        <pc:chgData name="Laura" userId="b6dee9c5-cc36-4888-b156-97d84b7a0163" providerId="ADAL" clId="{B54DDF13-DC95-4D47-A585-CFA795214509}" dt="2021-11-10T15:59:54.940" v="229" actId="2696"/>
-        <pc:sldMkLst>
-          <pc:docMk/>
-          <pc:sldMk cId="1356689989" sldId="260"/>
-        </pc:sldMkLst>
-        <pc:graphicFrameChg chg="mod">
-          <ac:chgData name="Laura" userId="b6dee9c5-cc36-4888-b156-97d84b7a0163" providerId="ADAL" clId="{B54DDF13-DC95-4D47-A585-CFA795214509}" dt="2021-11-10T15:52:39.913" v="215"/>
-          <ac:graphicFrameMkLst>
-            <pc:docMk/>
-            <pc:sldMk cId="1356689989" sldId="260"/>
-            <ac:graphicFrameMk id="9" creationId="{60A33CBF-DE16-4C1D-BF35-F06D1970B5CF}"/>
-          </ac:graphicFrameMkLst>
-        </pc:graphicFrameChg>
-        <pc:cxnChg chg="add mod">
-          <ac:chgData name="Laura" userId="b6dee9c5-cc36-4888-b156-97d84b7a0163" providerId="ADAL" clId="{B54DDF13-DC95-4D47-A585-CFA795214509}" dt="2021-11-10T15:30:44.493" v="146"/>
-          <ac:cxnSpMkLst>
-            <pc:docMk/>
-            <pc:sldMk cId="1356689989" sldId="260"/>
-            <ac:cxnSpMk id="5" creationId="{8B5D101D-A589-4C3B-9061-C7CE7FE9E84E}"/>
-          </ac:cxnSpMkLst>
-        </pc:cxnChg>
-        <pc:cxnChg chg="mod">
-          <ac:chgData name="Laura" userId="b6dee9c5-cc36-4888-b156-97d84b7a0163" providerId="ADAL" clId="{B54DDF13-DC95-4D47-A585-CFA795214509}" dt="2021-11-10T15:51:19.654" v="208" actId="208"/>
-          <ac:cxnSpMkLst>
-            <pc:docMk/>
-            <pc:sldMk cId="1356689989" sldId="260"/>
-            <ac:cxnSpMk id="6" creationId="{5866BF4A-F283-4EF4-92EA-27F2B1E24C51}"/>
-          </ac:cxnSpMkLst>
-        </pc:cxnChg>
-      </pc:sldChg>
-      <pc:sldChg chg="addSp delSp modSp del mod">
-        <pc:chgData name="Laura" userId="b6dee9c5-cc36-4888-b156-97d84b7a0163" providerId="ADAL" clId="{B54DDF13-DC95-4D47-A585-CFA795214509}" dt="2021-11-10T16:26:59.854" v="327" actId="2696"/>
-        <pc:sldMkLst>
-          <pc:docMk/>
-          <pc:sldMk cId="2980803954" sldId="261"/>
-        </pc:sldMkLst>
-        <pc:graphicFrameChg chg="mod">
-          <ac:chgData name="Laura" userId="b6dee9c5-cc36-4888-b156-97d84b7a0163" providerId="ADAL" clId="{B54DDF13-DC95-4D47-A585-CFA795214509}" dt="2021-11-10T16:12:54.309" v="243"/>
-          <ac:graphicFrameMkLst>
-            <pc:docMk/>
-            <pc:sldMk cId="2980803954" sldId="261"/>
-            <ac:graphicFrameMk id="10" creationId="{9FB93DCE-8C55-4EAB-8730-8EC83B7A794C}"/>
-          </ac:graphicFrameMkLst>
-        </pc:graphicFrameChg>
-        <pc:cxnChg chg="add del mod">
-          <ac:chgData name="Laura" userId="b6dee9c5-cc36-4888-b156-97d84b7a0163" providerId="ADAL" clId="{B54DDF13-DC95-4D47-A585-CFA795214509}" dt="2021-11-10T15:31:25.951" v="151" actId="21"/>
-          <ac:cxnSpMkLst>
-            <pc:docMk/>
-            <pc:sldMk cId="2980803954" sldId="261"/>
-            <ac:cxnSpMk id="5" creationId="{B4F3E929-67D7-4356-A52F-D8DE2ED13F97}"/>
-          </ac:cxnSpMkLst>
-        </pc:cxnChg>
-      </pc:sldChg>
-      <pc:sldChg chg="addSp delSp modSp mod">
-        <pc:chgData name="Laura" userId="b6dee9c5-cc36-4888-b156-97d84b7a0163" providerId="ADAL" clId="{B54DDF13-DC95-4D47-A585-CFA795214509}" dt="2021-11-10T17:03:22.764" v="540" actId="167"/>
-        <pc:sldMkLst>
-          <pc:docMk/>
-          <pc:sldMk cId="4147236091" sldId="262"/>
-        </pc:sldMkLst>
-        <pc:spChg chg="mod">
-          <ac:chgData name="Laura" userId="b6dee9c5-cc36-4888-b156-97d84b7a0163" providerId="ADAL" clId="{B54DDF13-DC95-4D47-A585-CFA795214509}" dt="2021-11-10T16:02:10.995" v="234" actId="1076"/>
-          <ac:spMkLst>
-            <pc:docMk/>
-            <pc:sldMk cId="4147236091" sldId="262"/>
-            <ac:spMk id="12" creationId="{87AD0200-DD05-49D8-A458-EA41761A8DE1}"/>
-          </ac:spMkLst>
-        </pc:spChg>
-        <pc:spChg chg="mod ord">
-          <ac:chgData name="Laura" userId="b6dee9c5-cc36-4888-b156-97d84b7a0163" providerId="ADAL" clId="{B54DDF13-DC95-4D47-A585-CFA795214509}" dt="2021-11-10T17:03:22.764" v="540" actId="167"/>
-          <ac:spMkLst>
-            <pc:docMk/>
-            <pc:sldMk cId="4147236091" sldId="262"/>
-            <ac:spMk id="15" creationId="{209566E8-9D98-465B-BE0F-01BCCF75D1EA}"/>
-          </ac:spMkLst>
-        </pc:spChg>
-        <pc:spChg chg="ord">
-          <ac:chgData name="Laura" userId="b6dee9c5-cc36-4888-b156-97d84b7a0163" providerId="ADAL" clId="{B54DDF13-DC95-4D47-A585-CFA795214509}" dt="2021-11-10T16:54:38.107" v="487" actId="167"/>
-          <ac:spMkLst>
-            <pc:docMk/>
-            <pc:sldMk cId="4147236091" sldId="262"/>
-            <ac:spMk id="17" creationId="{4CFD39F8-4CBB-4EE4-8478-BADE98CF2E40}"/>
-          </ac:spMkLst>
-        </pc:spChg>
-        <pc:spChg chg="add mod ord">
-          <ac:chgData name="Laura" userId="b6dee9c5-cc36-4888-b156-97d84b7a0163" providerId="ADAL" clId="{B54DDF13-DC95-4D47-A585-CFA795214509}" dt="2021-11-10T16:54:35.226" v="486" actId="167"/>
-          <ac:spMkLst>
-            <pc:docMk/>
-            <pc:sldMk cId="4147236091" sldId="262"/>
-            <ac:spMk id="18" creationId="{65F52A42-A9AF-4503-8AF2-4EC1BBF45A1B}"/>
-          </ac:spMkLst>
-        </pc:spChg>
-        <pc:spChg chg="add del mod">
-          <ac:chgData name="Laura" userId="b6dee9c5-cc36-4888-b156-97d84b7a0163" providerId="ADAL" clId="{B54DDF13-DC95-4D47-A585-CFA795214509}" dt="2021-11-10T16:40:56.469" v="386"/>
-          <ac:spMkLst>
-            <pc:docMk/>
-            <pc:sldMk cId="4147236091" sldId="262"/>
-            <ac:spMk id="19" creationId="{7F23ACD3-15ED-4973-8835-C140C4ED85F1}"/>
-          </ac:spMkLst>
-        </pc:spChg>
-        <pc:spChg chg="add mod ord">
-          <ac:chgData name="Laura" userId="b6dee9c5-cc36-4888-b156-97d84b7a0163" providerId="ADAL" clId="{B54DDF13-DC95-4D47-A585-CFA795214509}" dt="2021-11-10T16:54:27.935" v="485" actId="207"/>
-          <ac:spMkLst>
-            <pc:docMk/>
-            <pc:sldMk cId="4147236091" sldId="262"/>
-            <ac:spMk id="20" creationId="{CDFA100E-A128-4646-A86D-500F8424EF60}"/>
-          </ac:spMkLst>
-        </pc:spChg>
-        <pc:spChg chg="add del mod">
-          <ac:chgData name="Laura" userId="b6dee9c5-cc36-4888-b156-97d84b7a0163" providerId="ADAL" clId="{B54DDF13-DC95-4D47-A585-CFA795214509}" dt="2021-11-10T17:01:58.713" v="535" actId="21"/>
-          <ac:spMkLst>
-            <pc:docMk/>
-            <pc:sldMk cId="4147236091" sldId="262"/>
-            <ac:spMk id="21" creationId="{EFDB0F1D-06FB-4FF3-BA0D-D74305FF8E92}"/>
-          </ac:spMkLst>
-        </pc:spChg>
-        <pc:graphicFrameChg chg="mod">
-          <ac:chgData name="Laura" userId="b6dee9c5-cc36-4888-b156-97d84b7a0163" providerId="ADAL" clId="{B54DDF13-DC95-4D47-A585-CFA795214509}" dt="2021-11-10T16:02:10.995" v="234" actId="1076"/>
-          <ac:graphicFrameMkLst>
-            <pc:docMk/>
-            <pc:sldMk cId="4147236091" sldId="262"/>
-            <ac:graphicFrameMk id="13" creationId="{86E52FFC-05E8-46A6-B4A1-33E2B7A7C8B4}"/>
-          </ac:graphicFrameMkLst>
-        </pc:graphicFrameChg>
-        <pc:picChg chg="mod">
-          <ac:chgData name="Laura" userId="b6dee9c5-cc36-4888-b156-97d84b7a0163" providerId="ADAL" clId="{B54DDF13-DC95-4D47-A585-CFA795214509}" dt="2021-11-10T16:02:10.995" v="234" actId="1076"/>
-          <ac:picMkLst>
-            <pc:docMk/>
-            <pc:sldMk cId="4147236091" sldId="262"/>
-            <ac:picMk id="9" creationId="{C75CF267-E927-4BB0-BA73-A7F230D085F1}"/>
-          </ac:picMkLst>
-        </pc:picChg>
-        <pc:picChg chg="mod">
-          <ac:chgData name="Laura" userId="b6dee9c5-cc36-4888-b156-97d84b7a0163" providerId="ADAL" clId="{B54DDF13-DC95-4D47-A585-CFA795214509}" dt="2021-11-10T16:02:10.995" v="234" actId="1076"/>
-          <ac:picMkLst>
-            <pc:docMk/>
-            <pc:sldMk cId="4147236091" sldId="262"/>
-            <ac:picMk id="11" creationId="{A9ED0D2B-E1E9-433D-A571-67069977AB7B}"/>
-          </ac:picMkLst>
-        </pc:picChg>
-        <pc:cxnChg chg="add del mod">
-          <ac:chgData name="Laura" userId="b6dee9c5-cc36-4888-b156-97d84b7a0163" providerId="ADAL" clId="{B54DDF13-DC95-4D47-A585-CFA795214509}" dt="2021-11-10T15:31:01.748" v="150"/>
-          <ac:cxnSpMkLst>
-            <pc:docMk/>
-            <pc:sldMk cId="4147236091" sldId="262"/>
-            <ac:cxnSpMk id="8" creationId="{392526F4-0613-4C65-BB44-F24A1753E93F}"/>
-          </ac:cxnSpMkLst>
-        </pc:cxnChg>
-      </pc:sldChg>
-      <pc:sldChg chg="addSp delSp modSp mod">
-        <pc:chgData name="Laura" userId="b6dee9c5-cc36-4888-b156-97d84b7a0163" providerId="ADAL" clId="{B54DDF13-DC95-4D47-A585-CFA795214509}" dt="2021-11-10T17:03:41.091" v="543" actId="166"/>
-        <pc:sldMkLst>
-          <pc:docMk/>
-          <pc:sldMk cId="3942132956" sldId="263"/>
-        </pc:sldMkLst>
-        <pc:spChg chg="mod">
-          <ac:chgData name="Laura" userId="b6dee9c5-cc36-4888-b156-97d84b7a0163" providerId="ADAL" clId="{B54DDF13-DC95-4D47-A585-CFA795214509}" dt="2021-11-10T15:23:10.832" v="79" actId="1076"/>
-          <ac:spMkLst>
-            <pc:docMk/>
-            <pc:sldMk cId="3942132956" sldId="263"/>
-            <ac:spMk id="7" creationId="{FC78B868-2DAB-42D6-8796-474CB0AE7293}"/>
-          </ac:spMkLst>
-        </pc:spChg>
-        <pc:spChg chg="mod ord">
-          <ac:chgData name="Laura" userId="b6dee9c5-cc36-4888-b156-97d84b7a0163" providerId="ADAL" clId="{B54DDF13-DC95-4D47-A585-CFA795214509}" dt="2021-11-10T17:03:41.091" v="543" actId="166"/>
-          <ac:spMkLst>
-            <pc:docMk/>
-            <pc:sldMk cId="3942132956" sldId="263"/>
-            <ac:spMk id="13" creationId="{510F2CD5-8D4D-4B3E-A766-46C21EBB3180}"/>
-          </ac:spMkLst>
-        </pc:spChg>
-        <pc:spChg chg="ord">
-          <ac:chgData name="Laura" userId="b6dee9c5-cc36-4888-b156-97d84b7a0163" providerId="ADAL" clId="{B54DDF13-DC95-4D47-A585-CFA795214509}" dt="2021-11-10T16:54:03.845" v="482" actId="167"/>
-          <ac:spMkLst>
-            <pc:docMk/>
-            <pc:sldMk cId="3942132956" sldId="263"/>
-            <ac:spMk id="15" creationId="{E349ECFE-6CEA-4AB3-9828-2FBEEFC29540}"/>
-          </ac:spMkLst>
-        </pc:spChg>
-        <pc:spChg chg="add mod ord">
-          <ac:chgData name="Laura" userId="b6dee9c5-cc36-4888-b156-97d84b7a0163" providerId="ADAL" clId="{B54DDF13-DC95-4D47-A585-CFA795214509}" dt="2021-11-10T16:53:56.389" v="481" actId="207"/>
-          <ac:spMkLst>
-            <pc:docMk/>
-            <pc:sldMk cId="3942132956" sldId="263"/>
-            <ac:spMk id="16" creationId="{CCDE6B28-49C9-4EFD-B8A1-4ACBED39E3FC}"/>
-          </ac:spMkLst>
-        </pc:spChg>
-        <pc:spChg chg="add del mod">
-          <ac:chgData name="Laura" userId="b6dee9c5-cc36-4888-b156-97d84b7a0163" providerId="ADAL" clId="{B54DDF13-DC95-4D47-A585-CFA795214509}" dt="2021-11-10T17:03:37.735" v="542" actId="21"/>
-          <ac:spMkLst>
-            <pc:docMk/>
-            <pc:sldMk cId="3942132956" sldId="263"/>
-            <ac:spMk id="17" creationId="{1B4D3D75-F96F-4B01-8CF7-E1DC3E2E98B8}"/>
-          </ac:spMkLst>
-        </pc:spChg>
-        <pc:picChg chg="mod">
-          <ac:chgData name="Laura" userId="b6dee9c5-cc36-4888-b156-97d84b7a0163" providerId="ADAL" clId="{B54DDF13-DC95-4D47-A585-CFA795214509}" dt="2021-11-10T15:20:14.562" v="31" actId="1076"/>
-          <ac:picMkLst>
-            <pc:docMk/>
-            <pc:sldMk cId="3942132956" sldId="263"/>
-            <ac:picMk id="10" creationId="{5E607E01-D6E5-413B-B7FB-B23E944BF295}"/>
-          </ac:picMkLst>
-        </pc:picChg>
-        <pc:picChg chg="mod">
-          <ac:chgData name="Laura" userId="b6dee9c5-cc36-4888-b156-97d84b7a0163" providerId="ADAL" clId="{B54DDF13-DC95-4D47-A585-CFA795214509}" dt="2021-11-10T15:20:45.426" v="32" actId="1076"/>
-          <ac:picMkLst>
-            <pc:docMk/>
-            <pc:sldMk cId="3942132956" sldId="263"/>
-            <ac:picMk id="12" creationId="{8FBA7D60-6CC6-40A9-926E-775EAA84B231}"/>
-          </ac:picMkLst>
-        </pc:picChg>
-        <pc:picChg chg="add mod">
-          <ac:chgData name="Laura" userId="b6dee9c5-cc36-4888-b156-97d84b7a0163" providerId="ADAL" clId="{B54DDF13-DC95-4D47-A585-CFA795214509}" dt="2021-11-10T15:23:27.705" v="82" actId="1076"/>
-          <ac:picMkLst>
-            <pc:docMk/>
-            <pc:sldMk cId="3942132956" sldId="263"/>
-            <ac:picMk id="1026" creationId="{C2E1D524-5056-4A41-BAC7-0E98E5E375D4}"/>
-          </ac:picMkLst>
-        </pc:picChg>
-      </pc:sldChg>
-      <pc:sldChg chg="addSp delSp modSp mod">
-        <pc:chgData name="Laura" userId="b6dee9c5-cc36-4888-b156-97d84b7a0163" providerId="ADAL" clId="{B54DDF13-DC95-4D47-A585-CFA795214509}" dt="2021-11-10T17:04:02.253" v="546" actId="166"/>
-        <pc:sldMkLst>
-          <pc:docMk/>
-          <pc:sldMk cId="3108174479" sldId="264"/>
-        </pc:sldMkLst>
-        <pc:spChg chg="mod ord">
-          <ac:chgData name="Laura" userId="b6dee9c5-cc36-4888-b156-97d84b7a0163" providerId="ADAL" clId="{B54DDF13-DC95-4D47-A585-CFA795214509}" dt="2021-11-10T17:04:02.253" v="546" actId="166"/>
-          <ac:spMkLst>
-            <pc:docMk/>
-            <pc:sldMk cId="3108174479" sldId="264"/>
-            <ac:spMk id="8" creationId="{DE20D7D9-ADD6-46E6-94A2-F5082BE29DC5}"/>
-          </ac:spMkLst>
-        </pc:spChg>
-        <pc:spChg chg="ord">
-          <ac:chgData name="Laura" userId="b6dee9c5-cc36-4888-b156-97d84b7a0163" providerId="ADAL" clId="{B54DDF13-DC95-4D47-A585-CFA795214509}" dt="2021-11-10T16:36:12.798" v="356" actId="170"/>
-          <ac:spMkLst>
-            <pc:docMk/>
-            <pc:sldMk cId="3108174479" sldId="264"/>
-            <ac:spMk id="10" creationId="{9AC20EBF-5404-49CB-AA24-598A015B3747}"/>
-          </ac:spMkLst>
-        </pc:spChg>
-        <pc:spChg chg="add del mod ord">
-          <ac:chgData name="Laura" userId="b6dee9c5-cc36-4888-b156-97d84b7a0163" providerId="ADAL" clId="{B54DDF13-DC95-4D47-A585-CFA795214509}" dt="2021-11-10T17:03:59.482" v="545" actId="21"/>
-          <ac:spMkLst>
-            <pc:docMk/>
-            <pc:sldMk cId="3108174479" sldId="264"/>
-            <ac:spMk id="11" creationId="{7152BBBF-2F52-4F17-B91A-FF51F38B140A}"/>
-          </ac:spMkLst>
-        </pc:spChg>
-        <pc:picChg chg="ord">
-          <ac:chgData name="Laura" userId="b6dee9c5-cc36-4888-b156-97d84b7a0163" providerId="ADAL" clId="{B54DDF13-DC95-4D47-A585-CFA795214509}" dt="2021-11-10T16:35:45.586" v="353" actId="170"/>
-          <ac:picMkLst>
-            <pc:docMk/>
-            <pc:sldMk cId="3108174479" sldId="264"/>
-            <ac:picMk id="7" creationId="{A9E99026-33F4-4AA7-BE43-9FCB7BB779AA}"/>
-          </ac:picMkLst>
-        </pc:picChg>
-        <pc:cxnChg chg="del">
-          <ac:chgData name="Laura" userId="b6dee9c5-cc36-4888-b156-97d84b7a0163" providerId="ADAL" clId="{B54DDF13-DC95-4D47-A585-CFA795214509}" dt="2021-11-10T15:31:38.521" v="153" actId="21"/>
-          <ac:cxnSpMkLst>
-            <pc:docMk/>
-            <pc:sldMk cId="3108174479" sldId="264"/>
-            <ac:cxnSpMk id="5" creationId="{2E5BCD11-7D36-4961-9A02-97755DDE4786}"/>
-          </ac:cxnSpMkLst>
-        </pc:cxnChg>
-      </pc:sldChg>
-      <pc:sldChg chg="addSp delSp modSp mod">
-        <pc:chgData name="Laura" userId="b6dee9c5-cc36-4888-b156-97d84b7a0163" providerId="ADAL" clId="{B54DDF13-DC95-4D47-A585-CFA795214509}" dt="2021-11-10T17:06:58.128" v="557" actId="14100"/>
-        <pc:sldMkLst>
-          <pc:docMk/>
-          <pc:sldMk cId="943001127" sldId="265"/>
-        </pc:sldMkLst>
-        <pc:spChg chg="ord">
-          <ac:chgData name="Laura" userId="b6dee9c5-cc36-4888-b156-97d84b7a0163" providerId="ADAL" clId="{B54DDF13-DC95-4D47-A585-CFA795214509}" dt="2021-11-10T17:05:10.951" v="552" actId="167"/>
-          <ac:spMkLst>
-            <pc:docMk/>
-            <pc:sldMk cId="943001127" sldId="265"/>
-            <ac:spMk id="8" creationId="{5B764A9E-1860-4FBF-82A5-AEB3615DCD65}"/>
-          </ac:spMkLst>
-        </pc:spChg>
-        <pc:spChg chg="add mod">
-          <ac:chgData name="Laura" userId="b6dee9c5-cc36-4888-b156-97d84b7a0163" providerId="ADAL" clId="{B54DDF13-DC95-4D47-A585-CFA795214509}" dt="2021-11-10T16:57:24.518" v="509" actId="207"/>
-          <ac:spMkLst>
-            <pc:docMk/>
-            <pc:sldMk cId="943001127" sldId="265"/>
-            <ac:spMk id="11" creationId="{7F7B855E-308E-4C8C-A8AE-AAE79BAAC72C}"/>
-          </ac:spMkLst>
-        </pc:spChg>
-        <pc:spChg chg="add mod">
-          <ac:chgData name="Laura" userId="b6dee9c5-cc36-4888-b156-97d84b7a0163" providerId="ADAL" clId="{B54DDF13-DC95-4D47-A585-CFA795214509}" dt="2021-11-10T16:57:24.518" v="509" actId="207"/>
-          <ac:spMkLst>
-            <pc:docMk/>
-            <pc:sldMk cId="943001127" sldId="265"/>
-            <ac:spMk id="13" creationId="{1EB5949F-77BF-4A2C-8224-50FACB1A6AC6}"/>
-          </ac:spMkLst>
-        </pc:spChg>
-        <pc:spChg chg="add mod">
-          <ac:chgData name="Laura" userId="b6dee9c5-cc36-4888-b156-97d84b7a0163" providerId="ADAL" clId="{B54DDF13-DC95-4D47-A585-CFA795214509}" dt="2021-11-10T16:57:24.518" v="509" actId="207"/>
-          <ac:spMkLst>
-            <pc:docMk/>
-            <pc:sldMk cId="943001127" sldId="265"/>
-            <ac:spMk id="14" creationId="{8C6FBB95-9612-4C9E-803E-D7C034AE8133}"/>
-          </ac:spMkLst>
-        </pc:spChg>
-        <pc:spChg chg="add mod">
-          <ac:chgData name="Laura" userId="b6dee9c5-cc36-4888-b156-97d84b7a0163" providerId="ADAL" clId="{B54DDF13-DC95-4D47-A585-CFA795214509}" dt="2021-11-10T16:57:24.518" v="509" actId="207"/>
-          <ac:spMkLst>
-            <pc:docMk/>
-            <pc:sldMk cId="943001127" sldId="265"/>
-            <ac:spMk id="15" creationId="{B11C4652-3554-4227-A056-000CBC867DB1}"/>
-          </ac:spMkLst>
-        </pc:spChg>
-        <pc:spChg chg="add mod ord">
-          <ac:chgData name="Laura" userId="b6dee9c5-cc36-4888-b156-97d84b7a0163" providerId="ADAL" clId="{B54DDF13-DC95-4D47-A585-CFA795214509}" dt="2021-11-10T17:06:58.128" v="557" actId="14100"/>
-          <ac:spMkLst>
-            <pc:docMk/>
-            <pc:sldMk cId="943001127" sldId="265"/>
-            <ac:spMk id="16" creationId="{7376AA6A-6198-41B8-9A31-B74F35A58511}"/>
-          </ac:spMkLst>
-        </pc:spChg>
-        <pc:spChg chg="add del mod">
-          <ac:chgData name="Laura" userId="b6dee9c5-cc36-4888-b156-97d84b7a0163" providerId="ADAL" clId="{B54DDF13-DC95-4D47-A585-CFA795214509}" dt="2021-11-10T17:01:20.747" v="526" actId="21"/>
-          <ac:spMkLst>
-            <pc:docMk/>
-            <pc:sldMk cId="943001127" sldId="265"/>
-            <ac:spMk id="17" creationId="{B89BB5B7-E593-4D4A-93F1-BDB83CD8D3FE}"/>
-          </ac:spMkLst>
-        </pc:spChg>
-        <pc:cxnChg chg="add mod">
-          <ac:chgData name="Laura" userId="b6dee9c5-cc36-4888-b156-97d84b7a0163" providerId="ADAL" clId="{B54DDF13-DC95-4D47-A585-CFA795214509}" dt="2021-11-10T15:30:46.486" v="147"/>
-          <ac:cxnSpMkLst>
-            <pc:docMk/>
-            <pc:sldMk cId="943001127" sldId="265"/>
-            <ac:cxnSpMk id="6" creationId="{E61A5AC7-522C-425C-8CAC-B7EADA7025C3}"/>
-          </ac:cxnSpMkLst>
-        </pc:cxnChg>
-      </pc:sldChg>
-      <pc:sldChg chg="addSp delSp modSp mod modNotesTx">
-        <pc:chgData name="Laura" userId="b6dee9c5-cc36-4888-b156-97d84b7a0163" providerId="ADAL" clId="{B54DDF13-DC95-4D47-A585-CFA795214509}" dt="2021-11-10T17:06:32.892" v="556" actId="167"/>
-        <pc:sldMkLst>
-          <pc:docMk/>
-          <pc:sldMk cId="3111845278" sldId="267"/>
-        </pc:sldMkLst>
-        <pc:spChg chg="add del mod">
-          <ac:chgData name="Laura" userId="b6dee9c5-cc36-4888-b156-97d84b7a0163" providerId="ADAL" clId="{B54DDF13-DC95-4D47-A585-CFA795214509}" dt="2021-11-10T16:21:48.027" v="302" actId="11529"/>
-          <ac:spMkLst>
-            <pc:docMk/>
-            <pc:sldMk cId="3111845278" sldId="267"/>
-            <ac:spMk id="5" creationId="{25CF2330-88FE-4D6D-8038-C37ADB05FB8E}"/>
-          </ac:spMkLst>
-        </pc:spChg>
-        <pc:spChg chg="del mod">
-          <ac:chgData name="Laura" userId="b6dee9c5-cc36-4888-b156-97d84b7a0163" providerId="ADAL" clId="{B54DDF13-DC95-4D47-A585-CFA795214509}" dt="2021-11-10T16:27:36.551" v="328" actId="21"/>
-          <ac:spMkLst>
-            <pc:docMk/>
-            <pc:sldMk cId="3111845278" sldId="267"/>
-            <ac:spMk id="6" creationId="{824B1024-2640-46C8-9968-E57FB1EB59E1}"/>
-          </ac:spMkLst>
-        </pc:spChg>
-        <pc:spChg chg="add del mod">
-          <ac:chgData name="Laura" userId="b6dee9c5-cc36-4888-b156-97d84b7a0163" providerId="ADAL" clId="{B54DDF13-DC95-4D47-A585-CFA795214509}" dt="2021-11-10T16:22:35.978" v="312" actId="11529"/>
-          <ac:spMkLst>
-            <pc:docMk/>
-            <pc:sldMk cId="3111845278" sldId="267"/>
-            <ac:spMk id="10" creationId="{2AD7477D-41E8-4E82-8498-28D844262D5A}"/>
-          </ac:spMkLst>
-        </pc:spChg>
-        <pc:spChg chg="mod ord">
-          <ac:chgData name="Laura" userId="b6dee9c5-cc36-4888-b156-97d84b7a0163" providerId="ADAL" clId="{B54DDF13-DC95-4D47-A585-CFA795214509}" dt="2021-11-10T17:06:32.892" v="556" actId="167"/>
-          <ac:spMkLst>
-            <pc:docMk/>
-            <pc:sldMk cId="3111845278" sldId="267"/>
-            <ac:spMk id="12" creationId="{715D1EF5-4E95-4320-B597-5C70A266DEA2}"/>
-          </ac:spMkLst>
-        </pc:spChg>
-        <pc:spChg chg="add del mod">
-          <ac:chgData name="Laura" userId="b6dee9c5-cc36-4888-b156-97d84b7a0163" providerId="ADAL" clId="{B54DDF13-DC95-4D47-A585-CFA795214509}" dt="2021-11-10T17:06:31.246" v="555" actId="21"/>
-          <ac:spMkLst>
-            <pc:docMk/>
-            <pc:sldMk cId="3111845278" sldId="267"/>
-            <ac:spMk id="19" creationId="{4833E1EC-80B5-44CE-BC19-C048774253D5}"/>
-          </ac:spMkLst>
-        </pc:spChg>
-        <pc:cxnChg chg="del">
-          <ac:chgData name="Laura" userId="b6dee9c5-cc36-4888-b156-97d84b7a0163" providerId="ADAL" clId="{B54DDF13-DC95-4D47-A585-CFA795214509}" dt="2021-11-10T15:31:35.513" v="152" actId="21"/>
-          <ac:cxnSpMkLst>
-            <pc:docMk/>
-            <pc:sldMk cId="3111845278" sldId="267"/>
-            <ac:cxnSpMk id="6" creationId="{0309427C-BF0B-4594-94B1-4DECB47F28D8}"/>
-          </ac:cxnSpMkLst>
-        </pc:cxnChg>
-      </pc:sldChg>
-      <pc:sldChg chg="addSp delSp modSp mod">
-        <pc:chgData name="Laura" userId="b6dee9c5-cc36-4888-b156-97d84b7a0163" providerId="ADAL" clId="{B54DDF13-DC95-4D47-A585-CFA795214509}" dt="2021-11-10T15:34:58.962" v="163"/>
-        <pc:sldMkLst>
-          <pc:docMk/>
-          <pc:sldMk cId="1151420925" sldId="269"/>
-        </pc:sldMkLst>
-        <pc:spChg chg="mod">
-          <ac:chgData name="Laura" userId="b6dee9c5-cc36-4888-b156-97d84b7a0163" providerId="ADAL" clId="{B54DDF13-DC95-4D47-A585-CFA795214509}" dt="2021-11-10T15:33:59.356" v="162" actId="20577"/>
-          <ac:spMkLst>
-            <pc:docMk/>
-            <pc:sldMk cId="1151420925" sldId="269"/>
-            <ac:spMk id="3" creationId="{6EE3DC0E-32E8-4B73-85C4-C4DF34D00479}"/>
-          </ac:spMkLst>
-        </pc:spChg>
-        <pc:cxnChg chg="add del mod">
-          <ac:chgData name="Laura" userId="b6dee9c5-cc36-4888-b156-97d84b7a0163" providerId="ADAL" clId="{B54DDF13-DC95-4D47-A585-CFA795214509}" dt="2021-11-10T15:31:54.078" v="154" actId="21"/>
-          <ac:cxnSpMkLst>
-            <pc:docMk/>
-            <pc:sldMk cId="1151420925" sldId="269"/>
-            <ac:cxnSpMk id="4" creationId="{FAB3A498-B283-49A0-B7CD-614A5EB5004A}"/>
-          </ac:cxnSpMkLst>
-        </pc:cxnChg>
-        <pc:cxnChg chg="add mod">
-          <ac:chgData name="Laura" userId="b6dee9c5-cc36-4888-b156-97d84b7a0163" providerId="ADAL" clId="{B54DDF13-DC95-4D47-A585-CFA795214509}" dt="2021-11-10T15:34:58.962" v="163"/>
-          <ac:cxnSpMkLst>
-            <pc:docMk/>
-            <pc:sldMk cId="1151420925" sldId="269"/>
-            <ac:cxnSpMk id="6" creationId="{A0806CAC-919C-43A0-88F3-40FAC3F2D52B}"/>
-          </ac:cxnSpMkLst>
-        </pc:cxnChg>
-      </pc:sldChg>
-      <pc:sldChg chg="del">
-        <pc:chgData name="Laura" userId="b6dee9c5-cc36-4888-b156-97d84b7a0163" providerId="ADAL" clId="{B54DDF13-DC95-4D47-A585-CFA795214509}" dt="2021-11-10T17:13:06.362" v="558" actId="2696"/>
-        <pc:sldMkLst>
-          <pc:docMk/>
-          <pc:sldMk cId="1056718913" sldId="270"/>
-        </pc:sldMkLst>
-      </pc:sldChg>
-      <pc:sldChg chg="addSp delSp modSp mod">
-        <pc:chgData name="Laura" userId="b6dee9c5-cc36-4888-b156-97d84b7a0163" providerId="ADAL" clId="{B54DDF13-DC95-4D47-A585-CFA795214509}" dt="2021-11-10T17:05:20.037" v="554" actId="167"/>
-        <pc:sldMkLst>
-          <pc:docMk/>
-          <pc:sldMk cId="4239830214" sldId="271"/>
-        </pc:sldMkLst>
-        <pc:spChg chg="add del ord">
-          <ac:chgData name="Laura" userId="b6dee9c5-cc36-4888-b156-97d84b7a0163" providerId="ADAL" clId="{B54DDF13-DC95-4D47-A585-CFA795214509}" dt="2021-11-10T17:05:20.037" v="554" actId="167"/>
-          <ac:spMkLst>
-            <pc:docMk/>
-            <pc:sldMk cId="4239830214" sldId="271"/>
-            <ac:spMk id="9" creationId="{8D690BA4-A659-42B1-8FD6-E6020B72838E}"/>
-          </ac:spMkLst>
-        </pc:spChg>
-        <pc:spChg chg="add mod">
-          <ac:chgData name="Laura" userId="b6dee9c5-cc36-4888-b156-97d84b7a0163" providerId="ADAL" clId="{B54DDF13-DC95-4D47-A585-CFA795214509}" dt="2021-11-10T16:56:37.999" v="501" actId="207"/>
-          <ac:spMkLst>
-            <pc:docMk/>
-            <pc:sldMk cId="4239830214" sldId="271"/>
-            <ac:spMk id="12" creationId="{35436D9A-BF09-486E-ACF5-9949DDBF1CE8}"/>
-          </ac:spMkLst>
-        </pc:spChg>
-        <pc:spChg chg="add mod">
-          <ac:chgData name="Laura" userId="b6dee9c5-cc36-4888-b156-97d84b7a0163" providerId="ADAL" clId="{B54DDF13-DC95-4D47-A585-CFA795214509}" dt="2021-11-10T16:56:37.999" v="501" actId="207"/>
-          <ac:spMkLst>
-            <pc:docMk/>
-            <pc:sldMk cId="4239830214" sldId="271"/>
-            <ac:spMk id="13" creationId="{C5AFFF4A-B4E2-406A-85AC-113D32FC1F06}"/>
-          </ac:spMkLst>
-        </pc:spChg>
-        <pc:spChg chg="add mod">
-          <ac:chgData name="Laura" userId="b6dee9c5-cc36-4888-b156-97d84b7a0163" providerId="ADAL" clId="{B54DDF13-DC95-4D47-A585-CFA795214509}" dt="2021-11-10T16:56:37.999" v="501" actId="207"/>
-          <ac:spMkLst>
-            <pc:docMk/>
-            <pc:sldMk cId="4239830214" sldId="271"/>
-            <ac:spMk id="14" creationId="{649358AC-9FA9-4204-9584-3E3C202353FF}"/>
-          </ac:spMkLst>
-        </pc:spChg>
-        <pc:spChg chg="add mod">
-          <ac:chgData name="Laura" userId="b6dee9c5-cc36-4888-b156-97d84b7a0163" providerId="ADAL" clId="{B54DDF13-DC95-4D47-A585-CFA795214509}" dt="2021-11-10T16:56:37.999" v="501" actId="207"/>
-          <ac:spMkLst>
-            <pc:docMk/>
-            <pc:sldMk cId="4239830214" sldId="271"/>
-            <ac:spMk id="15" creationId="{6C5E2977-923D-465F-B12A-725EC970800C}"/>
-          </ac:spMkLst>
-        </pc:spChg>
-        <pc:spChg chg="add mod">
-          <ac:chgData name="Laura" userId="b6dee9c5-cc36-4888-b156-97d84b7a0163" providerId="ADAL" clId="{B54DDF13-DC95-4D47-A585-CFA795214509}" dt="2021-11-10T16:56:37.999" v="501" actId="207"/>
-          <ac:spMkLst>
-            <pc:docMk/>
-            <pc:sldMk cId="4239830214" sldId="271"/>
-            <ac:spMk id="16" creationId="{33FFEEB0-D889-4A73-B5AC-08DA523D1CC0}"/>
-          </ac:spMkLst>
-        </pc:spChg>
-        <pc:spChg chg="add mod">
-          <ac:chgData name="Laura" userId="b6dee9c5-cc36-4888-b156-97d84b7a0163" providerId="ADAL" clId="{B54DDF13-DC95-4D47-A585-CFA795214509}" dt="2021-11-10T16:56:37.999" v="501" actId="207"/>
-          <ac:spMkLst>
-            <pc:docMk/>
-            <pc:sldMk cId="4239830214" sldId="271"/>
-            <ac:spMk id="17" creationId="{C50C0AC1-851B-433F-B965-6C77E7F63904}"/>
-          </ac:spMkLst>
-        </pc:spChg>
-        <pc:spChg chg="add mod ord">
-          <ac:chgData name="Laura" userId="b6dee9c5-cc36-4888-b156-97d84b7a0163" providerId="ADAL" clId="{B54DDF13-DC95-4D47-A585-CFA795214509}" dt="2021-11-10T16:56:42.030" v="503" actId="166"/>
-          <ac:spMkLst>
-            <pc:docMk/>
-            <pc:sldMk cId="4239830214" sldId="271"/>
-            <ac:spMk id="18" creationId="{EBC11378-34FA-4165-825A-AD6ADF1E4845}"/>
-          </ac:spMkLst>
-        </pc:spChg>
-        <pc:spChg chg="add del mod">
-          <ac:chgData name="Laura" userId="b6dee9c5-cc36-4888-b156-97d84b7a0163" providerId="ADAL" clId="{B54DDF13-DC95-4D47-A585-CFA795214509}" dt="2021-11-10T17:00:20.726" v="516" actId="21"/>
-          <ac:spMkLst>
-            <pc:docMk/>
-            <pc:sldMk cId="4239830214" sldId="271"/>
-            <ac:spMk id="19" creationId="{41251AAE-29C6-49EE-80DB-1C674286209F}"/>
-          </ac:spMkLst>
-        </pc:spChg>
-        <pc:graphicFrameChg chg="mod">
-          <ac:chgData name="Laura" userId="b6dee9c5-cc36-4888-b156-97d84b7a0163" providerId="ADAL" clId="{B54DDF13-DC95-4D47-A585-CFA795214509}" dt="2021-11-10T16:00:51.420" v="233" actId="1582"/>
-          <ac:graphicFrameMkLst>
-            <pc:docMk/>
-            <pc:sldMk cId="4239830214" sldId="271"/>
-            <ac:graphicFrameMk id="7" creationId="{8F3C9722-F46A-4C89-8618-92AE70556025}"/>
-          </ac:graphicFrameMkLst>
-        </pc:graphicFrameChg>
-      </pc:sldChg>
-      <pc:sldChg chg="addSp delSp modSp mod">
-        <pc:chgData name="Laura" userId="b6dee9c5-cc36-4888-b156-97d84b7a0163" providerId="ADAL" clId="{B54DDF13-DC95-4D47-A585-CFA795214509}" dt="2021-11-10T17:01:37.986" v="530" actId="166"/>
-        <pc:sldMkLst>
-          <pc:docMk/>
-          <pc:sldMk cId="1256033996" sldId="272"/>
-        </pc:sldMkLst>
-        <pc:spChg chg="mod ord">
-          <ac:chgData name="Laura" userId="b6dee9c5-cc36-4888-b156-97d84b7a0163" providerId="ADAL" clId="{B54DDF13-DC95-4D47-A585-CFA795214509}" dt="2021-11-10T17:01:37.986" v="530" actId="166"/>
-          <ac:spMkLst>
-            <pc:docMk/>
-            <pc:sldMk cId="1256033996" sldId="272"/>
-            <ac:spMk id="7" creationId="{AA5EE8F0-FC60-4D7F-86F3-7A49C737DDED}"/>
-          </ac:spMkLst>
-        </pc:spChg>
-        <pc:spChg chg="add mod">
-          <ac:chgData name="Laura" userId="b6dee9c5-cc36-4888-b156-97d84b7a0163" providerId="ADAL" clId="{B54DDF13-DC95-4D47-A585-CFA795214509}" dt="2021-11-10T16:55:25.909" v="491" actId="207"/>
-          <ac:spMkLst>
-            <pc:docMk/>
-            <pc:sldMk cId="1256033996" sldId="272"/>
-            <ac:spMk id="11" creationId="{786167EF-794B-41F1-B090-CCD6CD4EA0F0}"/>
-          </ac:spMkLst>
-        </pc:spChg>
-        <pc:spChg chg="add mod">
-          <ac:chgData name="Laura" userId="b6dee9c5-cc36-4888-b156-97d84b7a0163" providerId="ADAL" clId="{B54DDF13-DC95-4D47-A585-CFA795214509}" dt="2021-11-10T16:55:25.909" v="491" actId="207"/>
-          <ac:spMkLst>
-            <pc:docMk/>
-            <pc:sldMk cId="1256033996" sldId="272"/>
-            <ac:spMk id="12" creationId="{4881C562-1A3C-44F7-A83C-4A8A676C8599}"/>
-          </ac:spMkLst>
-        </pc:spChg>
-        <pc:spChg chg="add mod">
-          <ac:chgData name="Laura" userId="b6dee9c5-cc36-4888-b156-97d84b7a0163" providerId="ADAL" clId="{B54DDF13-DC95-4D47-A585-CFA795214509}" dt="2021-11-10T16:55:25.909" v="491" actId="207"/>
-          <ac:spMkLst>
-            <pc:docMk/>
-            <pc:sldMk cId="1256033996" sldId="272"/>
-            <ac:spMk id="13" creationId="{5EB17F7C-757F-444B-A280-3E5862DE5F37}"/>
-          </ac:spMkLst>
-        </pc:spChg>
-        <pc:spChg chg="add mod ord">
-          <ac:chgData name="Laura" userId="b6dee9c5-cc36-4888-b156-97d84b7a0163" providerId="ADAL" clId="{B54DDF13-DC95-4D47-A585-CFA795214509}" dt="2021-11-10T16:55:29.934" v="492" actId="166"/>
-          <ac:spMkLst>
-            <pc:docMk/>
-            <pc:sldMk cId="1256033996" sldId="272"/>
-            <ac:spMk id="14" creationId="{2C2C7C17-2BB7-45AA-849B-7D2A3E4A0427}"/>
-          </ac:spMkLst>
-        </pc:spChg>
-        <pc:spChg chg="add del mod">
-          <ac:chgData name="Laura" userId="b6dee9c5-cc36-4888-b156-97d84b7a0163" providerId="ADAL" clId="{B54DDF13-DC95-4D47-A585-CFA795214509}" dt="2021-11-10T17:01:34.468" v="529" actId="21"/>
-          <ac:spMkLst>
-            <pc:docMk/>
-            <pc:sldMk cId="1256033996" sldId="272"/>
-            <ac:spMk id="15" creationId="{165DE5BB-789A-49E6-8F90-552EA8E9D22C}"/>
-          </ac:spMkLst>
-        </pc:spChg>
-      </pc:sldChg>
-      <pc:sldChg chg="addSp delSp modSp mod">
-        <pc:chgData name="Laura" userId="b6dee9c5-cc36-4888-b156-97d84b7a0163" providerId="ADAL" clId="{B54DDF13-DC95-4D47-A585-CFA795214509}" dt="2021-11-10T17:03:12.963" v="538" actId="167"/>
-        <pc:sldMkLst>
-          <pc:docMk/>
-          <pc:sldMk cId="2321171521" sldId="273"/>
-        </pc:sldMkLst>
-        <pc:spChg chg="add mod">
-          <ac:chgData name="Laura" userId="b6dee9c5-cc36-4888-b156-97d84b7a0163" providerId="ADAL" clId="{B54DDF13-DC95-4D47-A585-CFA795214509}" dt="2021-11-10T16:12:30.043" v="241" actId="1076"/>
-          <ac:spMkLst>
-            <pc:docMk/>
-            <pc:sldMk cId="2321171521" sldId="273"/>
-            <ac:spMk id="7" creationId="{780377B8-6937-4A10-B113-37BF87377B97}"/>
-          </ac:spMkLst>
-        </pc:spChg>
-        <pc:spChg chg="add mod">
-          <ac:chgData name="Laura" userId="b6dee9c5-cc36-4888-b156-97d84b7a0163" providerId="ADAL" clId="{B54DDF13-DC95-4D47-A585-CFA795214509}" dt="2021-11-10T16:12:30.043" v="241" actId="1076"/>
-          <ac:spMkLst>
-            <pc:docMk/>
-            <pc:sldMk cId="2321171521" sldId="273"/>
-            <ac:spMk id="9" creationId="{BA806A11-12F3-448A-9F3D-64B2FAD844AA}"/>
-          </ac:spMkLst>
-        </pc:spChg>
-        <pc:spChg chg="add mod">
-          <ac:chgData name="Laura" userId="b6dee9c5-cc36-4888-b156-97d84b7a0163" providerId="ADAL" clId="{B54DDF13-DC95-4D47-A585-CFA795214509}" dt="2021-11-10T16:12:30.043" v="241" actId="1076"/>
-          <ac:spMkLst>
-            <pc:docMk/>
-            <pc:sldMk cId="2321171521" sldId="273"/>
-            <ac:spMk id="12" creationId="{DB74E022-5806-4D04-8E85-16364B4EE69F}"/>
-          </ac:spMkLst>
-        </pc:spChg>
-        <pc:spChg chg="add mod">
-          <ac:chgData name="Laura" userId="b6dee9c5-cc36-4888-b156-97d84b7a0163" providerId="ADAL" clId="{B54DDF13-DC95-4D47-A585-CFA795214509}" dt="2021-11-10T16:12:30.043" v="241" actId="1076"/>
-          <ac:spMkLst>
-            <pc:docMk/>
-            <pc:sldMk cId="2321171521" sldId="273"/>
-            <ac:spMk id="14" creationId="{953223C7-ED6C-4A32-BD42-B38D3E43D205}"/>
-          </ac:spMkLst>
-        </pc:spChg>
-        <pc:spChg chg="add mod">
-          <ac:chgData name="Laura" userId="b6dee9c5-cc36-4888-b156-97d84b7a0163" providerId="ADAL" clId="{B54DDF13-DC95-4D47-A585-CFA795214509}" dt="2021-11-10T16:11:40.307" v="238"/>
-          <ac:spMkLst>
-            <pc:docMk/>
-            <pc:sldMk cId="2321171521" sldId="273"/>
-            <ac:spMk id="16" creationId="{BCFC777F-4958-4B14-9822-F1258377C393}"/>
-          </ac:spMkLst>
-        </pc:spChg>
-        <pc:spChg chg="add mod">
-          <ac:chgData name="Laura" userId="b6dee9c5-cc36-4888-b156-97d84b7a0163" providerId="ADAL" clId="{B54DDF13-DC95-4D47-A585-CFA795214509}" dt="2021-11-10T16:17:07.601" v="294" actId="20577"/>
-          <ac:spMkLst>
-            <pc:docMk/>
-            <pc:sldMk cId="2321171521" sldId="273"/>
-            <ac:spMk id="17" creationId="{20D11541-F398-49FF-97C0-4CAAE3FBCFAD}"/>
-          </ac:spMkLst>
-        </pc:spChg>
-        <pc:spChg chg="add mod">
-          <ac:chgData name="Laura" userId="b6dee9c5-cc36-4888-b156-97d84b7a0163" providerId="ADAL" clId="{B54DDF13-DC95-4D47-A585-CFA795214509}" dt="2021-11-10T16:11:40.307" v="238"/>
-          <ac:spMkLst>
-            <pc:docMk/>
-            <pc:sldMk cId="2321171521" sldId="273"/>
-            <ac:spMk id="18" creationId="{5D9E1BA4-2EDE-4AAB-9CF7-AD446675F8B2}"/>
-          </ac:spMkLst>
-        </pc:spChg>
-        <pc:spChg chg="add mod">
-          <ac:chgData name="Laura" userId="b6dee9c5-cc36-4888-b156-97d84b7a0163" providerId="ADAL" clId="{B54DDF13-DC95-4D47-A585-CFA795214509}" dt="2021-11-10T16:17:04.438" v="290" actId="20577"/>
-          <ac:spMkLst>
-            <pc:docMk/>
-            <pc:sldMk cId="2321171521" sldId="273"/>
-            <ac:spMk id="19" creationId="{25D5378C-F897-4741-942B-6E04FA679BCD}"/>
-          </ac:spMkLst>
-        </pc:spChg>
-        <pc:spChg chg="add mod">
-          <ac:chgData name="Laura" userId="b6dee9c5-cc36-4888-b156-97d84b7a0163" providerId="ADAL" clId="{B54DDF13-DC95-4D47-A585-CFA795214509}" dt="2021-11-10T16:11:40.307" v="238"/>
-          <ac:spMkLst>
-            <pc:docMk/>
-            <pc:sldMk cId="2321171521" sldId="273"/>
-            <ac:spMk id="20" creationId="{9532341A-36E8-4B48-98CB-3AC1A7F805AD}"/>
-          </ac:spMkLst>
-        </pc:spChg>
-        <pc:spChg chg="add mod">
-          <ac:chgData name="Laura" userId="b6dee9c5-cc36-4888-b156-97d84b7a0163" providerId="ADAL" clId="{B54DDF13-DC95-4D47-A585-CFA795214509}" dt="2021-11-10T16:16:59.907" v="286" actId="20577"/>
-          <ac:spMkLst>
-            <pc:docMk/>
-            <pc:sldMk cId="2321171521" sldId="273"/>
-            <ac:spMk id="21" creationId="{00E9A149-4714-4353-BB5C-B910CBF08A43}"/>
-          </ac:spMkLst>
-        </pc:spChg>
-        <pc:spChg chg="add mod">
-          <ac:chgData name="Laura" userId="b6dee9c5-cc36-4888-b156-97d84b7a0163" providerId="ADAL" clId="{B54DDF13-DC95-4D47-A585-CFA795214509}" dt="2021-11-10T16:11:40.307" v="238"/>
-          <ac:spMkLst>
-            <pc:docMk/>
-            <pc:sldMk cId="2321171521" sldId="273"/>
-            <ac:spMk id="22" creationId="{CB05061E-4470-45FD-8DBA-B178A8E11FA5}"/>
-          </ac:spMkLst>
-        </pc:spChg>
-        <pc:spChg chg="add mod">
-          <ac:chgData name="Laura" userId="b6dee9c5-cc36-4888-b156-97d84b7a0163" providerId="ADAL" clId="{B54DDF13-DC95-4D47-A585-CFA795214509}" dt="2021-11-10T16:15:56.306" v="271" actId="404"/>
-          <ac:spMkLst>
-            <pc:docMk/>
-            <pc:sldMk cId="2321171521" sldId="273"/>
-            <ac:spMk id="23" creationId="{1BB51F13-25F7-4E04-AECF-AC39A158E874}"/>
-          </ac:spMkLst>
-        </pc:spChg>
-        <pc:spChg chg="add mod">
-          <ac:chgData name="Laura" userId="b6dee9c5-cc36-4888-b156-97d84b7a0163" providerId="ADAL" clId="{B54DDF13-DC95-4D47-A585-CFA795214509}" dt="2021-11-10T16:12:30.043" v="241" actId="1076"/>
-          <ac:spMkLst>
-            <pc:docMk/>
-            <pc:sldMk cId="2321171521" sldId="273"/>
-            <ac:spMk id="24" creationId="{0F2FB9E3-12BE-4772-A03C-D38F3829E8D5}"/>
-          </ac:spMkLst>
-        </pc:spChg>
-        <pc:spChg chg="mod">
-          <ac:chgData name="Laura" userId="b6dee9c5-cc36-4888-b156-97d84b7a0163" providerId="ADAL" clId="{B54DDF13-DC95-4D47-A585-CFA795214509}" dt="2021-11-10T16:11:52.364" v="239"/>
-          <ac:spMkLst>
-            <pc:docMk/>
-            <pc:sldMk cId="2321171521" sldId="273"/>
-            <ac:spMk id="26" creationId="{38D4877B-9ED9-42B4-81CE-56FBF44FB187}"/>
-          </ac:spMkLst>
-        </pc:spChg>
-        <pc:spChg chg="mod">
-          <ac:chgData name="Laura" userId="b6dee9c5-cc36-4888-b156-97d84b7a0163" providerId="ADAL" clId="{B54DDF13-DC95-4D47-A585-CFA795214509}" dt="2021-11-10T16:17:10.515" v="298" actId="20577"/>
-          <ac:spMkLst>
-            <pc:docMk/>
-            <pc:sldMk cId="2321171521" sldId="273"/>
-            <ac:spMk id="27" creationId="{DC222731-7028-4167-B872-8A6E127EF1D7}"/>
-          </ac:spMkLst>
-        </pc:spChg>
-        <pc:spChg chg="mod ord">
-          <ac:chgData name="Laura" userId="b6dee9c5-cc36-4888-b156-97d84b7a0163" providerId="ADAL" clId="{B54DDF13-DC95-4D47-A585-CFA795214509}" dt="2021-11-10T17:03:12.963" v="538" actId="167"/>
-          <ac:spMkLst>
-            <pc:docMk/>
-            <pc:sldMk cId="2321171521" sldId="273"/>
-            <ac:spMk id="28" creationId="{8F02DE3A-7630-45A1-AA53-B3F96052A8C4}"/>
-          </ac:spMkLst>
-        </pc:spChg>
-        <pc:spChg chg="add mod">
-          <ac:chgData name="Laura" userId="b6dee9c5-cc36-4888-b156-97d84b7a0163" providerId="ADAL" clId="{B54DDF13-DC95-4D47-A585-CFA795214509}" dt="2021-11-10T16:54:50.638" v="488" actId="207"/>
-          <ac:spMkLst>
-            <pc:docMk/>
-            <pc:sldMk cId="2321171521" sldId="273"/>
-            <ac:spMk id="31" creationId="{3F4A46D4-675F-4FA3-A15E-340C6B6519AB}"/>
-          </ac:spMkLst>
-        </pc:spChg>
-        <pc:spChg chg="add mod">
-          <ac:chgData name="Laura" userId="b6dee9c5-cc36-4888-b156-97d84b7a0163" providerId="ADAL" clId="{B54DDF13-DC95-4D47-A585-CFA795214509}" dt="2021-11-10T16:54:50.638" v="488" actId="207"/>
-          <ac:spMkLst>
-            <pc:docMk/>
-            <pc:sldMk cId="2321171521" sldId="273"/>
-            <ac:spMk id="32" creationId="{7737097B-5D95-4F57-B602-C1B2B0EF19C8}"/>
-          </ac:spMkLst>
-        </pc:spChg>
-        <pc:spChg chg="add mod ord">
-          <ac:chgData name="Laura" userId="b6dee9c5-cc36-4888-b156-97d84b7a0163" providerId="ADAL" clId="{B54DDF13-DC95-4D47-A585-CFA795214509}" dt="2021-11-10T16:54:59.086" v="489" actId="166"/>
-          <ac:spMkLst>
-            <pc:docMk/>
-            <pc:sldMk cId="2321171521" sldId="273"/>
-            <ac:spMk id="33" creationId="{12954FAD-D7FA-41A7-BF61-2E34BCA604C8}"/>
-          </ac:spMkLst>
-        </pc:spChg>
-        <pc:spChg chg="add del mod">
-          <ac:chgData name="Laura" userId="b6dee9c5-cc36-4888-b156-97d84b7a0163" providerId="ADAL" clId="{B54DDF13-DC95-4D47-A585-CFA795214509}" dt="2021-11-10T17:01:47.047" v="532" actId="21"/>
-          <ac:spMkLst>
-            <pc:docMk/>
-            <pc:sldMk cId="2321171521" sldId="273"/>
-            <ac:spMk id="34" creationId="{7E9B58ED-3FC8-41C6-A541-CD436E8EAB9E}"/>
-          </ac:spMkLst>
-        </pc:spChg>
-        <pc:grpChg chg="add mod">
-          <ac:chgData name="Laura" userId="b6dee9c5-cc36-4888-b156-97d84b7a0163" providerId="ADAL" clId="{B54DDF13-DC95-4D47-A585-CFA795214509}" dt="2021-11-10T16:13:25.259" v="245" actId="14100"/>
-          <ac:grpSpMkLst>
-            <pc:docMk/>
-            <pc:sldMk cId="2321171521" sldId="273"/>
-            <ac:grpSpMk id="8" creationId="{14C7D399-98CD-4188-92D8-D858A7DF117A}"/>
-          </ac:grpSpMkLst>
-        </pc:grpChg>
-        <pc:grpChg chg="add mod">
-          <ac:chgData name="Laura" userId="b6dee9c5-cc36-4888-b156-97d84b7a0163" providerId="ADAL" clId="{B54DDF13-DC95-4D47-A585-CFA795214509}" dt="2021-11-10T16:16:09.255" v="275" actId="1076"/>
-          <ac:grpSpMkLst>
-            <pc:docMk/>
-            <pc:sldMk cId="2321171521" sldId="273"/>
-            <ac:grpSpMk id="11" creationId="{418262F6-8B29-4DB7-A900-300D5A9F3662}"/>
-          </ac:grpSpMkLst>
-        </pc:grpChg>
-        <pc:grpChg chg="add mod">
-          <ac:chgData name="Laura" userId="b6dee9c5-cc36-4888-b156-97d84b7a0163" providerId="ADAL" clId="{B54DDF13-DC95-4D47-A585-CFA795214509}" dt="2021-11-10T16:13:25.259" v="245" actId="14100"/>
-          <ac:grpSpMkLst>
-            <pc:docMk/>
-            <pc:sldMk cId="2321171521" sldId="273"/>
-            <ac:grpSpMk id="13" creationId="{E74FBD9F-C169-4D83-BFCD-D9CFE733F23D}"/>
-          </ac:grpSpMkLst>
-        </pc:grpChg>
-        <pc:grpChg chg="add mod">
-          <ac:chgData name="Laura" userId="b6dee9c5-cc36-4888-b156-97d84b7a0163" providerId="ADAL" clId="{B54DDF13-DC95-4D47-A585-CFA795214509}" dt="2021-11-10T16:13:25.259" v="245" actId="14100"/>
-          <ac:grpSpMkLst>
-            <pc:docMk/>
-            <pc:sldMk cId="2321171521" sldId="273"/>
-            <ac:grpSpMk id="15" creationId="{655402DF-B7E3-4030-AD0C-810234406D04}"/>
-          </ac:grpSpMkLst>
-        </pc:grpChg>
-        <pc:grpChg chg="add mod">
-          <ac:chgData name="Laura" userId="b6dee9c5-cc36-4888-b156-97d84b7a0163" providerId="ADAL" clId="{B54DDF13-DC95-4D47-A585-CFA795214509}" dt="2021-11-10T16:13:25.259" v="245" actId="14100"/>
-          <ac:grpSpMkLst>
-            <pc:docMk/>
-            <pc:sldMk cId="2321171521" sldId="273"/>
-            <ac:grpSpMk id="25" creationId="{3F11B13D-445B-4BE0-BF9C-1C83EBA1D1F1}"/>
-          </ac:grpSpMkLst>
-        </pc:grpChg>
-        <pc:graphicFrameChg chg="del mod">
-          <ac:chgData name="Laura" userId="b6dee9c5-cc36-4888-b156-97d84b7a0163" providerId="ADAL" clId="{B54DDF13-DC95-4D47-A585-CFA795214509}" dt="2021-11-10T16:11:26.500" v="237" actId="21"/>
-          <ac:graphicFrameMkLst>
-            <pc:docMk/>
-            <pc:sldMk cId="2321171521" sldId="273"/>
-            <ac:graphicFrameMk id="10" creationId="{9FB93DCE-8C55-4EAB-8730-8EC83B7A794C}"/>
-          </ac:graphicFrameMkLst>
-        </pc:graphicFrameChg>
       </pc:sldChg>
     </pc:docChg>
   </pc:docChgLst>
@@ -4117,6 +989,3253 @@
           <pc:sldMk cId="2143305739" sldId="272"/>
         </pc:sldMkLst>
       </pc:sldChg>
+    </pc:docChg>
+  </pc:docChgLst>
+  <pc:docChgLst>
+    <pc:chgData name="Laura" userId="b6dee9c5-cc36-4888-b156-97d84b7a0163" providerId="ADAL" clId="{B54DDF13-DC95-4D47-A585-CFA795214509}"/>
+    <pc:docChg chg="undo redo custSel delSld modSld sldOrd">
+      <pc:chgData name="Laura" userId="b6dee9c5-cc36-4888-b156-97d84b7a0163" providerId="ADAL" clId="{B54DDF13-DC95-4D47-A585-CFA795214509}" dt="2021-11-11T16:48:56.251" v="813"/>
+      <pc:docMkLst>
+        <pc:docMk/>
+      </pc:docMkLst>
+      <pc:sldChg chg="modNotesTx">
+        <pc:chgData name="Laura" userId="b6dee9c5-cc36-4888-b156-97d84b7a0163" providerId="ADAL" clId="{B54DDF13-DC95-4D47-A585-CFA795214509}" dt="2021-11-10T15:56:54.154" v="221" actId="20577"/>
+        <pc:sldMkLst>
+          <pc:docMk/>
+          <pc:sldMk cId="2505959144" sldId="256"/>
+        </pc:sldMkLst>
+      </pc:sldChg>
+      <pc:sldChg chg="addSp modSp mod">
+        <pc:chgData name="Laura" userId="b6dee9c5-cc36-4888-b156-97d84b7a0163" providerId="ADAL" clId="{B54DDF13-DC95-4D47-A585-CFA795214509}" dt="2021-11-11T16:19:55.295" v="808" actId="20577"/>
+        <pc:sldMkLst>
+          <pc:docMk/>
+          <pc:sldMk cId="1575568240" sldId="257"/>
+        </pc:sldMkLst>
+        <pc:spChg chg="mod">
+          <ac:chgData name="Laura" userId="b6dee9c5-cc36-4888-b156-97d84b7a0163" providerId="ADAL" clId="{B54DDF13-DC95-4D47-A585-CFA795214509}" dt="2021-11-11T16:19:55.295" v="808" actId="20577"/>
+          <ac:spMkLst>
+            <pc:docMk/>
+            <pc:sldMk cId="1575568240" sldId="257"/>
+            <ac:spMk id="3" creationId="{DF539375-44E3-4147-BAE7-6E5166F80167}"/>
+          </ac:spMkLst>
+        </pc:spChg>
+        <pc:spChg chg="ord">
+          <ac:chgData name="Laura" userId="b6dee9c5-cc36-4888-b156-97d84b7a0163" providerId="ADAL" clId="{B54DDF13-DC95-4D47-A585-CFA795214509}" dt="2021-11-10T16:57:08.863" v="508" actId="166"/>
+          <ac:spMkLst>
+            <pc:docMk/>
+            <pc:sldMk cId="1575568240" sldId="257"/>
+            <ac:spMk id="8" creationId="{49CE44EA-F4B1-4B54-B01D-7F853505004E}"/>
+          </ac:spMkLst>
+        </pc:spChg>
+        <pc:spChg chg="add mod">
+          <ac:chgData name="Laura" userId="b6dee9c5-cc36-4888-b156-97d84b7a0163" providerId="ADAL" clId="{B54DDF13-DC95-4D47-A585-CFA795214509}" dt="2021-11-10T16:57:01.434" v="505" actId="207"/>
+          <ac:spMkLst>
+            <pc:docMk/>
+            <pc:sldMk cId="1575568240" sldId="257"/>
+            <ac:spMk id="11" creationId="{FE8486AE-0B22-4A2F-AAEB-A9E9777DF897}"/>
+          </ac:spMkLst>
+        </pc:spChg>
+        <pc:spChg chg="add mod">
+          <ac:chgData name="Laura" userId="b6dee9c5-cc36-4888-b156-97d84b7a0163" providerId="ADAL" clId="{B54DDF13-DC95-4D47-A585-CFA795214509}" dt="2021-11-10T16:57:01.434" v="505" actId="207"/>
+          <ac:spMkLst>
+            <pc:docMk/>
+            <pc:sldMk cId="1575568240" sldId="257"/>
+            <ac:spMk id="12" creationId="{A3E9974F-677D-43C4-ABD5-206FDCE7833B}"/>
+          </ac:spMkLst>
+        </pc:spChg>
+        <pc:spChg chg="add mod">
+          <ac:chgData name="Laura" userId="b6dee9c5-cc36-4888-b156-97d84b7a0163" providerId="ADAL" clId="{B54DDF13-DC95-4D47-A585-CFA795214509}" dt="2021-11-10T16:57:01.434" v="505" actId="207"/>
+          <ac:spMkLst>
+            <pc:docMk/>
+            <pc:sldMk cId="1575568240" sldId="257"/>
+            <ac:spMk id="13" creationId="{2CE22E48-7F81-4358-BE5F-61F07F2111F8}"/>
+          </ac:spMkLst>
+        </pc:spChg>
+        <pc:spChg chg="add mod">
+          <ac:chgData name="Laura" userId="b6dee9c5-cc36-4888-b156-97d84b7a0163" providerId="ADAL" clId="{B54DDF13-DC95-4D47-A585-CFA795214509}" dt="2021-11-10T16:57:01.434" v="505" actId="207"/>
+          <ac:spMkLst>
+            <pc:docMk/>
+            <pc:sldMk cId="1575568240" sldId="257"/>
+            <ac:spMk id="14" creationId="{9235CBCA-E9D4-45C1-8DFE-2A5CD2761BA8}"/>
+          </ac:spMkLst>
+        </pc:spChg>
+        <pc:spChg chg="add mod">
+          <ac:chgData name="Laura" userId="b6dee9c5-cc36-4888-b156-97d84b7a0163" providerId="ADAL" clId="{B54DDF13-DC95-4D47-A585-CFA795214509}" dt="2021-11-10T16:57:01.434" v="505" actId="207"/>
+          <ac:spMkLst>
+            <pc:docMk/>
+            <pc:sldMk cId="1575568240" sldId="257"/>
+            <ac:spMk id="15" creationId="{07A668D7-1DA3-45CA-9217-9E0ADBF4AA4D}"/>
+          </ac:spMkLst>
+        </pc:spChg>
+        <pc:spChg chg="add mod">
+          <ac:chgData name="Laura" userId="b6dee9c5-cc36-4888-b156-97d84b7a0163" providerId="ADAL" clId="{B54DDF13-DC95-4D47-A585-CFA795214509}" dt="2021-11-10T16:57:01.434" v="505" actId="207"/>
+          <ac:spMkLst>
+            <pc:docMk/>
+            <pc:sldMk cId="1575568240" sldId="257"/>
+            <ac:spMk id="16" creationId="{D3F36C19-9615-4DEA-94E5-5C44F53D0942}"/>
+          </ac:spMkLst>
+        </pc:spChg>
+        <pc:spChg chg="add mod">
+          <ac:chgData name="Laura" userId="b6dee9c5-cc36-4888-b156-97d84b7a0163" providerId="ADAL" clId="{B54DDF13-DC95-4D47-A585-CFA795214509}" dt="2021-11-10T16:57:01.434" v="505" actId="207"/>
+          <ac:spMkLst>
+            <pc:docMk/>
+            <pc:sldMk cId="1575568240" sldId="257"/>
+            <ac:spMk id="17" creationId="{B2D777E6-BD25-4B35-9FAA-989F9B8468DC}"/>
+          </ac:spMkLst>
+        </pc:spChg>
+        <pc:spChg chg="add mod ord">
+          <ac:chgData name="Laura" userId="b6dee9c5-cc36-4888-b156-97d84b7a0163" providerId="ADAL" clId="{B54DDF13-DC95-4D47-A585-CFA795214509}" dt="2021-11-10T16:57:05.436" v="507" actId="166"/>
+          <ac:spMkLst>
+            <pc:docMk/>
+            <pc:sldMk cId="1575568240" sldId="257"/>
+            <ac:spMk id="18" creationId="{27FD9119-6CC2-49A2-8AA8-7817F2AC84BD}"/>
+          </ac:spMkLst>
+        </pc:spChg>
+        <pc:spChg chg="add mod">
+          <ac:chgData name="Laura" userId="b6dee9c5-cc36-4888-b156-97d84b7a0163" providerId="ADAL" clId="{B54DDF13-DC95-4D47-A585-CFA795214509}" dt="2021-11-10T16:45:48.958" v="459" actId="1076"/>
+          <ac:spMkLst>
+            <pc:docMk/>
+            <pc:sldMk cId="1575568240" sldId="257"/>
+            <ac:spMk id="19" creationId="{D992AAE6-FDB3-4376-82C5-EACB6B766CBA}"/>
+          </ac:spMkLst>
+        </pc:spChg>
+        <pc:cxnChg chg="add mod">
+          <ac:chgData name="Laura" userId="b6dee9c5-cc36-4888-b156-97d84b7a0163" providerId="ADAL" clId="{B54DDF13-DC95-4D47-A585-CFA795214509}" dt="2021-11-10T15:30:11.751" v="143" actId="14100"/>
+          <ac:cxnSpMkLst>
+            <pc:docMk/>
+            <pc:sldMk cId="1575568240" sldId="257"/>
+            <ac:cxnSpMk id="5" creationId="{937A5EEC-7461-4917-B053-8C17E69D3EAA}"/>
+          </ac:cxnSpMkLst>
+        </pc:cxnChg>
+      </pc:sldChg>
+      <pc:sldChg chg="addSp modSp mod modNotesTx">
+        <pc:chgData name="Laura" userId="b6dee9c5-cc36-4888-b156-97d84b7a0163" providerId="ADAL" clId="{B54DDF13-DC95-4D47-A585-CFA795214509}" dt="2021-11-11T16:48:56.251" v="813"/>
+        <pc:sldMkLst>
+          <pc:docMk/>
+          <pc:sldMk cId="719139584" sldId="258"/>
+        </pc:sldMkLst>
+        <pc:spChg chg="mod">
+          <ac:chgData name="Laura" userId="b6dee9c5-cc36-4888-b156-97d84b7a0163" providerId="ADAL" clId="{B54DDF13-DC95-4D47-A585-CFA795214509}" dt="2021-11-10T16:49:43.163" v="467" actId="1076"/>
+          <ac:spMkLst>
+            <pc:docMk/>
+            <pc:sldMk cId="719139584" sldId="258"/>
+            <ac:spMk id="2" creationId="{8E43454D-15E9-4568-97E9-95D78897E538}"/>
+          </ac:spMkLst>
+        </pc:spChg>
+        <pc:spChg chg="add mod">
+          <ac:chgData name="Laura" userId="b6dee9c5-cc36-4888-b156-97d84b7a0163" providerId="ADAL" clId="{B54DDF13-DC95-4D47-A585-CFA795214509}" dt="2021-11-10T16:49:31.342" v="464" actId="207"/>
+          <ac:spMkLst>
+            <pc:docMk/>
+            <pc:sldMk cId="719139584" sldId="258"/>
+            <ac:spMk id="9" creationId="{BEC9ECC9-4211-476A-81B4-8185174D826A}"/>
+          </ac:spMkLst>
+        </pc:spChg>
+        <pc:spChg chg="add mod">
+          <ac:chgData name="Laura" userId="b6dee9c5-cc36-4888-b156-97d84b7a0163" providerId="ADAL" clId="{B54DDF13-DC95-4D47-A585-CFA795214509}" dt="2021-11-10T16:49:01.970" v="463" actId="207"/>
+          <ac:spMkLst>
+            <pc:docMk/>
+            <pc:sldMk cId="719139584" sldId="258"/>
+            <ac:spMk id="10" creationId="{9BC203D4-27A5-498F-BD18-FA5D28D9870B}"/>
+          </ac:spMkLst>
+        </pc:spChg>
+        <pc:spChg chg="add mod">
+          <ac:chgData name="Laura" userId="b6dee9c5-cc36-4888-b156-97d84b7a0163" providerId="ADAL" clId="{B54DDF13-DC95-4D47-A585-CFA795214509}" dt="2021-11-10T16:49:31.342" v="464" actId="207"/>
+          <ac:spMkLst>
+            <pc:docMk/>
+            <pc:sldMk cId="719139584" sldId="258"/>
+            <ac:spMk id="11" creationId="{C592ABF4-CEDC-4628-9F7B-83CCA72E3EEE}"/>
+          </ac:spMkLst>
+        </pc:spChg>
+        <pc:spChg chg="add mod">
+          <ac:chgData name="Laura" userId="b6dee9c5-cc36-4888-b156-97d84b7a0163" providerId="ADAL" clId="{B54DDF13-DC95-4D47-A585-CFA795214509}" dt="2021-11-10T16:49:31.342" v="464" actId="207"/>
+          <ac:spMkLst>
+            <pc:docMk/>
+            <pc:sldMk cId="719139584" sldId="258"/>
+            <ac:spMk id="12" creationId="{0939BD5A-5FE2-444A-ACF8-D050C8E064BC}"/>
+          </ac:spMkLst>
+        </pc:spChg>
+        <pc:spChg chg="add mod">
+          <ac:chgData name="Laura" userId="b6dee9c5-cc36-4888-b156-97d84b7a0163" providerId="ADAL" clId="{B54DDF13-DC95-4D47-A585-CFA795214509}" dt="2021-11-10T16:49:31.342" v="464" actId="207"/>
+          <ac:spMkLst>
+            <pc:docMk/>
+            <pc:sldMk cId="719139584" sldId="258"/>
+            <ac:spMk id="13" creationId="{DD63B2AE-C1B5-4451-B3C5-8543168935BF}"/>
+          </ac:spMkLst>
+        </pc:spChg>
+        <pc:spChg chg="add mod">
+          <ac:chgData name="Laura" userId="b6dee9c5-cc36-4888-b156-97d84b7a0163" providerId="ADAL" clId="{B54DDF13-DC95-4D47-A585-CFA795214509}" dt="2021-11-10T16:49:31.342" v="464" actId="207"/>
+          <ac:spMkLst>
+            <pc:docMk/>
+            <pc:sldMk cId="719139584" sldId="258"/>
+            <ac:spMk id="14" creationId="{578BD130-2B86-452B-A497-7F6322A84756}"/>
+          </ac:spMkLst>
+        </pc:spChg>
+        <pc:spChg chg="mod ord">
+          <ac:chgData name="Laura" userId="b6dee9c5-cc36-4888-b156-97d84b7a0163" providerId="ADAL" clId="{B54DDF13-DC95-4D47-A585-CFA795214509}" dt="2021-11-10T17:00:47.483" v="519" actId="167"/>
+          <ac:spMkLst>
+            <pc:docMk/>
+            <pc:sldMk cId="719139584" sldId="258"/>
+            <ac:spMk id="15" creationId="{1DD9A950-E8F2-4681-B140-33159C406AAB}"/>
+          </ac:spMkLst>
+        </pc:spChg>
+        <pc:spChg chg="add mod">
+          <ac:chgData name="Laura" userId="b6dee9c5-cc36-4888-b156-97d84b7a0163" providerId="ADAL" clId="{B54DDF13-DC95-4D47-A585-CFA795214509}" dt="2021-11-10T16:49:31.342" v="464" actId="207"/>
+          <ac:spMkLst>
+            <pc:docMk/>
+            <pc:sldMk cId="719139584" sldId="258"/>
+            <ac:spMk id="18" creationId="{78F100DB-A976-49DE-A569-2E98ADDC27E3}"/>
+          </ac:spMkLst>
+        </pc:spChg>
+        <pc:spChg chg="add mod ord">
+          <ac:chgData name="Laura" userId="b6dee9c5-cc36-4888-b156-97d84b7a0163" providerId="ADAL" clId="{B54DDF13-DC95-4D47-A585-CFA795214509}" dt="2021-11-10T16:50:47.603" v="477" actId="167"/>
+          <ac:spMkLst>
+            <pc:docMk/>
+            <pc:sldMk cId="719139584" sldId="258"/>
+            <ac:spMk id="19" creationId="{90691A9C-183C-4D16-A251-02B94D6CCBD1}"/>
+          </ac:spMkLst>
+        </pc:spChg>
+        <pc:spChg chg="add mod ord">
+          <ac:chgData name="Laura" userId="b6dee9c5-cc36-4888-b156-97d84b7a0163" providerId="ADAL" clId="{B54DDF13-DC95-4D47-A585-CFA795214509}" dt="2021-11-10T16:50:50.090" v="478" actId="171"/>
+          <ac:spMkLst>
+            <pc:docMk/>
+            <pc:sldMk cId="719139584" sldId="258"/>
+            <ac:spMk id="20" creationId="{91D2FAC1-CE8B-4738-9296-4CB614522BC7}"/>
+          </ac:spMkLst>
+        </pc:spChg>
+        <pc:graphicFrameChg chg="mod modGraphic">
+          <ac:chgData name="Laura" userId="b6dee9c5-cc36-4888-b156-97d84b7a0163" providerId="ADAL" clId="{B54DDF13-DC95-4D47-A585-CFA795214509}" dt="2021-11-11T16:48:56.251" v="813"/>
+          <ac:graphicFrameMkLst>
+            <pc:docMk/>
+            <pc:sldMk cId="719139584" sldId="258"/>
+            <ac:graphicFrameMk id="4" creationId="{A368CB9D-E35A-44A3-927D-593C6BE5804F}"/>
+          </ac:graphicFrameMkLst>
+        </pc:graphicFrameChg>
+      </pc:sldChg>
+      <pc:sldChg chg="addSp delSp modSp mod ord">
+        <pc:chgData name="Laura" userId="b6dee9c5-cc36-4888-b156-97d84b7a0163" providerId="ADAL" clId="{B54DDF13-DC95-4D47-A585-CFA795214509}" dt="2021-11-11T16:16:28.295" v="685" actId="21"/>
+        <pc:sldMkLst>
+          <pc:docMk/>
+          <pc:sldMk cId="452856955" sldId="259"/>
+        </pc:sldMkLst>
+        <pc:spChg chg="mod">
+          <ac:chgData name="Laura" userId="b6dee9c5-cc36-4888-b156-97d84b7a0163" providerId="ADAL" clId="{B54DDF13-DC95-4D47-A585-CFA795214509}" dt="2021-11-11T16:16:28.295" v="685" actId="21"/>
+          <ac:spMkLst>
+            <pc:docMk/>
+            <pc:sldMk cId="452856955" sldId="259"/>
+            <ac:spMk id="2" creationId="{41BEF49C-9A74-47E5-BEA8-0F56E53ACD27}"/>
+          </ac:spMkLst>
+        </pc:spChg>
+        <pc:spChg chg="ord">
+          <ac:chgData name="Laura" userId="b6dee9c5-cc36-4888-b156-97d84b7a0163" providerId="ADAL" clId="{B54DDF13-DC95-4D47-A585-CFA795214509}" dt="2021-11-10T17:04:58.814" v="550" actId="167"/>
+          <ac:spMkLst>
+            <pc:docMk/>
+            <pc:sldMk cId="452856955" sldId="259"/>
+            <ac:spMk id="17" creationId="{E6E5A29A-75DA-40A7-9FF3-18AE87E100B5}"/>
+          </ac:spMkLst>
+        </pc:spChg>
+        <pc:spChg chg="add mod">
+          <ac:chgData name="Laura" userId="b6dee9c5-cc36-4888-b156-97d84b7a0163" providerId="ADAL" clId="{B54DDF13-DC95-4D47-A585-CFA795214509}" dt="2021-11-10T16:56:13.838" v="498" actId="207"/>
+          <ac:spMkLst>
+            <pc:docMk/>
+            <pc:sldMk cId="452856955" sldId="259"/>
+            <ac:spMk id="26" creationId="{F2B79D3E-7830-48CE-9FAA-564ED3B2E51D}"/>
+          </ac:spMkLst>
+        </pc:spChg>
+        <pc:spChg chg="add mod">
+          <ac:chgData name="Laura" userId="b6dee9c5-cc36-4888-b156-97d84b7a0163" providerId="ADAL" clId="{B54DDF13-DC95-4D47-A585-CFA795214509}" dt="2021-11-10T16:56:13.838" v="498" actId="207"/>
+          <ac:spMkLst>
+            <pc:docMk/>
+            <pc:sldMk cId="452856955" sldId="259"/>
+            <ac:spMk id="27" creationId="{D6B9F240-DA94-4F81-86C5-79DB5752BFA7}"/>
+          </ac:spMkLst>
+        </pc:spChg>
+        <pc:spChg chg="add mod">
+          <ac:chgData name="Laura" userId="b6dee9c5-cc36-4888-b156-97d84b7a0163" providerId="ADAL" clId="{B54DDF13-DC95-4D47-A585-CFA795214509}" dt="2021-11-10T16:56:13.838" v="498" actId="207"/>
+          <ac:spMkLst>
+            <pc:docMk/>
+            <pc:sldMk cId="452856955" sldId="259"/>
+            <ac:spMk id="28" creationId="{D3FA81CC-9F07-45C8-9344-9369B58B01CF}"/>
+          </ac:spMkLst>
+        </pc:spChg>
+        <pc:spChg chg="add mod">
+          <ac:chgData name="Laura" userId="b6dee9c5-cc36-4888-b156-97d84b7a0163" providerId="ADAL" clId="{B54DDF13-DC95-4D47-A585-CFA795214509}" dt="2021-11-10T16:56:13.838" v="498" actId="207"/>
+          <ac:spMkLst>
+            <pc:docMk/>
+            <pc:sldMk cId="452856955" sldId="259"/>
+            <ac:spMk id="29" creationId="{E92F2DA4-5AEB-4D5B-9968-94A4CEFDB893}"/>
+          </ac:spMkLst>
+        </pc:spChg>
+        <pc:spChg chg="add mod">
+          <ac:chgData name="Laura" userId="b6dee9c5-cc36-4888-b156-97d84b7a0163" providerId="ADAL" clId="{B54DDF13-DC95-4D47-A585-CFA795214509}" dt="2021-11-10T16:56:13.838" v="498" actId="207"/>
+          <ac:spMkLst>
+            <pc:docMk/>
+            <pc:sldMk cId="452856955" sldId="259"/>
+            <ac:spMk id="30" creationId="{4E218B74-5243-415B-9655-E58BE56AEFC7}"/>
+          </ac:spMkLst>
+        </pc:spChg>
+        <pc:spChg chg="add mod ord">
+          <ac:chgData name="Laura" userId="b6dee9c5-cc36-4888-b156-97d84b7a0163" providerId="ADAL" clId="{B54DDF13-DC95-4D47-A585-CFA795214509}" dt="2021-11-10T16:56:18.440" v="499" actId="166"/>
+          <ac:spMkLst>
+            <pc:docMk/>
+            <pc:sldMk cId="452856955" sldId="259"/>
+            <ac:spMk id="31" creationId="{19D9E93B-98EB-420F-9357-38A238F52743}"/>
+          </ac:spMkLst>
+        </pc:spChg>
+        <pc:spChg chg="add del mod">
+          <ac:chgData name="Laura" userId="b6dee9c5-cc36-4888-b156-97d84b7a0163" providerId="ADAL" clId="{B54DDF13-DC95-4D47-A585-CFA795214509}" dt="2021-11-10T17:01:07.899" v="523" actId="21"/>
+          <ac:spMkLst>
+            <pc:docMk/>
+            <pc:sldMk cId="452856955" sldId="259"/>
+            <ac:spMk id="32" creationId="{D563C1BD-737A-4C8E-AEDA-C11D93CD3966}"/>
+          </ac:spMkLst>
+        </pc:spChg>
+        <pc:cxnChg chg="add mod">
+          <ac:chgData name="Laura" userId="b6dee9c5-cc36-4888-b156-97d84b7a0163" providerId="ADAL" clId="{B54DDF13-DC95-4D47-A585-CFA795214509}" dt="2021-11-10T15:30:40.983" v="145"/>
+          <ac:cxnSpMkLst>
+            <pc:docMk/>
+            <pc:sldMk cId="452856955" sldId="259"/>
+            <ac:cxnSpMk id="14" creationId="{5630DF80-EB0C-4207-B4D8-298E0A44F081}"/>
+          </ac:cxnSpMkLst>
+        </pc:cxnChg>
+      </pc:sldChg>
+      <pc:sldChg chg="addSp modSp del mod">
+        <pc:chgData name="Laura" userId="b6dee9c5-cc36-4888-b156-97d84b7a0163" providerId="ADAL" clId="{B54DDF13-DC95-4D47-A585-CFA795214509}" dt="2021-11-10T15:59:54.940" v="229" actId="2696"/>
+        <pc:sldMkLst>
+          <pc:docMk/>
+          <pc:sldMk cId="1356689989" sldId="260"/>
+        </pc:sldMkLst>
+        <pc:graphicFrameChg chg="mod">
+          <ac:chgData name="Laura" userId="b6dee9c5-cc36-4888-b156-97d84b7a0163" providerId="ADAL" clId="{B54DDF13-DC95-4D47-A585-CFA795214509}" dt="2021-11-10T15:52:39.913" v="215"/>
+          <ac:graphicFrameMkLst>
+            <pc:docMk/>
+            <pc:sldMk cId="1356689989" sldId="260"/>
+            <ac:graphicFrameMk id="9" creationId="{60A33CBF-DE16-4C1D-BF35-F06D1970B5CF}"/>
+          </ac:graphicFrameMkLst>
+        </pc:graphicFrameChg>
+        <pc:cxnChg chg="add mod">
+          <ac:chgData name="Laura" userId="b6dee9c5-cc36-4888-b156-97d84b7a0163" providerId="ADAL" clId="{B54DDF13-DC95-4D47-A585-CFA795214509}" dt="2021-11-10T15:30:44.493" v="146"/>
+          <ac:cxnSpMkLst>
+            <pc:docMk/>
+            <pc:sldMk cId="1356689989" sldId="260"/>
+            <ac:cxnSpMk id="5" creationId="{8B5D101D-A589-4C3B-9061-C7CE7FE9E84E}"/>
+          </ac:cxnSpMkLst>
+        </pc:cxnChg>
+        <pc:cxnChg chg="mod">
+          <ac:chgData name="Laura" userId="b6dee9c5-cc36-4888-b156-97d84b7a0163" providerId="ADAL" clId="{B54DDF13-DC95-4D47-A585-CFA795214509}" dt="2021-11-10T15:51:19.654" v="208" actId="208"/>
+          <ac:cxnSpMkLst>
+            <pc:docMk/>
+            <pc:sldMk cId="1356689989" sldId="260"/>
+            <ac:cxnSpMk id="6" creationId="{5866BF4A-F283-4EF4-92EA-27F2B1E24C51}"/>
+          </ac:cxnSpMkLst>
+        </pc:cxnChg>
+      </pc:sldChg>
+      <pc:sldChg chg="addSp delSp modSp del mod">
+        <pc:chgData name="Laura" userId="b6dee9c5-cc36-4888-b156-97d84b7a0163" providerId="ADAL" clId="{B54DDF13-DC95-4D47-A585-CFA795214509}" dt="2021-11-10T16:26:59.854" v="327" actId="2696"/>
+        <pc:sldMkLst>
+          <pc:docMk/>
+          <pc:sldMk cId="2980803954" sldId="261"/>
+        </pc:sldMkLst>
+        <pc:graphicFrameChg chg="mod">
+          <ac:chgData name="Laura" userId="b6dee9c5-cc36-4888-b156-97d84b7a0163" providerId="ADAL" clId="{B54DDF13-DC95-4D47-A585-CFA795214509}" dt="2021-11-10T16:12:54.309" v="243"/>
+          <ac:graphicFrameMkLst>
+            <pc:docMk/>
+            <pc:sldMk cId="2980803954" sldId="261"/>
+            <ac:graphicFrameMk id="10" creationId="{9FB93DCE-8C55-4EAB-8730-8EC83B7A794C}"/>
+          </ac:graphicFrameMkLst>
+        </pc:graphicFrameChg>
+        <pc:cxnChg chg="add del mod">
+          <ac:chgData name="Laura" userId="b6dee9c5-cc36-4888-b156-97d84b7a0163" providerId="ADAL" clId="{B54DDF13-DC95-4D47-A585-CFA795214509}" dt="2021-11-10T15:31:25.951" v="151" actId="21"/>
+          <ac:cxnSpMkLst>
+            <pc:docMk/>
+            <pc:sldMk cId="2980803954" sldId="261"/>
+            <ac:cxnSpMk id="5" creationId="{B4F3E929-67D7-4356-A52F-D8DE2ED13F97}"/>
+          </ac:cxnSpMkLst>
+        </pc:cxnChg>
+      </pc:sldChg>
+      <pc:sldChg chg="addSp delSp modSp mod">
+        <pc:chgData name="Laura" userId="b6dee9c5-cc36-4888-b156-97d84b7a0163" providerId="ADAL" clId="{B54DDF13-DC95-4D47-A585-CFA795214509}" dt="2021-11-10T17:03:22.764" v="540" actId="167"/>
+        <pc:sldMkLst>
+          <pc:docMk/>
+          <pc:sldMk cId="4147236091" sldId="262"/>
+        </pc:sldMkLst>
+        <pc:spChg chg="mod">
+          <ac:chgData name="Laura" userId="b6dee9c5-cc36-4888-b156-97d84b7a0163" providerId="ADAL" clId="{B54DDF13-DC95-4D47-A585-CFA795214509}" dt="2021-11-10T16:02:10.995" v="234" actId="1076"/>
+          <ac:spMkLst>
+            <pc:docMk/>
+            <pc:sldMk cId="4147236091" sldId="262"/>
+            <ac:spMk id="12" creationId="{87AD0200-DD05-49D8-A458-EA41761A8DE1}"/>
+          </ac:spMkLst>
+        </pc:spChg>
+        <pc:spChg chg="mod ord">
+          <ac:chgData name="Laura" userId="b6dee9c5-cc36-4888-b156-97d84b7a0163" providerId="ADAL" clId="{B54DDF13-DC95-4D47-A585-CFA795214509}" dt="2021-11-10T17:03:22.764" v="540" actId="167"/>
+          <ac:spMkLst>
+            <pc:docMk/>
+            <pc:sldMk cId="4147236091" sldId="262"/>
+            <ac:spMk id="15" creationId="{209566E8-9D98-465B-BE0F-01BCCF75D1EA}"/>
+          </ac:spMkLst>
+        </pc:spChg>
+        <pc:spChg chg="ord">
+          <ac:chgData name="Laura" userId="b6dee9c5-cc36-4888-b156-97d84b7a0163" providerId="ADAL" clId="{B54DDF13-DC95-4D47-A585-CFA795214509}" dt="2021-11-10T16:54:38.107" v="487" actId="167"/>
+          <ac:spMkLst>
+            <pc:docMk/>
+            <pc:sldMk cId="4147236091" sldId="262"/>
+            <ac:spMk id="17" creationId="{4CFD39F8-4CBB-4EE4-8478-BADE98CF2E40}"/>
+          </ac:spMkLst>
+        </pc:spChg>
+        <pc:spChg chg="add mod ord">
+          <ac:chgData name="Laura" userId="b6dee9c5-cc36-4888-b156-97d84b7a0163" providerId="ADAL" clId="{B54DDF13-DC95-4D47-A585-CFA795214509}" dt="2021-11-10T16:54:35.226" v="486" actId="167"/>
+          <ac:spMkLst>
+            <pc:docMk/>
+            <pc:sldMk cId="4147236091" sldId="262"/>
+            <ac:spMk id="18" creationId="{65F52A42-A9AF-4503-8AF2-4EC1BBF45A1B}"/>
+          </ac:spMkLst>
+        </pc:spChg>
+        <pc:spChg chg="add del mod">
+          <ac:chgData name="Laura" userId="b6dee9c5-cc36-4888-b156-97d84b7a0163" providerId="ADAL" clId="{B54DDF13-DC95-4D47-A585-CFA795214509}" dt="2021-11-10T16:40:56.469" v="386"/>
+          <ac:spMkLst>
+            <pc:docMk/>
+            <pc:sldMk cId="4147236091" sldId="262"/>
+            <ac:spMk id="19" creationId="{7F23ACD3-15ED-4973-8835-C140C4ED85F1}"/>
+          </ac:spMkLst>
+        </pc:spChg>
+        <pc:spChg chg="add mod ord">
+          <ac:chgData name="Laura" userId="b6dee9c5-cc36-4888-b156-97d84b7a0163" providerId="ADAL" clId="{B54DDF13-DC95-4D47-A585-CFA795214509}" dt="2021-11-10T16:54:27.935" v="485" actId="207"/>
+          <ac:spMkLst>
+            <pc:docMk/>
+            <pc:sldMk cId="4147236091" sldId="262"/>
+            <ac:spMk id="20" creationId="{CDFA100E-A128-4646-A86D-500F8424EF60}"/>
+          </ac:spMkLst>
+        </pc:spChg>
+        <pc:spChg chg="add del mod">
+          <ac:chgData name="Laura" userId="b6dee9c5-cc36-4888-b156-97d84b7a0163" providerId="ADAL" clId="{B54DDF13-DC95-4D47-A585-CFA795214509}" dt="2021-11-10T17:01:58.713" v="535" actId="21"/>
+          <ac:spMkLst>
+            <pc:docMk/>
+            <pc:sldMk cId="4147236091" sldId="262"/>
+            <ac:spMk id="21" creationId="{EFDB0F1D-06FB-4FF3-BA0D-D74305FF8E92}"/>
+          </ac:spMkLst>
+        </pc:spChg>
+        <pc:graphicFrameChg chg="mod">
+          <ac:chgData name="Laura" userId="b6dee9c5-cc36-4888-b156-97d84b7a0163" providerId="ADAL" clId="{B54DDF13-DC95-4D47-A585-CFA795214509}" dt="2021-11-10T16:02:10.995" v="234" actId="1076"/>
+          <ac:graphicFrameMkLst>
+            <pc:docMk/>
+            <pc:sldMk cId="4147236091" sldId="262"/>
+            <ac:graphicFrameMk id="13" creationId="{86E52FFC-05E8-46A6-B4A1-33E2B7A7C8B4}"/>
+          </ac:graphicFrameMkLst>
+        </pc:graphicFrameChg>
+        <pc:picChg chg="mod">
+          <ac:chgData name="Laura" userId="b6dee9c5-cc36-4888-b156-97d84b7a0163" providerId="ADAL" clId="{B54DDF13-DC95-4D47-A585-CFA795214509}" dt="2021-11-10T16:02:10.995" v="234" actId="1076"/>
+          <ac:picMkLst>
+            <pc:docMk/>
+            <pc:sldMk cId="4147236091" sldId="262"/>
+            <ac:picMk id="9" creationId="{C75CF267-E927-4BB0-BA73-A7F230D085F1}"/>
+          </ac:picMkLst>
+        </pc:picChg>
+        <pc:picChg chg="mod">
+          <ac:chgData name="Laura" userId="b6dee9c5-cc36-4888-b156-97d84b7a0163" providerId="ADAL" clId="{B54DDF13-DC95-4D47-A585-CFA795214509}" dt="2021-11-10T16:02:10.995" v="234" actId="1076"/>
+          <ac:picMkLst>
+            <pc:docMk/>
+            <pc:sldMk cId="4147236091" sldId="262"/>
+            <ac:picMk id="11" creationId="{A9ED0D2B-E1E9-433D-A571-67069977AB7B}"/>
+          </ac:picMkLst>
+        </pc:picChg>
+        <pc:cxnChg chg="add del mod">
+          <ac:chgData name="Laura" userId="b6dee9c5-cc36-4888-b156-97d84b7a0163" providerId="ADAL" clId="{B54DDF13-DC95-4D47-A585-CFA795214509}" dt="2021-11-10T15:31:01.748" v="150"/>
+          <ac:cxnSpMkLst>
+            <pc:docMk/>
+            <pc:sldMk cId="4147236091" sldId="262"/>
+            <ac:cxnSpMk id="8" creationId="{392526F4-0613-4C65-BB44-F24A1753E93F}"/>
+          </ac:cxnSpMkLst>
+        </pc:cxnChg>
+      </pc:sldChg>
+      <pc:sldChg chg="addSp delSp modSp mod">
+        <pc:chgData name="Laura" userId="b6dee9c5-cc36-4888-b156-97d84b7a0163" providerId="ADAL" clId="{B54DDF13-DC95-4D47-A585-CFA795214509}" dt="2021-11-11T15:51:57.107" v="594" actId="6549"/>
+        <pc:sldMkLst>
+          <pc:docMk/>
+          <pc:sldMk cId="3942132956" sldId="263"/>
+        </pc:sldMkLst>
+        <pc:spChg chg="mod">
+          <ac:chgData name="Laura" userId="b6dee9c5-cc36-4888-b156-97d84b7a0163" providerId="ADAL" clId="{B54DDF13-DC95-4D47-A585-CFA795214509}" dt="2021-11-11T15:51:57.107" v="594" actId="6549"/>
+          <ac:spMkLst>
+            <pc:docMk/>
+            <pc:sldMk cId="3942132956" sldId="263"/>
+            <ac:spMk id="3" creationId="{8ECD18E5-590E-4C0D-B1EF-55B4404B39CD}"/>
+          </ac:spMkLst>
+        </pc:spChg>
+        <pc:spChg chg="mod">
+          <ac:chgData name="Laura" userId="b6dee9c5-cc36-4888-b156-97d84b7a0163" providerId="ADAL" clId="{B54DDF13-DC95-4D47-A585-CFA795214509}" dt="2021-11-10T15:23:10.832" v="79" actId="1076"/>
+          <ac:spMkLst>
+            <pc:docMk/>
+            <pc:sldMk cId="3942132956" sldId="263"/>
+            <ac:spMk id="7" creationId="{FC78B868-2DAB-42D6-8796-474CB0AE7293}"/>
+          </ac:spMkLst>
+        </pc:spChg>
+        <pc:spChg chg="mod ord">
+          <ac:chgData name="Laura" userId="b6dee9c5-cc36-4888-b156-97d84b7a0163" providerId="ADAL" clId="{B54DDF13-DC95-4D47-A585-CFA795214509}" dt="2021-11-10T17:03:41.091" v="543" actId="166"/>
+          <ac:spMkLst>
+            <pc:docMk/>
+            <pc:sldMk cId="3942132956" sldId="263"/>
+            <ac:spMk id="13" creationId="{510F2CD5-8D4D-4B3E-A766-46C21EBB3180}"/>
+          </ac:spMkLst>
+        </pc:spChg>
+        <pc:spChg chg="ord">
+          <ac:chgData name="Laura" userId="b6dee9c5-cc36-4888-b156-97d84b7a0163" providerId="ADAL" clId="{B54DDF13-DC95-4D47-A585-CFA795214509}" dt="2021-11-10T16:54:03.845" v="482" actId="167"/>
+          <ac:spMkLst>
+            <pc:docMk/>
+            <pc:sldMk cId="3942132956" sldId="263"/>
+            <ac:spMk id="15" creationId="{E349ECFE-6CEA-4AB3-9828-2FBEEFC29540}"/>
+          </ac:spMkLst>
+        </pc:spChg>
+        <pc:spChg chg="add mod ord">
+          <ac:chgData name="Laura" userId="b6dee9c5-cc36-4888-b156-97d84b7a0163" providerId="ADAL" clId="{B54DDF13-DC95-4D47-A585-CFA795214509}" dt="2021-11-10T16:53:56.389" v="481" actId="207"/>
+          <ac:spMkLst>
+            <pc:docMk/>
+            <pc:sldMk cId="3942132956" sldId="263"/>
+            <ac:spMk id="16" creationId="{CCDE6B28-49C9-4EFD-B8A1-4ACBED39E3FC}"/>
+          </ac:spMkLst>
+        </pc:spChg>
+        <pc:spChg chg="add del mod">
+          <ac:chgData name="Laura" userId="b6dee9c5-cc36-4888-b156-97d84b7a0163" providerId="ADAL" clId="{B54DDF13-DC95-4D47-A585-CFA795214509}" dt="2021-11-10T17:03:37.735" v="542" actId="21"/>
+          <ac:spMkLst>
+            <pc:docMk/>
+            <pc:sldMk cId="3942132956" sldId="263"/>
+            <ac:spMk id="17" creationId="{1B4D3D75-F96F-4B01-8CF7-E1DC3E2E98B8}"/>
+          </ac:spMkLst>
+        </pc:spChg>
+        <pc:picChg chg="mod">
+          <ac:chgData name="Laura" userId="b6dee9c5-cc36-4888-b156-97d84b7a0163" providerId="ADAL" clId="{B54DDF13-DC95-4D47-A585-CFA795214509}" dt="2021-11-10T15:20:14.562" v="31" actId="1076"/>
+          <ac:picMkLst>
+            <pc:docMk/>
+            <pc:sldMk cId="3942132956" sldId="263"/>
+            <ac:picMk id="10" creationId="{5E607E01-D6E5-413B-B7FB-B23E944BF295}"/>
+          </ac:picMkLst>
+        </pc:picChg>
+        <pc:picChg chg="mod">
+          <ac:chgData name="Laura" userId="b6dee9c5-cc36-4888-b156-97d84b7a0163" providerId="ADAL" clId="{B54DDF13-DC95-4D47-A585-CFA795214509}" dt="2021-11-10T15:20:45.426" v="32" actId="1076"/>
+          <ac:picMkLst>
+            <pc:docMk/>
+            <pc:sldMk cId="3942132956" sldId="263"/>
+            <ac:picMk id="12" creationId="{8FBA7D60-6CC6-40A9-926E-775EAA84B231}"/>
+          </ac:picMkLst>
+        </pc:picChg>
+        <pc:picChg chg="add mod">
+          <ac:chgData name="Laura" userId="b6dee9c5-cc36-4888-b156-97d84b7a0163" providerId="ADAL" clId="{B54DDF13-DC95-4D47-A585-CFA795214509}" dt="2021-11-10T15:23:27.705" v="82" actId="1076"/>
+          <ac:picMkLst>
+            <pc:docMk/>
+            <pc:sldMk cId="3942132956" sldId="263"/>
+            <ac:picMk id="1026" creationId="{C2E1D524-5056-4A41-BAC7-0E98E5E375D4}"/>
+          </ac:picMkLst>
+        </pc:picChg>
+      </pc:sldChg>
+      <pc:sldChg chg="addSp delSp modSp mod">
+        <pc:chgData name="Laura" userId="b6dee9c5-cc36-4888-b156-97d84b7a0163" providerId="ADAL" clId="{B54DDF13-DC95-4D47-A585-CFA795214509}" dt="2021-11-11T15:57:30.728" v="596" actId="1076"/>
+        <pc:sldMkLst>
+          <pc:docMk/>
+          <pc:sldMk cId="3108174479" sldId="264"/>
+        </pc:sldMkLst>
+        <pc:spChg chg="mod ord">
+          <ac:chgData name="Laura" userId="b6dee9c5-cc36-4888-b156-97d84b7a0163" providerId="ADAL" clId="{B54DDF13-DC95-4D47-A585-CFA795214509}" dt="2021-11-10T17:04:02.253" v="546" actId="166"/>
+          <ac:spMkLst>
+            <pc:docMk/>
+            <pc:sldMk cId="3108174479" sldId="264"/>
+            <ac:spMk id="8" creationId="{DE20D7D9-ADD6-46E6-94A2-F5082BE29DC5}"/>
+          </ac:spMkLst>
+        </pc:spChg>
+        <pc:spChg chg="ord">
+          <ac:chgData name="Laura" userId="b6dee9c5-cc36-4888-b156-97d84b7a0163" providerId="ADAL" clId="{B54DDF13-DC95-4D47-A585-CFA795214509}" dt="2021-11-10T16:36:12.798" v="356" actId="170"/>
+          <ac:spMkLst>
+            <pc:docMk/>
+            <pc:sldMk cId="3108174479" sldId="264"/>
+            <ac:spMk id="10" creationId="{9AC20EBF-5404-49CB-AA24-598A015B3747}"/>
+          </ac:spMkLst>
+        </pc:spChg>
+        <pc:spChg chg="add del mod ord">
+          <ac:chgData name="Laura" userId="b6dee9c5-cc36-4888-b156-97d84b7a0163" providerId="ADAL" clId="{B54DDF13-DC95-4D47-A585-CFA795214509}" dt="2021-11-10T17:03:59.482" v="545" actId="21"/>
+          <ac:spMkLst>
+            <pc:docMk/>
+            <pc:sldMk cId="3108174479" sldId="264"/>
+            <ac:spMk id="11" creationId="{7152BBBF-2F52-4F17-B91A-FF51F38B140A}"/>
+          </ac:spMkLst>
+        </pc:spChg>
+        <pc:picChg chg="mod ord">
+          <ac:chgData name="Laura" userId="b6dee9c5-cc36-4888-b156-97d84b7a0163" providerId="ADAL" clId="{B54DDF13-DC95-4D47-A585-CFA795214509}" dt="2021-11-11T15:57:30.728" v="596" actId="1076"/>
+          <ac:picMkLst>
+            <pc:docMk/>
+            <pc:sldMk cId="3108174479" sldId="264"/>
+            <ac:picMk id="7" creationId="{A9E99026-33F4-4AA7-BE43-9FCB7BB779AA}"/>
+          </ac:picMkLst>
+        </pc:picChg>
+        <pc:cxnChg chg="del">
+          <ac:chgData name="Laura" userId="b6dee9c5-cc36-4888-b156-97d84b7a0163" providerId="ADAL" clId="{B54DDF13-DC95-4D47-A585-CFA795214509}" dt="2021-11-10T15:31:38.521" v="153" actId="21"/>
+          <ac:cxnSpMkLst>
+            <pc:docMk/>
+            <pc:sldMk cId="3108174479" sldId="264"/>
+            <ac:cxnSpMk id="5" creationId="{2E5BCD11-7D36-4961-9A02-97755DDE4786}"/>
+          </ac:cxnSpMkLst>
+        </pc:cxnChg>
+      </pc:sldChg>
+      <pc:sldChg chg="addSp delSp modSp mod">
+        <pc:chgData name="Laura" userId="b6dee9c5-cc36-4888-b156-97d84b7a0163" providerId="ADAL" clId="{B54DDF13-DC95-4D47-A585-CFA795214509}" dt="2021-11-10T17:06:58.128" v="557" actId="14100"/>
+        <pc:sldMkLst>
+          <pc:docMk/>
+          <pc:sldMk cId="943001127" sldId="265"/>
+        </pc:sldMkLst>
+        <pc:spChg chg="ord">
+          <ac:chgData name="Laura" userId="b6dee9c5-cc36-4888-b156-97d84b7a0163" providerId="ADAL" clId="{B54DDF13-DC95-4D47-A585-CFA795214509}" dt="2021-11-10T17:05:10.951" v="552" actId="167"/>
+          <ac:spMkLst>
+            <pc:docMk/>
+            <pc:sldMk cId="943001127" sldId="265"/>
+            <ac:spMk id="8" creationId="{5B764A9E-1860-4FBF-82A5-AEB3615DCD65}"/>
+          </ac:spMkLst>
+        </pc:spChg>
+        <pc:spChg chg="add mod">
+          <ac:chgData name="Laura" userId="b6dee9c5-cc36-4888-b156-97d84b7a0163" providerId="ADAL" clId="{B54DDF13-DC95-4D47-A585-CFA795214509}" dt="2021-11-10T16:57:24.518" v="509" actId="207"/>
+          <ac:spMkLst>
+            <pc:docMk/>
+            <pc:sldMk cId="943001127" sldId="265"/>
+            <ac:spMk id="11" creationId="{7F7B855E-308E-4C8C-A8AE-AAE79BAAC72C}"/>
+          </ac:spMkLst>
+        </pc:spChg>
+        <pc:spChg chg="add mod">
+          <ac:chgData name="Laura" userId="b6dee9c5-cc36-4888-b156-97d84b7a0163" providerId="ADAL" clId="{B54DDF13-DC95-4D47-A585-CFA795214509}" dt="2021-11-10T16:57:24.518" v="509" actId="207"/>
+          <ac:spMkLst>
+            <pc:docMk/>
+            <pc:sldMk cId="943001127" sldId="265"/>
+            <ac:spMk id="13" creationId="{1EB5949F-77BF-4A2C-8224-50FACB1A6AC6}"/>
+          </ac:spMkLst>
+        </pc:spChg>
+        <pc:spChg chg="add mod">
+          <ac:chgData name="Laura" userId="b6dee9c5-cc36-4888-b156-97d84b7a0163" providerId="ADAL" clId="{B54DDF13-DC95-4D47-A585-CFA795214509}" dt="2021-11-10T16:57:24.518" v="509" actId="207"/>
+          <ac:spMkLst>
+            <pc:docMk/>
+            <pc:sldMk cId="943001127" sldId="265"/>
+            <ac:spMk id="14" creationId="{8C6FBB95-9612-4C9E-803E-D7C034AE8133}"/>
+          </ac:spMkLst>
+        </pc:spChg>
+        <pc:spChg chg="add mod">
+          <ac:chgData name="Laura" userId="b6dee9c5-cc36-4888-b156-97d84b7a0163" providerId="ADAL" clId="{B54DDF13-DC95-4D47-A585-CFA795214509}" dt="2021-11-10T16:57:24.518" v="509" actId="207"/>
+          <ac:spMkLst>
+            <pc:docMk/>
+            <pc:sldMk cId="943001127" sldId="265"/>
+            <ac:spMk id="15" creationId="{B11C4652-3554-4227-A056-000CBC867DB1}"/>
+          </ac:spMkLst>
+        </pc:spChg>
+        <pc:spChg chg="add mod ord">
+          <ac:chgData name="Laura" userId="b6dee9c5-cc36-4888-b156-97d84b7a0163" providerId="ADAL" clId="{B54DDF13-DC95-4D47-A585-CFA795214509}" dt="2021-11-10T17:06:58.128" v="557" actId="14100"/>
+          <ac:spMkLst>
+            <pc:docMk/>
+            <pc:sldMk cId="943001127" sldId="265"/>
+            <ac:spMk id="16" creationId="{7376AA6A-6198-41B8-9A31-B74F35A58511}"/>
+          </ac:spMkLst>
+        </pc:spChg>
+        <pc:spChg chg="add del mod">
+          <ac:chgData name="Laura" userId="b6dee9c5-cc36-4888-b156-97d84b7a0163" providerId="ADAL" clId="{B54DDF13-DC95-4D47-A585-CFA795214509}" dt="2021-11-10T17:01:20.747" v="526" actId="21"/>
+          <ac:spMkLst>
+            <pc:docMk/>
+            <pc:sldMk cId="943001127" sldId="265"/>
+            <ac:spMk id="17" creationId="{B89BB5B7-E593-4D4A-93F1-BDB83CD8D3FE}"/>
+          </ac:spMkLst>
+        </pc:spChg>
+        <pc:cxnChg chg="add mod">
+          <ac:chgData name="Laura" userId="b6dee9c5-cc36-4888-b156-97d84b7a0163" providerId="ADAL" clId="{B54DDF13-DC95-4D47-A585-CFA795214509}" dt="2021-11-10T15:30:46.486" v="147"/>
+          <ac:cxnSpMkLst>
+            <pc:docMk/>
+            <pc:sldMk cId="943001127" sldId="265"/>
+            <ac:cxnSpMk id="6" creationId="{E61A5AC7-522C-425C-8CAC-B7EADA7025C3}"/>
+          </ac:cxnSpMkLst>
+        </pc:cxnChg>
+      </pc:sldChg>
+      <pc:sldChg chg="addSp delSp modSp mod modNotesTx">
+        <pc:chgData name="Laura" userId="b6dee9c5-cc36-4888-b156-97d84b7a0163" providerId="ADAL" clId="{B54DDF13-DC95-4D47-A585-CFA795214509}" dt="2021-11-10T17:06:32.892" v="556" actId="167"/>
+        <pc:sldMkLst>
+          <pc:docMk/>
+          <pc:sldMk cId="3111845278" sldId="267"/>
+        </pc:sldMkLst>
+        <pc:spChg chg="add del mod">
+          <ac:chgData name="Laura" userId="b6dee9c5-cc36-4888-b156-97d84b7a0163" providerId="ADAL" clId="{B54DDF13-DC95-4D47-A585-CFA795214509}" dt="2021-11-10T16:21:48.027" v="302" actId="11529"/>
+          <ac:spMkLst>
+            <pc:docMk/>
+            <pc:sldMk cId="3111845278" sldId="267"/>
+            <ac:spMk id="5" creationId="{25CF2330-88FE-4D6D-8038-C37ADB05FB8E}"/>
+          </ac:spMkLst>
+        </pc:spChg>
+        <pc:spChg chg="del mod">
+          <ac:chgData name="Laura" userId="b6dee9c5-cc36-4888-b156-97d84b7a0163" providerId="ADAL" clId="{B54DDF13-DC95-4D47-A585-CFA795214509}" dt="2021-11-10T16:27:36.551" v="328" actId="21"/>
+          <ac:spMkLst>
+            <pc:docMk/>
+            <pc:sldMk cId="3111845278" sldId="267"/>
+            <ac:spMk id="6" creationId="{824B1024-2640-46C8-9968-E57FB1EB59E1}"/>
+          </ac:spMkLst>
+        </pc:spChg>
+        <pc:spChg chg="add del mod">
+          <ac:chgData name="Laura" userId="b6dee9c5-cc36-4888-b156-97d84b7a0163" providerId="ADAL" clId="{B54DDF13-DC95-4D47-A585-CFA795214509}" dt="2021-11-10T16:22:35.978" v="312" actId="11529"/>
+          <ac:spMkLst>
+            <pc:docMk/>
+            <pc:sldMk cId="3111845278" sldId="267"/>
+            <ac:spMk id="10" creationId="{2AD7477D-41E8-4E82-8498-28D844262D5A}"/>
+          </ac:spMkLst>
+        </pc:spChg>
+        <pc:spChg chg="mod ord">
+          <ac:chgData name="Laura" userId="b6dee9c5-cc36-4888-b156-97d84b7a0163" providerId="ADAL" clId="{B54DDF13-DC95-4D47-A585-CFA795214509}" dt="2021-11-10T17:06:32.892" v="556" actId="167"/>
+          <ac:spMkLst>
+            <pc:docMk/>
+            <pc:sldMk cId="3111845278" sldId="267"/>
+            <ac:spMk id="12" creationId="{715D1EF5-4E95-4320-B597-5C70A266DEA2}"/>
+          </ac:spMkLst>
+        </pc:spChg>
+        <pc:spChg chg="add del mod">
+          <ac:chgData name="Laura" userId="b6dee9c5-cc36-4888-b156-97d84b7a0163" providerId="ADAL" clId="{B54DDF13-DC95-4D47-A585-CFA795214509}" dt="2021-11-10T17:06:31.246" v="555" actId="21"/>
+          <ac:spMkLst>
+            <pc:docMk/>
+            <pc:sldMk cId="3111845278" sldId="267"/>
+            <ac:spMk id="19" creationId="{4833E1EC-80B5-44CE-BC19-C048774253D5}"/>
+          </ac:spMkLst>
+        </pc:spChg>
+        <pc:cxnChg chg="del">
+          <ac:chgData name="Laura" userId="b6dee9c5-cc36-4888-b156-97d84b7a0163" providerId="ADAL" clId="{B54DDF13-DC95-4D47-A585-CFA795214509}" dt="2021-11-10T15:31:35.513" v="152" actId="21"/>
+          <ac:cxnSpMkLst>
+            <pc:docMk/>
+            <pc:sldMk cId="3111845278" sldId="267"/>
+            <ac:cxnSpMk id="6" creationId="{0309427C-BF0B-4594-94B1-4DECB47F28D8}"/>
+          </ac:cxnSpMkLst>
+        </pc:cxnChg>
+      </pc:sldChg>
+      <pc:sldChg chg="addSp delSp modSp mod">
+        <pc:chgData name="Laura" userId="b6dee9c5-cc36-4888-b156-97d84b7a0163" providerId="ADAL" clId="{B54DDF13-DC95-4D47-A585-CFA795214509}" dt="2021-11-10T15:34:58.962" v="163"/>
+        <pc:sldMkLst>
+          <pc:docMk/>
+          <pc:sldMk cId="1151420925" sldId="269"/>
+        </pc:sldMkLst>
+        <pc:spChg chg="mod">
+          <ac:chgData name="Laura" userId="b6dee9c5-cc36-4888-b156-97d84b7a0163" providerId="ADAL" clId="{B54DDF13-DC95-4D47-A585-CFA795214509}" dt="2021-11-10T15:33:59.356" v="162" actId="20577"/>
+          <ac:spMkLst>
+            <pc:docMk/>
+            <pc:sldMk cId="1151420925" sldId="269"/>
+            <ac:spMk id="3" creationId="{6EE3DC0E-32E8-4B73-85C4-C4DF34D00479}"/>
+          </ac:spMkLst>
+        </pc:spChg>
+        <pc:cxnChg chg="add del mod">
+          <ac:chgData name="Laura" userId="b6dee9c5-cc36-4888-b156-97d84b7a0163" providerId="ADAL" clId="{B54DDF13-DC95-4D47-A585-CFA795214509}" dt="2021-11-10T15:31:54.078" v="154" actId="21"/>
+          <ac:cxnSpMkLst>
+            <pc:docMk/>
+            <pc:sldMk cId="1151420925" sldId="269"/>
+            <ac:cxnSpMk id="4" creationId="{FAB3A498-B283-49A0-B7CD-614A5EB5004A}"/>
+          </ac:cxnSpMkLst>
+        </pc:cxnChg>
+        <pc:cxnChg chg="add mod">
+          <ac:chgData name="Laura" userId="b6dee9c5-cc36-4888-b156-97d84b7a0163" providerId="ADAL" clId="{B54DDF13-DC95-4D47-A585-CFA795214509}" dt="2021-11-10T15:34:58.962" v="163"/>
+          <ac:cxnSpMkLst>
+            <pc:docMk/>
+            <pc:sldMk cId="1151420925" sldId="269"/>
+            <ac:cxnSpMk id="6" creationId="{A0806CAC-919C-43A0-88F3-40FAC3F2D52B}"/>
+          </ac:cxnSpMkLst>
+        </pc:cxnChg>
+      </pc:sldChg>
+      <pc:sldChg chg="del">
+        <pc:chgData name="Laura" userId="b6dee9c5-cc36-4888-b156-97d84b7a0163" providerId="ADAL" clId="{B54DDF13-DC95-4D47-A585-CFA795214509}" dt="2021-11-10T17:13:06.362" v="558" actId="2696"/>
+        <pc:sldMkLst>
+          <pc:docMk/>
+          <pc:sldMk cId="1056718913" sldId="270"/>
+        </pc:sldMkLst>
+      </pc:sldChg>
+      <pc:sldChg chg="addSp delSp modSp mod">
+        <pc:chgData name="Laura" userId="b6dee9c5-cc36-4888-b156-97d84b7a0163" providerId="ADAL" clId="{B54DDF13-DC95-4D47-A585-CFA795214509}" dt="2021-11-11T16:11:46.627" v="669" actId="404"/>
+        <pc:sldMkLst>
+          <pc:docMk/>
+          <pc:sldMk cId="4239830214" sldId="271"/>
+        </pc:sldMkLst>
+        <pc:spChg chg="mod">
+          <ac:chgData name="Laura" userId="b6dee9c5-cc36-4888-b156-97d84b7a0163" providerId="ADAL" clId="{B54DDF13-DC95-4D47-A585-CFA795214509}" dt="2021-11-11T16:11:46.627" v="669" actId="404"/>
+          <ac:spMkLst>
+            <pc:docMk/>
+            <pc:sldMk cId="4239830214" sldId="271"/>
+            <ac:spMk id="2" creationId="{A0A64D99-EE90-4A04-BD26-4BA773F38F9F}"/>
+          </ac:spMkLst>
+        </pc:spChg>
+        <pc:spChg chg="add del ord">
+          <ac:chgData name="Laura" userId="b6dee9c5-cc36-4888-b156-97d84b7a0163" providerId="ADAL" clId="{B54DDF13-DC95-4D47-A585-CFA795214509}" dt="2021-11-10T17:05:20.037" v="554" actId="167"/>
+          <ac:spMkLst>
+            <pc:docMk/>
+            <pc:sldMk cId="4239830214" sldId="271"/>
+            <ac:spMk id="9" creationId="{8D690BA4-A659-42B1-8FD6-E6020B72838E}"/>
+          </ac:spMkLst>
+        </pc:spChg>
+        <pc:spChg chg="add mod">
+          <ac:chgData name="Laura" userId="b6dee9c5-cc36-4888-b156-97d84b7a0163" providerId="ADAL" clId="{B54DDF13-DC95-4D47-A585-CFA795214509}" dt="2021-11-10T16:56:37.999" v="501" actId="207"/>
+          <ac:spMkLst>
+            <pc:docMk/>
+            <pc:sldMk cId="4239830214" sldId="271"/>
+            <ac:spMk id="12" creationId="{35436D9A-BF09-486E-ACF5-9949DDBF1CE8}"/>
+          </ac:spMkLst>
+        </pc:spChg>
+        <pc:spChg chg="add mod">
+          <ac:chgData name="Laura" userId="b6dee9c5-cc36-4888-b156-97d84b7a0163" providerId="ADAL" clId="{B54DDF13-DC95-4D47-A585-CFA795214509}" dt="2021-11-10T16:56:37.999" v="501" actId="207"/>
+          <ac:spMkLst>
+            <pc:docMk/>
+            <pc:sldMk cId="4239830214" sldId="271"/>
+            <ac:spMk id="13" creationId="{C5AFFF4A-B4E2-406A-85AC-113D32FC1F06}"/>
+          </ac:spMkLst>
+        </pc:spChg>
+        <pc:spChg chg="add mod">
+          <ac:chgData name="Laura" userId="b6dee9c5-cc36-4888-b156-97d84b7a0163" providerId="ADAL" clId="{B54DDF13-DC95-4D47-A585-CFA795214509}" dt="2021-11-10T16:56:37.999" v="501" actId="207"/>
+          <ac:spMkLst>
+            <pc:docMk/>
+            <pc:sldMk cId="4239830214" sldId="271"/>
+            <ac:spMk id="14" creationId="{649358AC-9FA9-4204-9584-3E3C202353FF}"/>
+          </ac:spMkLst>
+        </pc:spChg>
+        <pc:spChg chg="add mod">
+          <ac:chgData name="Laura" userId="b6dee9c5-cc36-4888-b156-97d84b7a0163" providerId="ADAL" clId="{B54DDF13-DC95-4D47-A585-CFA795214509}" dt="2021-11-10T16:56:37.999" v="501" actId="207"/>
+          <ac:spMkLst>
+            <pc:docMk/>
+            <pc:sldMk cId="4239830214" sldId="271"/>
+            <ac:spMk id="15" creationId="{6C5E2977-923D-465F-B12A-725EC970800C}"/>
+          </ac:spMkLst>
+        </pc:spChg>
+        <pc:spChg chg="add mod">
+          <ac:chgData name="Laura" userId="b6dee9c5-cc36-4888-b156-97d84b7a0163" providerId="ADAL" clId="{B54DDF13-DC95-4D47-A585-CFA795214509}" dt="2021-11-10T16:56:37.999" v="501" actId="207"/>
+          <ac:spMkLst>
+            <pc:docMk/>
+            <pc:sldMk cId="4239830214" sldId="271"/>
+            <ac:spMk id="16" creationId="{33FFEEB0-D889-4A73-B5AC-08DA523D1CC0}"/>
+          </ac:spMkLst>
+        </pc:spChg>
+        <pc:spChg chg="add mod">
+          <ac:chgData name="Laura" userId="b6dee9c5-cc36-4888-b156-97d84b7a0163" providerId="ADAL" clId="{B54DDF13-DC95-4D47-A585-CFA795214509}" dt="2021-11-10T16:56:37.999" v="501" actId="207"/>
+          <ac:spMkLst>
+            <pc:docMk/>
+            <pc:sldMk cId="4239830214" sldId="271"/>
+            <ac:spMk id="17" creationId="{C50C0AC1-851B-433F-B965-6C77E7F63904}"/>
+          </ac:spMkLst>
+        </pc:spChg>
+        <pc:spChg chg="add mod ord">
+          <ac:chgData name="Laura" userId="b6dee9c5-cc36-4888-b156-97d84b7a0163" providerId="ADAL" clId="{B54DDF13-DC95-4D47-A585-CFA795214509}" dt="2021-11-10T16:56:42.030" v="503" actId="166"/>
+          <ac:spMkLst>
+            <pc:docMk/>
+            <pc:sldMk cId="4239830214" sldId="271"/>
+            <ac:spMk id="18" creationId="{EBC11378-34FA-4165-825A-AD6ADF1E4845}"/>
+          </ac:spMkLst>
+        </pc:spChg>
+        <pc:spChg chg="add del mod">
+          <ac:chgData name="Laura" userId="b6dee9c5-cc36-4888-b156-97d84b7a0163" providerId="ADAL" clId="{B54DDF13-DC95-4D47-A585-CFA795214509}" dt="2021-11-10T17:00:20.726" v="516" actId="21"/>
+          <ac:spMkLst>
+            <pc:docMk/>
+            <pc:sldMk cId="4239830214" sldId="271"/>
+            <ac:spMk id="19" creationId="{41251AAE-29C6-49EE-80DB-1C674286209F}"/>
+          </ac:spMkLst>
+        </pc:spChg>
+        <pc:graphicFrameChg chg="mod">
+          <ac:chgData name="Laura" userId="b6dee9c5-cc36-4888-b156-97d84b7a0163" providerId="ADAL" clId="{B54DDF13-DC95-4D47-A585-CFA795214509}" dt="2021-11-10T16:00:51.420" v="233" actId="1582"/>
+          <ac:graphicFrameMkLst>
+            <pc:docMk/>
+            <pc:sldMk cId="4239830214" sldId="271"/>
+            <ac:graphicFrameMk id="7" creationId="{8F3C9722-F46A-4C89-8618-92AE70556025}"/>
+          </ac:graphicFrameMkLst>
+        </pc:graphicFrameChg>
+      </pc:sldChg>
+      <pc:sldChg chg="addSp delSp modSp mod">
+        <pc:chgData name="Laura" userId="b6dee9c5-cc36-4888-b156-97d84b7a0163" providerId="ADAL" clId="{B54DDF13-DC95-4D47-A585-CFA795214509}" dt="2021-11-10T17:01:37.986" v="530" actId="166"/>
+        <pc:sldMkLst>
+          <pc:docMk/>
+          <pc:sldMk cId="1256033996" sldId="272"/>
+        </pc:sldMkLst>
+        <pc:spChg chg="mod ord">
+          <ac:chgData name="Laura" userId="b6dee9c5-cc36-4888-b156-97d84b7a0163" providerId="ADAL" clId="{B54DDF13-DC95-4D47-A585-CFA795214509}" dt="2021-11-10T17:01:37.986" v="530" actId="166"/>
+          <ac:spMkLst>
+            <pc:docMk/>
+            <pc:sldMk cId="1256033996" sldId="272"/>
+            <ac:spMk id="7" creationId="{AA5EE8F0-FC60-4D7F-86F3-7A49C737DDED}"/>
+          </ac:spMkLst>
+        </pc:spChg>
+        <pc:spChg chg="add mod">
+          <ac:chgData name="Laura" userId="b6dee9c5-cc36-4888-b156-97d84b7a0163" providerId="ADAL" clId="{B54DDF13-DC95-4D47-A585-CFA795214509}" dt="2021-11-10T16:55:25.909" v="491" actId="207"/>
+          <ac:spMkLst>
+            <pc:docMk/>
+            <pc:sldMk cId="1256033996" sldId="272"/>
+            <ac:spMk id="11" creationId="{786167EF-794B-41F1-B090-CCD6CD4EA0F0}"/>
+          </ac:spMkLst>
+        </pc:spChg>
+        <pc:spChg chg="add mod">
+          <ac:chgData name="Laura" userId="b6dee9c5-cc36-4888-b156-97d84b7a0163" providerId="ADAL" clId="{B54DDF13-DC95-4D47-A585-CFA795214509}" dt="2021-11-10T16:55:25.909" v="491" actId="207"/>
+          <ac:spMkLst>
+            <pc:docMk/>
+            <pc:sldMk cId="1256033996" sldId="272"/>
+            <ac:spMk id="12" creationId="{4881C562-1A3C-44F7-A83C-4A8A676C8599}"/>
+          </ac:spMkLst>
+        </pc:spChg>
+        <pc:spChg chg="add mod">
+          <ac:chgData name="Laura" userId="b6dee9c5-cc36-4888-b156-97d84b7a0163" providerId="ADAL" clId="{B54DDF13-DC95-4D47-A585-CFA795214509}" dt="2021-11-10T16:55:25.909" v="491" actId="207"/>
+          <ac:spMkLst>
+            <pc:docMk/>
+            <pc:sldMk cId="1256033996" sldId="272"/>
+            <ac:spMk id="13" creationId="{5EB17F7C-757F-444B-A280-3E5862DE5F37}"/>
+          </ac:spMkLst>
+        </pc:spChg>
+        <pc:spChg chg="add mod ord">
+          <ac:chgData name="Laura" userId="b6dee9c5-cc36-4888-b156-97d84b7a0163" providerId="ADAL" clId="{B54DDF13-DC95-4D47-A585-CFA795214509}" dt="2021-11-10T16:55:29.934" v="492" actId="166"/>
+          <ac:spMkLst>
+            <pc:docMk/>
+            <pc:sldMk cId="1256033996" sldId="272"/>
+            <ac:spMk id="14" creationId="{2C2C7C17-2BB7-45AA-849B-7D2A3E4A0427}"/>
+          </ac:spMkLst>
+        </pc:spChg>
+        <pc:spChg chg="add del mod">
+          <ac:chgData name="Laura" userId="b6dee9c5-cc36-4888-b156-97d84b7a0163" providerId="ADAL" clId="{B54DDF13-DC95-4D47-A585-CFA795214509}" dt="2021-11-10T17:01:34.468" v="529" actId="21"/>
+          <ac:spMkLst>
+            <pc:docMk/>
+            <pc:sldMk cId="1256033996" sldId="272"/>
+            <ac:spMk id="15" creationId="{165DE5BB-789A-49E6-8F90-552EA8E9D22C}"/>
+          </ac:spMkLst>
+        </pc:spChg>
+      </pc:sldChg>
+      <pc:sldChg chg="addSp delSp modSp mod">
+        <pc:chgData name="Laura" userId="b6dee9c5-cc36-4888-b156-97d84b7a0163" providerId="ADAL" clId="{B54DDF13-DC95-4D47-A585-CFA795214509}" dt="2021-11-11T16:19:20.355" v="788" actId="255"/>
+        <pc:sldMkLst>
+          <pc:docMk/>
+          <pc:sldMk cId="2321171521" sldId="273"/>
+        </pc:sldMkLst>
+        <pc:spChg chg="mod">
+          <ac:chgData name="Laura" userId="b6dee9c5-cc36-4888-b156-97d84b7a0163" providerId="ADAL" clId="{B54DDF13-DC95-4D47-A585-CFA795214509}" dt="2021-11-11T16:19:20.355" v="788" actId="255"/>
+          <ac:spMkLst>
+            <pc:docMk/>
+            <pc:sldMk cId="2321171521" sldId="273"/>
+            <ac:spMk id="2" creationId="{6A6CFDC0-5DE2-410C-961A-B89176639397}"/>
+          </ac:spMkLst>
+        </pc:spChg>
+        <pc:spChg chg="add mod">
+          <ac:chgData name="Laura" userId="b6dee9c5-cc36-4888-b156-97d84b7a0163" providerId="ADAL" clId="{B54DDF13-DC95-4D47-A585-CFA795214509}" dt="2021-11-10T16:12:30.043" v="241" actId="1076"/>
+          <ac:spMkLst>
+            <pc:docMk/>
+            <pc:sldMk cId="2321171521" sldId="273"/>
+            <ac:spMk id="7" creationId="{780377B8-6937-4A10-B113-37BF87377B97}"/>
+          </ac:spMkLst>
+        </pc:spChg>
+        <pc:spChg chg="add mod">
+          <ac:chgData name="Laura" userId="b6dee9c5-cc36-4888-b156-97d84b7a0163" providerId="ADAL" clId="{B54DDF13-DC95-4D47-A585-CFA795214509}" dt="2021-11-10T16:12:30.043" v="241" actId="1076"/>
+          <ac:spMkLst>
+            <pc:docMk/>
+            <pc:sldMk cId="2321171521" sldId="273"/>
+            <ac:spMk id="9" creationId="{BA806A11-12F3-448A-9F3D-64B2FAD844AA}"/>
+          </ac:spMkLst>
+        </pc:spChg>
+        <pc:spChg chg="add mod">
+          <ac:chgData name="Laura" userId="b6dee9c5-cc36-4888-b156-97d84b7a0163" providerId="ADAL" clId="{B54DDF13-DC95-4D47-A585-CFA795214509}" dt="2021-11-10T16:12:30.043" v="241" actId="1076"/>
+          <ac:spMkLst>
+            <pc:docMk/>
+            <pc:sldMk cId="2321171521" sldId="273"/>
+            <ac:spMk id="12" creationId="{DB74E022-5806-4D04-8E85-16364B4EE69F}"/>
+          </ac:spMkLst>
+        </pc:spChg>
+        <pc:spChg chg="add mod">
+          <ac:chgData name="Laura" userId="b6dee9c5-cc36-4888-b156-97d84b7a0163" providerId="ADAL" clId="{B54DDF13-DC95-4D47-A585-CFA795214509}" dt="2021-11-10T16:12:30.043" v="241" actId="1076"/>
+          <ac:spMkLst>
+            <pc:docMk/>
+            <pc:sldMk cId="2321171521" sldId="273"/>
+            <ac:spMk id="14" creationId="{953223C7-ED6C-4A32-BD42-B38D3E43D205}"/>
+          </ac:spMkLst>
+        </pc:spChg>
+        <pc:spChg chg="add mod">
+          <ac:chgData name="Laura" userId="b6dee9c5-cc36-4888-b156-97d84b7a0163" providerId="ADAL" clId="{B54DDF13-DC95-4D47-A585-CFA795214509}" dt="2021-11-10T16:11:40.307" v="238"/>
+          <ac:spMkLst>
+            <pc:docMk/>
+            <pc:sldMk cId="2321171521" sldId="273"/>
+            <ac:spMk id="16" creationId="{BCFC777F-4958-4B14-9822-F1258377C393}"/>
+          </ac:spMkLst>
+        </pc:spChg>
+        <pc:spChg chg="add mod">
+          <ac:chgData name="Laura" userId="b6dee9c5-cc36-4888-b156-97d84b7a0163" providerId="ADAL" clId="{B54DDF13-DC95-4D47-A585-CFA795214509}" dt="2021-11-10T16:17:07.601" v="294" actId="20577"/>
+          <ac:spMkLst>
+            <pc:docMk/>
+            <pc:sldMk cId="2321171521" sldId="273"/>
+            <ac:spMk id="17" creationId="{20D11541-F398-49FF-97C0-4CAAE3FBCFAD}"/>
+          </ac:spMkLst>
+        </pc:spChg>
+        <pc:spChg chg="add mod">
+          <ac:chgData name="Laura" userId="b6dee9c5-cc36-4888-b156-97d84b7a0163" providerId="ADAL" clId="{B54DDF13-DC95-4D47-A585-CFA795214509}" dt="2021-11-10T16:11:40.307" v="238"/>
+          <ac:spMkLst>
+            <pc:docMk/>
+            <pc:sldMk cId="2321171521" sldId="273"/>
+            <ac:spMk id="18" creationId="{5D9E1BA4-2EDE-4AAB-9CF7-AD446675F8B2}"/>
+          </ac:spMkLst>
+        </pc:spChg>
+        <pc:spChg chg="add mod">
+          <ac:chgData name="Laura" userId="b6dee9c5-cc36-4888-b156-97d84b7a0163" providerId="ADAL" clId="{B54DDF13-DC95-4D47-A585-CFA795214509}" dt="2021-11-10T16:17:04.438" v="290" actId="20577"/>
+          <ac:spMkLst>
+            <pc:docMk/>
+            <pc:sldMk cId="2321171521" sldId="273"/>
+            <ac:spMk id="19" creationId="{25D5378C-F897-4741-942B-6E04FA679BCD}"/>
+          </ac:spMkLst>
+        </pc:spChg>
+        <pc:spChg chg="add mod">
+          <ac:chgData name="Laura" userId="b6dee9c5-cc36-4888-b156-97d84b7a0163" providerId="ADAL" clId="{B54DDF13-DC95-4D47-A585-CFA795214509}" dt="2021-11-10T16:11:40.307" v="238"/>
+          <ac:spMkLst>
+            <pc:docMk/>
+            <pc:sldMk cId="2321171521" sldId="273"/>
+            <ac:spMk id="20" creationId="{9532341A-36E8-4B48-98CB-3AC1A7F805AD}"/>
+          </ac:spMkLst>
+        </pc:spChg>
+        <pc:spChg chg="add mod">
+          <ac:chgData name="Laura" userId="b6dee9c5-cc36-4888-b156-97d84b7a0163" providerId="ADAL" clId="{B54DDF13-DC95-4D47-A585-CFA795214509}" dt="2021-11-10T16:16:59.907" v="286" actId="20577"/>
+          <ac:spMkLst>
+            <pc:docMk/>
+            <pc:sldMk cId="2321171521" sldId="273"/>
+            <ac:spMk id="21" creationId="{00E9A149-4714-4353-BB5C-B910CBF08A43}"/>
+          </ac:spMkLst>
+        </pc:spChg>
+        <pc:spChg chg="add mod">
+          <ac:chgData name="Laura" userId="b6dee9c5-cc36-4888-b156-97d84b7a0163" providerId="ADAL" clId="{B54DDF13-DC95-4D47-A585-CFA795214509}" dt="2021-11-10T16:11:40.307" v="238"/>
+          <ac:spMkLst>
+            <pc:docMk/>
+            <pc:sldMk cId="2321171521" sldId="273"/>
+            <ac:spMk id="22" creationId="{CB05061E-4470-45FD-8DBA-B178A8E11FA5}"/>
+          </ac:spMkLst>
+        </pc:spChg>
+        <pc:spChg chg="add mod">
+          <ac:chgData name="Laura" userId="b6dee9c5-cc36-4888-b156-97d84b7a0163" providerId="ADAL" clId="{B54DDF13-DC95-4D47-A585-CFA795214509}" dt="2021-11-10T16:15:56.306" v="271" actId="404"/>
+          <ac:spMkLst>
+            <pc:docMk/>
+            <pc:sldMk cId="2321171521" sldId="273"/>
+            <ac:spMk id="23" creationId="{1BB51F13-25F7-4E04-AECF-AC39A158E874}"/>
+          </ac:spMkLst>
+        </pc:spChg>
+        <pc:spChg chg="add mod">
+          <ac:chgData name="Laura" userId="b6dee9c5-cc36-4888-b156-97d84b7a0163" providerId="ADAL" clId="{B54DDF13-DC95-4D47-A585-CFA795214509}" dt="2021-11-10T16:12:30.043" v="241" actId="1076"/>
+          <ac:spMkLst>
+            <pc:docMk/>
+            <pc:sldMk cId="2321171521" sldId="273"/>
+            <ac:spMk id="24" creationId="{0F2FB9E3-12BE-4772-A03C-D38F3829E8D5}"/>
+          </ac:spMkLst>
+        </pc:spChg>
+        <pc:spChg chg="mod">
+          <ac:chgData name="Laura" userId="b6dee9c5-cc36-4888-b156-97d84b7a0163" providerId="ADAL" clId="{B54DDF13-DC95-4D47-A585-CFA795214509}" dt="2021-11-10T16:11:52.364" v="239"/>
+          <ac:spMkLst>
+            <pc:docMk/>
+            <pc:sldMk cId="2321171521" sldId="273"/>
+            <ac:spMk id="26" creationId="{38D4877B-9ED9-42B4-81CE-56FBF44FB187}"/>
+          </ac:spMkLst>
+        </pc:spChg>
+        <pc:spChg chg="mod">
+          <ac:chgData name="Laura" userId="b6dee9c5-cc36-4888-b156-97d84b7a0163" providerId="ADAL" clId="{B54DDF13-DC95-4D47-A585-CFA795214509}" dt="2021-11-10T16:17:10.515" v="298" actId="20577"/>
+          <ac:spMkLst>
+            <pc:docMk/>
+            <pc:sldMk cId="2321171521" sldId="273"/>
+            <ac:spMk id="27" creationId="{DC222731-7028-4167-B872-8A6E127EF1D7}"/>
+          </ac:spMkLst>
+        </pc:spChg>
+        <pc:spChg chg="mod ord">
+          <ac:chgData name="Laura" userId="b6dee9c5-cc36-4888-b156-97d84b7a0163" providerId="ADAL" clId="{B54DDF13-DC95-4D47-A585-CFA795214509}" dt="2021-11-10T17:03:12.963" v="538" actId="167"/>
+          <ac:spMkLst>
+            <pc:docMk/>
+            <pc:sldMk cId="2321171521" sldId="273"/>
+            <ac:spMk id="28" creationId="{8F02DE3A-7630-45A1-AA53-B3F96052A8C4}"/>
+          </ac:spMkLst>
+        </pc:spChg>
+        <pc:spChg chg="add mod">
+          <ac:chgData name="Laura" userId="b6dee9c5-cc36-4888-b156-97d84b7a0163" providerId="ADAL" clId="{B54DDF13-DC95-4D47-A585-CFA795214509}" dt="2021-11-10T16:54:50.638" v="488" actId="207"/>
+          <ac:spMkLst>
+            <pc:docMk/>
+            <pc:sldMk cId="2321171521" sldId="273"/>
+            <ac:spMk id="31" creationId="{3F4A46D4-675F-4FA3-A15E-340C6B6519AB}"/>
+          </ac:spMkLst>
+        </pc:spChg>
+        <pc:spChg chg="add mod">
+          <ac:chgData name="Laura" userId="b6dee9c5-cc36-4888-b156-97d84b7a0163" providerId="ADAL" clId="{B54DDF13-DC95-4D47-A585-CFA795214509}" dt="2021-11-10T16:54:50.638" v="488" actId="207"/>
+          <ac:spMkLst>
+            <pc:docMk/>
+            <pc:sldMk cId="2321171521" sldId="273"/>
+            <ac:spMk id="32" creationId="{7737097B-5D95-4F57-B602-C1B2B0EF19C8}"/>
+          </ac:spMkLst>
+        </pc:spChg>
+        <pc:spChg chg="add mod ord">
+          <ac:chgData name="Laura" userId="b6dee9c5-cc36-4888-b156-97d84b7a0163" providerId="ADAL" clId="{B54DDF13-DC95-4D47-A585-CFA795214509}" dt="2021-11-10T16:54:59.086" v="489" actId="166"/>
+          <ac:spMkLst>
+            <pc:docMk/>
+            <pc:sldMk cId="2321171521" sldId="273"/>
+            <ac:spMk id="33" creationId="{12954FAD-D7FA-41A7-BF61-2E34BCA604C8}"/>
+          </ac:spMkLst>
+        </pc:spChg>
+        <pc:spChg chg="add del mod">
+          <ac:chgData name="Laura" userId="b6dee9c5-cc36-4888-b156-97d84b7a0163" providerId="ADAL" clId="{B54DDF13-DC95-4D47-A585-CFA795214509}" dt="2021-11-10T17:01:47.047" v="532" actId="21"/>
+          <ac:spMkLst>
+            <pc:docMk/>
+            <pc:sldMk cId="2321171521" sldId="273"/>
+            <ac:spMk id="34" creationId="{7E9B58ED-3FC8-41C6-A541-CD436E8EAB9E}"/>
+          </ac:spMkLst>
+        </pc:spChg>
+        <pc:grpChg chg="add mod">
+          <ac:chgData name="Laura" userId="b6dee9c5-cc36-4888-b156-97d84b7a0163" providerId="ADAL" clId="{B54DDF13-DC95-4D47-A585-CFA795214509}" dt="2021-11-10T16:13:25.259" v="245" actId="14100"/>
+          <ac:grpSpMkLst>
+            <pc:docMk/>
+            <pc:sldMk cId="2321171521" sldId="273"/>
+            <ac:grpSpMk id="8" creationId="{14C7D399-98CD-4188-92D8-D858A7DF117A}"/>
+          </ac:grpSpMkLst>
+        </pc:grpChg>
+        <pc:grpChg chg="add mod">
+          <ac:chgData name="Laura" userId="b6dee9c5-cc36-4888-b156-97d84b7a0163" providerId="ADAL" clId="{B54DDF13-DC95-4D47-A585-CFA795214509}" dt="2021-11-10T16:16:09.255" v="275" actId="1076"/>
+          <ac:grpSpMkLst>
+            <pc:docMk/>
+            <pc:sldMk cId="2321171521" sldId="273"/>
+            <ac:grpSpMk id="11" creationId="{418262F6-8B29-4DB7-A900-300D5A9F3662}"/>
+          </ac:grpSpMkLst>
+        </pc:grpChg>
+        <pc:grpChg chg="add mod">
+          <ac:chgData name="Laura" userId="b6dee9c5-cc36-4888-b156-97d84b7a0163" providerId="ADAL" clId="{B54DDF13-DC95-4D47-A585-CFA795214509}" dt="2021-11-10T16:13:25.259" v="245" actId="14100"/>
+          <ac:grpSpMkLst>
+            <pc:docMk/>
+            <pc:sldMk cId="2321171521" sldId="273"/>
+            <ac:grpSpMk id="13" creationId="{E74FBD9F-C169-4D83-BFCD-D9CFE733F23D}"/>
+          </ac:grpSpMkLst>
+        </pc:grpChg>
+        <pc:grpChg chg="add mod">
+          <ac:chgData name="Laura" userId="b6dee9c5-cc36-4888-b156-97d84b7a0163" providerId="ADAL" clId="{B54DDF13-DC95-4D47-A585-CFA795214509}" dt="2021-11-10T16:13:25.259" v="245" actId="14100"/>
+          <ac:grpSpMkLst>
+            <pc:docMk/>
+            <pc:sldMk cId="2321171521" sldId="273"/>
+            <ac:grpSpMk id="15" creationId="{655402DF-B7E3-4030-AD0C-810234406D04}"/>
+          </ac:grpSpMkLst>
+        </pc:grpChg>
+        <pc:grpChg chg="add mod">
+          <ac:chgData name="Laura" userId="b6dee9c5-cc36-4888-b156-97d84b7a0163" providerId="ADAL" clId="{B54DDF13-DC95-4D47-A585-CFA795214509}" dt="2021-11-10T16:13:25.259" v="245" actId="14100"/>
+          <ac:grpSpMkLst>
+            <pc:docMk/>
+            <pc:sldMk cId="2321171521" sldId="273"/>
+            <ac:grpSpMk id="25" creationId="{3F11B13D-445B-4BE0-BF9C-1C83EBA1D1F1}"/>
+          </ac:grpSpMkLst>
+        </pc:grpChg>
+        <pc:graphicFrameChg chg="del mod">
+          <ac:chgData name="Laura" userId="b6dee9c5-cc36-4888-b156-97d84b7a0163" providerId="ADAL" clId="{B54DDF13-DC95-4D47-A585-CFA795214509}" dt="2021-11-10T16:11:26.500" v="237" actId="21"/>
+          <ac:graphicFrameMkLst>
+            <pc:docMk/>
+            <pc:sldMk cId="2321171521" sldId="273"/>
+            <ac:graphicFrameMk id="10" creationId="{9FB93DCE-8C55-4EAB-8730-8EC83B7A794C}"/>
+          </ac:graphicFrameMkLst>
+        </pc:graphicFrameChg>
+      </pc:sldChg>
+    </pc:docChg>
+  </pc:docChgLst>
+  <pc:docChgLst>
+    <pc:chgData name="Reeken Laura (inf20051)" userId="S::inf20051@lehre.dhbw-stuttgart.de::b6dee9c5-cc36-4888-b156-97d84b7a0163" providerId="AD" clId="Web-{A96D7DC3-64E2-0C2D-2643-CD46240CDB76}"/>
+    <pc:docChg chg="modSld">
+      <pc:chgData name="Reeken Laura (inf20051)" userId="S::inf20051@lehre.dhbw-stuttgart.de::b6dee9c5-cc36-4888-b156-97d84b7a0163" providerId="AD" clId="Web-{A96D7DC3-64E2-0C2D-2643-CD46240CDB76}" dt="2021-11-08T18:08:27.301" v="523" actId="14100"/>
+      <pc:docMkLst>
+        <pc:docMk/>
+      </pc:docMkLst>
+      <pc:sldChg chg="addSp delSp modSp">
+        <pc:chgData name="Reeken Laura (inf20051)" userId="S::inf20051@lehre.dhbw-stuttgart.de::b6dee9c5-cc36-4888-b156-97d84b7a0163" providerId="AD" clId="Web-{A96D7DC3-64E2-0C2D-2643-CD46240CDB76}" dt="2021-11-08T16:59:10.105" v="518" actId="20577"/>
+        <pc:sldMkLst>
+          <pc:docMk/>
+          <pc:sldMk cId="3942132956" sldId="263"/>
+        </pc:sldMkLst>
+        <pc:spChg chg="mod">
+          <ac:chgData name="Reeken Laura (inf20051)" userId="S::inf20051@lehre.dhbw-stuttgart.de::b6dee9c5-cc36-4888-b156-97d84b7a0163" providerId="AD" clId="Web-{A96D7DC3-64E2-0C2D-2643-CD46240CDB76}" dt="2021-11-08T16:59:10.105" v="518" actId="20577"/>
+          <ac:spMkLst>
+            <pc:docMk/>
+            <pc:sldMk cId="3942132956" sldId="263"/>
+            <ac:spMk id="3" creationId="{8ECD18E5-590E-4C0D-B1EF-55B4404B39CD}"/>
+          </ac:spMkLst>
+        </pc:spChg>
+        <pc:spChg chg="add del mod">
+          <ac:chgData name="Reeken Laura (inf20051)" userId="S::inf20051@lehre.dhbw-stuttgart.de::b6dee9c5-cc36-4888-b156-97d84b7a0163" providerId="AD" clId="Web-{A96D7DC3-64E2-0C2D-2643-CD46240CDB76}" dt="2021-11-08T15:51:19.477" v="344"/>
+          <ac:spMkLst>
+            <pc:docMk/>
+            <pc:sldMk cId="3942132956" sldId="263"/>
+            <ac:spMk id="5" creationId="{B4FC40AA-DCD6-4019-9F24-14FBCF122870}"/>
+          </ac:spMkLst>
+        </pc:spChg>
+        <pc:spChg chg="add mod">
+          <ac:chgData name="Reeken Laura (inf20051)" userId="S::inf20051@lehre.dhbw-stuttgart.de::b6dee9c5-cc36-4888-b156-97d84b7a0163" providerId="AD" clId="Web-{A96D7DC3-64E2-0C2D-2643-CD46240CDB76}" dt="2021-11-08T16:30:51.531" v="488" actId="14100"/>
+          <ac:spMkLst>
+            <pc:docMk/>
+            <pc:sldMk cId="3942132956" sldId="263"/>
+            <ac:spMk id="7" creationId="{FC78B868-2DAB-42D6-8796-474CB0AE7293}"/>
+          </ac:spMkLst>
+        </pc:spChg>
+        <pc:spChg chg="add del">
+          <ac:chgData name="Reeken Laura (inf20051)" userId="S::inf20051@lehre.dhbw-stuttgart.de::b6dee9c5-cc36-4888-b156-97d84b7a0163" providerId="AD" clId="Web-{A96D7DC3-64E2-0C2D-2643-CD46240CDB76}" dt="2021-11-08T15:52:46.591" v="359"/>
+          <ac:spMkLst>
+            <pc:docMk/>
+            <pc:sldMk cId="3942132956" sldId="263"/>
+            <ac:spMk id="8" creationId="{557FC71C-C502-4C8E-8A68-78FCA10B54A4}"/>
+          </ac:spMkLst>
+        </pc:spChg>
+        <pc:spChg chg="add del">
+          <ac:chgData name="Reeken Laura (inf20051)" userId="S::inf20051@lehre.dhbw-stuttgart.de::b6dee9c5-cc36-4888-b156-97d84b7a0163" providerId="AD" clId="Web-{A96D7DC3-64E2-0C2D-2643-CD46240CDB76}" dt="2021-11-08T15:52:44.841" v="358"/>
+          <ac:spMkLst>
+            <pc:docMk/>
+            <pc:sldMk cId="3942132956" sldId="263"/>
+            <ac:spMk id="9" creationId="{0592EE56-81D3-429E-AC49-907C6021A2A9}"/>
+          </ac:spMkLst>
+        </pc:spChg>
+        <pc:picChg chg="add mod">
+          <ac:chgData name="Reeken Laura (inf20051)" userId="S::inf20051@lehre.dhbw-stuttgart.de::b6dee9c5-cc36-4888-b156-97d84b7a0163" providerId="AD" clId="Web-{A96D7DC3-64E2-0C2D-2643-CD46240CDB76}" dt="2021-11-08T15:59:37.989" v="467" actId="1076"/>
+          <ac:picMkLst>
+            <pc:docMk/>
+            <pc:sldMk cId="3942132956" sldId="263"/>
+            <ac:picMk id="10" creationId="{5E607E01-D6E5-413B-B7FB-B23E944BF295}"/>
+          </ac:picMkLst>
+        </pc:picChg>
+      </pc:sldChg>
+      <pc:sldChg chg="addSp delSp modSp">
+        <pc:chgData name="Reeken Laura (inf20051)" userId="S::inf20051@lehre.dhbw-stuttgart.de::b6dee9c5-cc36-4888-b156-97d84b7a0163" providerId="AD" clId="Web-{A96D7DC3-64E2-0C2D-2643-CD46240CDB76}" dt="2021-11-08T18:08:27.301" v="523" actId="14100"/>
+        <pc:sldMkLst>
+          <pc:docMk/>
+          <pc:sldMk cId="3108174479" sldId="264"/>
+        </pc:sldMkLst>
+        <pc:spChg chg="add del mod">
+          <ac:chgData name="Reeken Laura (inf20051)" userId="S::inf20051@lehre.dhbw-stuttgart.de::b6dee9c5-cc36-4888-b156-97d84b7a0163" providerId="AD" clId="Web-{A96D7DC3-64E2-0C2D-2643-CD46240CDB76}" dt="2021-11-08T18:08:07.550" v="520"/>
+          <ac:spMkLst>
+            <pc:docMk/>
+            <pc:sldMk cId="3108174479" sldId="264"/>
+            <ac:spMk id="5" creationId="{D09F04E1-09ED-44FB-8059-E3691C9C93F8}"/>
+          </ac:spMkLst>
+        </pc:spChg>
+        <pc:picChg chg="del">
+          <ac:chgData name="Reeken Laura (inf20051)" userId="S::inf20051@lehre.dhbw-stuttgart.de::b6dee9c5-cc36-4888-b156-97d84b7a0163" providerId="AD" clId="Web-{A96D7DC3-64E2-0C2D-2643-CD46240CDB76}" dt="2021-11-08T18:07:49.127" v="519"/>
+          <ac:picMkLst>
+            <pc:docMk/>
+            <pc:sldMk cId="3108174479" sldId="264"/>
+            <ac:picMk id="6" creationId="{9126A48E-B2C7-4A2A-813B-E0213E3B9851}"/>
+          </ac:picMkLst>
+        </pc:picChg>
+        <pc:picChg chg="add mod ord">
+          <ac:chgData name="Reeken Laura (inf20051)" userId="S::inf20051@lehre.dhbw-stuttgart.de::b6dee9c5-cc36-4888-b156-97d84b7a0163" providerId="AD" clId="Web-{A96D7DC3-64E2-0C2D-2643-CD46240CDB76}" dt="2021-11-08T18:08:27.301" v="523" actId="14100"/>
+          <ac:picMkLst>
+            <pc:docMk/>
+            <pc:sldMk cId="3108174479" sldId="264"/>
+            <ac:picMk id="7" creationId="{A9E99026-33F4-4AA7-BE43-9FCB7BB779AA}"/>
+          </ac:picMkLst>
+        </pc:picChg>
+      </pc:sldChg>
+    </pc:docChg>
+  </pc:docChgLst>
+  <pc:docChgLst>
+    <pc:chgData name="Kaczynski Lucas (inf20147)" userId="708919b4-25d7-44a9-b300-2323f832514c" providerId="ADAL" clId="{6FFE81DE-97AE-D846-9CC4-71711C1517E9}"/>
+    <pc:docChg chg="modSld">
+      <pc:chgData name="Kaczynski Lucas (inf20147)" userId="708919b4-25d7-44a9-b300-2323f832514c" providerId="ADAL" clId="{6FFE81DE-97AE-D846-9CC4-71711C1517E9}" dt="2021-11-11T16:39:06.267" v="148" actId="20577"/>
+      <pc:docMkLst>
+        <pc:docMk/>
+      </pc:docMkLst>
+      <pc:sldChg chg="modNotesTx">
+        <pc:chgData name="Kaczynski Lucas (inf20147)" userId="708919b4-25d7-44a9-b300-2323f832514c" providerId="ADAL" clId="{6FFE81DE-97AE-D846-9CC4-71711C1517E9}" dt="2021-11-11T16:39:06.267" v="148" actId="20577"/>
+        <pc:sldMkLst>
+          <pc:docMk/>
+          <pc:sldMk cId="4147236091" sldId="262"/>
+        </pc:sldMkLst>
+      </pc:sldChg>
+      <pc:sldChg chg="modNotesTx">
+        <pc:chgData name="Kaczynski Lucas (inf20147)" userId="708919b4-25d7-44a9-b300-2323f832514c" providerId="ADAL" clId="{6FFE81DE-97AE-D846-9CC4-71711C1517E9}" dt="2021-11-11T16:28:03.226" v="99" actId="20577"/>
+        <pc:sldMkLst>
+          <pc:docMk/>
+          <pc:sldMk cId="4239830214" sldId="271"/>
+        </pc:sldMkLst>
+      </pc:sldChg>
+      <pc:sldChg chg="modNotesTx">
+        <pc:chgData name="Kaczynski Lucas (inf20147)" userId="708919b4-25d7-44a9-b300-2323f832514c" providerId="ADAL" clId="{6FFE81DE-97AE-D846-9CC4-71711C1517E9}" dt="2021-11-11T16:33:41.248" v="141" actId="20577"/>
+        <pc:sldMkLst>
+          <pc:docMk/>
+          <pc:sldMk cId="1256033996" sldId="272"/>
+        </pc:sldMkLst>
+      </pc:sldChg>
+    </pc:docChg>
+  </pc:docChgLst>
+  <pc:docChgLst>
+    <pc:chgData name="Esenwein Benjamin (inf20074)" userId="7720cf97-c6ae-4bac-a435-f995da81a4ba" providerId="ADAL" clId="{66BD89BB-1F64-4C31-8A39-7CD03BA7EE7C}"/>
+    <pc:docChg chg="undo custSel addSld delSld modSld sldOrd modMainMaster">
+      <pc:chgData name="Esenwein Benjamin (inf20074)" userId="7720cf97-c6ae-4bac-a435-f995da81a4ba" providerId="ADAL" clId="{66BD89BB-1F64-4C31-8A39-7CD03BA7EE7C}" dt="2021-11-11T16:52:06.716" v="6654" actId="113"/>
+      <pc:docMkLst>
+        <pc:docMk/>
+      </pc:docMkLst>
+      <pc:sldChg chg="addSp delSp modSp mod modTransition setBg modNotesTx">
+        <pc:chgData name="Esenwein Benjamin (inf20074)" userId="7720cf97-c6ae-4bac-a435-f995da81a4ba" providerId="ADAL" clId="{66BD89BB-1F64-4C31-8A39-7CD03BA7EE7C}" dt="2021-11-10T16:41:25.052" v="6604" actId="14430"/>
+        <pc:sldMkLst>
+          <pc:docMk/>
+          <pc:sldMk cId="2505959144" sldId="256"/>
+        </pc:sldMkLst>
+        <pc:spChg chg="mod">
+          <ac:chgData name="Esenwein Benjamin (inf20074)" userId="7720cf97-c6ae-4bac-a435-f995da81a4ba" providerId="ADAL" clId="{66BD89BB-1F64-4C31-8A39-7CD03BA7EE7C}" dt="2021-11-08T15:55:13.443" v="1552" actId="113"/>
+          <ac:spMkLst>
+            <pc:docMk/>
+            <pc:sldMk cId="2505959144" sldId="256"/>
+            <ac:spMk id="2" creationId="{FEA21FFC-A6C3-4E95-94C4-C1E4C4F6F8D3}"/>
+          </ac:spMkLst>
+        </pc:spChg>
+        <pc:spChg chg="mod">
+          <ac:chgData name="Esenwein Benjamin (inf20074)" userId="7720cf97-c6ae-4bac-a435-f995da81a4ba" providerId="ADAL" clId="{66BD89BB-1F64-4C31-8A39-7CD03BA7EE7C}" dt="2021-11-08T15:25:58.021" v="623" actId="26606"/>
+          <ac:spMkLst>
+            <pc:docMk/>
+            <pc:sldMk cId="2505959144" sldId="256"/>
+            <ac:spMk id="3" creationId="{EA356760-99B3-4061-95B7-F0DFCD7C51E9}"/>
+          </ac:spMkLst>
+        </pc:spChg>
+        <pc:spChg chg="add mod">
+          <ac:chgData name="Esenwein Benjamin (inf20074)" userId="7720cf97-c6ae-4bac-a435-f995da81a4ba" providerId="ADAL" clId="{66BD89BB-1F64-4C31-8A39-7CD03BA7EE7C}" dt="2021-11-08T15:40:01.319" v="1397" actId="1076"/>
+          <ac:spMkLst>
+            <pc:docMk/>
+            <pc:sldMk cId="2505959144" sldId="256"/>
+            <ac:spMk id="4" creationId="{4C155EFA-025E-411E-B149-1F267B975FB5}"/>
+          </ac:spMkLst>
+        </pc:spChg>
+        <pc:spChg chg="add">
+          <ac:chgData name="Esenwein Benjamin (inf20074)" userId="7720cf97-c6ae-4bac-a435-f995da81a4ba" providerId="ADAL" clId="{66BD89BB-1F64-4C31-8A39-7CD03BA7EE7C}" dt="2021-11-08T15:25:58.021" v="623" actId="26606"/>
+          <ac:spMkLst>
+            <pc:docMk/>
+            <pc:sldMk cId="2505959144" sldId="256"/>
+            <ac:spMk id="8" creationId="{458C1BCA-247F-4480-B78C-924FEBA5CD65}"/>
+          </ac:spMkLst>
+        </pc:spChg>
+        <pc:spChg chg="add">
+          <ac:chgData name="Esenwein Benjamin (inf20074)" userId="7720cf97-c6ae-4bac-a435-f995da81a4ba" providerId="ADAL" clId="{66BD89BB-1F64-4C31-8A39-7CD03BA7EE7C}" dt="2021-11-08T15:25:58.021" v="623" actId="26606"/>
+          <ac:spMkLst>
+            <pc:docMk/>
+            <pc:sldMk cId="2505959144" sldId="256"/>
+            <ac:spMk id="10" creationId="{B8E37057-BDB6-4452-836A-27973D54F2D8}"/>
+          </ac:spMkLst>
+        </pc:spChg>
+        <pc:spChg chg="add mod">
+          <ac:chgData name="Esenwein Benjamin (inf20074)" userId="7720cf97-c6ae-4bac-a435-f995da81a4ba" providerId="ADAL" clId="{66BD89BB-1F64-4C31-8A39-7CD03BA7EE7C}" dt="2021-11-08T15:42:57.864" v="1468" actId="1035"/>
+          <ac:spMkLst>
+            <pc:docMk/>
+            <pc:sldMk cId="2505959144" sldId="256"/>
+            <ac:spMk id="11" creationId="{0BE4B811-E571-4A24-840B-9C321B8128B4}"/>
+          </ac:spMkLst>
+        </pc:spChg>
+        <pc:spChg chg="add">
+          <ac:chgData name="Esenwein Benjamin (inf20074)" userId="7720cf97-c6ae-4bac-a435-f995da81a4ba" providerId="ADAL" clId="{66BD89BB-1F64-4C31-8A39-7CD03BA7EE7C}" dt="2021-11-08T15:25:58.021" v="623" actId="26606"/>
+          <ac:spMkLst>
+            <pc:docMk/>
+            <pc:sldMk cId="2505959144" sldId="256"/>
+            <ac:spMk id="12" creationId="{11A3A707-72D6-4BAB-8187-F8204F4EDC6B}"/>
+          </ac:spMkLst>
+        </pc:spChg>
+        <pc:spChg chg="add mod modVis">
+          <ac:chgData name="Esenwein Benjamin (inf20074)" userId="7720cf97-c6ae-4bac-a435-f995da81a4ba" providerId="ADAL" clId="{66BD89BB-1F64-4C31-8A39-7CD03BA7EE7C}" dt="2021-11-10T16:41:25.052" v="6604" actId="14430"/>
+          <ac:spMkLst>
+            <pc:docMk/>
+            <pc:sldMk cId="2505959144" sldId="256"/>
+            <ac:spMk id="14" creationId="{C983411D-901F-4574-9926-33415AA921FF}"/>
+          </ac:spMkLst>
+        </pc:spChg>
+        <pc:cxnChg chg="add mod">
+          <ac:chgData name="Esenwein Benjamin (inf20074)" userId="7720cf97-c6ae-4bac-a435-f995da81a4ba" providerId="ADAL" clId="{66BD89BB-1F64-4C31-8A39-7CD03BA7EE7C}" dt="2021-11-08T15:41:04.432" v="1439" actId="692"/>
+          <ac:cxnSpMkLst>
+            <pc:docMk/>
+            <pc:sldMk cId="2505959144" sldId="256"/>
+            <ac:cxnSpMk id="6" creationId="{37572286-AC26-4A95-9729-80EF7C66611F}"/>
+          </ac:cxnSpMkLst>
+        </pc:cxnChg>
+        <pc:cxnChg chg="add del mod">
+          <ac:chgData name="Esenwein Benjamin (inf20074)" userId="7720cf97-c6ae-4bac-a435-f995da81a4ba" providerId="ADAL" clId="{66BD89BB-1F64-4C31-8A39-7CD03BA7EE7C}" dt="2021-11-10T16:19:00.457" v="6520"/>
+          <ac:cxnSpMkLst>
+            <pc:docMk/>
+            <pc:sldMk cId="2505959144" sldId="256"/>
+            <ac:cxnSpMk id="13" creationId="{70154295-10AD-493E-B8FF-203578906CE5}"/>
+          </ac:cxnSpMkLst>
+        </pc:cxnChg>
+      </pc:sldChg>
+      <pc:sldChg chg="addSp delSp modSp new add del mod ord modTransition modNotesTx">
+        <pc:chgData name="Esenwein Benjamin (inf20074)" userId="7720cf97-c6ae-4bac-a435-f995da81a4ba" providerId="ADAL" clId="{66BD89BB-1F64-4C31-8A39-7CD03BA7EE7C}" dt="2021-11-10T16:52:57.667" v="6634" actId="1076"/>
+        <pc:sldMkLst>
+          <pc:docMk/>
+          <pc:sldMk cId="1575568240" sldId="257"/>
+        </pc:sldMkLst>
+        <pc:spChg chg="mod">
+          <ac:chgData name="Esenwein Benjamin (inf20074)" userId="7720cf97-c6ae-4bac-a435-f995da81a4ba" providerId="ADAL" clId="{66BD89BB-1F64-4C31-8A39-7CD03BA7EE7C}" dt="2021-11-08T15:55:21.636" v="1554" actId="113"/>
+          <ac:spMkLst>
+            <pc:docMk/>
+            <pc:sldMk cId="1575568240" sldId="257"/>
+            <ac:spMk id="2" creationId="{056543D8-4C07-41C1-B32B-D0675555A49D}"/>
+          </ac:spMkLst>
+        </pc:spChg>
+        <pc:spChg chg="mod">
+          <ac:chgData name="Esenwein Benjamin (inf20074)" userId="7720cf97-c6ae-4bac-a435-f995da81a4ba" providerId="ADAL" clId="{66BD89BB-1F64-4C31-8A39-7CD03BA7EE7C}" dt="2021-11-08T19:26:19.793" v="5955" actId="20577"/>
+          <ac:spMkLst>
+            <pc:docMk/>
+            <pc:sldMk cId="1575568240" sldId="257"/>
+            <ac:spMk id="3" creationId="{DF539375-44E3-4147-BAE7-6E5166F80167}"/>
+          </ac:spMkLst>
+        </pc:spChg>
+        <pc:spChg chg="add mod">
+          <ac:chgData name="Esenwein Benjamin (inf20074)" userId="7720cf97-c6ae-4bac-a435-f995da81a4ba" providerId="ADAL" clId="{66BD89BB-1F64-4C31-8A39-7CD03BA7EE7C}" dt="2021-11-08T15:43:51.207" v="1470" actId="207"/>
+          <ac:spMkLst>
+            <pc:docMk/>
+            <pc:sldMk cId="1575568240" sldId="257"/>
+            <ac:spMk id="4" creationId="{13F6B2C5-4685-47AB-A9E6-6EB6FAA6953B}"/>
+          </ac:spMkLst>
+        </pc:spChg>
+        <pc:spChg chg="add del mod">
+          <ac:chgData name="Esenwein Benjamin (inf20074)" userId="7720cf97-c6ae-4bac-a435-f995da81a4ba" providerId="ADAL" clId="{66BD89BB-1F64-4C31-8A39-7CD03BA7EE7C}" dt="2021-11-10T16:12:14.908" v="6457" actId="478"/>
+          <ac:spMkLst>
+            <pc:docMk/>
+            <pc:sldMk cId="1575568240" sldId="257"/>
+            <ac:spMk id="7" creationId="{8E596E59-E6FE-40DA-82DC-4A57F719AD10}"/>
+          </ac:spMkLst>
+        </pc:spChg>
+        <pc:spChg chg="add mod">
+          <ac:chgData name="Esenwein Benjamin (inf20074)" userId="7720cf97-c6ae-4bac-a435-f995da81a4ba" providerId="ADAL" clId="{66BD89BB-1F64-4C31-8A39-7CD03BA7EE7C}" dt="2021-11-10T16:52:57.667" v="6634" actId="1076"/>
+          <ac:spMkLst>
+            <pc:docMk/>
+            <pc:sldMk cId="1575568240" sldId="257"/>
+            <ac:spMk id="8" creationId="{49CE44EA-F4B1-4B54-B01D-7F853505004E}"/>
+          </ac:spMkLst>
+        </pc:spChg>
+        <pc:spChg chg="add mod">
+          <ac:chgData name="Esenwein Benjamin (inf20074)" userId="7720cf97-c6ae-4bac-a435-f995da81a4ba" providerId="ADAL" clId="{66BD89BB-1F64-4C31-8A39-7CD03BA7EE7C}" dt="2021-11-10T16:52:57.667" v="6634" actId="1076"/>
+          <ac:spMkLst>
+            <pc:docMk/>
+            <pc:sldMk cId="1575568240" sldId="257"/>
+            <ac:spMk id="10" creationId="{2659683F-E70E-4B0C-905D-50AB01167893}"/>
+          </ac:spMkLst>
+        </pc:spChg>
+        <pc:spChg chg="mod">
+          <ac:chgData name="Esenwein Benjamin (inf20074)" userId="7720cf97-c6ae-4bac-a435-f995da81a4ba" providerId="ADAL" clId="{66BD89BB-1F64-4C31-8A39-7CD03BA7EE7C}" dt="2021-11-10T16:52:57.667" v="6634" actId="1076"/>
+          <ac:spMkLst>
+            <pc:docMk/>
+            <pc:sldMk cId="1575568240" sldId="257"/>
+            <ac:spMk id="11" creationId="{FE8486AE-0B22-4A2F-AAEB-A9E9777DF897}"/>
+          </ac:spMkLst>
+        </pc:spChg>
+        <pc:spChg chg="mod">
+          <ac:chgData name="Esenwein Benjamin (inf20074)" userId="7720cf97-c6ae-4bac-a435-f995da81a4ba" providerId="ADAL" clId="{66BD89BB-1F64-4C31-8A39-7CD03BA7EE7C}" dt="2021-11-10T16:52:57.667" v="6634" actId="1076"/>
+          <ac:spMkLst>
+            <pc:docMk/>
+            <pc:sldMk cId="1575568240" sldId="257"/>
+            <ac:spMk id="12" creationId="{A3E9974F-677D-43C4-ABD5-206FDCE7833B}"/>
+          </ac:spMkLst>
+        </pc:spChg>
+        <pc:spChg chg="mod">
+          <ac:chgData name="Esenwein Benjamin (inf20074)" userId="7720cf97-c6ae-4bac-a435-f995da81a4ba" providerId="ADAL" clId="{66BD89BB-1F64-4C31-8A39-7CD03BA7EE7C}" dt="2021-11-10T16:52:57.667" v="6634" actId="1076"/>
+          <ac:spMkLst>
+            <pc:docMk/>
+            <pc:sldMk cId="1575568240" sldId="257"/>
+            <ac:spMk id="13" creationId="{2CE22E48-7F81-4358-BE5F-61F07F2111F8}"/>
+          </ac:spMkLst>
+        </pc:spChg>
+        <pc:spChg chg="mod">
+          <ac:chgData name="Esenwein Benjamin (inf20074)" userId="7720cf97-c6ae-4bac-a435-f995da81a4ba" providerId="ADAL" clId="{66BD89BB-1F64-4C31-8A39-7CD03BA7EE7C}" dt="2021-11-10T16:52:57.667" v="6634" actId="1076"/>
+          <ac:spMkLst>
+            <pc:docMk/>
+            <pc:sldMk cId="1575568240" sldId="257"/>
+            <ac:spMk id="14" creationId="{9235CBCA-E9D4-45C1-8DFE-2A5CD2761BA8}"/>
+          </ac:spMkLst>
+        </pc:spChg>
+        <pc:spChg chg="mod">
+          <ac:chgData name="Esenwein Benjamin (inf20074)" userId="7720cf97-c6ae-4bac-a435-f995da81a4ba" providerId="ADAL" clId="{66BD89BB-1F64-4C31-8A39-7CD03BA7EE7C}" dt="2021-11-10T16:52:57.667" v="6634" actId="1076"/>
+          <ac:spMkLst>
+            <pc:docMk/>
+            <pc:sldMk cId="1575568240" sldId="257"/>
+            <ac:spMk id="15" creationId="{07A668D7-1DA3-45CA-9217-9E0ADBF4AA4D}"/>
+          </ac:spMkLst>
+        </pc:spChg>
+        <pc:spChg chg="mod">
+          <ac:chgData name="Esenwein Benjamin (inf20074)" userId="7720cf97-c6ae-4bac-a435-f995da81a4ba" providerId="ADAL" clId="{66BD89BB-1F64-4C31-8A39-7CD03BA7EE7C}" dt="2021-11-10T16:52:57.667" v="6634" actId="1076"/>
+          <ac:spMkLst>
+            <pc:docMk/>
+            <pc:sldMk cId="1575568240" sldId="257"/>
+            <ac:spMk id="16" creationId="{D3F36C19-9615-4DEA-94E5-5C44F53D0942}"/>
+          </ac:spMkLst>
+        </pc:spChg>
+        <pc:spChg chg="mod">
+          <ac:chgData name="Esenwein Benjamin (inf20074)" userId="7720cf97-c6ae-4bac-a435-f995da81a4ba" providerId="ADAL" clId="{66BD89BB-1F64-4C31-8A39-7CD03BA7EE7C}" dt="2021-11-10T16:52:57.667" v="6634" actId="1076"/>
+          <ac:spMkLst>
+            <pc:docMk/>
+            <pc:sldMk cId="1575568240" sldId="257"/>
+            <ac:spMk id="17" creationId="{B2D777E6-BD25-4B35-9FAA-989F9B8468DC}"/>
+          </ac:spMkLst>
+        </pc:spChg>
+        <pc:spChg chg="mod">
+          <ac:chgData name="Esenwein Benjamin (inf20074)" userId="7720cf97-c6ae-4bac-a435-f995da81a4ba" providerId="ADAL" clId="{66BD89BB-1F64-4C31-8A39-7CD03BA7EE7C}" dt="2021-11-10T16:52:57.667" v="6634" actId="1076"/>
+          <ac:spMkLst>
+            <pc:docMk/>
+            <pc:sldMk cId="1575568240" sldId="257"/>
+            <ac:spMk id="18" creationId="{27FD9119-6CC2-49A2-8AA8-7817F2AC84BD}"/>
+          </ac:spMkLst>
+        </pc:spChg>
+        <pc:spChg chg="mod">
+          <ac:chgData name="Esenwein Benjamin (inf20074)" userId="7720cf97-c6ae-4bac-a435-f995da81a4ba" providerId="ADAL" clId="{66BD89BB-1F64-4C31-8A39-7CD03BA7EE7C}" dt="2021-11-10T16:52:57.667" v="6634" actId="1076"/>
+          <ac:spMkLst>
+            <pc:docMk/>
+            <pc:sldMk cId="1575568240" sldId="257"/>
+            <ac:spMk id="19" creationId="{D992AAE6-FDB3-4376-82C5-EACB6B766CBA}"/>
+          </ac:spMkLst>
+        </pc:spChg>
+        <pc:cxnChg chg="del">
+          <ac:chgData name="Esenwein Benjamin (inf20074)" userId="7720cf97-c6ae-4bac-a435-f995da81a4ba" providerId="ADAL" clId="{66BD89BB-1F64-4C31-8A39-7CD03BA7EE7C}" dt="2021-11-10T15:31:15.876" v="6193" actId="478"/>
+          <ac:cxnSpMkLst>
+            <pc:docMk/>
+            <pc:sldMk cId="1575568240" sldId="257"/>
+            <ac:cxnSpMk id="5" creationId="{937A5EEC-7461-4917-B053-8C17E69D3EAA}"/>
+          </ac:cxnSpMkLst>
+        </pc:cxnChg>
+        <pc:cxnChg chg="add mod">
+          <ac:chgData name="Esenwein Benjamin (inf20074)" userId="7720cf97-c6ae-4bac-a435-f995da81a4ba" providerId="ADAL" clId="{66BD89BB-1F64-4C31-8A39-7CD03BA7EE7C}" dt="2021-11-10T15:31:16.364" v="6194"/>
+          <ac:cxnSpMkLst>
+            <pc:docMk/>
+            <pc:sldMk cId="1575568240" sldId="257"/>
+            <ac:cxnSpMk id="6" creationId="{BF20E217-E64C-48E2-9384-24AF160BC5EF}"/>
+          </ac:cxnSpMkLst>
+        </pc:cxnChg>
+        <pc:cxnChg chg="add del mod">
+          <ac:chgData name="Esenwein Benjamin (inf20074)" userId="7720cf97-c6ae-4bac-a435-f995da81a4ba" providerId="ADAL" clId="{66BD89BB-1F64-4C31-8A39-7CD03BA7EE7C}" dt="2021-11-10T16:20:35.209" v="6531" actId="478"/>
+          <ac:cxnSpMkLst>
+            <pc:docMk/>
+            <pc:sldMk cId="1575568240" sldId="257"/>
+            <ac:cxnSpMk id="9" creationId="{179527E8-B373-468D-A836-3AB28D12887B}"/>
+          </ac:cxnSpMkLst>
+        </pc:cxnChg>
+      </pc:sldChg>
+      <pc:sldChg chg="addSp delSp modSp new mod modTransition setBg modNotesTx">
+        <pc:chgData name="Esenwein Benjamin (inf20074)" userId="7720cf97-c6ae-4bac-a435-f995da81a4ba" providerId="ADAL" clId="{66BD89BB-1F64-4C31-8A39-7CD03BA7EE7C}" dt="2021-11-10T16:52:36.919" v="6633" actId="478"/>
+        <pc:sldMkLst>
+          <pc:docMk/>
+          <pc:sldMk cId="719139584" sldId="258"/>
+        </pc:sldMkLst>
+        <pc:spChg chg="mod">
+          <ac:chgData name="Esenwein Benjamin (inf20074)" userId="7720cf97-c6ae-4bac-a435-f995da81a4ba" providerId="ADAL" clId="{66BD89BB-1F64-4C31-8A39-7CD03BA7EE7C}" dt="2021-11-08T19:25:46.812" v="5942" actId="3064"/>
+          <ac:spMkLst>
+            <pc:docMk/>
+            <pc:sldMk cId="719139584" sldId="258"/>
+            <ac:spMk id="2" creationId="{8E43454D-15E9-4568-97E9-95D78897E538}"/>
+          </ac:spMkLst>
+        </pc:spChg>
+        <pc:spChg chg="del">
+          <ac:chgData name="Esenwein Benjamin (inf20074)" userId="7720cf97-c6ae-4bac-a435-f995da81a4ba" providerId="ADAL" clId="{66BD89BB-1F64-4C31-8A39-7CD03BA7EE7C}" dt="2021-11-08T15:27:22.183" v="640" actId="3680"/>
+          <ac:spMkLst>
+            <pc:docMk/>
+            <pc:sldMk cId="719139584" sldId="258"/>
+            <ac:spMk id="3" creationId="{85CA04E6-7752-4655-B014-5FF7FCF00112}"/>
+          </ac:spMkLst>
+        </pc:spChg>
+        <pc:spChg chg="add mod">
+          <ac:chgData name="Esenwein Benjamin (inf20074)" userId="7720cf97-c6ae-4bac-a435-f995da81a4ba" providerId="ADAL" clId="{66BD89BB-1F64-4C31-8A39-7CD03BA7EE7C}" dt="2021-11-08T15:43:46.264" v="1469" actId="207"/>
+          <ac:spMkLst>
+            <pc:docMk/>
+            <pc:sldMk cId="719139584" sldId="258"/>
+            <ac:spMk id="5" creationId="{7F5DEE1F-3EAB-4F4D-BD22-A55EC85D667F}"/>
+          </ac:spMkLst>
+        </pc:spChg>
+        <pc:spChg chg="mod">
+          <ac:chgData name="Esenwein Benjamin (inf20074)" userId="7720cf97-c6ae-4bac-a435-f995da81a4ba" providerId="ADAL" clId="{66BD89BB-1F64-4C31-8A39-7CD03BA7EE7C}" dt="2021-11-10T16:51:32.990" v="6605" actId="1076"/>
+          <ac:spMkLst>
+            <pc:docMk/>
+            <pc:sldMk cId="719139584" sldId="258"/>
+            <ac:spMk id="12" creationId="{0939BD5A-5FE2-444A-ACF8-D050C8E064BC}"/>
+          </ac:spMkLst>
+        </pc:spChg>
+        <pc:spChg chg="mod">
+          <ac:chgData name="Esenwein Benjamin (inf20074)" userId="7720cf97-c6ae-4bac-a435-f995da81a4ba" providerId="ADAL" clId="{66BD89BB-1F64-4C31-8A39-7CD03BA7EE7C}" dt="2021-11-10T16:51:41.050" v="6606" actId="1076"/>
+          <ac:spMkLst>
+            <pc:docMk/>
+            <pc:sldMk cId="719139584" sldId="258"/>
+            <ac:spMk id="13" creationId="{DD63B2AE-C1B5-4451-B3C5-8543168935BF}"/>
+          </ac:spMkLst>
+        </pc:spChg>
+        <pc:spChg chg="mod">
+          <ac:chgData name="Esenwein Benjamin (inf20074)" userId="7720cf97-c6ae-4bac-a435-f995da81a4ba" providerId="ADAL" clId="{66BD89BB-1F64-4C31-8A39-7CD03BA7EE7C}" dt="2021-11-10T16:51:49.949" v="6607" actId="1076"/>
+          <ac:spMkLst>
+            <pc:docMk/>
+            <pc:sldMk cId="719139584" sldId="258"/>
+            <ac:spMk id="14" creationId="{578BD130-2B86-452B-A497-7F6322A84756}"/>
+          </ac:spMkLst>
+        </pc:spChg>
+        <pc:spChg chg="add mod">
+          <ac:chgData name="Esenwein Benjamin (inf20074)" userId="7720cf97-c6ae-4bac-a435-f995da81a4ba" providerId="ADAL" clId="{66BD89BB-1F64-4C31-8A39-7CD03BA7EE7C}" dt="2021-11-10T16:37:42.362" v="6594" actId="1582"/>
+          <ac:spMkLst>
+            <pc:docMk/>
+            <pc:sldMk cId="719139584" sldId="258"/>
+            <ac:spMk id="15" creationId="{1DD9A950-E8F2-4681-B140-33159C406AAB}"/>
+          </ac:spMkLst>
+        </pc:spChg>
+        <pc:spChg chg="add mod">
+          <ac:chgData name="Esenwein Benjamin (inf20074)" userId="7720cf97-c6ae-4bac-a435-f995da81a4ba" providerId="ADAL" clId="{66BD89BB-1F64-4C31-8A39-7CD03BA7EE7C}" dt="2021-11-10T16:31:08.025" v="6577"/>
+          <ac:spMkLst>
+            <pc:docMk/>
+            <pc:sldMk cId="719139584" sldId="258"/>
+            <ac:spMk id="17" creationId="{101D8872-045F-4854-98A2-E0CA3B940FE3}"/>
+          </ac:spMkLst>
+        </pc:spChg>
+        <pc:spChg chg="mod">
+          <ac:chgData name="Esenwein Benjamin (inf20074)" userId="7720cf97-c6ae-4bac-a435-f995da81a4ba" providerId="ADAL" clId="{66BD89BB-1F64-4C31-8A39-7CD03BA7EE7C}" dt="2021-11-10T16:51:56.028" v="6608" actId="1076"/>
+          <ac:spMkLst>
+            <pc:docMk/>
+            <pc:sldMk cId="719139584" sldId="258"/>
+            <ac:spMk id="18" creationId="{78F100DB-A976-49DE-A569-2E98ADDC27E3}"/>
+          </ac:spMkLst>
+        </pc:spChg>
+        <pc:spChg chg="mod">
+          <ac:chgData name="Esenwein Benjamin (inf20074)" userId="7720cf97-c6ae-4bac-a435-f995da81a4ba" providerId="ADAL" clId="{66BD89BB-1F64-4C31-8A39-7CD03BA7EE7C}" dt="2021-11-10T16:52:03.364" v="6609" actId="1076"/>
+          <ac:spMkLst>
+            <pc:docMk/>
+            <pc:sldMk cId="719139584" sldId="258"/>
+            <ac:spMk id="20" creationId="{91D2FAC1-CE8B-4738-9296-4CB614522BC7}"/>
+          </ac:spMkLst>
+        </pc:spChg>
+        <pc:graphicFrameChg chg="add mod ord modGraphic">
+          <ac:chgData name="Esenwein Benjamin (inf20074)" userId="7720cf97-c6ae-4bac-a435-f995da81a4ba" providerId="ADAL" clId="{66BD89BB-1F64-4C31-8A39-7CD03BA7EE7C}" dt="2021-11-08T15:45:43.567" v="1486" actId="12788"/>
+          <ac:graphicFrameMkLst>
+            <pc:docMk/>
+            <pc:sldMk cId="719139584" sldId="258"/>
+            <ac:graphicFrameMk id="4" creationId="{A368CB9D-E35A-44A3-927D-593C6BE5804F}"/>
+          </ac:graphicFrameMkLst>
+        </pc:graphicFrameChg>
+        <pc:cxnChg chg="add mod">
+          <ac:chgData name="Esenwein Benjamin (inf20074)" userId="7720cf97-c6ae-4bac-a435-f995da81a4ba" providerId="ADAL" clId="{66BD89BB-1F64-4C31-8A39-7CD03BA7EE7C}" dt="2021-11-10T15:30:51.359" v="6192" actId="1036"/>
+          <ac:cxnSpMkLst>
+            <pc:docMk/>
+            <pc:sldMk cId="719139584" sldId="258"/>
+            <ac:cxnSpMk id="6" creationId="{47BA24B0-9E14-4EF2-A37A-C072B3BA8293}"/>
+          </ac:cxnSpMkLst>
+        </pc:cxnChg>
+        <pc:cxnChg chg="add del mod">
+          <ac:chgData name="Esenwein Benjamin (inf20074)" userId="7720cf97-c6ae-4bac-a435-f995da81a4ba" providerId="ADAL" clId="{66BD89BB-1F64-4C31-8A39-7CD03BA7EE7C}" dt="2021-11-10T16:20:37.277" v="6532" actId="478"/>
+          <ac:cxnSpMkLst>
+            <pc:docMk/>
+            <pc:sldMk cId="719139584" sldId="258"/>
+            <ac:cxnSpMk id="16" creationId="{764DA249-88D0-4B22-9537-AD27665980F0}"/>
+          </ac:cxnSpMkLst>
+        </pc:cxnChg>
+        <pc:cxnChg chg="add del mod">
+          <ac:chgData name="Esenwein Benjamin (inf20074)" userId="7720cf97-c6ae-4bac-a435-f995da81a4ba" providerId="ADAL" clId="{66BD89BB-1F64-4C31-8A39-7CD03BA7EE7C}" dt="2021-11-10T16:52:36.919" v="6633" actId="478"/>
+          <ac:cxnSpMkLst>
+            <pc:docMk/>
+            <pc:sldMk cId="719139584" sldId="258"/>
+            <ac:cxnSpMk id="22" creationId="{0C448D12-140B-4595-B085-65C257F23B99}"/>
+          </ac:cxnSpMkLst>
+        </pc:cxnChg>
+      </pc:sldChg>
+      <pc:sldChg chg="addSp delSp modSp new mod ord modTransition modNotesTx">
+        <pc:chgData name="Esenwein Benjamin (inf20074)" userId="7720cf97-c6ae-4bac-a435-f995da81a4ba" providerId="ADAL" clId="{66BD89BB-1F64-4C31-8A39-7CD03BA7EE7C}" dt="2021-11-10T16:55:02.728" v="6639" actId="1076"/>
+        <pc:sldMkLst>
+          <pc:docMk/>
+          <pc:sldMk cId="452856955" sldId="259"/>
+        </pc:sldMkLst>
+        <pc:spChg chg="mod">
+          <ac:chgData name="Esenwein Benjamin (inf20074)" userId="7720cf97-c6ae-4bac-a435-f995da81a4ba" providerId="ADAL" clId="{66BD89BB-1F64-4C31-8A39-7CD03BA7EE7C}" dt="2021-11-08T19:24:28.463" v="5933" actId="1036"/>
+          <ac:spMkLst>
+            <pc:docMk/>
+            <pc:sldMk cId="452856955" sldId="259"/>
+            <ac:spMk id="2" creationId="{41BEF49C-9A74-47E5-BEA8-0F56E53ACD27}"/>
+          </ac:spMkLst>
+        </pc:spChg>
+        <pc:spChg chg="del mod">
+          <ac:chgData name="Esenwein Benjamin (inf20074)" userId="7720cf97-c6ae-4bac-a435-f995da81a4ba" providerId="ADAL" clId="{66BD89BB-1F64-4C31-8A39-7CD03BA7EE7C}" dt="2021-11-08T15:59:34.996" v="1590"/>
+          <ac:spMkLst>
+            <pc:docMk/>
+            <pc:sldMk cId="452856955" sldId="259"/>
+            <ac:spMk id="3" creationId="{5C260FDF-3366-49B5-908A-01A7213B5FD9}"/>
+          </ac:spMkLst>
+        </pc:spChg>
+        <pc:spChg chg="add mod">
+          <ac:chgData name="Esenwein Benjamin (inf20074)" userId="7720cf97-c6ae-4bac-a435-f995da81a4ba" providerId="ADAL" clId="{66BD89BB-1F64-4C31-8A39-7CD03BA7EE7C}" dt="2021-11-08T15:43:56.049" v="1471" actId="207"/>
+          <ac:spMkLst>
+            <pc:docMk/>
+            <pc:sldMk cId="452856955" sldId="259"/>
+            <ac:spMk id="4" creationId="{EFBBD174-C394-4AA1-9756-7422815033CF}"/>
+          </ac:spMkLst>
+        </pc:spChg>
+        <pc:spChg chg="add del mod">
+          <ac:chgData name="Esenwein Benjamin (inf20074)" userId="7720cf97-c6ae-4bac-a435-f995da81a4ba" providerId="ADAL" clId="{66BD89BB-1F64-4C31-8A39-7CD03BA7EE7C}" dt="2021-11-08T16:04:56.664" v="1598" actId="478"/>
+          <ac:spMkLst>
+            <pc:docMk/>
+            <pc:sldMk cId="452856955" sldId="259"/>
+            <ac:spMk id="6" creationId="{5D228291-7CD4-451C-AD6D-641DBAE03510}"/>
+          </ac:spMkLst>
+        </pc:spChg>
+        <pc:spChg chg="add mod">
+          <ac:chgData name="Esenwein Benjamin (inf20074)" userId="7720cf97-c6ae-4bac-a435-f995da81a4ba" providerId="ADAL" clId="{66BD89BB-1F64-4C31-8A39-7CD03BA7EE7C}" dt="2021-11-08T16:12:27.841" v="1678" actId="255"/>
+          <ac:spMkLst>
+            <pc:docMk/>
+            <pc:sldMk cId="452856955" sldId="259"/>
+            <ac:spMk id="7" creationId="{9BA4BE39-D5CC-4407-B8B9-8C17DDB719B4}"/>
+          </ac:spMkLst>
+        </pc:spChg>
+        <pc:spChg chg="add del">
+          <ac:chgData name="Esenwein Benjamin (inf20074)" userId="7720cf97-c6ae-4bac-a435-f995da81a4ba" providerId="ADAL" clId="{66BD89BB-1F64-4C31-8A39-7CD03BA7EE7C}" dt="2021-11-08T16:06:14.627" v="1604" actId="478"/>
+          <ac:spMkLst>
+            <pc:docMk/>
+            <pc:sldMk cId="452856955" sldId="259"/>
+            <ac:spMk id="10" creationId="{25CBC2D2-D7AA-4C10-99BA-50060D15A59E}"/>
+          </ac:spMkLst>
+        </pc:spChg>
+        <pc:spChg chg="add mod">
+          <ac:chgData name="Esenwein Benjamin (inf20074)" userId="7720cf97-c6ae-4bac-a435-f995da81a4ba" providerId="ADAL" clId="{66BD89BB-1F64-4C31-8A39-7CD03BA7EE7C}" dt="2021-11-08T17:05:12.094" v="4416" actId="1038"/>
+          <ac:spMkLst>
+            <pc:docMk/>
+            <pc:sldMk cId="452856955" sldId="259"/>
+            <ac:spMk id="11" creationId="{8C0CABCE-9729-4340-BE4A-358949FD759E}"/>
+          </ac:spMkLst>
+        </pc:spChg>
+        <pc:spChg chg="add del">
+          <ac:chgData name="Esenwein Benjamin (inf20074)" userId="7720cf97-c6ae-4bac-a435-f995da81a4ba" providerId="ADAL" clId="{66BD89BB-1F64-4C31-8A39-7CD03BA7EE7C}" dt="2021-11-08T16:06:45.034" v="1615"/>
+          <ac:spMkLst>
+            <pc:docMk/>
+            <pc:sldMk cId="452856955" sldId="259"/>
+            <ac:spMk id="13" creationId="{B5FF8560-47E8-4524-B46D-A2B3159C5AE1}"/>
+          </ac:spMkLst>
+        </pc:spChg>
+        <pc:spChg chg="add del">
+          <ac:chgData name="Esenwein Benjamin (inf20074)" userId="7720cf97-c6ae-4bac-a435-f995da81a4ba" providerId="ADAL" clId="{66BD89BB-1F64-4C31-8A39-7CD03BA7EE7C}" dt="2021-11-08T16:06:47.438" v="1617"/>
+          <ac:spMkLst>
+            <pc:docMk/>
+            <pc:sldMk cId="452856955" sldId="259"/>
+            <ac:spMk id="14" creationId="{0140DEBA-42BE-48B8-81D1-9ECC6AD38D62}"/>
+          </ac:spMkLst>
+        </pc:spChg>
+        <pc:spChg chg="add del mod">
+          <ac:chgData name="Esenwein Benjamin (inf20074)" userId="7720cf97-c6ae-4bac-a435-f995da81a4ba" providerId="ADAL" clId="{66BD89BB-1F64-4C31-8A39-7CD03BA7EE7C}" dt="2021-11-08T16:11:06.208" v="1656" actId="478"/>
+          <ac:spMkLst>
+            <pc:docMk/>
+            <pc:sldMk cId="452856955" sldId="259"/>
+            <ac:spMk id="16" creationId="{18C54E56-CA70-4B85-8093-7A00B1264D8D}"/>
+          </ac:spMkLst>
+        </pc:spChg>
+        <pc:spChg chg="add mod">
+          <ac:chgData name="Esenwein Benjamin (inf20074)" userId="7720cf97-c6ae-4bac-a435-f995da81a4ba" providerId="ADAL" clId="{66BD89BB-1F64-4C31-8A39-7CD03BA7EE7C}" dt="2021-11-10T16:55:02.728" v="6639" actId="1076"/>
+          <ac:spMkLst>
+            <pc:docMk/>
+            <pc:sldMk cId="452856955" sldId="259"/>
+            <ac:spMk id="17" creationId="{E6E5A29A-75DA-40A7-9FF3-18AE87E100B5}"/>
+          </ac:spMkLst>
+        </pc:spChg>
+        <pc:spChg chg="add mod">
+          <ac:chgData name="Esenwein Benjamin (inf20074)" userId="7720cf97-c6ae-4bac-a435-f995da81a4ba" providerId="ADAL" clId="{66BD89BB-1F64-4C31-8A39-7CD03BA7EE7C}" dt="2021-11-08T17:05:12.094" v="4416" actId="1038"/>
+          <ac:spMkLst>
+            <pc:docMk/>
+            <pc:sldMk cId="452856955" sldId="259"/>
+            <ac:spMk id="19" creationId="{92F382EB-2698-4AE3-8689-76B65CE3AAFD}"/>
+          </ac:spMkLst>
+        </pc:spChg>
+        <pc:spChg chg="add mod ord">
+          <ac:chgData name="Esenwein Benjamin (inf20074)" userId="7720cf97-c6ae-4bac-a435-f995da81a4ba" providerId="ADAL" clId="{66BD89BB-1F64-4C31-8A39-7CD03BA7EE7C}" dt="2021-11-08T16:11:36.113" v="1665" actId="164"/>
+          <ac:spMkLst>
+            <pc:docMk/>
+            <pc:sldMk cId="452856955" sldId="259"/>
+            <ac:spMk id="22" creationId="{99B19DE3-4C92-477E-9B0A-2347C02709CC}"/>
+          </ac:spMkLst>
+        </pc:spChg>
+        <pc:spChg chg="add mod">
+          <ac:chgData name="Esenwein Benjamin (inf20074)" userId="7720cf97-c6ae-4bac-a435-f995da81a4ba" providerId="ADAL" clId="{66BD89BB-1F64-4C31-8A39-7CD03BA7EE7C}" dt="2021-11-08T17:05:12.094" v="4416" actId="1038"/>
+          <ac:spMkLst>
+            <pc:docMk/>
+            <pc:sldMk cId="452856955" sldId="259"/>
+            <ac:spMk id="23" creationId="{17004FF8-7BBD-478D-A1EC-664852512FB2}"/>
+          </ac:spMkLst>
+        </pc:spChg>
+        <pc:spChg chg="add mod">
+          <ac:chgData name="Esenwein Benjamin (inf20074)" userId="7720cf97-c6ae-4bac-a435-f995da81a4ba" providerId="ADAL" clId="{66BD89BB-1F64-4C31-8A39-7CD03BA7EE7C}" dt="2021-11-10T16:55:02.728" v="6639" actId="1076"/>
+          <ac:spMkLst>
+            <pc:docMk/>
+            <pc:sldMk cId="452856955" sldId="259"/>
+            <ac:spMk id="25" creationId="{23F06576-B842-4374-AA79-71D1BE837003}"/>
+          </ac:spMkLst>
+        </pc:spChg>
+        <pc:spChg chg="mod">
+          <ac:chgData name="Esenwein Benjamin (inf20074)" userId="7720cf97-c6ae-4bac-a435-f995da81a4ba" providerId="ADAL" clId="{66BD89BB-1F64-4C31-8A39-7CD03BA7EE7C}" dt="2021-11-10T16:55:02.728" v="6639" actId="1076"/>
+          <ac:spMkLst>
+            <pc:docMk/>
+            <pc:sldMk cId="452856955" sldId="259"/>
+            <ac:spMk id="26" creationId="{F2B79D3E-7830-48CE-9FAA-564ED3B2E51D}"/>
+          </ac:spMkLst>
+        </pc:spChg>
+        <pc:spChg chg="mod">
+          <ac:chgData name="Esenwein Benjamin (inf20074)" userId="7720cf97-c6ae-4bac-a435-f995da81a4ba" providerId="ADAL" clId="{66BD89BB-1F64-4C31-8A39-7CD03BA7EE7C}" dt="2021-11-10T16:55:02.728" v="6639" actId="1076"/>
+          <ac:spMkLst>
+            <pc:docMk/>
+            <pc:sldMk cId="452856955" sldId="259"/>
+            <ac:spMk id="27" creationId="{D6B9F240-DA94-4F81-86C5-79DB5752BFA7}"/>
+          </ac:spMkLst>
+        </pc:spChg>
+        <pc:spChg chg="add del mod">
+          <ac:chgData name="Esenwein Benjamin (inf20074)" userId="7720cf97-c6ae-4bac-a435-f995da81a4ba" providerId="ADAL" clId="{66BD89BB-1F64-4C31-8A39-7CD03BA7EE7C}" dt="2021-11-08T16:14:58.568" v="1680"/>
+          <ac:spMkLst>
+            <pc:docMk/>
+            <pc:sldMk cId="452856955" sldId="259"/>
+            <ac:spMk id="28" creationId="{44605575-25E2-45E9-A15E-0F6211F3EC7B}"/>
+          </ac:spMkLst>
+        </pc:spChg>
+        <pc:spChg chg="mod">
+          <ac:chgData name="Esenwein Benjamin (inf20074)" userId="7720cf97-c6ae-4bac-a435-f995da81a4ba" providerId="ADAL" clId="{66BD89BB-1F64-4C31-8A39-7CD03BA7EE7C}" dt="2021-11-10T16:55:02.728" v="6639" actId="1076"/>
+          <ac:spMkLst>
+            <pc:docMk/>
+            <pc:sldMk cId="452856955" sldId="259"/>
+            <ac:spMk id="28" creationId="{D3FA81CC-9F07-45C8-9344-9369B58B01CF}"/>
+          </ac:spMkLst>
+        </pc:spChg>
+        <pc:spChg chg="add del mod">
+          <ac:chgData name="Esenwein Benjamin (inf20074)" userId="7720cf97-c6ae-4bac-a435-f995da81a4ba" providerId="ADAL" clId="{66BD89BB-1F64-4C31-8A39-7CD03BA7EE7C}" dt="2021-11-08T16:14:58.568" v="1680"/>
+          <ac:spMkLst>
+            <pc:docMk/>
+            <pc:sldMk cId="452856955" sldId="259"/>
+            <ac:spMk id="29" creationId="{99468DC4-B8C8-4252-8FE3-71C52611A2F4}"/>
+          </ac:spMkLst>
+        </pc:spChg>
+        <pc:spChg chg="mod">
+          <ac:chgData name="Esenwein Benjamin (inf20074)" userId="7720cf97-c6ae-4bac-a435-f995da81a4ba" providerId="ADAL" clId="{66BD89BB-1F64-4C31-8A39-7CD03BA7EE7C}" dt="2021-11-10T16:55:02.728" v="6639" actId="1076"/>
+          <ac:spMkLst>
+            <pc:docMk/>
+            <pc:sldMk cId="452856955" sldId="259"/>
+            <ac:spMk id="29" creationId="{E92F2DA4-5AEB-4D5B-9968-94A4CEFDB893}"/>
+          </ac:spMkLst>
+        </pc:spChg>
+        <pc:spChg chg="mod">
+          <ac:chgData name="Esenwein Benjamin (inf20074)" userId="7720cf97-c6ae-4bac-a435-f995da81a4ba" providerId="ADAL" clId="{66BD89BB-1F64-4C31-8A39-7CD03BA7EE7C}" dt="2021-11-10T16:55:02.728" v="6639" actId="1076"/>
+          <ac:spMkLst>
+            <pc:docMk/>
+            <pc:sldMk cId="452856955" sldId="259"/>
+            <ac:spMk id="30" creationId="{4E218B74-5243-415B-9655-E58BE56AEFC7}"/>
+          </ac:spMkLst>
+        </pc:spChg>
+        <pc:spChg chg="add del mod">
+          <ac:chgData name="Esenwein Benjamin (inf20074)" userId="7720cf97-c6ae-4bac-a435-f995da81a4ba" providerId="ADAL" clId="{66BD89BB-1F64-4C31-8A39-7CD03BA7EE7C}" dt="2021-11-08T16:14:58.568" v="1680"/>
+          <ac:spMkLst>
+            <pc:docMk/>
+            <pc:sldMk cId="452856955" sldId="259"/>
+            <ac:spMk id="30" creationId="{AE77E544-0B6F-4CCB-AA8E-CE41B73AABAE}"/>
+          </ac:spMkLst>
+        </pc:spChg>
+        <pc:spChg chg="add del mod">
+          <ac:chgData name="Esenwein Benjamin (inf20074)" userId="7720cf97-c6ae-4bac-a435-f995da81a4ba" providerId="ADAL" clId="{66BD89BB-1F64-4C31-8A39-7CD03BA7EE7C}" dt="2021-11-08T16:14:58.568" v="1680"/>
+          <ac:spMkLst>
+            <pc:docMk/>
+            <pc:sldMk cId="452856955" sldId="259"/>
+            <ac:spMk id="31" creationId="{165C7CBB-776C-4E1D-8FE6-055F256488C1}"/>
+          </ac:spMkLst>
+        </pc:spChg>
+        <pc:spChg chg="mod">
+          <ac:chgData name="Esenwein Benjamin (inf20074)" userId="7720cf97-c6ae-4bac-a435-f995da81a4ba" providerId="ADAL" clId="{66BD89BB-1F64-4C31-8A39-7CD03BA7EE7C}" dt="2021-11-10T16:55:02.728" v="6639" actId="1076"/>
+          <ac:spMkLst>
+            <pc:docMk/>
+            <pc:sldMk cId="452856955" sldId="259"/>
+            <ac:spMk id="31" creationId="{19D9E93B-98EB-420F-9357-38A238F52743}"/>
+          </ac:spMkLst>
+        </pc:spChg>
+        <pc:spChg chg="mod">
+          <ac:chgData name="Esenwein Benjamin (inf20074)" userId="7720cf97-c6ae-4bac-a435-f995da81a4ba" providerId="ADAL" clId="{66BD89BB-1F64-4C31-8A39-7CD03BA7EE7C}" dt="2021-11-10T16:55:02.728" v="6639" actId="1076"/>
+          <ac:spMkLst>
+            <pc:docMk/>
+            <pc:sldMk cId="452856955" sldId="259"/>
+            <ac:spMk id="32" creationId="{D563C1BD-737A-4C8E-AEDA-C11D93CD3966}"/>
+          </ac:spMkLst>
+        </pc:spChg>
+        <pc:grpChg chg="add mod">
+          <ac:chgData name="Esenwein Benjamin (inf20074)" userId="7720cf97-c6ae-4bac-a435-f995da81a4ba" providerId="ADAL" clId="{66BD89BB-1F64-4C31-8A39-7CD03BA7EE7C}" dt="2021-11-08T17:05:06.097" v="4392" actId="1076"/>
+          <ac:grpSpMkLst>
+            <pc:docMk/>
+            <pc:sldMk cId="452856955" sldId="259"/>
+            <ac:grpSpMk id="24" creationId="{E43CD1C5-71EC-4B1C-BB00-55F5529E774E}"/>
+          </ac:grpSpMkLst>
+        </pc:grpChg>
+        <pc:picChg chg="add del mod">
+          <ac:chgData name="Esenwein Benjamin (inf20074)" userId="7720cf97-c6ae-4bac-a435-f995da81a4ba" providerId="ADAL" clId="{66BD89BB-1F64-4C31-8A39-7CD03BA7EE7C}" dt="2021-11-08T16:06:14.627" v="1604" actId="478"/>
+          <ac:picMkLst>
+            <pc:docMk/>
+            <pc:sldMk cId="452856955" sldId="259"/>
+            <ac:picMk id="8" creationId="{B35D19EF-97F6-467E-8B95-5432EF1E46B0}"/>
+          </ac:picMkLst>
+        </pc:picChg>
+        <pc:picChg chg="add del mod">
+          <ac:chgData name="Esenwein Benjamin (inf20074)" userId="7720cf97-c6ae-4bac-a435-f995da81a4ba" providerId="ADAL" clId="{66BD89BB-1F64-4C31-8A39-7CD03BA7EE7C}" dt="2021-11-08T16:06:29.355" v="1610"/>
+          <ac:picMkLst>
+            <pc:docMk/>
+            <pc:sldMk cId="452856955" sldId="259"/>
+            <ac:picMk id="12" creationId="{A76F7B96-8A95-440E-825D-4054F317AA26}"/>
+          </ac:picMkLst>
+        </pc:picChg>
+        <pc:picChg chg="add mod ord">
+          <ac:chgData name="Esenwein Benjamin (inf20074)" userId="7720cf97-c6ae-4bac-a435-f995da81a4ba" providerId="ADAL" clId="{66BD89BB-1F64-4C31-8A39-7CD03BA7EE7C}" dt="2021-11-08T16:11:36.113" v="1665" actId="164"/>
+          <ac:picMkLst>
+            <pc:docMk/>
+            <pc:sldMk cId="452856955" sldId="259"/>
+            <ac:picMk id="15" creationId="{71614E73-266E-4E12-98E5-0C22AEC230D0}"/>
+          </ac:picMkLst>
+        </pc:picChg>
+        <pc:picChg chg="add mod">
+          <ac:chgData name="Esenwein Benjamin (inf20074)" userId="7720cf97-c6ae-4bac-a435-f995da81a4ba" providerId="ADAL" clId="{66BD89BB-1F64-4C31-8A39-7CD03BA7EE7C}" dt="2021-11-08T16:11:36.113" v="1665" actId="164"/>
+          <ac:picMkLst>
+            <pc:docMk/>
+            <pc:sldMk cId="452856955" sldId="259"/>
+            <ac:picMk id="18" creationId="{AB65A386-85B3-4A4C-B2F1-388A8E1512F6}"/>
+          </ac:picMkLst>
+        </pc:picChg>
+        <pc:picChg chg="add mod">
+          <ac:chgData name="Esenwein Benjamin (inf20074)" userId="7720cf97-c6ae-4bac-a435-f995da81a4ba" providerId="ADAL" clId="{66BD89BB-1F64-4C31-8A39-7CD03BA7EE7C}" dt="2021-11-08T16:11:36.113" v="1665" actId="164"/>
+          <ac:picMkLst>
+            <pc:docMk/>
+            <pc:sldMk cId="452856955" sldId="259"/>
+            <ac:picMk id="20" creationId="{7F320540-572A-43E9-979A-D0D7287D4DD1}"/>
+          </ac:picMkLst>
+        </pc:picChg>
+        <pc:picChg chg="add del mod">
+          <ac:chgData name="Esenwein Benjamin (inf20074)" userId="7720cf97-c6ae-4bac-a435-f995da81a4ba" providerId="ADAL" clId="{66BD89BB-1F64-4C31-8A39-7CD03BA7EE7C}" dt="2021-11-08T17:04:54.166" v="4391" actId="478"/>
+          <ac:picMkLst>
+            <pc:docMk/>
+            <pc:sldMk cId="452856955" sldId="259"/>
+            <ac:picMk id="25" creationId="{16462EF4-E135-4219-8F30-5350135DB854}"/>
+          </ac:picMkLst>
+        </pc:picChg>
+        <pc:picChg chg="add mod">
+          <ac:chgData name="Esenwein Benjamin (inf20074)" userId="7720cf97-c6ae-4bac-a435-f995da81a4ba" providerId="ADAL" clId="{66BD89BB-1F64-4C31-8A39-7CD03BA7EE7C}" dt="2021-11-08T16:06:41.701" v="1613" actId="1076"/>
+          <ac:picMkLst>
+            <pc:docMk/>
+            <pc:sldMk cId="452856955" sldId="259"/>
+            <ac:picMk id="1026" creationId="{A6B07CCD-D2CC-42B8-93BA-AB79E27EC9E7}"/>
+          </ac:picMkLst>
+        </pc:picChg>
+        <pc:cxnChg chg="del">
+          <ac:chgData name="Esenwein Benjamin (inf20074)" userId="7720cf97-c6ae-4bac-a435-f995da81a4ba" providerId="ADAL" clId="{66BD89BB-1F64-4C31-8A39-7CD03BA7EE7C}" dt="2021-11-10T15:31:19.776" v="6195" actId="478"/>
+          <ac:cxnSpMkLst>
+            <pc:docMk/>
+            <pc:sldMk cId="452856955" sldId="259"/>
+            <ac:cxnSpMk id="14" creationId="{5630DF80-EB0C-4207-B4D8-298E0A44F081}"/>
+          </ac:cxnSpMkLst>
+        </pc:cxnChg>
+        <pc:cxnChg chg="add mod">
+          <ac:chgData name="Esenwein Benjamin (inf20074)" userId="7720cf97-c6ae-4bac-a435-f995da81a4ba" providerId="ADAL" clId="{66BD89BB-1F64-4C31-8A39-7CD03BA7EE7C}" dt="2021-11-10T15:31:20.033" v="6196"/>
+          <ac:cxnSpMkLst>
+            <pc:docMk/>
+            <pc:sldMk cId="452856955" sldId="259"/>
+            <ac:cxnSpMk id="16" creationId="{07BD3071-2943-427C-A101-4CA434609CDA}"/>
+          </ac:cxnSpMkLst>
+        </pc:cxnChg>
+        <pc:cxnChg chg="add del mod">
+          <ac:chgData name="Esenwein Benjamin (inf20074)" userId="7720cf97-c6ae-4bac-a435-f995da81a4ba" providerId="ADAL" clId="{66BD89BB-1F64-4C31-8A39-7CD03BA7EE7C}" dt="2021-11-10T16:20:30.840" v="6529" actId="478"/>
+          <ac:cxnSpMkLst>
+            <pc:docMk/>
+            <pc:sldMk cId="452856955" sldId="259"/>
+            <ac:cxnSpMk id="21" creationId="{1FC297FA-0856-4DE4-AF98-21B2D6692972}"/>
+          </ac:cxnSpMkLst>
+        </pc:cxnChg>
+        <pc:cxnChg chg="add del mod">
+          <ac:chgData name="Esenwein Benjamin (inf20074)" userId="7720cf97-c6ae-4bac-a435-f995da81a4ba" providerId="ADAL" clId="{66BD89BB-1F64-4C31-8A39-7CD03BA7EE7C}" dt="2021-11-08T16:14:58.568" v="1680"/>
+          <ac:cxnSpMkLst>
+            <pc:docMk/>
+            <pc:sldMk cId="452856955" sldId="259"/>
+            <ac:cxnSpMk id="26" creationId="{B89B1BDF-2600-47D2-AEB6-ADC2BD0C8075}"/>
+          </ac:cxnSpMkLst>
+        </pc:cxnChg>
+        <pc:cxnChg chg="add del mod">
+          <ac:chgData name="Esenwein Benjamin (inf20074)" userId="7720cf97-c6ae-4bac-a435-f995da81a4ba" providerId="ADAL" clId="{66BD89BB-1F64-4C31-8A39-7CD03BA7EE7C}" dt="2021-11-08T16:14:58.568" v="1680"/>
+          <ac:cxnSpMkLst>
+            <pc:docMk/>
+            <pc:sldMk cId="452856955" sldId="259"/>
+            <ac:cxnSpMk id="27" creationId="{BB2B4E49-E54E-452B-8A38-7FCB4BD39D9C}"/>
+          </ac:cxnSpMkLst>
+        </pc:cxnChg>
+      </pc:sldChg>
+      <pc:sldChg chg="addSp delSp modSp new add del mod modTransition modShow modNotesTx">
+        <pc:chgData name="Esenwein Benjamin (inf20074)" userId="7720cf97-c6ae-4bac-a435-f995da81a4ba" providerId="ADAL" clId="{66BD89BB-1F64-4C31-8A39-7CD03BA7EE7C}" dt="2021-11-10T15:54:45.499" v="6372" actId="729"/>
+        <pc:sldMkLst>
+          <pc:docMk/>
+          <pc:sldMk cId="1356689989" sldId="260"/>
+        </pc:sldMkLst>
+        <pc:spChg chg="mod">
+          <ac:chgData name="Esenwein Benjamin (inf20074)" userId="7720cf97-c6ae-4bac-a435-f995da81a4ba" providerId="ADAL" clId="{66BD89BB-1F64-4C31-8A39-7CD03BA7EE7C}" dt="2021-11-08T15:55:27.121" v="1556" actId="113"/>
+          <ac:spMkLst>
+            <pc:docMk/>
+            <pc:sldMk cId="1356689989" sldId="260"/>
+            <ac:spMk id="2" creationId="{6A6CFDC0-5DE2-410C-961A-B89176639397}"/>
+          </ac:spMkLst>
+        </pc:spChg>
+        <pc:spChg chg="mod">
+          <ac:chgData name="Esenwein Benjamin (inf20074)" userId="7720cf97-c6ae-4bac-a435-f995da81a4ba" providerId="ADAL" clId="{66BD89BB-1F64-4C31-8A39-7CD03BA7EE7C}" dt="2021-11-08T18:41:51.629" v="4842" actId="790"/>
+          <ac:spMkLst>
+            <pc:docMk/>
+            <pc:sldMk cId="1356689989" sldId="260"/>
+            <ac:spMk id="3" creationId="{73D225A9-9311-48FD-AAF5-55E50D2A7DCC}"/>
+          </ac:spMkLst>
+        </pc:spChg>
+        <pc:spChg chg="add mod">
+          <ac:chgData name="Esenwein Benjamin (inf20074)" userId="7720cf97-c6ae-4bac-a435-f995da81a4ba" providerId="ADAL" clId="{66BD89BB-1F64-4C31-8A39-7CD03BA7EE7C}" dt="2021-11-08T15:44:01.850" v="1472"/>
+          <ac:spMkLst>
+            <pc:docMk/>
+            <pc:sldMk cId="1356689989" sldId="260"/>
+            <ac:spMk id="4" creationId="{42EEF7A8-BD98-4490-8838-2CF3D5B4C738}"/>
+          </ac:spMkLst>
+        </pc:spChg>
+        <pc:cxnChg chg="del">
+          <ac:chgData name="Esenwein Benjamin (inf20074)" userId="7720cf97-c6ae-4bac-a435-f995da81a4ba" providerId="ADAL" clId="{66BD89BB-1F64-4C31-8A39-7CD03BA7EE7C}" dt="2021-11-10T15:31:27.707" v="6199" actId="478"/>
+          <ac:cxnSpMkLst>
+            <pc:docMk/>
+            <pc:sldMk cId="1356689989" sldId="260"/>
+            <ac:cxnSpMk id="5" creationId="{8B5D101D-A589-4C3B-9061-C7CE7FE9E84E}"/>
+          </ac:cxnSpMkLst>
+        </pc:cxnChg>
+        <pc:cxnChg chg="add mod">
+          <ac:chgData name="Esenwein Benjamin (inf20074)" userId="7720cf97-c6ae-4bac-a435-f995da81a4ba" providerId="ADAL" clId="{66BD89BB-1F64-4C31-8A39-7CD03BA7EE7C}" dt="2021-11-10T15:31:28.044" v="6200"/>
+          <ac:cxnSpMkLst>
+            <pc:docMk/>
+            <pc:sldMk cId="1356689989" sldId="260"/>
+            <ac:cxnSpMk id="6" creationId="{5866BF4A-F283-4EF4-92EA-27F2B1E24C51}"/>
+          </ac:cxnSpMkLst>
+        </pc:cxnChg>
+        <pc:cxnChg chg="del">
+          <ac:chgData name="Esenwein Benjamin (inf20074)" userId="7720cf97-c6ae-4bac-a435-f995da81a4ba" providerId="ADAL" clId="{66BD89BB-1F64-4C31-8A39-7CD03BA7EE7C}" dt="2021-11-10T15:31:55.738" v="6209" actId="478"/>
+          <ac:cxnSpMkLst>
+            <pc:docMk/>
+            <pc:sldMk cId="1356689989" sldId="260"/>
+            <ac:cxnSpMk id="7" creationId="{B76961E3-1B5A-4C55-9AF4-6A84F6D9C363}"/>
+          </ac:cxnSpMkLst>
+        </pc:cxnChg>
+      </pc:sldChg>
+      <pc:sldChg chg="addSp delSp modSp add mod modTransition modNotesTx">
+        <pc:chgData name="Esenwein Benjamin (inf20074)" userId="7720cf97-c6ae-4bac-a435-f995da81a4ba" providerId="ADAL" clId="{66BD89BB-1F64-4C31-8A39-7CD03BA7EE7C}" dt="2021-11-10T16:20:20.878" v="6525" actId="478"/>
+        <pc:sldMkLst>
+          <pc:docMk/>
+          <pc:sldMk cId="2980803954" sldId="261"/>
+        </pc:sldMkLst>
+        <pc:spChg chg="mod">
+          <ac:chgData name="Esenwein Benjamin (inf20074)" userId="7720cf97-c6ae-4bac-a435-f995da81a4ba" providerId="ADAL" clId="{66BD89BB-1F64-4C31-8A39-7CD03BA7EE7C}" dt="2021-11-08T19:27:36.347" v="5957" actId="14100"/>
+          <ac:spMkLst>
+            <pc:docMk/>
+            <pc:sldMk cId="2980803954" sldId="261"/>
+            <ac:spMk id="2" creationId="{6A6CFDC0-5DE2-410C-961A-B89176639397}"/>
+          </ac:spMkLst>
+        </pc:spChg>
+        <pc:spChg chg="mod">
+          <ac:chgData name="Esenwein Benjamin (inf20074)" userId="7720cf97-c6ae-4bac-a435-f995da81a4ba" providerId="ADAL" clId="{66BD89BB-1F64-4C31-8A39-7CD03BA7EE7C}" dt="2021-11-08T19:28:06.305" v="5959" actId="790"/>
+          <ac:spMkLst>
+            <pc:docMk/>
+            <pc:sldMk cId="2980803954" sldId="261"/>
+            <ac:spMk id="3" creationId="{73D225A9-9311-48FD-AAF5-55E50D2A7DCC}"/>
+          </ac:spMkLst>
+        </pc:spChg>
+        <pc:spChg chg="add mod">
+          <ac:chgData name="Esenwein Benjamin (inf20074)" userId="7720cf97-c6ae-4bac-a435-f995da81a4ba" providerId="ADAL" clId="{66BD89BB-1F64-4C31-8A39-7CD03BA7EE7C}" dt="2021-11-08T15:44:02.880" v="1473"/>
+          <ac:spMkLst>
+            <pc:docMk/>
+            <pc:sldMk cId="2980803954" sldId="261"/>
+            <ac:spMk id="4" creationId="{56001663-622C-4C67-88DB-B8EC87D385FB}"/>
+          </ac:spMkLst>
+        </pc:spChg>
+        <pc:spChg chg="add mod">
+          <ac:chgData name="Esenwein Benjamin (inf20074)" userId="7720cf97-c6ae-4bac-a435-f995da81a4ba" providerId="ADAL" clId="{66BD89BB-1F64-4C31-8A39-7CD03BA7EE7C}" dt="2021-11-10T16:14:58.725" v="6482" actId="1076"/>
+          <ac:spMkLst>
+            <pc:docMk/>
+            <pc:sldMk cId="2980803954" sldId="261"/>
+            <ac:spMk id="7" creationId="{F7F29040-3579-4248-977C-7CBC048C3111}"/>
+          </ac:spMkLst>
+        </pc:spChg>
+        <pc:cxnChg chg="add mod">
+          <ac:chgData name="Esenwein Benjamin (inf20074)" userId="7720cf97-c6ae-4bac-a435-f995da81a4ba" providerId="ADAL" clId="{66BD89BB-1F64-4C31-8A39-7CD03BA7EE7C}" dt="2021-11-10T15:31:30.459" v="6201"/>
+          <ac:cxnSpMkLst>
+            <pc:docMk/>
+            <pc:sldMk cId="2980803954" sldId="261"/>
+            <ac:cxnSpMk id="6" creationId="{6E25CDE1-697B-4F40-9BC5-079FB0A625C9}"/>
+          </ac:cxnSpMkLst>
+        </pc:cxnChg>
+        <pc:cxnChg chg="del">
+          <ac:chgData name="Esenwein Benjamin (inf20074)" userId="7720cf97-c6ae-4bac-a435-f995da81a4ba" providerId="ADAL" clId="{66BD89BB-1F64-4C31-8A39-7CD03BA7EE7C}" dt="2021-11-10T15:31:52.002" v="6208" actId="478"/>
+          <ac:cxnSpMkLst>
+            <pc:docMk/>
+            <pc:sldMk cId="2980803954" sldId="261"/>
+            <ac:cxnSpMk id="7" creationId="{F593A212-2085-42A7-8687-A76C52BE0A76}"/>
+          </ac:cxnSpMkLst>
+        </pc:cxnChg>
+        <pc:cxnChg chg="add del mod">
+          <ac:chgData name="Esenwein Benjamin (inf20074)" userId="7720cf97-c6ae-4bac-a435-f995da81a4ba" providerId="ADAL" clId="{66BD89BB-1F64-4C31-8A39-7CD03BA7EE7C}" dt="2021-11-10T16:20:20.878" v="6525" actId="478"/>
+          <ac:cxnSpMkLst>
+            <pc:docMk/>
+            <pc:sldMk cId="2980803954" sldId="261"/>
+            <ac:cxnSpMk id="8" creationId="{99BC0D80-7565-4CD1-89EE-7B35F9871ED6}"/>
+          </ac:cxnSpMkLst>
+        </pc:cxnChg>
+      </pc:sldChg>
+      <pc:sldChg chg="addSp delSp modSp new mod modTransition modAnim modNotesTx">
+        <pc:chgData name="Esenwein Benjamin (inf20074)" userId="7720cf97-c6ae-4bac-a435-f995da81a4ba" providerId="ADAL" clId="{66BD89BB-1F64-4C31-8A39-7CD03BA7EE7C}" dt="2021-11-10T16:57:17.791" v="6647" actId="1076"/>
+        <pc:sldMkLst>
+          <pc:docMk/>
+          <pc:sldMk cId="4147236091" sldId="262"/>
+        </pc:sldMkLst>
+        <pc:spChg chg="mod">
+          <ac:chgData name="Esenwein Benjamin (inf20074)" userId="7720cf97-c6ae-4bac-a435-f995da81a4ba" providerId="ADAL" clId="{66BD89BB-1F64-4C31-8A39-7CD03BA7EE7C}" dt="2021-11-08T15:55:34.053" v="1558" actId="113"/>
+          <ac:spMkLst>
+            <pc:docMk/>
+            <pc:sldMk cId="4147236091" sldId="262"/>
+            <ac:spMk id="2" creationId="{1747C8D8-D661-4E78-B917-32AB748623DB}"/>
+          </ac:spMkLst>
+        </pc:spChg>
+        <pc:spChg chg="del">
+          <ac:chgData name="Esenwein Benjamin (inf20074)" userId="7720cf97-c6ae-4bac-a435-f995da81a4ba" providerId="ADAL" clId="{66BD89BB-1F64-4C31-8A39-7CD03BA7EE7C}" dt="2021-11-08T16:30:29.826" v="1719"/>
+          <ac:spMkLst>
+            <pc:docMk/>
+            <pc:sldMk cId="4147236091" sldId="262"/>
+            <ac:spMk id="3" creationId="{7696D98C-9EE6-4815-8B29-959EB68EC44C}"/>
+          </ac:spMkLst>
+        </pc:spChg>
+        <pc:spChg chg="add mod">
+          <ac:chgData name="Esenwein Benjamin (inf20074)" userId="7720cf97-c6ae-4bac-a435-f995da81a4ba" providerId="ADAL" clId="{66BD89BB-1F64-4C31-8A39-7CD03BA7EE7C}" dt="2021-11-08T15:44:04.669" v="1474"/>
+          <ac:spMkLst>
+            <pc:docMk/>
+            <pc:sldMk cId="4147236091" sldId="262"/>
+            <ac:spMk id="4" creationId="{9F3249F3-F807-49E4-B25C-F8E254374BE1}"/>
+          </ac:spMkLst>
+        </pc:spChg>
+        <pc:spChg chg="add del mod">
+          <ac:chgData name="Esenwein Benjamin (inf20074)" userId="7720cf97-c6ae-4bac-a435-f995da81a4ba" providerId="ADAL" clId="{66BD89BB-1F64-4C31-8A39-7CD03BA7EE7C}" dt="2021-11-08T16:34:13.205" v="1725"/>
+          <ac:spMkLst>
+            <pc:docMk/>
+            <pc:sldMk cId="4147236091" sldId="262"/>
+            <ac:spMk id="8" creationId="{B4A9557C-9768-4F38-88A8-2638E3CDFF59}"/>
+          </ac:spMkLst>
+        </pc:spChg>
+        <pc:spChg chg="add mod">
+          <ac:chgData name="Esenwein Benjamin (inf20074)" userId="7720cf97-c6ae-4bac-a435-f995da81a4ba" providerId="ADAL" clId="{66BD89BB-1F64-4C31-8A39-7CD03BA7EE7C}" dt="2021-11-10T16:00:10.614" v="6376" actId="207"/>
+          <ac:spMkLst>
+            <pc:docMk/>
+            <pc:sldMk cId="4147236091" sldId="262"/>
+            <ac:spMk id="12" creationId="{87AD0200-DD05-49D8-A458-EA41761A8DE1}"/>
+          </ac:spMkLst>
+        </pc:spChg>
+        <pc:spChg chg="add mod">
+          <ac:chgData name="Esenwein Benjamin (inf20074)" userId="7720cf97-c6ae-4bac-a435-f995da81a4ba" providerId="ADAL" clId="{66BD89BB-1F64-4C31-8A39-7CD03BA7EE7C}" dt="2021-11-10T16:57:17.791" v="6647" actId="1076"/>
+          <ac:spMkLst>
+            <pc:docMk/>
+            <pc:sldMk cId="4147236091" sldId="262"/>
+            <ac:spMk id="15" creationId="{209566E8-9D98-465B-BE0F-01BCCF75D1EA}"/>
+          </ac:spMkLst>
+        </pc:spChg>
+        <pc:spChg chg="add mod">
+          <ac:chgData name="Esenwein Benjamin (inf20074)" userId="7720cf97-c6ae-4bac-a435-f995da81a4ba" providerId="ADAL" clId="{66BD89BB-1F64-4C31-8A39-7CD03BA7EE7C}" dt="2021-11-10T16:57:17.791" v="6647" actId="1076"/>
+          <ac:spMkLst>
+            <pc:docMk/>
+            <pc:sldMk cId="4147236091" sldId="262"/>
+            <ac:spMk id="17" creationId="{4CFD39F8-4CBB-4EE4-8478-BADE98CF2E40}"/>
+          </ac:spMkLst>
+        </pc:spChg>
+        <pc:spChg chg="mod">
+          <ac:chgData name="Esenwein Benjamin (inf20074)" userId="7720cf97-c6ae-4bac-a435-f995da81a4ba" providerId="ADAL" clId="{66BD89BB-1F64-4C31-8A39-7CD03BA7EE7C}" dt="2021-11-10T16:57:17.791" v="6647" actId="1076"/>
+          <ac:spMkLst>
+            <pc:docMk/>
+            <pc:sldMk cId="4147236091" sldId="262"/>
+            <ac:spMk id="18" creationId="{65F52A42-A9AF-4503-8AF2-4EC1BBF45A1B}"/>
+          </ac:spMkLst>
+        </pc:spChg>
+        <pc:spChg chg="mod">
+          <ac:chgData name="Esenwein Benjamin (inf20074)" userId="7720cf97-c6ae-4bac-a435-f995da81a4ba" providerId="ADAL" clId="{66BD89BB-1F64-4C31-8A39-7CD03BA7EE7C}" dt="2021-11-10T16:57:17.791" v="6647" actId="1076"/>
+          <ac:spMkLst>
+            <pc:docMk/>
+            <pc:sldMk cId="4147236091" sldId="262"/>
+            <ac:spMk id="20" creationId="{CDFA100E-A128-4646-A86D-500F8424EF60}"/>
+          </ac:spMkLst>
+        </pc:spChg>
+        <pc:spChg chg="mod">
+          <ac:chgData name="Esenwein Benjamin (inf20074)" userId="7720cf97-c6ae-4bac-a435-f995da81a4ba" providerId="ADAL" clId="{66BD89BB-1F64-4C31-8A39-7CD03BA7EE7C}" dt="2021-11-10T16:57:17.791" v="6647" actId="1076"/>
+          <ac:spMkLst>
+            <pc:docMk/>
+            <pc:sldMk cId="4147236091" sldId="262"/>
+            <ac:spMk id="21" creationId="{EFDB0F1D-06FB-4FF3-BA0D-D74305FF8E92}"/>
+          </ac:spMkLst>
+        </pc:spChg>
+        <pc:graphicFrameChg chg="add mod modGraphic">
+          <ac:chgData name="Esenwein Benjamin (inf20074)" userId="7720cf97-c6ae-4bac-a435-f995da81a4ba" providerId="ADAL" clId="{66BD89BB-1F64-4C31-8A39-7CD03BA7EE7C}" dt="2021-11-08T16:41:30.148" v="1973" actId="1076"/>
+          <ac:graphicFrameMkLst>
+            <pc:docMk/>
+            <pc:sldMk cId="4147236091" sldId="262"/>
+            <ac:graphicFrameMk id="13" creationId="{86E52FFC-05E8-46A6-B4A1-33E2B7A7C8B4}"/>
+          </ac:graphicFrameMkLst>
+        </pc:graphicFrameChg>
+        <pc:picChg chg="add del mod modCrop">
+          <ac:chgData name="Esenwein Benjamin (inf20074)" userId="7720cf97-c6ae-4bac-a435-f995da81a4ba" providerId="ADAL" clId="{66BD89BB-1F64-4C31-8A39-7CD03BA7EE7C}" dt="2021-11-08T16:30:46.134" v="1724" actId="478"/>
+          <ac:picMkLst>
+            <pc:docMk/>
+            <pc:sldMk cId="4147236091" sldId="262"/>
+            <ac:picMk id="6" creationId="{E5B02E5B-D215-4415-94FD-952BB2620F13}"/>
+          </ac:picMkLst>
+        </pc:picChg>
+        <pc:picChg chg="add mod">
+          <ac:chgData name="Esenwein Benjamin (inf20074)" userId="7720cf97-c6ae-4bac-a435-f995da81a4ba" providerId="ADAL" clId="{66BD89BB-1F64-4C31-8A39-7CD03BA7EE7C}" dt="2021-11-08T19:33:26.217" v="5989" actId="14826"/>
+          <ac:picMkLst>
+            <pc:docMk/>
+            <pc:sldMk cId="4147236091" sldId="262"/>
+            <ac:picMk id="9" creationId="{C75CF267-E927-4BB0-BA73-A7F230D085F1}"/>
+          </ac:picMkLst>
+        </pc:picChg>
+        <pc:picChg chg="add del mod modCrop">
+          <ac:chgData name="Esenwein Benjamin (inf20074)" userId="7720cf97-c6ae-4bac-a435-f995da81a4ba" providerId="ADAL" clId="{66BD89BB-1F64-4C31-8A39-7CD03BA7EE7C}" dt="2021-11-08T16:36:45.728" v="1793" actId="478"/>
+          <ac:picMkLst>
+            <pc:docMk/>
+            <pc:sldMk cId="4147236091" sldId="262"/>
+            <ac:picMk id="10" creationId="{8A09203B-CB14-4E0C-9068-67F4B4027108}"/>
+          </ac:picMkLst>
+        </pc:picChg>
+        <pc:picChg chg="add mod modCrop">
+          <ac:chgData name="Esenwein Benjamin (inf20074)" userId="7720cf97-c6ae-4bac-a435-f995da81a4ba" providerId="ADAL" clId="{66BD89BB-1F64-4C31-8A39-7CD03BA7EE7C}" dt="2021-11-08T19:34:32.569" v="5999" actId="1076"/>
+          <ac:picMkLst>
+            <pc:docMk/>
+            <pc:sldMk cId="4147236091" sldId="262"/>
+            <ac:picMk id="11" creationId="{A9ED0D2B-E1E9-433D-A571-67069977AB7B}"/>
+          </ac:picMkLst>
+        </pc:picChg>
+        <pc:picChg chg="add del">
+          <ac:chgData name="Esenwein Benjamin (inf20074)" userId="7720cf97-c6ae-4bac-a435-f995da81a4ba" providerId="ADAL" clId="{66BD89BB-1F64-4C31-8A39-7CD03BA7EE7C}" dt="2021-11-08T19:33:27.858" v="5990" actId="478"/>
+          <ac:picMkLst>
+            <pc:docMk/>
+            <pc:sldMk cId="4147236091" sldId="262"/>
+            <ac:picMk id="14" creationId="{1E4706FC-4097-4941-BA90-EEEC38405E2F}"/>
+          </ac:picMkLst>
+        </pc:picChg>
+        <pc:picChg chg="add del mod modCrop">
+          <ac:chgData name="Esenwein Benjamin (inf20074)" userId="7720cf97-c6ae-4bac-a435-f995da81a4ba" providerId="ADAL" clId="{66BD89BB-1F64-4C31-8A39-7CD03BA7EE7C}" dt="2021-11-08T19:34:30.512" v="5998" actId="478"/>
+          <ac:picMkLst>
+            <pc:docMk/>
+            <pc:sldMk cId="4147236091" sldId="262"/>
+            <ac:picMk id="15" creationId="{FDBF7E64-1AF6-4948-8976-19403595F080}"/>
+          </ac:picMkLst>
+        </pc:picChg>
+        <pc:picChg chg="add del">
+          <ac:chgData name="Esenwein Benjamin (inf20074)" userId="7720cf97-c6ae-4bac-a435-f995da81a4ba" providerId="ADAL" clId="{66BD89BB-1F64-4C31-8A39-7CD03BA7EE7C}" dt="2021-11-08T19:34:25.359" v="5996" actId="478"/>
+          <ac:picMkLst>
+            <pc:docMk/>
+            <pc:sldMk cId="4147236091" sldId="262"/>
+            <ac:picMk id="16" creationId="{19AEAFC8-387B-411D-A65C-5018B0052CDD}"/>
+          </ac:picMkLst>
+        </pc:picChg>
+        <pc:cxnChg chg="del">
+          <ac:chgData name="Esenwein Benjamin (inf20074)" userId="7720cf97-c6ae-4bac-a435-f995da81a4ba" providerId="ADAL" clId="{66BD89BB-1F64-4C31-8A39-7CD03BA7EE7C}" dt="2021-11-10T15:31:34.874" v="6203" actId="478"/>
+          <ac:cxnSpMkLst>
+            <pc:docMk/>
+            <pc:sldMk cId="4147236091" sldId="262"/>
+            <ac:cxnSpMk id="10" creationId="{29E1E09D-5A74-45D9-9D33-A846C9C127DB}"/>
+          </ac:cxnSpMkLst>
+        </pc:cxnChg>
+        <pc:cxnChg chg="add mod">
+          <ac:chgData name="Esenwein Benjamin (inf20074)" userId="7720cf97-c6ae-4bac-a435-f995da81a4ba" providerId="ADAL" clId="{66BD89BB-1F64-4C31-8A39-7CD03BA7EE7C}" dt="2021-11-10T15:31:32.346" v="6202"/>
+          <ac:cxnSpMkLst>
+            <pc:docMk/>
+            <pc:sldMk cId="4147236091" sldId="262"/>
+            <ac:cxnSpMk id="14" creationId="{41B0F850-8A23-4255-9729-22A00430A6F6}"/>
+          </ac:cxnSpMkLst>
+        </pc:cxnChg>
+        <pc:cxnChg chg="add del mod">
+          <ac:chgData name="Esenwein Benjamin (inf20074)" userId="7720cf97-c6ae-4bac-a435-f995da81a4ba" providerId="ADAL" clId="{66BD89BB-1F64-4C31-8A39-7CD03BA7EE7C}" dt="2021-11-10T16:20:18.121" v="6524" actId="478"/>
+          <ac:cxnSpMkLst>
+            <pc:docMk/>
+            <pc:sldMk cId="4147236091" sldId="262"/>
+            <ac:cxnSpMk id="16" creationId="{6278035C-70FE-48DF-ADDB-7181575A13DA}"/>
+          </ac:cxnSpMkLst>
+        </pc:cxnChg>
+      </pc:sldChg>
+      <pc:sldChg chg="addSp delSp modSp new mod modTransition modNotesTx">
+        <pc:chgData name="Esenwein Benjamin (inf20074)" userId="7720cf97-c6ae-4bac-a435-f995da81a4ba" providerId="ADAL" clId="{66BD89BB-1F64-4C31-8A39-7CD03BA7EE7C}" dt="2021-11-10T16:57:28.595" v="6649" actId="1076"/>
+        <pc:sldMkLst>
+          <pc:docMk/>
+          <pc:sldMk cId="3942132956" sldId="263"/>
+        </pc:sldMkLst>
+        <pc:spChg chg="mod">
+          <ac:chgData name="Esenwein Benjamin (inf20074)" userId="7720cf97-c6ae-4bac-a435-f995da81a4ba" providerId="ADAL" clId="{66BD89BB-1F64-4C31-8A39-7CD03BA7EE7C}" dt="2021-11-08T15:55:47.433" v="1561" actId="113"/>
+          <ac:spMkLst>
+            <pc:docMk/>
+            <pc:sldMk cId="3942132956" sldId="263"/>
+            <ac:spMk id="2" creationId="{DA9BDA2B-56A2-491C-9E03-6C9A0F6F509F}"/>
+          </ac:spMkLst>
+        </pc:spChg>
+        <pc:spChg chg="mod">
+          <ac:chgData name="Esenwein Benjamin (inf20074)" userId="7720cf97-c6ae-4bac-a435-f995da81a4ba" providerId="ADAL" clId="{66BD89BB-1F64-4C31-8A39-7CD03BA7EE7C}" dt="2021-11-08T19:31:53.805" v="5987" actId="20577"/>
+          <ac:spMkLst>
+            <pc:docMk/>
+            <pc:sldMk cId="3942132956" sldId="263"/>
+            <ac:spMk id="3" creationId="{8ECD18E5-590E-4C0D-B1EF-55B4404B39CD}"/>
+          </ac:spMkLst>
+        </pc:spChg>
+        <pc:spChg chg="add mod">
+          <ac:chgData name="Esenwein Benjamin (inf20074)" userId="7720cf97-c6ae-4bac-a435-f995da81a4ba" providerId="ADAL" clId="{66BD89BB-1F64-4C31-8A39-7CD03BA7EE7C}" dt="2021-11-08T15:44:06.042" v="1475"/>
+          <ac:spMkLst>
+            <pc:docMk/>
+            <pc:sldMk cId="3942132956" sldId="263"/>
+            <ac:spMk id="4" creationId="{D0AFC6DD-26D2-4007-A5FF-10495AFF19EB}"/>
+          </ac:spMkLst>
+        </pc:spChg>
+        <pc:spChg chg="add mod">
+          <ac:chgData name="Esenwein Benjamin (inf20074)" userId="7720cf97-c6ae-4bac-a435-f995da81a4ba" providerId="ADAL" clId="{66BD89BB-1F64-4C31-8A39-7CD03BA7EE7C}" dt="2021-11-10T16:57:28.595" v="6649" actId="1076"/>
+          <ac:spMkLst>
+            <pc:docMk/>
+            <pc:sldMk cId="3942132956" sldId="263"/>
+            <ac:spMk id="13" creationId="{510F2CD5-8D4D-4B3E-A766-46C21EBB3180}"/>
+          </ac:spMkLst>
+        </pc:spChg>
+        <pc:spChg chg="add mod">
+          <ac:chgData name="Esenwein Benjamin (inf20074)" userId="7720cf97-c6ae-4bac-a435-f995da81a4ba" providerId="ADAL" clId="{66BD89BB-1F64-4C31-8A39-7CD03BA7EE7C}" dt="2021-11-10T16:57:28.595" v="6649" actId="1076"/>
+          <ac:spMkLst>
+            <pc:docMk/>
+            <pc:sldMk cId="3942132956" sldId="263"/>
+            <ac:spMk id="15" creationId="{E349ECFE-6CEA-4AB3-9828-2FBEEFC29540}"/>
+          </ac:spMkLst>
+        </pc:spChg>
+        <pc:spChg chg="mod">
+          <ac:chgData name="Esenwein Benjamin (inf20074)" userId="7720cf97-c6ae-4bac-a435-f995da81a4ba" providerId="ADAL" clId="{66BD89BB-1F64-4C31-8A39-7CD03BA7EE7C}" dt="2021-11-10T16:57:28.595" v="6649" actId="1076"/>
+          <ac:spMkLst>
+            <pc:docMk/>
+            <pc:sldMk cId="3942132956" sldId="263"/>
+            <ac:spMk id="16" creationId="{CCDE6B28-49C9-4EFD-B8A1-4ACBED39E3FC}"/>
+          </ac:spMkLst>
+        </pc:spChg>
+        <pc:spChg chg="mod">
+          <ac:chgData name="Esenwein Benjamin (inf20074)" userId="7720cf97-c6ae-4bac-a435-f995da81a4ba" providerId="ADAL" clId="{66BD89BB-1F64-4C31-8A39-7CD03BA7EE7C}" dt="2021-11-10T16:57:28.595" v="6649" actId="1076"/>
+          <ac:spMkLst>
+            <pc:docMk/>
+            <pc:sldMk cId="3942132956" sldId="263"/>
+            <ac:spMk id="17" creationId="{1B4D3D75-F96F-4B01-8CF7-E1DC3E2E98B8}"/>
+          </ac:spMkLst>
+        </pc:spChg>
+        <pc:cxnChg chg="del">
+          <ac:chgData name="Esenwein Benjamin (inf20074)" userId="7720cf97-c6ae-4bac-a435-f995da81a4ba" providerId="ADAL" clId="{66BD89BB-1F64-4C31-8A39-7CD03BA7EE7C}" dt="2021-11-10T15:31:38.586" v="6204" actId="478"/>
+          <ac:cxnSpMkLst>
+            <pc:docMk/>
+            <pc:sldMk cId="3942132956" sldId="263"/>
+            <ac:cxnSpMk id="9" creationId="{32685653-62C9-4646-9E9A-356DE4410098}"/>
+          </ac:cxnSpMkLst>
+        </pc:cxnChg>
+        <pc:cxnChg chg="add mod">
+          <ac:chgData name="Esenwein Benjamin (inf20074)" userId="7720cf97-c6ae-4bac-a435-f995da81a4ba" providerId="ADAL" clId="{66BD89BB-1F64-4C31-8A39-7CD03BA7EE7C}" dt="2021-11-10T15:31:38.871" v="6205"/>
+          <ac:cxnSpMkLst>
+            <pc:docMk/>
+            <pc:sldMk cId="3942132956" sldId="263"/>
+            <ac:cxnSpMk id="11" creationId="{A3DC1B73-40F9-4DDE-87D8-6EA5699D55D0}"/>
+          </ac:cxnSpMkLst>
+        </pc:cxnChg>
+        <pc:cxnChg chg="add del mod">
+          <ac:chgData name="Esenwein Benjamin (inf20074)" userId="7720cf97-c6ae-4bac-a435-f995da81a4ba" providerId="ADAL" clId="{66BD89BB-1F64-4C31-8A39-7CD03BA7EE7C}" dt="2021-11-10T16:20:15.339" v="6523" actId="478"/>
+          <ac:cxnSpMkLst>
+            <pc:docMk/>
+            <pc:sldMk cId="3942132956" sldId="263"/>
+            <ac:cxnSpMk id="14" creationId="{C67BAB91-CCD2-4594-9D62-ACB13D46C902}"/>
+          </ac:cxnSpMkLst>
+        </pc:cxnChg>
+      </pc:sldChg>
+      <pc:sldChg chg="addSp delSp modSp new mod modTransition">
+        <pc:chgData name="Esenwein Benjamin (inf20074)" userId="7720cf97-c6ae-4bac-a435-f995da81a4ba" providerId="ADAL" clId="{66BD89BB-1F64-4C31-8A39-7CD03BA7EE7C}" dt="2021-11-10T16:57:44.328" v="6651" actId="1076"/>
+        <pc:sldMkLst>
+          <pc:docMk/>
+          <pc:sldMk cId="3108174479" sldId="264"/>
+        </pc:sldMkLst>
+        <pc:spChg chg="mod">
+          <ac:chgData name="Esenwein Benjamin (inf20074)" userId="7720cf97-c6ae-4bac-a435-f995da81a4ba" providerId="ADAL" clId="{66BD89BB-1F64-4C31-8A39-7CD03BA7EE7C}" dt="2021-11-08T15:55:51.258" v="1562" actId="113"/>
+          <ac:spMkLst>
+            <pc:docMk/>
+            <pc:sldMk cId="3108174479" sldId="264"/>
+            <ac:spMk id="2" creationId="{098C8E74-948A-4D59-9E4F-8E3EE0B24F04}"/>
+          </ac:spMkLst>
+        </pc:spChg>
+        <pc:spChg chg="del">
+          <ac:chgData name="Esenwein Benjamin (inf20074)" userId="7720cf97-c6ae-4bac-a435-f995da81a4ba" providerId="ADAL" clId="{66BD89BB-1F64-4C31-8A39-7CD03BA7EE7C}" dt="2021-11-08T15:50:21.380" v="1514" actId="931"/>
+          <ac:spMkLst>
+            <pc:docMk/>
+            <pc:sldMk cId="3108174479" sldId="264"/>
+            <ac:spMk id="3" creationId="{62C49631-B69B-4485-9812-C66F8A299CD2}"/>
+          </ac:spMkLst>
+        </pc:spChg>
+        <pc:spChg chg="add mod">
+          <ac:chgData name="Esenwein Benjamin (inf20074)" userId="7720cf97-c6ae-4bac-a435-f995da81a4ba" providerId="ADAL" clId="{66BD89BB-1F64-4C31-8A39-7CD03BA7EE7C}" dt="2021-11-08T15:44:07.579" v="1476"/>
+          <ac:spMkLst>
+            <pc:docMk/>
+            <pc:sldMk cId="3108174479" sldId="264"/>
+            <ac:spMk id="4" creationId="{DE205510-11F1-4DA8-A373-073412079E9E}"/>
+          </ac:spMkLst>
+        </pc:spChg>
+        <pc:spChg chg="add mod">
+          <ac:chgData name="Esenwein Benjamin (inf20074)" userId="7720cf97-c6ae-4bac-a435-f995da81a4ba" providerId="ADAL" clId="{66BD89BB-1F64-4C31-8A39-7CD03BA7EE7C}" dt="2021-11-10T16:57:44.328" v="6651" actId="1076"/>
+          <ac:spMkLst>
+            <pc:docMk/>
+            <pc:sldMk cId="3108174479" sldId="264"/>
+            <ac:spMk id="8" creationId="{DE20D7D9-ADD6-46E6-94A2-F5082BE29DC5}"/>
+          </ac:spMkLst>
+        </pc:spChg>
+        <pc:spChg chg="add del mod">
+          <ac:chgData name="Esenwein Benjamin (inf20074)" userId="7720cf97-c6ae-4bac-a435-f995da81a4ba" providerId="ADAL" clId="{66BD89BB-1F64-4C31-8A39-7CD03BA7EE7C}" dt="2021-11-08T15:51:04.133" v="1525" actId="478"/>
+          <ac:spMkLst>
+            <pc:docMk/>
+            <pc:sldMk cId="3108174479" sldId="264"/>
+            <ac:spMk id="8" creationId="{E131E462-E430-42CF-A109-21B28154715E}"/>
+          </ac:spMkLst>
+        </pc:spChg>
+        <pc:spChg chg="add mod">
+          <ac:chgData name="Esenwein Benjamin (inf20074)" userId="7720cf97-c6ae-4bac-a435-f995da81a4ba" providerId="ADAL" clId="{66BD89BB-1F64-4C31-8A39-7CD03BA7EE7C}" dt="2021-11-10T16:57:44.328" v="6651" actId="1076"/>
+          <ac:spMkLst>
+            <pc:docMk/>
+            <pc:sldMk cId="3108174479" sldId="264"/>
+            <ac:spMk id="10" creationId="{9AC20EBF-5404-49CB-AA24-598A015B3747}"/>
+          </ac:spMkLst>
+        </pc:spChg>
+        <pc:spChg chg="mod">
+          <ac:chgData name="Esenwein Benjamin (inf20074)" userId="7720cf97-c6ae-4bac-a435-f995da81a4ba" providerId="ADAL" clId="{66BD89BB-1F64-4C31-8A39-7CD03BA7EE7C}" dt="2021-11-10T16:57:44.328" v="6651" actId="1076"/>
+          <ac:spMkLst>
+            <pc:docMk/>
+            <pc:sldMk cId="3108174479" sldId="264"/>
+            <ac:spMk id="11" creationId="{7152BBBF-2F52-4F17-B91A-FF51F38B140A}"/>
+          </ac:spMkLst>
+        </pc:spChg>
+        <pc:picChg chg="add del mod modCrop">
+          <ac:chgData name="Esenwein Benjamin (inf20074)" userId="7720cf97-c6ae-4bac-a435-f995da81a4ba" providerId="ADAL" clId="{66BD89BB-1F64-4C31-8A39-7CD03BA7EE7C}" dt="2021-11-08T15:53:00.613" v="1536"/>
+          <ac:picMkLst>
+            <pc:docMk/>
+            <pc:sldMk cId="3108174479" sldId="264"/>
+            <ac:picMk id="6" creationId="{9126A48E-B2C7-4A2A-813B-E0213E3B9851}"/>
+          </ac:picMkLst>
+        </pc:picChg>
+        <pc:cxnChg chg="add mod">
+          <ac:chgData name="Esenwein Benjamin (inf20074)" userId="7720cf97-c6ae-4bac-a435-f995da81a4ba" providerId="ADAL" clId="{66BD89BB-1F64-4C31-8A39-7CD03BA7EE7C}" dt="2021-11-10T15:31:41.794" v="6206"/>
+          <ac:cxnSpMkLst>
+            <pc:docMk/>
+            <pc:sldMk cId="3108174479" sldId="264"/>
+            <ac:cxnSpMk id="6" creationId="{68F9B753-0435-4884-B289-937B9B2A8761}"/>
+          </ac:cxnSpMkLst>
+        </pc:cxnChg>
+        <pc:cxnChg chg="add del mod">
+          <ac:chgData name="Esenwein Benjamin (inf20074)" userId="7720cf97-c6ae-4bac-a435-f995da81a4ba" providerId="ADAL" clId="{66BD89BB-1F64-4C31-8A39-7CD03BA7EE7C}" dt="2021-11-10T16:20:13.267" v="6522" actId="478"/>
+          <ac:cxnSpMkLst>
+            <pc:docMk/>
+            <pc:sldMk cId="3108174479" sldId="264"/>
+            <ac:cxnSpMk id="9" creationId="{A386A069-2F65-4DB1-9CAE-4AD126DFD365}"/>
+          </ac:cxnSpMkLst>
+        </pc:cxnChg>
+      </pc:sldChg>
+      <pc:sldChg chg="addSp delSp modSp new mod modTransition modNotesTx">
+        <pc:chgData name="Esenwein Benjamin (inf20074)" userId="7720cf97-c6ae-4bac-a435-f995da81a4ba" providerId="ADAL" clId="{66BD89BB-1F64-4C31-8A39-7CD03BA7EE7C}" dt="2021-11-11T16:51:16.822" v="6652" actId="14826"/>
+        <pc:sldMkLst>
+          <pc:docMk/>
+          <pc:sldMk cId="943001127" sldId="265"/>
+        </pc:sldMkLst>
+        <pc:spChg chg="mod">
+          <ac:chgData name="Esenwein Benjamin (inf20074)" userId="7720cf97-c6ae-4bac-a435-f995da81a4ba" providerId="ADAL" clId="{66BD89BB-1F64-4C31-8A39-7CD03BA7EE7C}" dt="2021-11-08T15:55:53.866" v="1563" actId="113"/>
+          <ac:spMkLst>
+            <pc:docMk/>
+            <pc:sldMk cId="943001127" sldId="265"/>
+            <ac:spMk id="2" creationId="{1848D95F-1980-426E-9C4C-B2B524762F9F}"/>
+          </ac:spMkLst>
+        </pc:spChg>
+        <pc:spChg chg="add mod">
+          <ac:chgData name="Esenwein Benjamin (inf20074)" userId="7720cf97-c6ae-4bac-a435-f995da81a4ba" providerId="ADAL" clId="{66BD89BB-1F64-4C31-8A39-7CD03BA7EE7C}" dt="2021-11-08T15:44:09.141" v="1477"/>
+          <ac:spMkLst>
+            <pc:docMk/>
+            <pc:sldMk cId="943001127" sldId="265"/>
+            <ac:spMk id="4" creationId="{7904228C-2749-49A4-BDAE-05A08DDAA8DA}"/>
+          </ac:spMkLst>
+        </pc:spChg>
+        <pc:spChg chg="mod">
+          <ac:chgData name="Esenwein Benjamin (inf20074)" userId="7720cf97-c6ae-4bac-a435-f995da81a4ba" providerId="ADAL" clId="{66BD89BB-1F64-4C31-8A39-7CD03BA7EE7C}" dt="2021-11-09T16:49:45.496" v="6057" actId="1076"/>
+          <ac:spMkLst>
+            <pc:docMk/>
+            <pc:sldMk cId="943001127" sldId="265"/>
+            <ac:spMk id="6" creationId="{DC81DD02-0064-4DFD-A44C-F5A60FBF5789}"/>
+          </ac:spMkLst>
+        </pc:spChg>
+        <pc:spChg chg="mod">
+          <ac:chgData name="Esenwein Benjamin (inf20074)" userId="7720cf97-c6ae-4bac-a435-f995da81a4ba" providerId="ADAL" clId="{66BD89BB-1F64-4C31-8A39-7CD03BA7EE7C}" dt="2021-11-09T16:50:09.523" v="6065" actId="1076"/>
+          <ac:spMkLst>
+            <pc:docMk/>
+            <pc:sldMk cId="943001127" sldId="265"/>
+            <ac:spMk id="7" creationId="{B9D56C12-9039-422F-A211-496641B9BBBD}"/>
+          </ac:spMkLst>
+        </pc:spChg>
+        <pc:spChg chg="add mod">
+          <ac:chgData name="Esenwein Benjamin (inf20074)" userId="7720cf97-c6ae-4bac-a435-f995da81a4ba" providerId="ADAL" clId="{66BD89BB-1F64-4C31-8A39-7CD03BA7EE7C}" dt="2021-11-10T16:38:12.655" v="6602" actId="1582"/>
+          <ac:spMkLst>
+            <pc:docMk/>
+            <pc:sldMk cId="943001127" sldId="265"/>
+            <ac:spMk id="8" creationId="{5B764A9E-1860-4FBF-82A5-AEB3615DCD65}"/>
+          </ac:spMkLst>
+        </pc:spChg>
+        <pc:spChg chg="mod">
+          <ac:chgData name="Esenwein Benjamin (inf20074)" userId="7720cf97-c6ae-4bac-a435-f995da81a4ba" providerId="ADAL" clId="{66BD89BB-1F64-4C31-8A39-7CD03BA7EE7C}" dt="2021-11-09T16:49:31.685" v="6051" actId="164"/>
+          <ac:spMkLst>
+            <pc:docMk/>
+            <pc:sldMk cId="943001127" sldId="265"/>
+            <ac:spMk id="8" creationId="{68C634A0-A3E5-4DE0-A6E9-5E5AD3161A64}"/>
+          </ac:spMkLst>
+        </pc:spChg>
+        <pc:spChg chg="mod">
+          <ac:chgData name="Esenwein Benjamin (inf20074)" userId="7720cf97-c6ae-4bac-a435-f995da81a4ba" providerId="ADAL" clId="{66BD89BB-1F64-4C31-8A39-7CD03BA7EE7C}" dt="2021-11-09T16:49:31.685" v="6051" actId="164"/>
+          <ac:spMkLst>
+            <pc:docMk/>
+            <pc:sldMk cId="943001127" sldId="265"/>
+            <ac:spMk id="9" creationId="{DF695DBF-DEB0-4588-A706-08EB01B0C9EA}"/>
+          </ac:spMkLst>
+        </pc:spChg>
+        <pc:spChg chg="add mod">
+          <ac:chgData name="Esenwein Benjamin (inf20074)" userId="7720cf97-c6ae-4bac-a435-f995da81a4ba" providerId="ADAL" clId="{66BD89BB-1F64-4C31-8A39-7CD03BA7EE7C}" dt="2021-11-10T16:31:03.379" v="6573"/>
+          <ac:spMkLst>
+            <pc:docMk/>
+            <pc:sldMk cId="943001127" sldId="265"/>
+            <ac:spMk id="10" creationId="{CD099C78-05A7-4EFB-82BF-A6FD90D072D6}"/>
+          </ac:spMkLst>
+        </pc:spChg>
+        <pc:spChg chg="del mod">
+          <ac:chgData name="Esenwein Benjamin (inf20074)" userId="7720cf97-c6ae-4bac-a435-f995da81a4ba" providerId="ADAL" clId="{66BD89BB-1F64-4C31-8A39-7CD03BA7EE7C}" dt="2021-11-09T16:49:53.738" v="6059" actId="478"/>
+          <ac:spMkLst>
+            <pc:docMk/>
+            <pc:sldMk cId="943001127" sldId="265"/>
+            <ac:spMk id="10" creationId="{EDBB8735-12C8-487D-B163-2E9AB9C20B27}"/>
+          </ac:spMkLst>
+        </pc:spChg>
+        <pc:spChg chg="mod">
+          <ac:chgData name="Esenwein Benjamin (inf20074)" userId="7720cf97-c6ae-4bac-a435-f995da81a4ba" providerId="ADAL" clId="{66BD89BB-1F64-4C31-8A39-7CD03BA7EE7C}" dt="2021-11-10T16:56:21.572" v="6640" actId="1076"/>
+          <ac:spMkLst>
+            <pc:docMk/>
+            <pc:sldMk cId="943001127" sldId="265"/>
+            <ac:spMk id="15" creationId="{B11C4652-3554-4227-A056-000CBC867DB1}"/>
+          </ac:spMkLst>
+        </pc:spChg>
+        <pc:spChg chg="mod">
+          <ac:chgData name="Esenwein Benjamin (inf20074)" userId="7720cf97-c6ae-4bac-a435-f995da81a4ba" providerId="ADAL" clId="{66BD89BB-1F64-4C31-8A39-7CD03BA7EE7C}" dt="2021-11-10T16:56:28.388" v="6641" actId="1076"/>
+          <ac:spMkLst>
+            <pc:docMk/>
+            <pc:sldMk cId="943001127" sldId="265"/>
+            <ac:spMk id="16" creationId="{7376AA6A-6198-41B8-9A31-B74F35A58511}"/>
+          </ac:spMkLst>
+        </pc:spChg>
+        <pc:grpChg chg="add del mod">
+          <ac:chgData name="Esenwein Benjamin (inf20074)" userId="7720cf97-c6ae-4bac-a435-f995da81a4ba" providerId="ADAL" clId="{66BD89BB-1F64-4C31-8A39-7CD03BA7EE7C}" dt="2021-11-09T16:50:48.091" v="6072" actId="478"/>
+          <ac:grpSpMkLst>
+            <pc:docMk/>
+            <pc:sldMk cId="943001127" sldId="265"/>
+            <ac:grpSpMk id="3" creationId="{7EC0C933-80C1-41E9-80CA-FEAC2D279065}"/>
+          </ac:grpSpMkLst>
+        </pc:grpChg>
+        <pc:picChg chg="add mod">
+          <ac:chgData name="Esenwein Benjamin (inf20074)" userId="7720cf97-c6ae-4bac-a435-f995da81a4ba" providerId="ADAL" clId="{66BD89BB-1F64-4C31-8A39-7CD03BA7EE7C}" dt="2021-11-11T16:51:16.822" v="6652" actId="14826"/>
+          <ac:picMkLst>
+            <pc:docMk/>
+            <pc:sldMk cId="943001127" sldId="265"/>
+            <ac:picMk id="5" creationId="{498ADD88-7C60-4287-8469-ED9DD450D546}"/>
+          </ac:picMkLst>
+        </pc:picChg>
+        <pc:picChg chg="add del">
+          <ac:chgData name="Esenwein Benjamin (inf20074)" userId="7720cf97-c6ae-4bac-a435-f995da81a4ba" providerId="ADAL" clId="{66BD89BB-1F64-4C31-8A39-7CD03BA7EE7C}" dt="2021-11-09T16:50:22.655" v="6067"/>
+          <ac:picMkLst>
+            <pc:docMk/>
+            <pc:sldMk cId="943001127" sldId="265"/>
+            <ac:picMk id="11" creationId="{80CAD53E-179A-4252-A94C-310DA6969CD0}"/>
+          </ac:picMkLst>
+        </pc:picChg>
+        <pc:picChg chg="add mod">
+          <ac:chgData name="Esenwein Benjamin (inf20074)" userId="7720cf97-c6ae-4bac-a435-f995da81a4ba" providerId="ADAL" clId="{66BD89BB-1F64-4C31-8A39-7CD03BA7EE7C}" dt="2021-11-09T16:50:53.416" v="6073" actId="1076"/>
+          <ac:picMkLst>
+            <pc:docMk/>
+            <pc:sldMk cId="943001127" sldId="265"/>
+            <ac:picMk id="12" creationId="{B5EC90F6-2066-4874-9F3A-A56A104413C9}"/>
+          </ac:picMkLst>
+        </pc:picChg>
+        <pc:cxnChg chg="del">
+          <ac:chgData name="Esenwein Benjamin (inf20074)" userId="7720cf97-c6ae-4bac-a435-f995da81a4ba" providerId="ADAL" clId="{66BD89BB-1F64-4C31-8A39-7CD03BA7EE7C}" dt="2021-11-10T15:31:23.209" v="6197" actId="478"/>
+          <ac:cxnSpMkLst>
+            <pc:docMk/>
+            <pc:sldMk cId="943001127" sldId="265"/>
+            <ac:cxnSpMk id="6" creationId="{E61A5AC7-522C-425C-8CAC-B7EADA7025C3}"/>
+          </ac:cxnSpMkLst>
+        </pc:cxnChg>
+        <pc:cxnChg chg="add mod">
+          <ac:chgData name="Esenwein Benjamin (inf20074)" userId="7720cf97-c6ae-4bac-a435-f995da81a4ba" providerId="ADAL" clId="{66BD89BB-1F64-4C31-8A39-7CD03BA7EE7C}" dt="2021-11-10T15:31:23.531" v="6198"/>
+          <ac:cxnSpMkLst>
+            <pc:docMk/>
+            <pc:sldMk cId="943001127" sldId="265"/>
+            <ac:cxnSpMk id="7" creationId="{25C163D5-9CF1-4716-BDCB-813690F7D2DA}"/>
+          </ac:cxnSpMkLst>
+        </pc:cxnChg>
+        <pc:cxnChg chg="add del mod">
+          <ac:chgData name="Esenwein Benjamin (inf20074)" userId="7720cf97-c6ae-4bac-a435-f995da81a4ba" providerId="ADAL" clId="{66BD89BB-1F64-4C31-8A39-7CD03BA7EE7C}" dt="2021-11-10T16:20:28.624" v="6528" actId="478"/>
+          <ac:cxnSpMkLst>
+            <pc:docMk/>
+            <pc:sldMk cId="943001127" sldId="265"/>
+            <ac:cxnSpMk id="9" creationId="{3425B0A6-23AF-4216-9271-7306DE50F2FB}"/>
+          </ac:cxnSpMkLst>
+        </pc:cxnChg>
+      </pc:sldChg>
+      <pc:sldChg chg="addSp modSp new del mod">
+        <pc:chgData name="Esenwein Benjamin (inf20074)" userId="7720cf97-c6ae-4bac-a435-f995da81a4ba" providerId="ADAL" clId="{66BD89BB-1F64-4C31-8A39-7CD03BA7EE7C}" dt="2021-11-08T16:23:03.624" v="1715" actId="47"/>
+        <pc:sldMkLst>
+          <pc:docMk/>
+          <pc:sldMk cId="2450536836" sldId="266"/>
+        </pc:sldMkLst>
+        <pc:spChg chg="mod">
+          <ac:chgData name="Esenwein Benjamin (inf20074)" userId="7720cf97-c6ae-4bac-a435-f995da81a4ba" providerId="ADAL" clId="{66BD89BB-1F64-4C31-8A39-7CD03BA7EE7C}" dt="2021-11-08T15:55:56.898" v="1564" actId="113"/>
+          <ac:spMkLst>
+            <pc:docMk/>
+            <pc:sldMk cId="2450536836" sldId="266"/>
+            <ac:spMk id="2" creationId="{54C8EB8C-392F-4AB0-9D04-AAB70A6467FB}"/>
+          </ac:spMkLst>
+        </pc:spChg>
+        <pc:spChg chg="add mod">
+          <ac:chgData name="Esenwein Benjamin (inf20074)" userId="7720cf97-c6ae-4bac-a435-f995da81a4ba" providerId="ADAL" clId="{66BD89BB-1F64-4C31-8A39-7CD03BA7EE7C}" dt="2021-11-08T15:44:10.860" v="1478"/>
+          <ac:spMkLst>
+            <pc:docMk/>
+            <pc:sldMk cId="2450536836" sldId="266"/>
+            <ac:spMk id="4" creationId="{B30EAA39-9F19-4AD6-B248-8AB448D98382}"/>
+          </ac:spMkLst>
+        </pc:spChg>
+      </pc:sldChg>
+      <pc:sldChg chg="addSp delSp modSp new mod modTransition">
+        <pc:chgData name="Esenwein Benjamin (inf20074)" userId="7720cf97-c6ae-4bac-a435-f995da81a4ba" providerId="ADAL" clId="{66BD89BB-1F64-4C31-8A39-7CD03BA7EE7C}" dt="2021-11-10T16:28:25.852" v="6567" actId="478"/>
+        <pc:sldMkLst>
+          <pc:docMk/>
+          <pc:sldMk cId="3111845278" sldId="267"/>
+        </pc:sldMkLst>
+        <pc:spChg chg="mod">
+          <ac:chgData name="Esenwein Benjamin (inf20074)" userId="7720cf97-c6ae-4bac-a435-f995da81a4ba" providerId="ADAL" clId="{66BD89BB-1F64-4C31-8A39-7CD03BA7EE7C}" dt="2021-11-08T19:21:22.150" v="5774" actId="27636"/>
+          <ac:spMkLst>
+            <pc:docMk/>
+            <pc:sldMk cId="3111845278" sldId="267"/>
+            <ac:spMk id="2" creationId="{D7130879-2349-44F2-9B21-A942E12F574C}"/>
+          </ac:spMkLst>
+        </pc:spChg>
+        <pc:spChg chg="mod">
+          <ac:chgData name="Esenwein Benjamin (inf20074)" userId="7720cf97-c6ae-4bac-a435-f995da81a4ba" providerId="ADAL" clId="{66BD89BB-1F64-4C31-8A39-7CD03BA7EE7C}" dt="2021-11-08T19:22:53.202" v="5922" actId="179"/>
+          <ac:spMkLst>
+            <pc:docMk/>
+            <pc:sldMk cId="3111845278" sldId="267"/>
+            <ac:spMk id="3" creationId="{A160F1B4-1AA9-4CEB-BFE1-686D0FA4E1B5}"/>
+          </ac:spMkLst>
+        </pc:spChg>
+        <pc:spChg chg="add mod">
+          <ac:chgData name="Esenwein Benjamin (inf20074)" userId="7720cf97-c6ae-4bac-a435-f995da81a4ba" providerId="ADAL" clId="{66BD89BB-1F64-4C31-8A39-7CD03BA7EE7C}" dt="2021-11-08T15:44:11.450" v="1479"/>
+          <ac:spMkLst>
+            <pc:docMk/>
+            <pc:sldMk cId="3111845278" sldId="267"/>
+            <ac:spMk id="4" creationId="{6BA2AE8F-6BF5-4518-877D-452D7875A0B8}"/>
+          </ac:spMkLst>
+        </pc:spChg>
+        <pc:spChg chg="add">
+          <ac:chgData name="Esenwein Benjamin (inf20074)" userId="7720cf97-c6ae-4bac-a435-f995da81a4ba" providerId="ADAL" clId="{66BD89BB-1F64-4C31-8A39-7CD03BA7EE7C}" dt="2021-11-10T16:23:42.514" v="6533" actId="11529"/>
+          <ac:spMkLst>
+            <pc:docMk/>
+            <pc:sldMk cId="3111845278" sldId="267"/>
+            <ac:spMk id="6" creationId="{824B1024-2640-46C8-9968-E57FB1EB59E1}"/>
+          </ac:spMkLst>
+        </pc:spChg>
+        <pc:spChg chg="add del">
+          <ac:chgData name="Esenwein Benjamin (inf20074)" userId="7720cf97-c6ae-4bac-a435-f995da81a4ba" providerId="ADAL" clId="{66BD89BB-1F64-4C31-8A39-7CD03BA7EE7C}" dt="2021-11-10T16:24:23.085" v="6535" actId="478"/>
+          <ac:spMkLst>
+            <pc:docMk/>
+            <pc:sldMk cId="3111845278" sldId="267"/>
+            <ac:spMk id="9" creationId="{C811F379-6F24-43DF-9452-BCCE32B09967}"/>
+          </ac:spMkLst>
+        </pc:spChg>
+        <pc:spChg chg="add del mod">
+          <ac:chgData name="Esenwein Benjamin (inf20074)" userId="7720cf97-c6ae-4bac-a435-f995da81a4ba" providerId="ADAL" clId="{66BD89BB-1F64-4C31-8A39-7CD03BA7EE7C}" dt="2021-11-10T16:25:44.531" v="6545" actId="478"/>
+          <ac:spMkLst>
+            <pc:docMk/>
+            <pc:sldMk cId="3111845278" sldId="267"/>
+            <ac:spMk id="11" creationId="{30EB4167-4D62-44A9-992E-048EF5EE849D}"/>
+          </ac:spMkLst>
+        </pc:spChg>
+        <pc:spChg chg="add mod">
+          <ac:chgData name="Esenwein Benjamin (inf20074)" userId="7720cf97-c6ae-4bac-a435-f995da81a4ba" providerId="ADAL" clId="{66BD89BB-1F64-4C31-8A39-7CD03BA7EE7C}" dt="2021-11-10T16:15:28.614" v="6490" actId="1076"/>
+          <ac:spMkLst>
+            <pc:docMk/>
+            <pc:sldMk cId="3111845278" sldId="267"/>
+            <ac:spMk id="12" creationId="{715D1EF5-4E95-4320-B597-5C70A266DEA2}"/>
+          </ac:spMkLst>
+        </pc:spChg>
+        <pc:spChg chg="add del mod">
+          <ac:chgData name="Esenwein Benjamin (inf20074)" userId="7720cf97-c6ae-4bac-a435-f995da81a4ba" providerId="ADAL" clId="{66BD89BB-1F64-4C31-8A39-7CD03BA7EE7C}" dt="2021-11-10T16:26:18.701" v="6549" actId="478"/>
+          <ac:spMkLst>
+            <pc:docMk/>
+            <pc:sldMk cId="3111845278" sldId="267"/>
+            <ac:spMk id="13" creationId="{4766942B-E18E-4B4E-B777-C7479310EEA3}"/>
+          </ac:spMkLst>
+        </pc:spChg>
+        <pc:spChg chg="add del">
+          <ac:chgData name="Esenwein Benjamin (inf20074)" userId="7720cf97-c6ae-4bac-a435-f995da81a4ba" providerId="ADAL" clId="{66BD89BB-1F64-4C31-8A39-7CD03BA7EE7C}" dt="2021-11-10T16:26:25.051" v="6551" actId="478"/>
+          <ac:spMkLst>
+            <pc:docMk/>
+            <pc:sldMk cId="3111845278" sldId="267"/>
+            <ac:spMk id="14" creationId="{F39FED19-CE99-487B-B7F3-195449A7DB24}"/>
+          </ac:spMkLst>
+        </pc:spChg>
+        <pc:spChg chg="add mod">
+          <ac:chgData name="Esenwein Benjamin (inf20074)" userId="7720cf97-c6ae-4bac-a435-f995da81a4ba" providerId="ADAL" clId="{66BD89BB-1F64-4C31-8A39-7CD03BA7EE7C}" dt="2021-11-10T16:27:23.971" v="6565" actId="164"/>
+          <ac:spMkLst>
+            <pc:docMk/>
+            <pc:sldMk cId="3111845278" sldId="267"/>
+            <ac:spMk id="15" creationId="{BC72179A-43C3-4787-8316-E43F1FE6DCD2}"/>
+          </ac:spMkLst>
+        </pc:spChg>
+        <pc:spChg chg="add mod">
+          <ac:chgData name="Esenwein Benjamin (inf20074)" userId="7720cf97-c6ae-4bac-a435-f995da81a4ba" providerId="ADAL" clId="{66BD89BB-1F64-4C31-8A39-7CD03BA7EE7C}" dt="2021-11-10T16:27:23.971" v="6565" actId="164"/>
+          <ac:spMkLst>
+            <pc:docMk/>
+            <pc:sldMk cId="3111845278" sldId="267"/>
+            <ac:spMk id="16" creationId="{80DFC5B4-BAFD-405E-B15F-7665709C6A02}"/>
+          </ac:spMkLst>
+        </pc:spChg>
+        <pc:spChg chg="add mod">
+          <ac:chgData name="Esenwein Benjamin (inf20074)" userId="7720cf97-c6ae-4bac-a435-f995da81a4ba" providerId="ADAL" clId="{66BD89BB-1F64-4C31-8A39-7CD03BA7EE7C}" dt="2021-11-10T16:27:23.971" v="6565" actId="164"/>
+          <ac:spMkLst>
+            <pc:docMk/>
+            <pc:sldMk cId="3111845278" sldId="267"/>
+            <ac:spMk id="17" creationId="{30CE6CCD-2419-4C13-BE94-024C2B84C5C9}"/>
+          </ac:spMkLst>
+        </pc:spChg>
+        <pc:grpChg chg="add del mod">
+          <ac:chgData name="Esenwein Benjamin (inf20074)" userId="7720cf97-c6ae-4bac-a435-f995da81a4ba" providerId="ADAL" clId="{66BD89BB-1F64-4C31-8A39-7CD03BA7EE7C}" dt="2021-11-10T16:28:25.852" v="6567" actId="478"/>
+          <ac:grpSpMkLst>
+            <pc:docMk/>
+            <pc:sldMk cId="3111845278" sldId="267"/>
+            <ac:grpSpMk id="18" creationId="{4824536E-5C0A-4A03-B132-325674F3336F}"/>
+          </ac:grpSpMkLst>
+        </pc:grpChg>
+        <pc:picChg chg="mod">
+          <ac:chgData name="Esenwein Benjamin (inf20074)" userId="7720cf97-c6ae-4bac-a435-f995da81a4ba" providerId="ADAL" clId="{66BD89BB-1F64-4C31-8A39-7CD03BA7EE7C}" dt="2021-11-10T16:07:05.137" v="6434" actId="1036"/>
+          <ac:picMkLst>
+            <pc:docMk/>
+            <pc:sldMk cId="3111845278" sldId="267"/>
+            <ac:picMk id="8" creationId="{E3CAA7F0-A921-49C7-8D0C-768B1F5592CD}"/>
+          </ac:picMkLst>
+        </pc:picChg>
+        <pc:picChg chg="add del mod modCrop">
+          <ac:chgData name="Esenwein Benjamin (inf20074)" userId="7720cf97-c6ae-4bac-a435-f995da81a4ba" providerId="ADAL" clId="{66BD89BB-1F64-4C31-8A39-7CD03BA7EE7C}" dt="2021-11-10T16:04:44.326" v="6401" actId="478"/>
+          <ac:picMkLst>
+            <pc:docMk/>
+            <pc:sldMk cId="3111845278" sldId="267"/>
+            <ac:picMk id="9" creationId="{555304C4-D1F3-49B0-A54C-E7464646471D}"/>
+          </ac:picMkLst>
+        </pc:picChg>
+        <pc:picChg chg="add del mod">
+          <ac:chgData name="Esenwein Benjamin (inf20074)" userId="7720cf97-c6ae-4bac-a435-f995da81a4ba" providerId="ADAL" clId="{66BD89BB-1F64-4C31-8A39-7CD03BA7EE7C}" dt="2021-11-10T16:06:46.681" v="6418" actId="478"/>
+          <ac:picMkLst>
+            <pc:docMk/>
+            <pc:sldMk cId="3111845278" sldId="267"/>
+            <ac:picMk id="11" creationId="{EA104748-7F8F-48F7-91B7-3F7228E2E3CE}"/>
+          </ac:picMkLst>
+        </pc:picChg>
+        <pc:cxnChg chg="add mod">
+          <ac:chgData name="Esenwein Benjamin (inf20074)" userId="7720cf97-c6ae-4bac-a435-f995da81a4ba" providerId="ADAL" clId="{66BD89BB-1F64-4C31-8A39-7CD03BA7EE7C}" dt="2021-11-10T15:31:43.335" v="6207"/>
+          <ac:cxnSpMkLst>
+            <pc:docMk/>
+            <pc:sldMk cId="3111845278" sldId="267"/>
+            <ac:cxnSpMk id="7" creationId="{8B2F45AF-92A3-4F90-889A-B2E52CEC67D7}"/>
+          </ac:cxnSpMkLst>
+        </pc:cxnChg>
+        <pc:cxnChg chg="add del mod">
+          <ac:chgData name="Esenwein Benjamin (inf20074)" userId="7720cf97-c6ae-4bac-a435-f995da81a4ba" providerId="ADAL" clId="{66BD89BB-1F64-4C31-8A39-7CD03BA7EE7C}" dt="2021-11-10T16:20:10.950" v="6521" actId="478"/>
+          <ac:cxnSpMkLst>
+            <pc:docMk/>
+            <pc:sldMk cId="3111845278" sldId="267"/>
+            <ac:cxnSpMk id="13" creationId="{93E9C9D6-2717-422B-A3BA-87D3AD1C9E5A}"/>
+          </ac:cxnSpMkLst>
+        </pc:cxnChg>
+      </pc:sldChg>
+      <pc:sldChg chg="addSp delSp modSp add mod ord modTransition">
+        <pc:chgData name="Esenwein Benjamin (inf20074)" userId="7720cf97-c6ae-4bac-a435-f995da81a4ba" providerId="ADAL" clId="{66BD89BB-1F64-4C31-8A39-7CD03BA7EE7C}" dt="2021-11-10T16:41:05.453" v="6603" actId="14430"/>
+        <pc:sldMkLst>
+          <pc:docMk/>
+          <pc:sldMk cId="408674404" sldId="268"/>
+        </pc:sldMkLst>
+        <pc:spChg chg="add del mod">
+          <ac:chgData name="Esenwein Benjamin (inf20074)" userId="7720cf97-c6ae-4bac-a435-f995da81a4ba" providerId="ADAL" clId="{66BD89BB-1F64-4C31-8A39-7CD03BA7EE7C}" dt="2021-11-10T16:15:36.399" v="6492" actId="478"/>
+          <ac:spMkLst>
+            <pc:docMk/>
+            <pc:sldMk cId="408674404" sldId="268"/>
+            <ac:spMk id="13" creationId="{E8F5A24F-AAB8-45EA-98F7-213574D48429}"/>
+          </ac:spMkLst>
+        </pc:spChg>
+        <pc:spChg chg="mod modVis">
+          <ac:chgData name="Esenwein Benjamin (inf20074)" userId="7720cf97-c6ae-4bac-a435-f995da81a4ba" providerId="ADAL" clId="{66BD89BB-1F64-4C31-8A39-7CD03BA7EE7C}" dt="2021-11-10T16:41:05.453" v="6603" actId="14430"/>
+          <ac:spMkLst>
+            <pc:docMk/>
+            <pc:sldMk cId="408674404" sldId="268"/>
+            <ac:spMk id="14" creationId="{C983411D-901F-4574-9926-33415AA921FF}"/>
+          </ac:spMkLst>
+        </pc:spChg>
+      </pc:sldChg>
+      <pc:sldChg chg="delSp add del setBg delDesignElem">
+        <pc:chgData name="Esenwein Benjamin (inf20074)" userId="7720cf97-c6ae-4bac-a435-f995da81a4ba" providerId="ADAL" clId="{66BD89BB-1F64-4C31-8A39-7CD03BA7EE7C}" dt="2021-11-08T19:23:14.293" v="5925" actId="47"/>
+        <pc:sldMkLst>
+          <pc:docMk/>
+          <pc:sldMk cId="2969775368" sldId="268"/>
+        </pc:sldMkLst>
+        <pc:spChg chg="del">
+          <ac:chgData name="Esenwein Benjamin (inf20074)" userId="7720cf97-c6ae-4bac-a435-f995da81a4ba" providerId="ADAL" clId="{66BD89BB-1F64-4C31-8A39-7CD03BA7EE7C}" dt="2021-11-08T19:23:05.883" v="5924"/>
+          <ac:spMkLst>
+            <pc:docMk/>
+            <pc:sldMk cId="2969775368" sldId="268"/>
+            <ac:spMk id="8" creationId="{458C1BCA-247F-4480-B78C-924FEBA5CD65}"/>
+          </ac:spMkLst>
+        </pc:spChg>
+        <pc:spChg chg="del">
+          <ac:chgData name="Esenwein Benjamin (inf20074)" userId="7720cf97-c6ae-4bac-a435-f995da81a4ba" providerId="ADAL" clId="{66BD89BB-1F64-4C31-8A39-7CD03BA7EE7C}" dt="2021-11-08T19:23:05.883" v="5924"/>
+          <ac:spMkLst>
+            <pc:docMk/>
+            <pc:sldMk cId="2969775368" sldId="268"/>
+            <ac:spMk id="10" creationId="{B8E37057-BDB6-4452-836A-27973D54F2D8}"/>
+          </ac:spMkLst>
+        </pc:spChg>
+        <pc:spChg chg="del">
+          <ac:chgData name="Esenwein Benjamin (inf20074)" userId="7720cf97-c6ae-4bac-a435-f995da81a4ba" providerId="ADAL" clId="{66BD89BB-1F64-4C31-8A39-7CD03BA7EE7C}" dt="2021-11-08T19:23:05.883" v="5924"/>
+          <ac:spMkLst>
+            <pc:docMk/>
+            <pc:sldMk cId="2969775368" sldId="268"/>
+            <ac:spMk id="12" creationId="{11A3A707-72D6-4BAB-8187-F8204F4EDC6B}"/>
+          </ac:spMkLst>
+        </pc:spChg>
+        <pc:spChg chg="del">
+          <ac:chgData name="Esenwein Benjamin (inf20074)" userId="7720cf97-c6ae-4bac-a435-f995da81a4ba" providerId="ADAL" clId="{66BD89BB-1F64-4C31-8A39-7CD03BA7EE7C}" dt="2021-11-08T19:23:05.883" v="5924"/>
+          <ac:spMkLst>
+            <pc:docMk/>
+            <pc:sldMk cId="2969775368" sldId="268"/>
+            <ac:spMk id="14" creationId="{C983411D-901F-4574-9926-33415AA921FF}"/>
+          </ac:spMkLst>
+        </pc:spChg>
+      </pc:sldChg>
+      <pc:sldChg chg="delSp add del setBg delDesignElem">
+        <pc:chgData name="Esenwein Benjamin (inf20074)" userId="7720cf97-c6ae-4bac-a435-f995da81a4ba" providerId="ADAL" clId="{66BD89BB-1F64-4C31-8A39-7CD03BA7EE7C}" dt="2021-11-08T19:23:21.277" v="5928" actId="47"/>
+        <pc:sldMkLst>
+          <pc:docMk/>
+          <pc:sldMk cId="4157536896" sldId="268"/>
+        </pc:sldMkLst>
+        <pc:spChg chg="del">
+          <ac:chgData name="Esenwein Benjamin (inf20074)" userId="7720cf97-c6ae-4bac-a435-f995da81a4ba" providerId="ADAL" clId="{66BD89BB-1F64-4C31-8A39-7CD03BA7EE7C}" dt="2021-11-08T19:23:19.651" v="5927"/>
+          <ac:spMkLst>
+            <pc:docMk/>
+            <pc:sldMk cId="4157536896" sldId="268"/>
+            <ac:spMk id="8" creationId="{458C1BCA-247F-4480-B78C-924FEBA5CD65}"/>
+          </ac:spMkLst>
+        </pc:spChg>
+        <pc:spChg chg="del">
+          <ac:chgData name="Esenwein Benjamin (inf20074)" userId="7720cf97-c6ae-4bac-a435-f995da81a4ba" providerId="ADAL" clId="{66BD89BB-1F64-4C31-8A39-7CD03BA7EE7C}" dt="2021-11-08T19:23:19.651" v="5927"/>
+          <ac:spMkLst>
+            <pc:docMk/>
+            <pc:sldMk cId="4157536896" sldId="268"/>
+            <ac:spMk id="10" creationId="{B8E37057-BDB6-4452-836A-27973D54F2D8}"/>
+          </ac:spMkLst>
+        </pc:spChg>
+        <pc:spChg chg="del">
+          <ac:chgData name="Esenwein Benjamin (inf20074)" userId="7720cf97-c6ae-4bac-a435-f995da81a4ba" providerId="ADAL" clId="{66BD89BB-1F64-4C31-8A39-7CD03BA7EE7C}" dt="2021-11-08T19:23:19.651" v="5927"/>
+          <ac:spMkLst>
+            <pc:docMk/>
+            <pc:sldMk cId="4157536896" sldId="268"/>
+            <ac:spMk id="12" creationId="{11A3A707-72D6-4BAB-8187-F8204F4EDC6B}"/>
+          </ac:spMkLst>
+        </pc:spChg>
+        <pc:spChg chg="del">
+          <ac:chgData name="Esenwein Benjamin (inf20074)" userId="7720cf97-c6ae-4bac-a435-f995da81a4ba" providerId="ADAL" clId="{66BD89BB-1F64-4C31-8A39-7CD03BA7EE7C}" dt="2021-11-08T19:23:19.651" v="5927"/>
+          <ac:spMkLst>
+            <pc:docMk/>
+            <pc:sldMk cId="4157536896" sldId="268"/>
+            <ac:spMk id="14" creationId="{C983411D-901F-4574-9926-33415AA921FF}"/>
+          </ac:spMkLst>
+        </pc:spChg>
+      </pc:sldChg>
+      <pc:sldChg chg="addSp modSp mod modShow modNotesTx">
+        <pc:chgData name="Esenwein Benjamin (inf20074)" userId="7720cf97-c6ae-4bac-a435-f995da81a4ba" providerId="ADAL" clId="{66BD89BB-1F64-4C31-8A39-7CD03BA7EE7C}" dt="2021-11-10T15:45:28.273" v="6307" actId="729"/>
+        <pc:sldMkLst>
+          <pc:docMk/>
+          <pc:sldMk cId="1151420925" sldId="269"/>
+        </pc:sldMkLst>
+        <pc:spChg chg="mod">
+          <ac:chgData name="Esenwein Benjamin (inf20074)" userId="7720cf97-c6ae-4bac-a435-f995da81a4ba" providerId="ADAL" clId="{66BD89BB-1F64-4C31-8A39-7CD03BA7EE7C}" dt="2021-11-09T16:51:28.057" v="6078"/>
+          <ac:spMkLst>
+            <pc:docMk/>
+            <pc:sldMk cId="1151420925" sldId="269"/>
+            <ac:spMk id="2" creationId="{A0A64D99-EE90-4A04-BD26-4BA773F38F9F}"/>
+          </ac:spMkLst>
+        </pc:spChg>
+        <pc:spChg chg="add mod">
+          <ac:chgData name="Esenwein Benjamin (inf20074)" userId="7720cf97-c6ae-4bac-a435-f995da81a4ba" providerId="ADAL" clId="{66BD89BB-1F64-4C31-8A39-7CD03BA7EE7C}" dt="2021-11-10T15:32:23.215" v="6210"/>
+          <ac:spMkLst>
+            <pc:docMk/>
+            <pc:sldMk cId="1151420925" sldId="269"/>
+            <ac:spMk id="5" creationId="{5B86A746-630F-43F6-B566-F7554D1A46DB}"/>
+          </ac:spMkLst>
+        </pc:spChg>
+      </pc:sldChg>
+      <pc:sldChg chg="modSp add mod modShow">
+        <pc:chgData name="Esenwein Benjamin (inf20074)" userId="7720cf97-c6ae-4bac-a435-f995da81a4ba" providerId="ADAL" clId="{66BD89BB-1F64-4C31-8A39-7CD03BA7EE7C}" dt="2021-11-10T15:08:44.473" v="6087" actId="1076"/>
+        <pc:sldMkLst>
+          <pc:docMk/>
+          <pc:sldMk cId="1056718913" sldId="270"/>
+        </pc:sldMkLst>
+        <pc:picChg chg="mod">
+          <ac:chgData name="Esenwein Benjamin (inf20074)" userId="7720cf97-c6ae-4bac-a435-f995da81a4ba" providerId="ADAL" clId="{66BD89BB-1F64-4C31-8A39-7CD03BA7EE7C}" dt="2021-11-10T15:08:44.473" v="6087" actId="1076"/>
+          <ac:picMkLst>
+            <pc:docMk/>
+            <pc:sldMk cId="1056718913" sldId="270"/>
+            <ac:picMk id="12" creationId="{B5EC90F6-2066-4874-9F3A-A56A104413C9}"/>
+          </ac:picMkLst>
+        </pc:picChg>
+      </pc:sldChg>
+      <pc:sldChg chg="delSp add del mod">
+        <pc:chgData name="Esenwein Benjamin (inf20074)" userId="7720cf97-c6ae-4bac-a435-f995da81a4ba" providerId="ADAL" clId="{66BD89BB-1F64-4C31-8A39-7CD03BA7EE7C}" dt="2021-11-10T15:28:46.648" v="6158" actId="2696"/>
+        <pc:sldMkLst>
+          <pc:docMk/>
+          <pc:sldMk cId="1524211221" sldId="271"/>
+        </pc:sldMkLst>
+        <pc:spChg chg="del">
+          <ac:chgData name="Esenwein Benjamin (inf20074)" userId="7720cf97-c6ae-4bac-a435-f995da81a4ba" providerId="ADAL" clId="{66BD89BB-1F64-4C31-8A39-7CD03BA7EE7C}" dt="2021-11-10T15:28:33.521" v="6157" actId="478"/>
+          <ac:spMkLst>
+            <pc:docMk/>
+            <pc:sldMk cId="1524211221" sldId="271"/>
+            <ac:spMk id="4" creationId="{4C155EFA-025E-411E-B149-1F267B975FB5}"/>
+          </ac:spMkLst>
+        </pc:spChg>
+        <pc:spChg chg="del">
+          <ac:chgData name="Esenwein Benjamin (inf20074)" userId="7720cf97-c6ae-4bac-a435-f995da81a4ba" providerId="ADAL" clId="{66BD89BB-1F64-4C31-8A39-7CD03BA7EE7C}" dt="2021-11-10T15:28:31.521" v="6156" actId="478"/>
+          <ac:spMkLst>
+            <pc:docMk/>
+            <pc:sldMk cId="1524211221" sldId="271"/>
+            <ac:spMk id="11" creationId="{0BE4B811-E571-4A24-840B-9C321B8128B4}"/>
+          </ac:spMkLst>
+        </pc:spChg>
+      </pc:sldChg>
+      <pc:sldChg chg="addSp delSp modSp add mod modTransition modShow">
+        <pc:chgData name="Esenwein Benjamin (inf20074)" userId="7720cf97-c6ae-4bac-a435-f995da81a4ba" providerId="ADAL" clId="{66BD89BB-1F64-4C31-8A39-7CD03BA7EE7C}" dt="2021-11-10T16:54:36.500" v="6638" actId="1076"/>
+        <pc:sldMkLst>
+          <pc:docMk/>
+          <pc:sldMk cId="4239830214" sldId="271"/>
+        </pc:sldMkLst>
+        <pc:spChg chg="del">
+          <ac:chgData name="Esenwein Benjamin (inf20074)" userId="7720cf97-c6ae-4bac-a435-f995da81a4ba" providerId="ADAL" clId="{66BD89BB-1F64-4C31-8A39-7CD03BA7EE7C}" dt="2021-11-10T15:33:54.616" v="6212" actId="26606"/>
+          <ac:spMkLst>
+            <pc:docMk/>
+            <pc:sldMk cId="4239830214" sldId="271"/>
+            <ac:spMk id="3" creationId="{6EE3DC0E-32E8-4B73-85C4-C4DF34D00479}"/>
+          </ac:spMkLst>
+        </pc:spChg>
+        <pc:spChg chg="add mod">
+          <ac:chgData name="Esenwein Benjamin (inf20074)" userId="7720cf97-c6ae-4bac-a435-f995da81a4ba" providerId="ADAL" clId="{66BD89BB-1F64-4C31-8A39-7CD03BA7EE7C}" dt="2021-11-10T15:41:39.986" v="6303" actId="790"/>
+          <ac:spMkLst>
+            <pc:docMk/>
+            <pc:sldMk cId="4239830214" sldId="271"/>
+            <ac:spMk id="4" creationId="{715BBC7D-9FBF-4837-A895-6981C3B9692B}"/>
+          </ac:spMkLst>
+        </pc:spChg>
+        <pc:spChg chg="add mod">
+          <ac:chgData name="Esenwein Benjamin (inf20074)" userId="7720cf97-c6ae-4bac-a435-f995da81a4ba" providerId="ADAL" clId="{66BD89BB-1F64-4C31-8A39-7CD03BA7EE7C}" dt="2021-11-10T16:37:59.289" v="6598" actId="1582"/>
+          <ac:spMkLst>
+            <pc:docMk/>
+            <pc:sldMk cId="4239830214" sldId="271"/>
+            <ac:spMk id="9" creationId="{8D690BA4-A659-42B1-8FD6-E6020B72838E}"/>
+          </ac:spMkLst>
+        </pc:spChg>
+        <pc:spChg chg="add mod">
+          <ac:chgData name="Esenwein Benjamin (inf20074)" userId="7720cf97-c6ae-4bac-a435-f995da81a4ba" providerId="ADAL" clId="{66BD89BB-1F64-4C31-8A39-7CD03BA7EE7C}" dt="2021-11-10T16:31:05.773" v="6575"/>
+          <ac:spMkLst>
+            <pc:docMk/>
+            <pc:sldMk cId="4239830214" sldId="271"/>
+            <ac:spMk id="11" creationId="{F5164AF3-C6B2-4BEF-B378-BD3DA4E9ED17}"/>
+          </ac:spMkLst>
+        </pc:spChg>
+        <pc:spChg chg="mod">
+          <ac:chgData name="Esenwein Benjamin (inf20074)" userId="7720cf97-c6ae-4bac-a435-f995da81a4ba" providerId="ADAL" clId="{66BD89BB-1F64-4C31-8A39-7CD03BA7EE7C}" dt="2021-11-10T16:54:36.500" v="6638" actId="1076"/>
+          <ac:spMkLst>
+            <pc:docMk/>
+            <pc:sldMk cId="4239830214" sldId="271"/>
+            <ac:spMk id="15" creationId="{6C5E2977-923D-465F-B12A-725EC970800C}"/>
+          </ac:spMkLst>
+        </pc:spChg>
+        <pc:spChg chg="mod">
+          <ac:chgData name="Esenwein Benjamin (inf20074)" userId="7720cf97-c6ae-4bac-a435-f995da81a4ba" providerId="ADAL" clId="{66BD89BB-1F64-4C31-8A39-7CD03BA7EE7C}" dt="2021-11-10T16:54:31.154" v="6637" actId="1076"/>
+          <ac:spMkLst>
+            <pc:docMk/>
+            <pc:sldMk cId="4239830214" sldId="271"/>
+            <ac:spMk id="16" creationId="{33FFEEB0-D889-4A73-B5AC-08DA523D1CC0}"/>
+          </ac:spMkLst>
+        </pc:spChg>
+        <pc:spChg chg="mod">
+          <ac:chgData name="Esenwein Benjamin (inf20074)" userId="7720cf97-c6ae-4bac-a435-f995da81a4ba" providerId="ADAL" clId="{66BD89BB-1F64-4C31-8A39-7CD03BA7EE7C}" dt="2021-11-10T16:54:24.224" v="6636" actId="1076"/>
+          <ac:spMkLst>
+            <pc:docMk/>
+            <pc:sldMk cId="4239830214" sldId="271"/>
+            <ac:spMk id="17" creationId="{C50C0AC1-851B-433F-B965-6C77E7F63904}"/>
+          </ac:spMkLst>
+        </pc:spChg>
+        <pc:spChg chg="mod">
+          <ac:chgData name="Esenwein Benjamin (inf20074)" userId="7720cf97-c6ae-4bac-a435-f995da81a4ba" providerId="ADAL" clId="{66BD89BB-1F64-4C31-8A39-7CD03BA7EE7C}" dt="2021-11-10T16:54:18.233" v="6635" actId="1076"/>
+          <ac:spMkLst>
+            <pc:docMk/>
+            <pc:sldMk cId="4239830214" sldId="271"/>
+            <ac:spMk id="18" creationId="{EBC11378-34FA-4165-825A-AD6ADF1E4845}"/>
+          </ac:spMkLst>
+        </pc:spChg>
+        <pc:graphicFrameChg chg="add mod">
+          <ac:chgData name="Esenwein Benjamin (inf20074)" userId="7720cf97-c6ae-4bac-a435-f995da81a4ba" providerId="ADAL" clId="{66BD89BB-1F64-4C31-8A39-7CD03BA7EE7C}" dt="2021-11-10T15:42:24.367" v="6306" actId="2085"/>
+          <ac:graphicFrameMkLst>
+            <pc:docMk/>
+            <pc:sldMk cId="4239830214" sldId="271"/>
+            <ac:graphicFrameMk id="7" creationId="{8F3C9722-F46A-4C89-8618-92AE70556025}"/>
+          </ac:graphicFrameMkLst>
+        </pc:graphicFrameChg>
+        <pc:cxnChg chg="add mod">
+          <ac:chgData name="Esenwein Benjamin (inf20074)" userId="7720cf97-c6ae-4bac-a435-f995da81a4ba" providerId="ADAL" clId="{66BD89BB-1F64-4C31-8A39-7CD03BA7EE7C}" dt="2021-11-10T15:40:43.361" v="6295"/>
+          <ac:cxnSpMkLst>
+            <pc:docMk/>
+            <pc:sldMk cId="4239830214" sldId="271"/>
+            <ac:cxnSpMk id="8" creationId="{7102F055-FF8F-496E-BC9C-43153FE543F3}"/>
+          </ac:cxnSpMkLst>
+        </pc:cxnChg>
+        <pc:cxnChg chg="add del mod">
+          <ac:chgData name="Esenwein Benjamin (inf20074)" userId="7720cf97-c6ae-4bac-a435-f995da81a4ba" providerId="ADAL" clId="{66BD89BB-1F64-4C31-8A39-7CD03BA7EE7C}" dt="2021-11-10T16:20:32.917" v="6530" actId="478"/>
+          <ac:cxnSpMkLst>
+            <pc:docMk/>
+            <pc:sldMk cId="4239830214" sldId="271"/>
+            <ac:cxnSpMk id="10" creationId="{45301344-AB3B-470B-A88F-807C861E712D}"/>
+          </ac:cxnSpMkLst>
+        </pc:cxnChg>
+      </pc:sldChg>
+      <pc:sldChg chg="addSp delSp modSp add mod modTransition">
+        <pc:chgData name="Esenwein Benjamin (inf20074)" userId="7720cf97-c6ae-4bac-a435-f995da81a4ba" providerId="ADAL" clId="{66BD89BB-1F64-4C31-8A39-7CD03BA7EE7C}" dt="2021-11-10T16:56:49.969" v="6643" actId="1076"/>
+        <pc:sldMkLst>
+          <pc:docMk/>
+          <pc:sldMk cId="1256033996" sldId="272"/>
+        </pc:sldMkLst>
+        <pc:spChg chg="add mod">
+          <ac:chgData name="Esenwein Benjamin (inf20074)" userId="7720cf97-c6ae-4bac-a435-f995da81a4ba" providerId="ADAL" clId="{66BD89BB-1F64-4C31-8A39-7CD03BA7EE7C}" dt="2021-11-10T16:56:49.969" v="6643" actId="1076"/>
+          <ac:spMkLst>
+            <pc:docMk/>
+            <pc:sldMk cId="1256033996" sldId="272"/>
+            <ac:spMk id="7" creationId="{AA5EE8F0-FC60-4D7F-86F3-7A49C737DDED}"/>
+          </ac:spMkLst>
+        </pc:spChg>
+        <pc:spChg chg="add mod">
+          <ac:chgData name="Esenwein Benjamin (inf20074)" userId="7720cf97-c6ae-4bac-a435-f995da81a4ba" providerId="ADAL" clId="{66BD89BB-1F64-4C31-8A39-7CD03BA7EE7C}" dt="2021-11-10T16:56:49.969" v="6643" actId="1076"/>
+          <ac:spMkLst>
+            <pc:docMk/>
+            <pc:sldMk cId="1256033996" sldId="272"/>
+            <ac:spMk id="10" creationId="{E69DD1C9-2B33-4DCC-B4D3-77F14063339E}"/>
+          </ac:spMkLst>
+        </pc:spChg>
+        <pc:spChg chg="mod">
+          <ac:chgData name="Esenwein Benjamin (inf20074)" userId="7720cf97-c6ae-4bac-a435-f995da81a4ba" providerId="ADAL" clId="{66BD89BB-1F64-4C31-8A39-7CD03BA7EE7C}" dt="2021-11-10T16:56:49.969" v="6643" actId="1076"/>
+          <ac:spMkLst>
+            <pc:docMk/>
+            <pc:sldMk cId="1256033996" sldId="272"/>
+            <ac:spMk id="11" creationId="{786167EF-794B-41F1-B090-CCD6CD4EA0F0}"/>
+          </ac:spMkLst>
+        </pc:spChg>
+        <pc:spChg chg="mod">
+          <ac:chgData name="Esenwein Benjamin (inf20074)" userId="7720cf97-c6ae-4bac-a435-f995da81a4ba" providerId="ADAL" clId="{66BD89BB-1F64-4C31-8A39-7CD03BA7EE7C}" dt="2021-11-10T16:56:49.969" v="6643" actId="1076"/>
+          <ac:spMkLst>
+            <pc:docMk/>
+            <pc:sldMk cId="1256033996" sldId="272"/>
+            <ac:spMk id="12" creationId="{4881C562-1A3C-44F7-A83C-4A8A676C8599}"/>
+          </ac:spMkLst>
+        </pc:spChg>
+        <pc:spChg chg="mod">
+          <ac:chgData name="Esenwein Benjamin (inf20074)" userId="7720cf97-c6ae-4bac-a435-f995da81a4ba" providerId="ADAL" clId="{66BD89BB-1F64-4C31-8A39-7CD03BA7EE7C}" dt="2021-11-10T16:56:49.969" v="6643" actId="1076"/>
+          <ac:spMkLst>
+            <pc:docMk/>
+            <pc:sldMk cId="1256033996" sldId="272"/>
+            <ac:spMk id="13" creationId="{5EB17F7C-757F-444B-A280-3E5862DE5F37}"/>
+          </ac:spMkLst>
+        </pc:spChg>
+        <pc:spChg chg="mod">
+          <ac:chgData name="Esenwein Benjamin (inf20074)" userId="7720cf97-c6ae-4bac-a435-f995da81a4ba" providerId="ADAL" clId="{66BD89BB-1F64-4C31-8A39-7CD03BA7EE7C}" dt="2021-11-10T16:56:49.969" v="6643" actId="1076"/>
+          <ac:spMkLst>
+            <pc:docMk/>
+            <pc:sldMk cId="1256033996" sldId="272"/>
+            <ac:spMk id="14" creationId="{2C2C7C17-2BB7-45AA-849B-7D2A3E4A0427}"/>
+          </ac:spMkLst>
+        </pc:spChg>
+        <pc:spChg chg="mod">
+          <ac:chgData name="Esenwein Benjamin (inf20074)" userId="7720cf97-c6ae-4bac-a435-f995da81a4ba" providerId="ADAL" clId="{66BD89BB-1F64-4C31-8A39-7CD03BA7EE7C}" dt="2021-11-10T16:56:49.969" v="6643" actId="1076"/>
+          <ac:spMkLst>
+            <pc:docMk/>
+            <pc:sldMk cId="1256033996" sldId="272"/>
+            <ac:spMk id="15" creationId="{165DE5BB-789A-49E6-8F90-552EA8E9D22C}"/>
+          </ac:spMkLst>
+        </pc:spChg>
+        <pc:graphicFrameChg chg="mod">
+          <ac:chgData name="Esenwein Benjamin (inf20074)" userId="7720cf97-c6ae-4bac-a435-f995da81a4ba" providerId="ADAL" clId="{66BD89BB-1F64-4C31-8A39-7CD03BA7EE7C}" dt="2021-11-10T15:55:28.820" v="6375"/>
+          <ac:graphicFrameMkLst>
+            <pc:docMk/>
+            <pc:sldMk cId="1256033996" sldId="272"/>
+            <ac:graphicFrameMk id="9" creationId="{60A33CBF-DE16-4C1D-BF35-F06D1970B5CF}"/>
+          </ac:graphicFrameMkLst>
+        </pc:graphicFrameChg>
+        <pc:cxnChg chg="add del mod">
+          <ac:chgData name="Esenwein Benjamin (inf20074)" userId="7720cf97-c6ae-4bac-a435-f995da81a4ba" providerId="ADAL" clId="{66BD89BB-1F64-4C31-8A39-7CD03BA7EE7C}" dt="2021-11-10T16:20:26.212" v="6527" actId="478"/>
+          <ac:cxnSpMkLst>
+            <pc:docMk/>
+            <pc:sldMk cId="1256033996" sldId="272"/>
+            <ac:cxnSpMk id="8" creationId="{337447E2-F946-4726-AFFA-F53E5BD69BC2}"/>
+          </ac:cxnSpMkLst>
+        </pc:cxnChg>
+      </pc:sldChg>
+      <pc:sldChg chg="add del">
+        <pc:chgData name="Esenwein Benjamin (inf20074)" userId="7720cf97-c6ae-4bac-a435-f995da81a4ba" providerId="ADAL" clId="{66BD89BB-1F64-4C31-8A39-7CD03BA7EE7C}" dt="2021-11-10T15:40:30.200" v="6293" actId="2696"/>
+        <pc:sldMkLst>
+          <pc:docMk/>
+          <pc:sldMk cId="3107000390" sldId="272"/>
+        </pc:sldMkLst>
+      </pc:sldChg>
+      <pc:sldChg chg="modSp add del mod">
+        <pc:chgData name="Esenwein Benjamin (inf20074)" userId="7720cf97-c6ae-4bac-a435-f995da81a4ba" providerId="ADAL" clId="{66BD89BB-1F64-4C31-8A39-7CD03BA7EE7C}" dt="2021-11-10T15:52:39.005" v="6365" actId="2696"/>
+        <pc:sldMkLst>
+          <pc:docMk/>
+          <pc:sldMk cId="3508791801" sldId="272"/>
+        </pc:sldMkLst>
+        <pc:graphicFrameChg chg="mod">
+          <ac:chgData name="Esenwein Benjamin (inf20074)" userId="7720cf97-c6ae-4bac-a435-f995da81a4ba" providerId="ADAL" clId="{66BD89BB-1F64-4C31-8A39-7CD03BA7EE7C}" dt="2021-11-10T15:51:36.602" v="6364" actId="404"/>
+          <ac:graphicFrameMkLst>
+            <pc:docMk/>
+            <pc:sldMk cId="3508791801" sldId="272"/>
+            <ac:graphicFrameMk id="10" creationId="{9FB93DCE-8C55-4EAB-8730-8EC83B7A794C}"/>
+          </ac:graphicFrameMkLst>
+        </pc:graphicFrameChg>
+      </pc:sldChg>
+      <pc:sldChg chg="addSp delSp modSp mod">
+        <pc:chgData name="Esenwein Benjamin (inf20074)" userId="7720cf97-c6ae-4bac-a435-f995da81a4ba" providerId="ADAL" clId="{66BD89BB-1F64-4C31-8A39-7CD03BA7EE7C}" dt="2021-11-11T16:52:06.716" v="6654" actId="113"/>
+        <pc:sldMkLst>
+          <pc:docMk/>
+          <pc:sldMk cId="2321171521" sldId="273"/>
+        </pc:sldMkLst>
+        <pc:spChg chg="mod">
+          <ac:chgData name="Esenwein Benjamin (inf20074)" userId="7720cf97-c6ae-4bac-a435-f995da81a4ba" providerId="ADAL" clId="{66BD89BB-1F64-4C31-8A39-7CD03BA7EE7C}" dt="2021-11-11T16:52:06.716" v="6654" actId="113"/>
+          <ac:spMkLst>
+            <pc:docMk/>
+            <pc:sldMk cId="2321171521" sldId="273"/>
+            <ac:spMk id="23" creationId="{1BB51F13-25F7-4E04-AECF-AC39A158E874}"/>
+          </ac:spMkLst>
+        </pc:spChg>
+        <pc:spChg chg="add mod">
+          <ac:chgData name="Esenwein Benjamin (inf20074)" userId="7720cf97-c6ae-4bac-a435-f995da81a4ba" providerId="ADAL" clId="{66BD89BB-1F64-4C31-8A39-7CD03BA7EE7C}" dt="2021-11-10T16:57:03.967" v="6645" actId="1076"/>
+          <ac:spMkLst>
+            <pc:docMk/>
+            <pc:sldMk cId="2321171521" sldId="273"/>
+            <ac:spMk id="28" creationId="{8F02DE3A-7630-45A1-AA53-B3F96052A8C4}"/>
+          </ac:spMkLst>
+        </pc:spChg>
+        <pc:spChg chg="add mod">
+          <ac:chgData name="Esenwein Benjamin (inf20074)" userId="7720cf97-c6ae-4bac-a435-f995da81a4ba" providerId="ADAL" clId="{66BD89BB-1F64-4C31-8A39-7CD03BA7EE7C}" dt="2021-11-10T16:57:03.967" v="6645" actId="1076"/>
+          <ac:spMkLst>
+            <pc:docMk/>
+            <pc:sldMk cId="2321171521" sldId="273"/>
+            <ac:spMk id="30" creationId="{DBE68B4A-A9D1-4E0A-A22A-AE958825147D}"/>
+          </ac:spMkLst>
+        </pc:spChg>
+        <pc:spChg chg="mod">
+          <ac:chgData name="Esenwein Benjamin (inf20074)" userId="7720cf97-c6ae-4bac-a435-f995da81a4ba" providerId="ADAL" clId="{66BD89BB-1F64-4C31-8A39-7CD03BA7EE7C}" dt="2021-11-10T16:57:03.967" v="6645" actId="1076"/>
+          <ac:spMkLst>
+            <pc:docMk/>
+            <pc:sldMk cId="2321171521" sldId="273"/>
+            <ac:spMk id="31" creationId="{3F4A46D4-675F-4FA3-A15E-340C6B6519AB}"/>
+          </ac:spMkLst>
+        </pc:spChg>
+        <pc:spChg chg="mod">
+          <ac:chgData name="Esenwein Benjamin (inf20074)" userId="7720cf97-c6ae-4bac-a435-f995da81a4ba" providerId="ADAL" clId="{66BD89BB-1F64-4C31-8A39-7CD03BA7EE7C}" dt="2021-11-10T16:57:03.967" v="6645" actId="1076"/>
+          <ac:spMkLst>
+            <pc:docMk/>
+            <pc:sldMk cId="2321171521" sldId="273"/>
+            <ac:spMk id="32" creationId="{7737097B-5D95-4F57-B602-C1B2B0EF19C8}"/>
+          </ac:spMkLst>
+        </pc:spChg>
+        <pc:spChg chg="mod">
+          <ac:chgData name="Esenwein Benjamin (inf20074)" userId="7720cf97-c6ae-4bac-a435-f995da81a4ba" providerId="ADAL" clId="{66BD89BB-1F64-4C31-8A39-7CD03BA7EE7C}" dt="2021-11-10T16:57:03.967" v="6645" actId="1076"/>
+          <ac:spMkLst>
+            <pc:docMk/>
+            <pc:sldMk cId="2321171521" sldId="273"/>
+            <ac:spMk id="33" creationId="{12954FAD-D7FA-41A7-BF61-2E34BCA604C8}"/>
+          </ac:spMkLst>
+        </pc:spChg>
+        <pc:spChg chg="mod">
+          <ac:chgData name="Esenwein Benjamin (inf20074)" userId="7720cf97-c6ae-4bac-a435-f995da81a4ba" providerId="ADAL" clId="{66BD89BB-1F64-4C31-8A39-7CD03BA7EE7C}" dt="2021-11-10T16:57:03.967" v="6645" actId="1076"/>
+          <ac:spMkLst>
+            <pc:docMk/>
+            <pc:sldMk cId="2321171521" sldId="273"/>
+            <ac:spMk id="34" creationId="{7E9B58ED-3FC8-41C6-A541-CD436E8EAB9E}"/>
+          </ac:spMkLst>
+        </pc:spChg>
+        <pc:cxnChg chg="add del mod">
+          <ac:chgData name="Esenwein Benjamin (inf20074)" userId="7720cf97-c6ae-4bac-a435-f995da81a4ba" providerId="ADAL" clId="{66BD89BB-1F64-4C31-8A39-7CD03BA7EE7C}" dt="2021-11-10T16:20:23.682" v="6526" actId="478"/>
+          <ac:cxnSpMkLst>
+            <pc:docMk/>
+            <pc:sldMk cId="2321171521" sldId="273"/>
+            <ac:cxnSpMk id="29" creationId="{BA3BD8AF-66AC-49EF-A8BF-4E5707C49113}"/>
+          </ac:cxnSpMkLst>
+        </pc:cxnChg>
+      </pc:sldChg>
+      <pc:sldMasterChg chg="modTransition modSldLayout">
+        <pc:chgData name="Esenwein Benjamin (inf20074)" userId="7720cf97-c6ae-4bac-a435-f995da81a4ba" providerId="ADAL" clId="{66BD89BB-1F64-4C31-8A39-7CD03BA7EE7C}" dt="2021-11-08T16:45:22.750" v="1988"/>
+        <pc:sldMasterMkLst>
+          <pc:docMk/>
+          <pc:sldMasterMk cId="4145530830" sldId="2147483648"/>
+        </pc:sldMasterMkLst>
+        <pc:sldLayoutChg chg="modTransition">
+          <pc:chgData name="Esenwein Benjamin (inf20074)" userId="7720cf97-c6ae-4bac-a435-f995da81a4ba" providerId="ADAL" clId="{66BD89BB-1F64-4C31-8A39-7CD03BA7EE7C}" dt="2021-11-08T16:45:22.750" v="1988"/>
+          <pc:sldLayoutMkLst>
+            <pc:docMk/>
+            <pc:sldMasterMk cId="4145530830" sldId="2147483648"/>
+            <pc:sldLayoutMk cId="1523920087" sldId="2147483649"/>
+          </pc:sldLayoutMkLst>
+        </pc:sldLayoutChg>
+        <pc:sldLayoutChg chg="modTransition">
+          <pc:chgData name="Esenwein Benjamin (inf20074)" userId="7720cf97-c6ae-4bac-a435-f995da81a4ba" providerId="ADAL" clId="{66BD89BB-1F64-4C31-8A39-7CD03BA7EE7C}" dt="2021-11-08T16:45:22.750" v="1988"/>
+          <pc:sldLayoutMkLst>
+            <pc:docMk/>
+            <pc:sldMasterMk cId="4145530830" sldId="2147483648"/>
+            <pc:sldLayoutMk cId="3688355300" sldId="2147483650"/>
+          </pc:sldLayoutMkLst>
+        </pc:sldLayoutChg>
+        <pc:sldLayoutChg chg="modTransition">
+          <pc:chgData name="Esenwein Benjamin (inf20074)" userId="7720cf97-c6ae-4bac-a435-f995da81a4ba" providerId="ADAL" clId="{66BD89BB-1F64-4C31-8A39-7CD03BA7EE7C}" dt="2021-11-08T16:45:22.750" v="1988"/>
+          <pc:sldLayoutMkLst>
+            <pc:docMk/>
+            <pc:sldMasterMk cId="4145530830" sldId="2147483648"/>
+            <pc:sldLayoutMk cId="213148764" sldId="2147483651"/>
+          </pc:sldLayoutMkLst>
+        </pc:sldLayoutChg>
+        <pc:sldLayoutChg chg="modTransition">
+          <pc:chgData name="Esenwein Benjamin (inf20074)" userId="7720cf97-c6ae-4bac-a435-f995da81a4ba" providerId="ADAL" clId="{66BD89BB-1F64-4C31-8A39-7CD03BA7EE7C}" dt="2021-11-08T16:45:22.750" v="1988"/>
+          <pc:sldLayoutMkLst>
+            <pc:docMk/>
+            <pc:sldMasterMk cId="4145530830" sldId="2147483648"/>
+            <pc:sldLayoutMk cId="2218366721" sldId="2147483652"/>
+          </pc:sldLayoutMkLst>
+        </pc:sldLayoutChg>
+        <pc:sldLayoutChg chg="modTransition">
+          <pc:chgData name="Esenwein Benjamin (inf20074)" userId="7720cf97-c6ae-4bac-a435-f995da81a4ba" providerId="ADAL" clId="{66BD89BB-1F64-4C31-8A39-7CD03BA7EE7C}" dt="2021-11-08T16:45:22.750" v="1988"/>
+          <pc:sldLayoutMkLst>
+            <pc:docMk/>
+            <pc:sldMasterMk cId="4145530830" sldId="2147483648"/>
+            <pc:sldLayoutMk cId="1831998497" sldId="2147483653"/>
+          </pc:sldLayoutMkLst>
+        </pc:sldLayoutChg>
+        <pc:sldLayoutChg chg="modTransition">
+          <pc:chgData name="Esenwein Benjamin (inf20074)" userId="7720cf97-c6ae-4bac-a435-f995da81a4ba" providerId="ADAL" clId="{66BD89BB-1F64-4C31-8A39-7CD03BA7EE7C}" dt="2021-11-08T16:45:22.750" v="1988"/>
+          <pc:sldLayoutMkLst>
+            <pc:docMk/>
+            <pc:sldMasterMk cId="4145530830" sldId="2147483648"/>
+            <pc:sldLayoutMk cId="2833997531" sldId="2147483654"/>
+          </pc:sldLayoutMkLst>
+        </pc:sldLayoutChg>
+        <pc:sldLayoutChg chg="modTransition">
+          <pc:chgData name="Esenwein Benjamin (inf20074)" userId="7720cf97-c6ae-4bac-a435-f995da81a4ba" providerId="ADAL" clId="{66BD89BB-1F64-4C31-8A39-7CD03BA7EE7C}" dt="2021-11-08T16:45:22.750" v="1988"/>
+          <pc:sldLayoutMkLst>
+            <pc:docMk/>
+            <pc:sldMasterMk cId="4145530830" sldId="2147483648"/>
+            <pc:sldLayoutMk cId="2733043906" sldId="2147483655"/>
+          </pc:sldLayoutMkLst>
+        </pc:sldLayoutChg>
+        <pc:sldLayoutChg chg="modTransition">
+          <pc:chgData name="Esenwein Benjamin (inf20074)" userId="7720cf97-c6ae-4bac-a435-f995da81a4ba" providerId="ADAL" clId="{66BD89BB-1F64-4C31-8A39-7CD03BA7EE7C}" dt="2021-11-08T16:45:22.750" v="1988"/>
+          <pc:sldLayoutMkLst>
+            <pc:docMk/>
+            <pc:sldMasterMk cId="4145530830" sldId="2147483648"/>
+            <pc:sldLayoutMk cId="226675919" sldId="2147483656"/>
+          </pc:sldLayoutMkLst>
+        </pc:sldLayoutChg>
+        <pc:sldLayoutChg chg="modTransition">
+          <pc:chgData name="Esenwein Benjamin (inf20074)" userId="7720cf97-c6ae-4bac-a435-f995da81a4ba" providerId="ADAL" clId="{66BD89BB-1F64-4C31-8A39-7CD03BA7EE7C}" dt="2021-11-08T16:45:22.750" v="1988"/>
+          <pc:sldLayoutMkLst>
+            <pc:docMk/>
+            <pc:sldMasterMk cId="4145530830" sldId="2147483648"/>
+            <pc:sldLayoutMk cId="1216304292" sldId="2147483657"/>
+          </pc:sldLayoutMkLst>
+        </pc:sldLayoutChg>
+        <pc:sldLayoutChg chg="modTransition">
+          <pc:chgData name="Esenwein Benjamin (inf20074)" userId="7720cf97-c6ae-4bac-a435-f995da81a4ba" providerId="ADAL" clId="{66BD89BB-1F64-4C31-8A39-7CD03BA7EE7C}" dt="2021-11-08T16:45:22.750" v="1988"/>
+          <pc:sldLayoutMkLst>
+            <pc:docMk/>
+            <pc:sldMasterMk cId="4145530830" sldId="2147483648"/>
+            <pc:sldLayoutMk cId="2320620289" sldId="2147483658"/>
+          </pc:sldLayoutMkLst>
+        </pc:sldLayoutChg>
+        <pc:sldLayoutChg chg="modTransition">
+          <pc:chgData name="Esenwein Benjamin (inf20074)" userId="7720cf97-c6ae-4bac-a435-f995da81a4ba" providerId="ADAL" clId="{66BD89BB-1F64-4C31-8A39-7CD03BA7EE7C}" dt="2021-11-08T16:45:22.750" v="1988"/>
+          <pc:sldLayoutMkLst>
+            <pc:docMk/>
+            <pc:sldMasterMk cId="4145530830" sldId="2147483648"/>
+            <pc:sldLayoutMk cId="4021944686" sldId="2147483659"/>
+          </pc:sldLayoutMkLst>
+        </pc:sldLayoutChg>
+      </pc:sldMasterChg>
     </pc:docChg>
   </pc:docChgLst>
 </pc:chgInfo>
@@ -10125,7 +10244,7 @@
           <a:p>
             <a:fld id="{70B9A339-94E4-4615-AD4D-B38FA65957D7}" type="datetimeFigureOut">
               <a:rPr lang="de-DE" smtClean="0"/>
-              <a:t>10.11.2021</a:t>
+              <a:t>11.11.2021</a:t>
             </a:fld>
             <a:endParaRPr lang="de-DE"/>
           </a:p>
@@ -10437,7 +10556,7 @@
           <a:lstStyle/>
           <a:p>
             <a:r>
-              <a:rPr lang="de-DE" dirty="0"/>
+              <a:rPr lang="de-DE"/>
               <a:t>Laura</a:t>
             </a:r>
           </a:p>
@@ -10830,76 +10949,76 @@
               <a:t>Verschiedenste</a:t>
             </a:r>
             <a:r>
-              <a:rPr lang="en-US" dirty="0"/>
+              <a:rPr lang="en-US"/>
               <a:t> </a:t>
             </a:r>
             <a:r>
-              <a:rPr lang="en-US" dirty="0" err="1"/>
+              <a:rPr lang="en-US" err="1"/>
               <a:t>Foren</a:t>
             </a:r>
             <a:r>
-              <a:rPr lang="en-US" dirty="0"/>
+              <a:rPr lang="en-US"/>
               <a:t>, </a:t>
             </a:r>
             <a:r>
-              <a:rPr lang="en-US" dirty="0" err="1"/>
+              <a:rPr lang="en-US" err="1"/>
               <a:t>veraltete</a:t>
             </a:r>
             <a:r>
-              <a:rPr lang="en-US" dirty="0"/>
+              <a:rPr lang="en-US"/>
               <a:t> Links…</a:t>
             </a:r>
           </a:p>
           <a:p>
             <a:r>
-              <a:rPr lang="en-US" dirty="0" err="1"/>
+              <a:rPr lang="en-US" err="1"/>
               <a:t>Wir</a:t>
             </a:r>
             <a:r>
-              <a:rPr lang="en-US" dirty="0"/>
+              <a:rPr lang="en-US"/>
               <a:t> </a:t>
             </a:r>
             <a:r>
-              <a:rPr lang="en-US" dirty="0" err="1"/>
+              <a:rPr lang="en-US" err="1"/>
               <a:t>suchen</a:t>
             </a:r>
             <a:r>
-              <a:rPr lang="en-US" dirty="0"/>
+              <a:rPr lang="en-US"/>
               <a:t> </a:t>
             </a:r>
             <a:r>
-              <a:rPr lang="en-US" dirty="0" err="1"/>
+              <a:rPr lang="en-US" err="1"/>
               <a:t>bereits</a:t>
             </a:r>
             <a:r>
-              <a:rPr lang="en-US" dirty="0"/>
+              <a:rPr lang="en-US"/>
               <a:t> auf </a:t>
             </a:r>
             <a:r>
-              <a:rPr lang="en-US" dirty="0" err="1"/>
+              <a:rPr lang="en-US" err="1"/>
               <a:t>mehreren</a:t>
             </a:r>
             <a:r>
-              <a:rPr lang="en-US" dirty="0"/>
+              <a:rPr lang="en-US"/>
               <a:t> </a:t>
             </a:r>
             <a:r>
-              <a:rPr lang="en-US" dirty="0" err="1"/>
+              <a:rPr lang="en-US" err="1"/>
               <a:t>Foren</a:t>
             </a:r>
             <a:r>
-              <a:rPr lang="en-US" dirty="0"/>
+              <a:rPr lang="en-US"/>
               <a:t> </a:t>
             </a:r>
             <a:r>
-              <a:rPr lang="en-US" dirty="0" err="1"/>
+              <a:rPr lang="en-US" err="1"/>
               <a:t>nach</a:t>
             </a:r>
             <a:r>
-              <a:rPr lang="en-US" dirty="0"/>
+              <a:rPr lang="en-US"/>
               <a:t> Guides</a:t>
             </a:r>
-            <a:endParaRPr lang="de-DE" dirty="0"/>
+            <a:endParaRPr lang="de-DE"/>
           </a:p>
         </p:txBody>
       </p:sp>
@@ -11072,22 +11191,22 @@
           <a:lstStyle/>
           <a:p>
             <a:r>
-              <a:rPr lang="de-DE" dirty="0"/>
+              <a:rPr lang="de-DE"/>
               <a:t>Laura</a:t>
             </a:r>
           </a:p>
           <a:p>
-            <a:endParaRPr lang="de-DE" dirty="0"/>
-          </a:p>
-          <a:p>
-            <a:r>
-              <a:rPr lang="de-DE" dirty="0"/>
+            <a:endParaRPr lang="de-DE"/>
+          </a:p>
+          <a:p>
+            <a:r>
+              <a:rPr lang="de-DE"/>
               <a:t>/**Teamvorstellung</a:t>
             </a:r>
           </a:p>
           <a:p>
             <a:r>
-              <a:rPr lang="de-DE" dirty="0">
+              <a:rPr lang="de-DE">
                 <a:sym typeface="Wingdings" panose="05000000000000000000" pitchFamily="2" charset="2"/>
               </a:rPr>
               <a:t>   * Bilder werden an dieser Stelle nicht benötigt</a:t>
@@ -11095,12 +11214,12 @@
           </a:p>
           <a:p>
             <a:r>
-              <a:rPr lang="de-DE" dirty="0">
+              <a:rPr lang="de-DE">
                 <a:sym typeface="Wingdings" panose="05000000000000000000" pitchFamily="2" charset="2"/>
               </a:rPr>
               <a:t>**/</a:t>
             </a:r>
-            <a:endParaRPr lang="de-DE" dirty="0"/>
+            <a:endParaRPr lang="de-DE"/>
           </a:p>
         </p:txBody>
       </p:sp>
@@ -11326,7 +11445,110 @@
             </a:r>
           </a:p>
           <a:p>
+            <a:r>
+              <a:rPr lang="de-DE"/>
+              <a:t>Projektvorstellung:</a:t>
+            </a:r>
+          </a:p>
+          <a:p>
+            <a:r>
+              <a:rPr lang="de-DE"/>
+              <a:t>Open Source, wir nehmen daran Teil, durch Approvalprozess bekommen, Mängel des Patches beheben.</a:t>
+            </a:r>
+          </a:p>
+          <a:p>
+            <a:pPr algn="just"/>
+            <a:r>
+              <a:rPr lang="de-DE" sz="1200">
+                <a:solidFill>
+                  <a:srgbClr val="000000"/>
+                </a:solidFill>
+                <a:effectLst/>
+                <a:latin typeface="Calibri" panose="020F0502020204030204" pitchFamily="34" charset="0"/>
+                <a:ea typeface="Times New Roman" panose="02020603050405020304" pitchFamily="18" charset="0"/>
+              </a:rPr>
+              <a:t>Ziel: Implementation des Websocket Supports und das erfolgreiche Durchlaufen des </a:t>
+            </a:r>
+            <a:r>
+              <a:rPr lang="de-DE" sz="1200" err="1">
+                <a:solidFill>
+                  <a:srgbClr val="000000"/>
+                </a:solidFill>
+                <a:effectLst/>
+                <a:latin typeface="Calibri" panose="020F0502020204030204" pitchFamily="34" charset="0"/>
+                <a:ea typeface="Times New Roman" panose="02020603050405020304" pitchFamily="18" charset="0"/>
+              </a:rPr>
+              <a:t>Approval</a:t>
+            </a:r>
+            <a:r>
+              <a:rPr lang="de-DE" sz="1200">
+                <a:solidFill>
+                  <a:srgbClr val="000000"/>
+                </a:solidFill>
+                <a:effectLst/>
+                <a:latin typeface="Calibri" panose="020F0502020204030204" pitchFamily="34" charset="0"/>
+                <a:ea typeface="Times New Roman" panose="02020603050405020304" pitchFamily="18" charset="0"/>
+              </a:rPr>
+              <a:t>-Prozesses, sprich die Akzeptanz des Programmcodes anhand der Vorgaben der </a:t>
+            </a:r>
+            <a:r>
+              <a:rPr lang="de-DE" sz="1200" err="1">
+                <a:solidFill>
+                  <a:srgbClr val="000000"/>
+                </a:solidFill>
+                <a:effectLst/>
+                <a:latin typeface="Calibri" panose="020F0502020204030204" pitchFamily="34" charset="0"/>
+                <a:ea typeface="Times New Roman" panose="02020603050405020304" pitchFamily="18" charset="0"/>
+              </a:rPr>
+              <a:t>lwIP</a:t>
+            </a:r>
+            <a:r>
+              <a:rPr lang="de-DE" sz="1200">
+                <a:solidFill>
+                  <a:srgbClr val="000000"/>
+                </a:solidFill>
+                <a:effectLst/>
+                <a:latin typeface="Calibri" panose="020F0502020204030204" pitchFamily="34" charset="0"/>
+                <a:ea typeface="Times New Roman" panose="02020603050405020304" pitchFamily="18" charset="0"/>
+              </a:rPr>
+              <a:t> Community.</a:t>
+            </a:r>
+          </a:p>
+          <a:p>
+            <a:pPr algn="just"/>
+            <a:r>
+              <a:rPr lang="de-DE" sz="1200">
+                <a:solidFill>
+                  <a:srgbClr val="000000"/>
+                </a:solidFill>
+                <a:effectLst/>
+                <a:latin typeface="Calibri" panose="020F0502020204030204" pitchFamily="34" charset="0"/>
+                <a:ea typeface="Times New Roman" panose="02020603050405020304" pitchFamily="18" charset="0"/>
+              </a:rPr>
+              <a:t>Schlussendlich soll ein Demo-Server diese Funktionalitäten beinhalten und mithilfe einer GUI grafisch dargestellt und aufgearbeitet werden.</a:t>
+            </a:r>
+            <a:endParaRPr lang="de-DE" sz="1200">
+              <a:effectLst/>
+              <a:latin typeface="Times New Roman" panose="02020603050405020304" pitchFamily="18" charset="0"/>
+              <a:ea typeface="Times New Roman" panose="02020603050405020304" pitchFamily="18" charset="0"/>
+            </a:endParaRPr>
+          </a:p>
+          <a:p>
             <a:endParaRPr lang="de-DE"/>
+          </a:p>
+          <a:p>
+            <a:r>
+              <a:rPr lang="de-DE"/>
+              <a:t>Master </a:t>
+            </a:r>
+            <a:r>
+              <a:rPr lang="de-DE" err="1"/>
+              <a:t>Uce</a:t>
+            </a:r>
+            <a:r>
+              <a:rPr lang="de-DE"/>
+              <a:t> Case:</a:t>
+            </a:r>
           </a:p>
           <a:p>
             <a:pPr algn="just" rtl="0" fontAlgn="base"/>
@@ -11846,9 +12068,6 @@
             <a:endParaRPr lang="en-US" b="0" i="0">
               <a:effectLst/>
             </a:endParaRPr>
-          </a:p>
-          <a:p>
-            <a:endParaRPr lang="de-DE"/>
           </a:p>
         </p:txBody>
       </p:sp>
@@ -11957,9 +12176,132 @@
             </a:endParaRPr>
           </a:p>
           <a:p>
+            <a:r>
+              <a:rPr lang="de-DE" sz="1800" err="1">
+                <a:effectLst/>
+                <a:latin typeface="Calibri" panose="020F0502020204030204" pitchFamily="34" charset="0"/>
+                <a:ea typeface="Times New Roman" panose="02020603050405020304" pitchFamily="18" charset="0"/>
+                <a:cs typeface="Times New Roman" panose="02020603050405020304" pitchFamily="18" charset="0"/>
+              </a:rPr>
+              <a:t>lwIP</a:t>
+            </a:r>
+            <a:r>
+              <a:rPr lang="de-DE" sz="1800">
+                <a:effectLst/>
+                <a:latin typeface="Calibri" panose="020F0502020204030204" pitchFamily="34" charset="0"/>
+                <a:ea typeface="Times New Roman" panose="02020603050405020304" pitchFamily="18" charset="0"/>
+                <a:cs typeface="Times New Roman" panose="02020603050405020304" pitchFamily="18" charset="0"/>
+              </a:rPr>
+              <a:t> hat mehrere Schichten (Schichtenabbildung war auf Folie davor):</a:t>
+            </a:r>
+          </a:p>
+          <a:p>
+            <a:pPr marL="285750" indent="-285750">
+              <a:buFont typeface="Arial" panose="020B0604020202020204" pitchFamily="34" charset="0"/>
+              <a:buChar char="•"/>
+            </a:pPr>
+            <a:r>
+              <a:rPr lang="de-DE" sz="1800">
+                <a:effectLst/>
+                <a:latin typeface="Calibri" panose="020F0502020204030204" pitchFamily="34" charset="0"/>
+                <a:ea typeface="Times New Roman" panose="02020603050405020304" pitchFamily="18" charset="0"/>
+                <a:cs typeface="Times New Roman" panose="02020603050405020304" pitchFamily="18" charset="0"/>
+              </a:rPr>
+              <a:t>Protokolle können als eigenes Modul implementiert werden</a:t>
+            </a:r>
+          </a:p>
+          <a:p>
+            <a:pPr marL="285750" indent="-285750">
+              <a:buFont typeface="Arial" panose="020B0604020202020204" pitchFamily="34" charset="0"/>
+              <a:buChar char="•"/>
+            </a:pPr>
+            <a:r>
+              <a:rPr lang="de-DE" sz="1800">
+                <a:effectLst/>
+                <a:latin typeface="Calibri" panose="020F0502020204030204" pitchFamily="34" charset="0"/>
+                <a:ea typeface="Times New Roman" panose="02020603050405020304" pitchFamily="18" charset="0"/>
+                <a:cs typeface="Times New Roman" panose="02020603050405020304" pitchFamily="18" charset="0"/>
+              </a:rPr>
+              <a:t>Lockeres Schema für Kommunikation zwischen Anwendung und Protokollen der unteren Schichten</a:t>
+            </a:r>
+          </a:p>
+          <a:p>
+            <a:pPr marL="285750" indent="-285750">
+              <a:buFont typeface="Arial" panose="020B0604020202020204" pitchFamily="34" charset="0"/>
+              <a:buChar char="•"/>
+            </a:pPr>
+            <a:r>
+              <a:rPr lang="de-DE" sz="1800" err="1">
+                <a:effectLst/>
+                <a:latin typeface="Calibri" panose="020F0502020204030204" pitchFamily="34" charset="0"/>
+                <a:ea typeface="Times New Roman" panose="02020603050405020304" pitchFamily="18" charset="0"/>
+                <a:cs typeface="Times New Roman" panose="02020603050405020304" pitchFamily="18" charset="0"/>
+              </a:rPr>
+              <a:t>lwIP</a:t>
+            </a:r>
+            <a:r>
+              <a:rPr lang="de-DE" sz="1800">
+                <a:effectLst/>
+                <a:latin typeface="Calibri" panose="020F0502020204030204" pitchFamily="34" charset="0"/>
+                <a:ea typeface="Times New Roman" panose="02020603050405020304" pitchFamily="18" charset="0"/>
+                <a:cs typeface="Times New Roman" panose="02020603050405020304" pitchFamily="18" charset="0"/>
+              </a:rPr>
+              <a:t> nutzt TCP/IP</a:t>
+            </a:r>
+          </a:p>
+          <a:p>
+            <a:pPr marL="285750" indent="-285750">
+              <a:buFont typeface="Arial" panose="020B0604020202020204" pitchFamily="34" charset="0"/>
+              <a:buChar char="•"/>
+            </a:pPr>
+            <a:r>
+              <a:rPr lang="de-DE" sz="1800">
+                <a:effectLst/>
+                <a:latin typeface="Calibri" panose="020F0502020204030204" pitchFamily="34" charset="0"/>
+                <a:ea typeface="Times New Roman" panose="02020603050405020304" pitchFamily="18" charset="0"/>
+                <a:cs typeface="Times New Roman" panose="02020603050405020304" pitchFamily="18" charset="0"/>
+              </a:rPr>
+              <a:t>TCP/IP ist Sammlung von Protokollen, die Kommunikation zwischen internetfähigen Geräten ermöglicht</a:t>
+            </a:r>
+          </a:p>
+          <a:p>
+            <a:pPr marL="285750" indent="-285750">
+              <a:buFont typeface="Arial" panose="020B0604020202020204" pitchFamily="34" charset="0"/>
+              <a:buChar char="•"/>
+            </a:pPr>
+            <a:r>
+              <a:rPr lang="de-DE" sz="1800">
+                <a:effectLst/>
+                <a:latin typeface="Calibri" panose="020F0502020204030204" pitchFamily="34" charset="0"/>
+                <a:ea typeface="Times New Roman" panose="02020603050405020304" pitchFamily="18" charset="0"/>
+                <a:cs typeface="Times New Roman" panose="02020603050405020304" pitchFamily="18" charset="0"/>
+              </a:rPr>
+              <a:t>TCP/IP definiert die Paketierung, Adressierung, Übertragung, Weiterleitung und den Empfang von Daten</a:t>
+            </a:r>
+            <a:endParaRPr lang="de-DE" sz="1800">
+              <a:solidFill>
+                <a:srgbClr val="000000"/>
+              </a:solidFill>
+              <a:effectLst/>
+              <a:latin typeface="Calibri" panose="020F0502020204030204" pitchFamily="34" charset="0"/>
+              <a:ea typeface="Times New Roman" panose="02020603050405020304" pitchFamily="18" charset="0"/>
+            </a:endParaRPr>
+          </a:p>
+          <a:p>
             <a:pPr algn="just"/>
-            <a:r>
-              <a:rPr lang="de-DE" sz="1800" dirty="0" err="1">
+            <a:endParaRPr lang="de-DE" sz="1800">
+              <a:solidFill>
+                <a:srgbClr val="000000"/>
+              </a:solidFill>
+              <a:effectLst/>
+              <a:latin typeface="Calibri" panose="020F0502020204030204" pitchFamily="34" charset="0"/>
+              <a:ea typeface="Times New Roman" panose="02020603050405020304" pitchFamily="18" charset="0"/>
+            </a:endParaRPr>
+          </a:p>
+          <a:p>
+            <a:pPr algn="just"/>
+            <a:r>
+              <a:rPr lang="de-DE" sz="1800">
                 <a:solidFill>
                   <a:srgbClr val="000000"/>
                 </a:solidFill>
@@ -11967,21 +12309,10 @@
                 <a:latin typeface="Calibri" panose="020F0502020204030204" pitchFamily="34" charset="0"/>
                 <a:ea typeface="Times New Roman" panose="02020603050405020304" pitchFamily="18" charset="0"/>
               </a:rPr>
-              <a:t>LwIP</a:t>
-            </a:r>
-            <a:r>
-              <a:rPr lang="de-DE" sz="1800" dirty="0">
-                <a:solidFill>
-                  <a:srgbClr val="000000"/>
-                </a:solidFill>
-                <a:effectLst/>
-                <a:latin typeface="Calibri" panose="020F0502020204030204" pitchFamily="34" charset="0"/>
-                <a:ea typeface="Times New Roman" panose="02020603050405020304" pitchFamily="18" charset="0"/>
-              </a:rPr>
-              <a:t> ist darauf fokussiert möglichst wenige Ressourcen zu verbrauchen, gleichzeitig jedoch einen voll funktionsfähigen TCP/IP-Stack bereitzustellen. So kann über die </a:t>
-            </a:r>
-            <a:r>
-              <a:rPr lang="de-DE" sz="1800" dirty="0" err="1">
+              <a:t>MCU: Stellt </a:t>
+            </a:r>
+            <a:r>
+              <a:rPr lang="de-DE" sz="1800" err="1">
                 <a:solidFill>
                   <a:srgbClr val="000000"/>
                 </a:solidFill>
@@ -11992,7 +12323,7 @@
               <a:t>lwIP</a:t>
             </a:r>
             <a:r>
-              <a:rPr lang="de-DE" sz="1800" dirty="0">
+              <a:rPr lang="de-DE" sz="1800">
                 <a:solidFill>
                   <a:srgbClr val="000000"/>
                 </a:solidFill>
@@ -12000,10 +12331,13 @@
                 <a:latin typeface="Calibri" panose="020F0502020204030204" pitchFamily="34" charset="0"/>
                 <a:ea typeface="Times New Roman" panose="02020603050405020304" pitchFamily="18" charset="0"/>
               </a:rPr>
-              <a:t> API das HTTP Protokoll genutzt werden, TCP, UDP und DHCP sind im </a:t>
-            </a:r>
-            <a:r>
-              <a:rPr lang="de-DE" sz="1800" dirty="0" err="1">
+              <a:t> Dienste bereit</a:t>
+            </a:r>
+          </a:p>
+          <a:p>
+            <a:pPr algn="just"/>
+            <a:r>
+              <a:rPr lang="de-DE" sz="1800" err="1">
                 <a:solidFill>
                   <a:srgbClr val="000000"/>
                 </a:solidFill>
@@ -12011,10 +12345,10 @@
                 <a:latin typeface="Calibri" panose="020F0502020204030204" pitchFamily="34" charset="0"/>
                 <a:ea typeface="Times New Roman" panose="02020603050405020304" pitchFamily="18" charset="0"/>
               </a:rPr>
-              <a:t>LwIP</a:t>
-            </a:r>
-            <a:r>
-              <a:rPr lang="de-DE" sz="1800" dirty="0">
+              <a:t>lwIP</a:t>
+            </a:r>
+            <a:r>
+              <a:rPr lang="de-DE" sz="1800">
                 <a:solidFill>
                   <a:srgbClr val="000000"/>
                 </a:solidFill>
@@ -12022,10 +12356,13 @@
                 <a:latin typeface="Calibri" panose="020F0502020204030204" pitchFamily="34" charset="0"/>
                 <a:ea typeface="Times New Roman" panose="02020603050405020304" pitchFamily="18" charset="0"/>
               </a:rPr>
-              <a:t> Core enthalten. Zusätzlich dazu gibt es noch </a:t>
-            </a:r>
-            <a:r>
-              <a:rPr lang="de-DE" sz="1800" dirty="0" err="1">
+              <a:t> API: Schnittstelle -&gt; HTTP Protokoll</a:t>
+            </a:r>
+          </a:p>
+          <a:p>
+            <a:pPr algn="just"/>
+            <a:r>
+              <a:rPr lang="de-DE" sz="1800" err="1">
                 <a:solidFill>
                   <a:srgbClr val="000000"/>
                 </a:solidFill>
@@ -12033,10 +12370,10 @@
                 <a:latin typeface="Calibri" panose="020F0502020204030204" pitchFamily="34" charset="0"/>
                 <a:ea typeface="Times New Roman" panose="02020603050405020304" pitchFamily="18" charset="0"/>
               </a:rPr>
-              <a:t>Hardwaret+Treiber</a:t>
-            </a:r>
-            <a:r>
-              <a:rPr lang="de-DE" sz="1800" dirty="0">
+              <a:t>lwIP</a:t>
+            </a:r>
+            <a:r>
+              <a:rPr lang="de-DE" sz="1800">
                 <a:solidFill>
                   <a:srgbClr val="000000"/>
                 </a:solidFill>
@@ -12044,13 +12381,82 @@
                 <a:latin typeface="Calibri" panose="020F0502020204030204" pitchFamily="34" charset="0"/>
                 <a:ea typeface="Times New Roman" panose="02020603050405020304" pitchFamily="18" charset="0"/>
               </a:rPr>
-              <a:t> für eingebettete Systeme und die Windows-Umgebung. </a:t>
+              <a:t> Core: Enthält </a:t>
+            </a:r>
+            <a:r>
+              <a:rPr lang="de-DE" sz="1800" err="1">
+                <a:solidFill>
+                  <a:srgbClr val="000000"/>
+                </a:solidFill>
+                <a:effectLst/>
+                <a:latin typeface="Calibri" panose="020F0502020204030204" pitchFamily="34" charset="0"/>
+                <a:ea typeface="Times New Roman" panose="02020603050405020304" pitchFamily="18" charset="0"/>
+              </a:rPr>
+              <a:t>Kerncode</a:t>
+            </a:r>
+            <a:r>
+              <a:rPr lang="de-DE" sz="1800">
+                <a:solidFill>
+                  <a:srgbClr val="000000"/>
+                </a:solidFill>
+                <a:effectLst/>
+                <a:latin typeface="Calibri" panose="020F0502020204030204" pitchFamily="34" charset="0"/>
+                <a:ea typeface="Times New Roman" panose="02020603050405020304" pitchFamily="18" charset="0"/>
+              </a:rPr>
+              <a:t> des TCP/IP-Protokollstapels -&gt; implementiert die meisten TCP- und UDP-Funktionen</a:t>
             </a:r>
           </a:p>
           <a:p>
             <a:pPr algn="just"/>
             <a:r>
-              <a:rPr lang="de-DE" sz="1800" dirty="0">
+              <a:rPr lang="de-DE" sz="1800">
+                <a:solidFill>
+                  <a:srgbClr val="000000"/>
+                </a:solidFill>
+                <a:effectLst/>
+                <a:latin typeface="Calibri" panose="020F0502020204030204" pitchFamily="34" charset="0"/>
+                <a:ea typeface="Times New Roman" panose="02020603050405020304" pitchFamily="18" charset="0"/>
+              </a:rPr>
+              <a:t>Hardware Driver: Stellt Treiber Bereit -&gt; um zum Beispiel mit </a:t>
+            </a:r>
+            <a:r>
+              <a:rPr lang="de-DE" sz="1800" err="1">
+                <a:solidFill>
+                  <a:srgbClr val="000000"/>
+                </a:solidFill>
+                <a:effectLst/>
+                <a:latin typeface="Calibri" panose="020F0502020204030204" pitchFamily="34" charset="0"/>
+                <a:ea typeface="Times New Roman" panose="02020603050405020304" pitchFamily="18" charset="0"/>
+              </a:rPr>
+              <a:t>embedded</a:t>
+            </a:r>
+            <a:r>
+              <a:rPr lang="de-DE" sz="1800">
+                <a:solidFill>
+                  <a:srgbClr val="000000"/>
+                </a:solidFill>
+                <a:effectLst/>
+                <a:latin typeface="Calibri" panose="020F0502020204030204" pitchFamily="34" charset="0"/>
+                <a:ea typeface="Times New Roman" panose="02020603050405020304" pitchFamily="18" charset="0"/>
+              </a:rPr>
+              <a:t> System interagieren zu können</a:t>
+            </a:r>
+          </a:p>
+          <a:p>
+            <a:pPr algn="just"/>
+            <a:endParaRPr lang="de-DE" sz="1800">
+              <a:solidFill>
+                <a:srgbClr val="000000"/>
+              </a:solidFill>
+              <a:effectLst/>
+              <a:latin typeface="Calibri" panose="020F0502020204030204" pitchFamily="34" charset="0"/>
+              <a:ea typeface="Times New Roman" panose="02020603050405020304" pitchFamily="18" charset="0"/>
+            </a:endParaRPr>
+          </a:p>
+          <a:p>
+            <a:pPr algn="just"/>
+            <a:r>
+              <a:rPr lang="de-DE" sz="1800">
                 <a:solidFill>
                   <a:srgbClr val="000000"/>
                 </a:solidFill>
@@ -12061,7 +12467,7 @@
               <a:t>Wegen seiner hohen Effizienz, wird </a:t>
             </a:r>
             <a:r>
-              <a:rPr lang="de-DE" sz="1800" dirty="0" err="1">
+              <a:rPr lang="de-DE" sz="1800" err="1">
                 <a:solidFill>
                   <a:srgbClr val="000000"/>
                 </a:solidFill>
@@ -12072,7 +12478,7 @@
               <a:t>lwIP</a:t>
             </a:r>
             <a:r>
-              <a:rPr lang="de-DE" sz="1800" dirty="0">
+              <a:rPr lang="de-DE" sz="1800">
                 <a:solidFill>
                   <a:srgbClr val="000000"/>
                 </a:solidFill>
@@ -12083,7 +12489,7 @@
               <a:t> zum Beispiel von Intel, </a:t>
             </a:r>
             <a:r>
-              <a:rPr lang="de-DE" sz="1800" dirty="0" err="1">
+              <a:rPr lang="de-DE" sz="1800" err="1">
                 <a:solidFill>
                   <a:srgbClr val="000000"/>
                 </a:solidFill>
@@ -12094,7 +12500,7 @@
               <a:t>Xilinx</a:t>
             </a:r>
             <a:r>
-              <a:rPr lang="de-DE" sz="1800" dirty="0">
+              <a:rPr lang="de-DE" sz="1800">
                 <a:solidFill>
                   <a:srgbClr val="000000"/>
                 </a:solidFill>
@@ -12104,94 +12510,6 @@
               </a:rPr>
               <a:t> und Analog Devices in eingebetteten Systemen verwendet.</a:t>
             </a:r>
-          </a:p>
-          <a:p>
-            <a:pPr algn="just"/>
-            <a:endParaRPr lang="de-DE" sz="1800" dirty="0">
-              <a:solidFill>
-                <a:srgbClr val="000000"/>
-              </a:solidFill>
-              <a:effectLst/>
-              <a:latin typeface="Calibri" panose="020F0502020204030204" pitchFamily="34" charset="0"/>
-              <a:ea typeface="Times New Roman" panose="02020603050405020304" pitchFamily="18" charset="0"/>
-            </a:endParaRPr>
-          </a:p>
-          <a:p>
-            <a:pPr algn="just"/>
-            <a:r>
-              <a:rPr lang="de-DE" sz="1800" dirty="0">
-                <a:solidFill>
-                  <a:srgbClr val="000000"/>
-                </a:solidFill>
-                <a:effectLst/>
-                <a:latin typeface="Calibri" panose="020F0502020204030204" pitchFamily="34" charset="0"/>
-                <a:ea typeface="Times New Roman" panose="02020603050405020304" pitchFamily="18" charset="0"/>
-              </a:rPr>
-              <a:t>Ziel des Projekts ist die Implementation des Websocket Supports und das erfolgreiche Durchlaufen des </a:t>
-            </a:r>
-            <a:r>
-              <a:rPr lang="de-DE" sz="1800" dirty="0" err="1">
-                <a:solidFill>
-                  <a:srgbClr val="000000"/>
-                </a:solidFill>
-                <a:effectLst/>
-                <a:latin typeface="Calibri" panose="020F0502020204030204" pitchFamily="34" charset="0"/>
-                <a:ea typeface="Times New Roman" panose="02020603050405020304" pitchFamily="18" charset="0"/>
-              </a:rPr>
-              <a:t>Approval</a:t>
-            </a:r>
-            <a:r>
-              <a:rPr lang="de-DE" sz="1800" dirty="0">
-                <a:solidFill>
-                  <a:srgbClr val="000000"/>
-                </a:solidFill>
-                <a:effectLst/>
-                <a:latin typeface="Calibri" panose="020F0502020204030204" pitchFamily="34" charset="0"/>
-                <a:ea typeface="Times New Roman" panose="02020603050405020304" pitchFamily="18" charset="0"/>
-              </a:rPr>
-              <a:t>-Prozesses, sprich die Akzeptanz des Programmcodes anhand der Vorgaben der </a:t>
-            </a:r>
-            <a:r>
-              <a:rPr lang="de-DE" sz="1800" dirty="0" err="1">
-                <a:solidFill>
-                  <a:srgbClr val="000000"/>
-                </a:solidFill>
-                <a:effectLst/>
-                <a:latin typeface="Calibri" panose="020F0502020204030204" pitchFamily="34" charset="0"/>
-                <a:ea typeface="Times New Roman" panose="02020603050405020304" pitchFamily="18" charset="0"/>
-              </a:rPr>
-              <a:t>lwIP</a:t>
-            </a:r>
-            <a:r>
-              <a:rPr lang="de-DE" sz="1800" dirty="0">
-                <a:solidFill>
-                  <a:srgbClr val="000000"/>
-                </a:solidFill>
-                <a:effectLst/>
-                <a:latin typeface="Calibri" panose="020F0502020204030204" pitchFamily="34" charset="0"/>
-                <a:ea typeface="Times New Roman" panose="02020603050405020304" pitchFamily="18" charset="0"/>
-              </a:rPr>
-              <a:t> Community.</a:t>
-            </a:r>
-          </a:p>
-          <a:p>
-            <a:pPr algn="just"/>
-            <a:r>
-              <a:rPr lang="de-DE" sz="1800" dirty="0">
-                <a:solidFill>
-                  <a:srgbClr val="000000"/>
-                </a:solidFill>
-                <a:effectLst/>
-                <a:latin typeface="Calibri" panose="020F0502020204030204" pitchFamily="34" charset="0"/>
-                <a:ea typeface="Times New Roman" panose="02020603050405020304" pitchFamily="18" charset="0"/>
-              </a:rPr>
-              <a:t>Schlussendlich soll ein Demo-Server diese Funktionalitäten beinhalten und mithilfe einer GUI grafisch dargestellt und aufgearbeitet werden.</a:t>
-            </a:r>
-            <a:endParaRPr lang="de-DE" sz="1800" dirty="0">
-              <a:effectLst/>
-              <a:latin typeface="Times New Roman" panose="02020603050405020304" pitchFamily="18" charset="0"/>
-              <a:ea typeface="Times New Roman" panose="02020603050405020304" pitchFamily="18" charset="0"/>
-            </a:endParaRPr>
           </a:p>
         </p:txBody>
       </p:sp>
@@ -12286,6 +12604,49 @@
             </a:r>
           </a:p>
           <a:p>
+            <a:pPr marL="0" indent="0">
+              <a:buFont typeface="Arial" panose="020B0604020202020204" pitchFamily="34" charset="0"/>
+              <a:buNone/>
+            </a:pPr>
+            <a:r>
+              <a:rPr lang="de-DE" sz="1800">
+                <a:effectLst/>
+                <a:latin typeface="Calibri" panose="020F0502020204030204" pitchFamily="34" charset="0"/>
+                <a:ea typeface="Times New Roman" panose="02020603050405020304" pitchFamily="18" charset="0"/>
+                <a:cs typeface="Times New Roman" panose="02020603050405020304" pitchFamily="18" charset="0"/>
+              </a:rPr>
+              <a:t>(HTTP Request Bild)</a:t>
+            </a:r>
+          </a:p>
+          <a:p>
+            <a:pPr marL="285750" indent="-285750">
+              <a:buFont typeface="Arial" panose="020B0604020202020204" pitchFamily="34" charset="0"/>
+              <a:buChar char="•"/>
+            </a:pPr>
+            <a:r>
+              <a:rPr lang="de-DE" sz="1800" err="1">
+                <a:effectLst/>
+                <a:latin typeface="Calibri" panose="020F0502020204030204" pitchFamily="34" charset="0"/>
+                <a:ea typeface="Times New Roman" panose="02020603050405020304" pitchFamily="18" charset="0"/>
+                <a:cs typeface="Times New Roman" panose="02020603050405020304" pitchFamily="18" charset="0"/>
+              </a:rPr>
+              <a:t>lwIP</a:t>
+            </a:r>
+            <a:r>
+              <a:rPr lang="de-DE" sz="1800">
+                <a:effectLst/>
+                <a:latin typeface="Calibri" panose="020F0502020204030204" pitchFamily="34" charset="0"/>
+                <a:ea typeface="Times New Roman" panose="02020603050405020304" pitchFamily="18" charset="0"/>
+                <a:cs typeface="Times New Roman" panose="02020603050405020304" pitchFamily="18" charset="0"/>
+              </a:rPr>
+              <a:t> bietet einfachen HTTP Server, keine Websocket Unterstützung</a:t>
+            </a:r>
+          </a:p>
+          <a:p>
+            <a:pPr marL="0" indent="0">
+              <a:buFont typeface="Arial" panose="020B0604020202020204" pitchFamily="34" charset="0"/>
+              <a:buNone/>
+            </a:pPr>
             <a:endParaRPr lang="de-DE" sz="1800">
               <a:effectLst/>
               <a:latin typeface="Calibri" panose="020F0502020204030204" pitchFamily="34" charset="0"/>
@@ -12294,8 +12655,70 @@
             </a:endParaRPr>
           </a:p>
           <a:p>
-            <a:r>
-              <a:rPr lang="de-DE" sz="1800" dirty="0">
+            <a:pPr marL="0" indent="0">
+              <a:buFont typeface="Arial" panose="020B0604020202020204" pitchFamily="34" charset="0"/>
+              <a:buNone/>
+            </a:pPr>
+            <a:r>
+              <a:rPr lang="de-DE" sz="1800">
+                <a:effectLst/>
+                <a:latin typeface="Calibri" panose="020F0502020204030204" pitchFamily="34" charset="0"/>
+                <a:ea typeface="Times New Roman" panose="02020603050405020304" pitchFamily="18" charset="0"/>
+                <a:cs typeface="Times New Roman" panose="02020603050405020304" pitchFamily="18" charset="0"/>
+              </a:rPr>
+              <a:t>(Websocket Bild)</a:t>
+            </a:r>
+          </a:p>
+          <a:p>
+            <a:pPr marL="285750" indent="-285750">
+              <a:buFont typeface="Arial" panose="020B0604020202020204" pitchFamily="34" charset="0"/>
+              <a:buChar char="•"/>
+            </a:pPr>
+            <a:r>
+              <a:rPr lang="de-DE" sz="1800" err="1">
+                <a:effectLst/>
+                <a:latin typeface="Calibri" panose="020F0502020204030204" pitchFamily="34" charset="0"/>
+                <a:ea typeface="Times New Roman" panose="02020603050405020304" pitchFamily="18" charset="0"/>
+                <a:cs typeface="Times New Roman" panose="02020603050405020304" pitchFamily="18" charset="0"/>
+              </a:rPr>
+              <a:t>Websockets</a:t>
+            </a:r>
+            <a:r>
+              <a:rPr lang="de-DE" sz="1800">
+                <a:effectLst/>
+                <a:latin typeface="Calibri" panose="020F0502020204030204" pitchFamily="34" charset="0"/>
+                <a:ea typeface="Times New Roman" panose="02020603050405020304" pitchFamily="18" charset="0"/>
+                <a:cs typeface="Times New Roman" panose="02020603050405020304" pitchFamily="18" charset="0"/>
+              </a:rPr>
+              <a:t> Vollduplex -&gt; interaktive Kommunikationssitzung zwischen Client und Server aufbaubar</a:t>
+            </a:r>
+          </a:p>
+          <a:p>
+            <a:pPr marL="285750" indent="-285750">
+              <a:buFont typeface="Arial" panose="020B0604020202020204" pitchFamily="34" charset="0"/>
+              <a:buChar char="•"/>
+            </a:pPr>
+            <a:r>
+              <a:rPr lang="de-DE" sz="1800">
+                <a:effectLst/>
+                <a:latin typeface="Calibri" panose="020F0502020204030204" pitchFamily="34" charset="0"/>
+                <a:ea typeface="Times New Roman" panose="02020603050405020304" pitchFamily="18" charset="0"/>
+                <a:cs typeface="Times New Roman" panose="02020603050405020304" pitchFamily="18" charset="0"/>
+              </a:rPr>
+              <a:t>Websocket API ermöglicht: Nachricht an Server senden, ereignisgesteuerte Antwort erhalten, ohne Server nach Antwort fragen zu müssen</a:t>
+            </a:r>
+          </a:p>
+          <a:p>
+            <a:endParaRPr lang="de-DE" sz="1800">
+              <a:effectLst/>
+              <a:latin typeface="Calibri" panose="020F0502020204030204" pitchFamily="34" charset="0"/>
+              <a:ea typeface="Times New Roman" panose="02020603050405020304" pitchFamily="18" charset="0"/>
+              <a:cs typeface="Times New Roman" panose="02020603050405020304" pitchFamily="18" charset="0"/>
+            </a:endParaRPr>
+          </a:p>
+          <a:p>
+            <a:r>
+              <a:rPr lang="de-DE" sz="1800">
                 <a:effectLst/>
                 <a:latin typeface="Calibri" panose="020F0502020204030204" pitchFamily="34" charset="0"/>
                 <a:ea typeface="Times New Roman" panose="02020603050405020304" pitchFamily="18" charset="0"/>
@@ -12304,7 +12727,7 @@
               <a:t>Wie bei TCP/IP-Protokollen üblich, ist </a:t>
             </a:r>
             <a:r>
-              <a:rPr lang="de-DE" sz="1800" dirty="0" err="1">
+              <a:rPr lang="de-DE" sz="1800" err="1">
                 <a:effectLst/>
                 <a:latin typeface="Calibri" panose="020F0502020204030204" pitchFamily="34" charset="0"/>
                 <a:ea typeface="Times New Roman" panose="02020603050405020304" pitchFamily="18" charset="0"/>
@@ -12313,7 +12736,7 @@
               <a:t>lwIP</a:t>
             </a:r>
             <a:r>
-              <a:rPr lang="de-DE" sz="1800" dirty="0">
+              <a:rPr lang="de-DE" sz="1800">
                 <a:effectLst/>
                 <a:latin typeface="Calibri" panose="020F0502020204030204" pitchFamily="34" charset="0"/>
                 <a:ea typeface="Times New Roman" panose="02020603050405020304" pitchFamily="18" charset="0"/>
@@ -12324,7 +12747,7 @@
           </a:p>
           <a:p>
             <a:r>
-              <a:rPr lang="de-DE" sz="1800" dirty="0">
+              <a:rPr lang="de-DE" sz="1800">
                 <a:effectLst/>
                 <a:latin typeface="Calibri" panose="020F0502020204030204" pitchFamily="34" charset="0"/>
                 <a:ea typeface="Times New Roman" panose="02020603050405020304" pitchFamily="18" charset="0"/>
@@ -12335,7 +12758,7 @@
           </a:p>
           <a:p>
             <a:r>
-              <a:rPr lang="de-DE" sz="1800" dirty="0" err="1">
+              <a:rPr lang="de-DE" sz="1800" err="1">
                 <a:effectLst/>
                 <a:latin typeface="Calibri" panose="020F0502020204030204" pitchFamily="34" charset="0"/>
                 <a:ea typeface="Times New Roman" panose="02020603050405020304" pitchFamily="18" charset="0"/>
@@ -12344,7 +12767,7 @@
               <a:t>lwIP</a:t>
             </a:r>
             <a:r>
-              <a:rPr lang="de-DE" sz="1800" dirty="0">
+              <a:rPr lang="de-DE" sz="1800">
                 <a:effectLst/>
                 <a:latin typeface="Calibri" panose="020F0502020204030204" pitchFamily="34" charset="0"/>
                 <a:ea typeface="Times New Roman" panose="02020603050405020304" pitchFamily="18" charset="0"/>
@@ -12353,7 +12776,7 @@
               <a:t> bietet einen einfachen HTTP-Server, aber derzeit gibt es keine </a:t>
             </a:r>
             <a:r>
-              <a:rPr lang="de-DE" sz="1800" dirty="0" err="1">
+              <a:rPr lang="de-DE" sz="1800" err="1">
                 <a:effectLst/>
                 <a:latin typeface="Calibri" panose="020F0502020204030204" pitchFamily="34" charset="0"/>
                 <a:ea typeface="Times New Roman" panose="02020603050405020304" pitchFamily="18" charset="0"/>
@@ -12362,7 +12785,7 @@
               <a:t>WebSocket</a:t>
             </a:r>
             <a:r>
-              <a:rPr lang="de-DE" sz="1800" dirty="0">
+              <a:rPr lang="de-DE" sz="1800">
                 <a:effectLst/>
                 <a:latin typeface="Calibri" panose="020F0502020204030204" pitchFamily="34" charset="0"/>
                 <a:ea typeface="Times New Roman" panose="02020603050405020304" pitchFamily="18" charset="0"/>
@@ -12371,7 +12794,7 @@
               <a:t>-Unterstützung. </a:t>
             </a:r>
             <a:r>
-              <a:rPr lang="de-DE" sz="1800" dirty="0" err="1">
+              <a:rPr lang="de-DE" sz="1800" err="1">
                 <a:effectLst/>
                 <a:latin typeface="Calibri" panose="020F0502020204030204" pitchFamily="34" charset="0"/>
                 <a:ea typeface="Times New Roman" panose="02020603050405020304" pitchFamily="18" charset="0"/>
@@ -12380,7 +12803,7 @@
               <a:t>Websockets</a:t>
             </a:r>
             <a:r>
-              <a:rPr lang="de-DE" sz="1800" dirty="0">
+              <a:rPr lang="de-DE" sz="1800">
                 <a:effectLst/>
                 <a:latin typeface="Calibri" panose="020F0502020204030204" pitchFamily="34" charset="0"/>
                 <a:ea typeface="Times New Roman" panose="02020603050405020304" pitchFamily="18" charset="0"/>
@@ -12388,7 +12811,7 @@
               </a:rPr>
               <a:t> ist eine Vollduplex-Technologie, die es ermöglicht, eine interaktive Kommunikationssitzung zwischen dem Browser des Benutzers und dem Server aufzubauen. Mit dieser API können Sie Nachrichten an den Server senden und ereignisgesteuerte Antworten erhalten, ohne den Server nach der Antwort fragen zu müssen. </a:t>
             </a:r>
-            <a:endParaRPr lang="en-US" sz="1800" dirty="0">
+            <a:endParaRPr lang="en-US" sz="1800">
               <a:effectLst/>
               <a:latin typeface="Calibri" panose="020F0502020204030204" pitchFamily="34" charset="0"/>
               <a:ea typeface="Times New Roman" panose="02020603050405020304" pitchFamily="18" charset="0"/>
@@ -12519,11 +12942,14 @@
                 <a:tab pos="571500" algn="l"/>
               </a:tabLst>
             </a:pPr>
-            <a:endParaRPr lang="de-DE" sz="1400" b="1">
-              <a:effectLst/>
-              <a:latin typeface="Verdana" panose="020B0604030504040204" pitchFamily="34" charset="0"/>
-              <a:cs typeface="Symbol" panose="05050102010706020507" pitchFamily="18" charset="2"/>
-            </a:endParaRPr>
+            <a:r>
+              <a:rPr lang="de-DE" sz="1400" b="1">
+                <a:effectLst/>
+                <a:latin typeface="Verdana" panose="020B0604030504040204" pitchFamily="34" charset="0"/>
+                <a:cs typeface="Symbol" panose="05050102010706020507" pitchFamily="18" charset="2"/>
+              </a:rPr>
+              <a:t>Funktionale Anforderungen: Müssen auf jeden fall erledigt werden</a:t>
+            </a:r>
           </a:p>
           <a:p>
             <a:pPr marL="457200" lvl="1" indent="0" algn="l">
@@ -12552,6 +12978,84 @@
             </a:r>
           </a:p>
           <a:p>
+            <a:pPr marL="742950" lvl="1" indent="-285750" algn="l">
+              <a:spcBef>
+                <a:spcPts val="1200"/>
+              </a:spcBef>
+              <a:spcAft>
+                <a:spcPts val="600"/>
+              </a:spcAft>
+              <a:buSzPts val="1200"/>
+              <a:buFont typeface="Arial" panose="020B0604020202020204" pitchFamily="34" charset="0"/>
+              <a:buChar char="•"/>
+              <a:tabLst>
+                <a:tab pos="431800" algn="l"/>
+                <a:tab pos="540385" algn="l"/>
+                <a:tab pos="571500" algn="l"/>
+              </a:tabLst>
+            </a:pPr>
+            <a:r>
+              <a:rPr lang="de-DE" sz="1400" b="0">
+                <a:effectLst/>
+                <a:latin typeface="Verdana" panose="020B0604030504040204" pitchFamily="34" charset="0"/>
+                <a:cs typeface="Symbol" panose="05050102010706020507" pitchFamily="18" charset="2"/>
+              </a:rPr>
+              <a:t>Ziel: Code für base64-Kodierung eigene Funktion auslagern</a:t>
+            </a:r>
+          </a:p>
+          <a:p>
+            <a:pPr marL="742950" lvl="1" indent="-285750" algn="l">
+              <a:spcBef>
+                <a:spcPts val="1200"/>
+              </a:spcBef>
+              <a:spcAft>
+                <a:spcPts val="600"/>
+              </a:spcAft>
+              <a:buSzPts val="1200"/>
+              <a:buFont typeface="Arial" panose="020B0604020202020204" pitchFamily="34" charset="0"/>
+              <a:buChar char="•"/>
+              <a:tabLst>
+                <a:tab pos="431800" algn="l"/>
+                <a:tab pos="540385" algn="l"/>
+                <a:tab pos="571500" algn="l"/>
+              </a:tabLst>
+            </a:pPr>
+            <a:r>
+              <a:rPr lang="de-DE" sz="1400" b="0">
+                <a:effectLst/>
+                <a:latin typeface="Verdana" panose="020B0604030504040204" pitchFamily="34" charset="0"/>
+                <a:cs typeface="Symbol" panose="05050102010706020507" pitchFamily="18" charset="2"/>
+              </a:rPr>
+              <a:t>Warum: tritt mehrfach auf</a:t>
+            </a:r>
+          </a:p>
+          <a:p>
+            <a:pPr marL="742950" lvl="1" indent="-285750" algn="l">
+              <a:spcBef>
+                <a:spcPts val="1200"/>
+              </a:spcBef>
+              <a:spcAft>
+                <a:spcPts val="600"/>
+              </a:spcAft>
+              <a:buSzPts val="1200"/>
+              <a:buFont typeface="Arial" panose="020B0604020202020204" pitchFamily="34" charset="0"/>
+              <a:buChar char="•"/>
+              <a:tabLst>
+                <a:tab pos="431800" algn="l"/>
+                <a:tab pos="540385" algn="l"/>
+                <a:tab pos="571500" algn="l"/>
+              </a:tabLst>
+            </a:pPr>
+            <a:r>
+              <a:rPr lang="de-DE" sz="1400" b="0">
+                <a:effectLst/>
+                <a:latin typeface="Verdana" panose="020B0604030504040204" pitchFamily="34" charset="0"/>
+                <a:cs typeface="Symbol" panose="05050102010706020507" pitchFamily="18" charset="2"/>
+              </a:rPr>
+              <a:t>Gibt Platz frei, spart Rechenleistung</a:t>
+            </a:r>
+          </a:p>
+          <a:p>
             <a:pPr marL="457200" lvl="1" indent="0" algn="l">
               <a:spcBef>
                 <a:spcPts val="1200"/>
@@ -12569,12 +13073,125 @@
               </a:tabLst>
             </a:pPr>
             <a:r>
+              <a:rPr lang="de-DE" sz="1400" b="1">
+                <a:effectLst/>
+                <a:latin typeface="Verdana" panose="020B0604030504040204" pitchFamily="34" charset="0"/>
+                <a:cs typeface="Symbol" panose="05050102010706020507" pitchFamily="18" charset="2"/>
+              </a:rPr>
+              <a:t>/F20/Implementierung der </a:t>
+            </a:r>
+            <a:r>
+              <a:rPr lang="de-DE" sz="1400" b="1" err="1">
+                <a:effectLst/>
+                <a:latin typeface="Verdana" panose="020B0604030504040204" pitchFamily="34" charset="0"/>
+                <a:cs typeface="Symbol" panose="05050102010706020507" pitchFamily="18" charset="2"/>
+              </a:rPr>
+              <a:t>WebSocket</a:t>
+            </a:r>
+            <a:r>
+              <a:rPr lang="de-DE" sz="1400" b="1">
+                <a:effectLst/>
+                <a:latin typeface="Verdana" panose="020B0604030504040204" pitchFamily="34" charset="0"/>
+                <a:cs typeface="Symbol" panose="05050102010706020507" pitchFamily="18" charset="2"/>
+              </a:rPr>
+              <a:t>-API</a:t>
+            </a:r>
+          </a:p>
+          <a:p>
+            <a:pPr marL="742950" lvl="1" indent="-285750" algn="l">
+              <a:spcBef>
+                <a:spcPts val="1200"/>
+              </a:spcBef>
+              <a:spcAft>
+                <a:spcPts val="600"/>
+              </a:spcAft>
+              <a:buSzPts val="1200"/>
+              <a:buFont typeface="Arial" panose="020B0604020202020204" pitchFamily="34" charset="0"/>
+              <a:buChar char="•"/>
+              <a:tabLst>
+                <a:tab pos="431800" algn="l"/>
+                <a:tab pos="540385" algn="l"/>
+                <a:tab pos="571500" algn="l"/>
+              </a:tabLst>
+            </a:pPr>
+            <a:r>
               <a:rPr lang="de-DE" sz="1400" b="0">
                 <a:effectLst/>
                 <a:latin typeface="Verdana" panose="020B0604030504040204" pitchFamily="34" charset="0"/>
                 <a:cs typeface="Symbol" panose="05050102010706020507" pitchFamily="18" charset="2"/>
               </a:rPr>
-              <a:t>Der Code für die base64-Kodierung sollte eine eigene Funktion werden. Der Grund dafür ist die Tatsache, dass sie im gesamten Projekt mehrfach verwendet wird und die Implementierung jedes Mal unnötig und platzraubend ist für ein Programm, das speziell auf geringes Gewicht ausgelegt ist. Oder anders ausgedrückt, es soll so wenig Platz und Rechenleistung wie möglich beanspruchen.</a:t>
+              <a:t>Ziel: Nutzung von </a:t>
+            </a:r>
+            <a:r>
+              <a:rPr lang="de-DE" sz="1400" b="0" err="1">
+                <a:effectLst/>
+                <a:latin typeface="Verdana" panose="020B0604030504040204" pitchFamily="34" charset="0"/>
+                <a:cs typeface="Symbol" panose="05050102010706020507" pitchFamily="18" charset="2"/>
+              </a:rPr>
+              <a:t>Websockets</a:t>
+            </a:r>
+            <a:r>
+              <a:rPr lang="de-DE" sz="1400" b="0">
+                <a:effectLst/>
+                <a:latin typeface="Verdana" panose="020B0604030504040204" pitchFamily="34" charset="0"/>
+                <a:cs typeface="Symbol" panose="05050102010706020507" pitchFamily="18" charset="2"/>
+              </a:rPr>
+              <a:t> ermöglichen in </a:t>
+            </a:r>
+            <a:r>
+              <a:rPr lang="de-DE" sz="1400" b="0" err="1">
+                <a:effectLst/>
+                <a:latin typeface="Verdana" panose="020B0604030504040204" pitchFamily="34" charset="0"/>
+                <a:cs typeface="Symbol" panose="05050102010706020507" pitchFamily="18" charset="2"/>
+              </a:rPr>
+              <a:t>lwIP</a:t>
+            </a:r>
+            <a:endParaRPr lang="de-DE" sz="1400" b="0">
+              <a:effectLst/>
+              <a:latin typeface="Verdana" panose="020B0604030504040204" pitchFamily="34" charset="0"/>
+              <a:cs typeface="Symbol" panose="05050102010706020507" pitchFamily="18" charset="2"/>
+            </a:endParaRPr>
+          </a:p>
+          <a:p>
+            <a:pPr marL="742950" lvl="1" indent="-285750" algn="l">
+              <a:spcBef>
+                <a:spcPts val="1200"/>
+              </a:spcBef>
+              <a:spcAft>
+                <a:spcPts val="600"/>
+              </a:spcAft>
+              <a:buSzPts val="1200"/>
+              <a:buFont typeface="Arial" panose="020B0604020202020204" pitchFamily="34" charset="0"/>
+              <a:buChar char="•"/>
+              <a:tabLst>
+                <a:tab pos="431800" algn="l"/>
+                <a:tab pos="540385" algn="l"/>
+                <a:tab pos="571500" algn="l"/>
+              </a:tabLst>
+            </a:pPr>
+            <a:r>
+              <a:rPr lang="de-DE" sz="1400" b="0">
+                <a:effectLst/>
+                <a:latin typeface="Verdana" panose="020B0604030504040204" pitchFamily="34" charset="0"/>
+                <a:cs typeface="Symbol" panose="05050102010706020507" pitchFamily="18" charset="2"/>
+              </a:rPr>
+              <a:t>Warum: Um </a:t>
+            </a:r>
+            <a:r>
+              <a:rPr lang="de-DE" sz="1400" b="0" err="1">
+                <a:effectLst/>
+                <a:latin typeface="Verdana" panose="020B0604030504040204" pitchFamily="34" charset="0"/>
+                <a:cs typeface="Symbol" panose="05050102010706020507" pitchFamily="18" charset="2"/>
+              </a:rPr>
+              <a:t>bifunktionale</a:t>
+            </a:r>
+            <a:r>
+              <a:rPr lang="de-DE" sz="1400" b="0">
+                <a:effectLst/>
+                <a:latin typeface="Verdana" panose="020B0604030504040204" pitchFamily="34" charset="0"/>
+                <a:cs typeface="Symbol" panose="05050102010706020507" pitchFamily="18" charset="2"/>
+              </a:rPr>
+              <a:t> Verbindungen zu ermöglichen</a:t>
             </a:r>
           </a:p>
           <a:p>
@@ -12600,23 +13217,38 @@
                 <a:latin typeface="Verdana" panose="020B0604030504040204" pitchFamily="34" charset="0"/>
                 <a:cs typeface="Symbol" panose="05050102010706020507" pitchFamily="18" charset="2"/>
               </a:rPr>
-              <a:t>/F20/Implementierung der </a:t>
-            </a:r>
-            <a:r>
-              <a:rPr lang="de-DE" sz="1400" b="1" err="1">
+              <a:t>/F30/Schreiben eines GUI-basierten Test-Clients</a:t>
+            </a:r>
+          </a:p>
+          <a:p>
+            <a:pPr marL="742950" marR="0" lvl="1" indent="-285750" algn="l" defTabSz="914400" rtl="0" eaLnBrk="1" fontAlgn="auto" latinLnBrk="0" hangingPunct="1">
+              <a:lnSpc>
+                <a:spcPct val="100000"/>
+              </a:lnSpc>
+              <a:spcBef>
+                <a:spcPts val="1200"/>
+              </a:spcBef>
+              <a:spcAft>
+                <a:spcPts val="600"/>
+              </a:spcAft>
+              <a:buClrTx/>
+              <a:buSzPts val="1200"/>
+              <a:buFont typeface="Arial" panose="020B0604020202020204" pitchFamily="34" charset="0"/>
+              <a:buChar char="•"/>
+              <a:tabLst>
+                <a:tab pos="431800" algn="l"/>
+                <a:tab pos="540385" algn="l"/>
+                <a:tab pos="571500" algn="l"/>
+              </a:tabLst>
+              <a:defRPr/>
+            </a:pPr>
+            <a:r>
+              <a:rPr lang="de-DE" sz="1400" b="0">
                 <a:effectLst/>
                 <a:latin typeface="Verdana" panose="020B0604030504040204" pitchFamily="34" charset="0"/>
                 <a:cs typeface="Symbol" panose="05050102010706020507" pitchFamily="18" charset="2"/>
               </a:rPr>
-              <a:t>WebSocket</a:t>
-            </a:r>
-            <a:r>
-              <a:rPr lang="de-DE" sz="1400" b="1">
-                <a:effectLst/>
-                <a:latin typeface="Verdana" panose="020B0604030504040204" pitchFamily="34" charset="0"/>
-                <a:cs typeface="Symbol" panose="05050102010706020507" pitchFamily="18" charset="2"/>
-              </a:rPr>
-              <a:t>-API</a:t>
+              <a:t>Ziel: Zu Demonstrations- und Testzwecken soll ein Test-Client entworfen und gebaut werden.</a:t>
             </a:r>
           </a:p>
           <a:p>
@@ -12637,80 +13269,16 @@
               </a:tabLst>
             </a:pPr>
             <a:r>
-              <a:rPr lang="de-DE" sz="1400" b="0">
+              <a:rPr lang="de-DE" sz="1400" b="1">
                 <a:effectLst/>
                 <a:latin typeface="Verdana" panose="020B0604030504040204" pitchFamily="34" charset="0"/>
                 <a:cs typeface="Symbol" panose="05050102010706020507" pitchFamily="18" charset="2"/>
               </a:rPr>
-              <a:t>Dies ist das Hauptziel von Patch #9525, die Nutzung von </a:t>
-            </a:r>
-            <a:r>
-              <a:rPr lang="de-DE" sz="1400" b="0" err="1">
-                <a:effectLst/>
-                <a:latin typeface="Verdana" panose="020B0604030504040204" pitchFamily="34" charset="0"/>
-                <a:cs typeface="Symbol" panose="05050102010706020507" pitchFamily="18" charset="2"/>
-              </a:rPr>
-              <a:t>Websockets</a:t>
-            </a:r>
-            <a:r>
-              <a:rPr lang="de-DE" sz="1400" b="0">
-                <a:effectLst/>
-                <a:latin typeface="Verdana" panose="020B0604030504040204" pitchFamily="34" charset="0"/>
-                <a:cs typeface="Symbol" panose="05050102010706020507" pitchFamily="18" charset="2"/>
-              </a:rPr>
-              <a:t> zu ermöglichen. Am Ende dieses Projekts sollte es möglich sein, Daten über </a:t>
-            </a:r>
-            <a:r>
-              <a:rPr lang="de-DE" sz="1400" b="0" err="1">
-                <a:effectLst/>
-                <a:latin typeface="Verdana" panose="020B0604030504040204" pitchFamily="34" charset="0"/>
-                <a:cs typeface="Symbol" panose="05050102010706020507" pitchFamily="18" charset="2"/>
-              </a:rPr>
-              <a:t>lwIP</a:t>
-            </a:r>
-            <a:r>
-              <a:rPr lang="de-DE" sz="1400" b="0">
-                <a:effectLst/>
-                <a:latin typeface="Verdana" panose="020B0604030504040204" pitchFamily="34" charset="0"/>
-                <a:cs typeface="Symbol" panose="05050102010706020507" pitchFamily="18" charset="2"/>
-              </a:rPr>
-              <a:t> mittels </a:t>
-            </a:r>
-            <a:r>
-              <a:rPr lang="de-DE" sz="1400" b="0" err="1">
-                <a:effectLst/>
-                <a:latin typeface="Verdana" panose="020B0604030504040204" pitchFamily="34" charset="0"/>
-                <a:cs typeface="Symbol" panose="05050102010706020507" pitchFamily="18" charset="2"/>
-              </a:rPr>
-              <a:t>Websockets</a:t>
-            </a:r>
-            <a:r>
-              <a:rPr lang="de-DE" sz="1400" b="0">
-                <a:effectLst/>
-                <a:latin typeface="Verdana" panose="020B0604030504040204" pitchFamily="34" charset="0"/>
-                <a:cs typeface="Symbol" panose="05050102010706020507" pitchFamily="18" charset="2"/>
-              </a:rPr>
-              <a:t> auszutauschen. </a:t>
-            </a:r>
-            <a:r>
-              <a:rPr lang="de-DE" sz="1400" b="0" err="1">
-                <a:effectLst/>
-                <a:latin typeface="Verdana" panose="020B0604030504040204" pitchFamily="34" charset="0"/>
-                <a:cs typeface="Symbol" panose="05050102010706020507" pitchFamily="18" charset="2"/>
-              </a:rPr>
-              <a:t>Websockets</a:t>
-            </a:r>
-            <a:r>
-              <a:rPr lang="de-DE" sz="1400" b="0">
-                <a:effectLst/>
-                <a:latin typeface="Verdana" panose="020B0604030504040204" pitchFamily="34" charset="0"/>
-                <a:cs typeface="Symbol" panose="05050102010706020507" pitchFamily="18" charset="2"/>
-              </a:rPr>
-              <a:t> ermöglichen bidirektionale Verbindungen und halten die Verbindung zwischen Server und Client offen, so dass der Server Daten senden kann, ohne dass sie vom Client ausdrücklich angefordert werden. </a:t>
-            </a:r>
-          </a:p>
-          <a:p>
-            <a:pPr marL="457200" lvl="1" indent="0" algn="l">
+              <a:t>/F40/http Webserver für Testzwecke</a:t>
+            </a:r>
+          </a:p>
+          <a:p>
+            <a:pPr marL="742950" lvl="1" indent="-285750" algn="l">
               <a:spcBef>
                 <a:spcPts val="1200"/>
               </a:spcBef>
@@ -12718,8 +13286,8 @@
                 <a:spcPts val="600"/>
               </a:spcAft>
               <a:buSzPts val="1200"/>
-              <a:buFont typeface="+mj-lt"/>
-              <a:buNone/>
+              <a:buFont typeface="Arial" panose="020B0604020202020204" pitchFamily="34" charset="0"/>
+              <a:buChar char="•"/>
               <a:tabLst>
                 <a:tab pos="431800" algn="l"/>
                 <a:tab pos="540385" algn="l"/>
@@ -12727,108 +13295,13 @@
               </a:tabLst>
             </a:pPr>
             <a:r>
-              <a:rPr lang="de-DE" sz="1400" b="1">
-                <a:effectLst/>
-                <a:latin typeface="Verdana" panose="020B0604030504040204" pitchFamily="34" charset="0"/>
-                <a:cs typeface="Symbol" panose="05050102010706020507" pitchFamily="18" charset="2"/>
-              </a:rPr>
-              <a:t>/F30/Schreiben eines GUI-basierten Test-Clients</a:t>
-            </a:r>
-          </a:p>
-          <a:p>
-            <a:pPr marL="457200" lvl="1" indent="0" algn="l">
-              <a:spcBef>
-                <a:spcPts val="1200"/>
-              </a:spcBef>
-              <a:spcAft>
-                <a:spcPts val="600"/>
-              </a:spcAft>
-              <a:buSzPts val="1200"/>
-              <a:buFont typeface="+mj-lt"/>
-              <a:buNone/>
-              <a:tabLst>
-                <a:tab pos="431800" algn="l"/>
-                <a:tab pos="540385" algn="l"/>
-                <a:tab pos="571500" algn="l"/>
-              </a:tabLst>
-            </a:pPr>
-            <a:r>
               <a:rPr lang="de-DE" sz="1400" b="0">
                 <a:effectLst/>
                 <a:latin typeface="Verdana" panose="020B0604030504040204" pitchFamily="34" charset="0"/>
                 <a:cs typeface="Symbol" panose="05050102010706020507" pitchFamily="18" charset="2"/>
               </a:rPr>
-              <a:t>Zu Demonstrations- und Testzwecken soll ein Test-Client entworfen und gebaut werden.</a:t>
-            </a:r>
-          </a:p>
-          <a:p>
-            <a:pPr marL="457200" lvl="1" indent="0" algn="l">
-              <a:spcBef>
-                <a:spcPts val="1200"/>
-              </a:spcBef>
-              <a:spcAft>
-                <a:spcPts val="600"/>
-              </a:spcAft>
-              <a:buSzPts val="1200"/>
-              <a:buFont typeface="+mj-lt"/>
-              <a:buNone/>
-              <a:tabLst>
-                <a:tab pos="431800" algn="l"/>
-                <a:tab pos="540385" algn="l"/>
-                <a:tab pos="571500" algn="l"/>
-              </a:tabLst>
-            </a:pPr>
-            <a:r>
-              <a:rPr lang="de-DE" sz="1400" b="1">
-                <a:effectLst/>
-                <a:latin typeface="Verdana" panose="020B0604030504040204" pitchFamily="34" charset="0"/>
-                <a:cs typeface="Symbol" panose="05050102010706020507" pitchFamily="18" charset="2"/>
-              </a:rPr>
-              <a:t>/F40/http Webserver für Testzwecke</a:t>
-            </a:r>
-          </a:p>
-          <a:p>
-            <a:pPr marL="457200" lvl="1" indent="0" algn="l">
-              <a:spcBef>
-                <a:spcPts val="1200"/>
-              </a:spcBef>
-              <a:spcAft>
-                <a:spcPts val="600"/>
-              </a:spcAft>
-              <a:buSzPts val="1200"/>
-              <a:buFont typeface="+mj-lt"/>
-              <a:buNone/>
-              <a:tabLst>
-                <a:tab pos="431800" algn="l"/>
-                <a:tab pos="540385" algn="l"/>
-                <a:tab pos="571500" algn="l"/>
-              </a:tabLst>
-            </a:pPr>
-            <a:r>
-              <a:rPr lang="de-DE" sz="1400" b="0">
-                <a:effectLst/>
-                <a:latin typeface="Verdana" panose="020B0604030504040204" pitchFamily="34" charset="0"/>
-                <a:cs typeface="Symbol" panose="05050102010706020507" pitchFamily="18" charset="2"/>
-              </a:rPr>
-              <a:t>Um </a:t>
-            </a:r>
-            <a:r>
-              <a:rPr lang="de-DE" sz="1400" b="0" err="1">
-                <a:effectLst/>
-                <a:latin typeface="Verdana" panose="020B0604030504040204" pitchFamily="34" charset="0"/>
-                <a:cs typeface="Symbol" panose="05050102010706020507" pitchFamily="18" charset="2"/>
-              </a:rPr>
-              <a:t>WebSocket</a:t>
-            </a:r>
-            <a:r>
-              <a:rPr lang="de-DE" sz="1400" b="0">
-                <a:effectLst/>
-                <a:latin typeface="Verdana" panose="020B0604030504040204" pitchFamily="34" charset="0"/>
-                <a:cs typeface="Symbol" panose="05050102010706020507" pitchFamily="18" charset="2"/>
-              </a:rPr>
-              <a:t>-Funktionen und -Verhalten testen zu können, muss eventuell ein http-Webserver implementiert werden. Übersetzt mit www.DeepL.com/Translator (kostenlose Version)</a:t>
-            </a:r>
-            <a:endParaRPr lang="de-DE" b="0"/>
+              <a:t>Ziel: http-Webserver implementieren</a:t>
+            </a:r>
           </a:p>
         </p:txBody>
       </p:sp>
@@ -12954,11 +13427,14 @@
                 <a:tab pos="571500" algn="l"/>
               </a:tabLst>
             </a:pPr>
-            <a:endParaRPr lang="de-DE" sz="1400" b="1">
-              <a:effectLst/>
-              <a:latin typeface="Verdana" panose="020B0604030504040204" pitchFamily="34" charset="0"/>
-              <a:cs typeface="Symbol" panose="05050102010706020507" pitchFamily="18" charset="2"/>
-            </a:endParaRPr>
+            <a:r>
+              <a:rPr lang="de-DE" sz="1400" b="1">
+                <a:effectLst/>
+                <a:latin typeface="Verdana" panose="020B0604030504040204" pitchFamily="34" charset="0"/>
+                <a:cs typeface="Symbol" panose="05050102010706020507" pitchFamily="18" charset="2"/>
+              </a:rPr>
+              <a:t>Nichtfunktionale Anforderungen: Optionale Aufgaben</a:t>
+            </a:r>
           </a:p>
           <a:p>
             <a:pPr marL="457200" lvl="1" indent="0" algn="just">
@@ -12987,6 +13463,100 @@
             </a:r>
           </a:p>
           <a:p>
+            <a:pPr marL="742950" lvl="1" indent="-285750" algn="just">
+              <a:spcBef>
+                <a:spcPts val="1200"/>
+              </a:spcBef>
+              <a:spcAft>
+                <a:spcPts val="600"/>
+              </a:spcAft>
+              <a:buSzPts val="1200"/>
+              <a:buFont typeface="Arial" panose="020B0604020202020204" pitchFamily="34" charset="0"/>
+              <a:buChar char="•"/>
+              <a:tabLst>
+                <a:tab pos="431800" algn="l"/>
+                <a:tab pos="540385" algn="l"/>
+                <a:tab pos="571500" algn="l"/>
+              </a:tabLst>
+            </a:pPr>
+            <a:r>
+              <a:rPr lang="de-DE" sz="1400" b="0">
+                <a:effectLst/>
+                <a:latin typeface="Verdana" panose="020B0604030504040204" pitchFamily="34" charset="0"/>
+                <a:cs typeface="Symbol" panose="05050102010706020507" pitchFamily="18" charset="2"/>
+              </a:rPr>
+              <a:t>Fokus von </a:t>
+            </a:r>
+            <a:r>
+              <a:rPr lang="de-DE" sz="1400" b="0" err="1">
+                <a:effectLst/>
+                <a:latin typeface="Verdana" panose="020B0604030504040204" pitchFamily="34" charset="0"/>
+                <a:cs typeface="Symbol" panose="05050102010706020507" pitchFamily="18" charset="2"/>
+              </a:rPr>
+              <a:t>lwIP</a:t>
+            </a:r>
+            <a:r>
+              <a:rPr lang="de-DE" sz="1400" b="0">
+                <a:effectLst/>
+                <a:latin typeface="Verdana" panose="020B0604030504040204" pitchFamily="34" charset="0"/>
+                <a:cs typeface="Symbol" panose="05050102010706020507" pitchFamily="18" charset="2"/>
+              </a:rPr>
+              <a:t>: kompakte Architektur</a:t>
+            </a:r>
+          </a:p>
+          <a:p>
+            <a:pPr marL="742950" lvl="1" indent="-285750" algn="just">
+              <a:spcBef>
+                <a:spcPts val="1200"/>
+              </a:spcBef>
+              <a:spcAft>
+                <a:spcPts val="600"/>
+              </a:spcAft>
+              <a:buSzPts val="1200"/>
+              <a:buFont typeface="Arial" panose="020B0604020202020204" pitchFamily="34" charset="0"/>
+              <a:buChar char="•"/>
+              <a:tabLst>
+                <a:tab pos="431800" algn="l"/>
+                <a:tab pos="540385" algn="l"/>
+                <a:tab pos="571500" algn="l"/>
+              </a:tabLst>
+            </a:pPr>
+            <a:r>
+              <a:rPr lang="de-DE" sz="1400" b="0">
+                <a:effectLst/>
+                <a:latin typeface="Verdana" panose="020B0604030504040204" pitchFamily="34" charset="0"/>
+                <a:cs typeface="Symbol" panose="05050102010706020507" pitchFamily="18" charset="2"/>
+              </a:rPr>
+              <a:t>Programm soll auf kleinen, eingebetteten Systemen laufen</a:t>
+            </a:r>
+          </a:p>
+          <a:p>
+            <a:pPr marL="742950" lvl="1" indent="-285750" algn="just">
+              <a:spcBef>
+                <a:spcPts val="1200"/>
+              </a:spcBef>
+              <a:spcAft>
+                <a:spcPts val="600"/>
+              </a:spcAft>
+              <a:buSzPts val="1200"/>
+              <a:buFont typeface="Arial" panose="020B0604020202020204" pitchFamily="34" charset="0"/>
+              <a:buChar char="•"/>
+              <a:tabLst>
+                <a:tab pos="431800" algn="l"/>
+                <a:tab pos="540385" algn="l"/>
+                <a:tab pos="571500" algn="l"/>
+              </a:tabLst>
+            </a:pPr>
+            <a:r>
+              <a:rPr lang="de-DE" sz="1400" b="0">
+                <a:effectLst/>
+                <a:latin typeface="Verdana" panose="020B0604030504040204" pitchFamily="34" charset="0"/>
+                <a:cs typeface="Symbol" panose="05050102010706020507" pitchFamily="18" charset="2"/>
+              </a:rPr>
+              <a:t>kompakter Code erhöht Chancen für Genehmigung</a:t>
+            </a:r>
+          </a:p>
+          <a:p>
             <a:pPr marL="457200" lvl="1" indent="0" algn="just">
               <a:spcBef>
                 <a:spcPts val="1200"/>
@@ -13004,12 +13574,38 @@
               </a:tabLst>
             </a:pPr>
             <a:r>
+              <a:rPr lang="de-DE" sz="1400" b="1">
+                <a:effectLst/>
+                <a:latin typeface="Verdana" panose="020B0604030504040204" pitchFamily="34" charset="0"/>
+                <a:cs typeface="Symbol" panose="05050102010706020507" pitchFamily="18" charset="2"/>
+              </a:rPr>
+              <a:t>/NF20/Effizienter Code</a:t>
+            </a:r>
+          </a:p>
+          <a:p>
+            <a:pPr marL="742950" lvl="1" indent="-285750" algn="just">
+              <a:spcBef>
+                <a:spcPts val="1200"/>
+              </a:spcBef>
+              <a:spcAft>
+                <a:spcPts val="600"/>
+              </a:spcAft>
+              <a:buSzPts val="1200"/>
+              <a:buFont typeface="Arial" panose="020B0604020202020204" pitchFamily="34" charset="0"/>
+              <a:buChar char="•"/>
+              <a:tabLst>
+                <a:tab pos="431800" algn="l"/>
+                <a:tab pos="540385" algn="l"/>
+                <a:tab pos="571500" algn="l"/>
+              </a:tabLst>
+            </a:pPr>
+            <a:r>
               <a:rPr lang="de-DE" sz="1400" b="0">
                 <a:effectLst/>
                 <a:latin typeface="Verdana" panose="020B0604030504040204" pitchFamily="34" charset="0"/>
                 <a:cs typeface="Symbol" panose="05050102010706020507" pitchFamily="18" charset="2"/>
               </a:rPr>
-              <a:t>Das Hauptaugenmerk von </a:t>
+              <a:t>Effizienter Code, weil </a:t>
             </a:r>
             <a:r>
               <a:rPr lang="de-DE" sz="1400" b="0" err="1">
@@ -13025,7 +13621,33 @@
                 <a:latin typeface="Verdana" panose="020B0604030504040204" pitchFamily="34" charset="0"/>
                 <a:cs typeface="Symbol" panose="05050102010706020507" pitchFamily="18" charset="2"/>
               </a:rPr>
-              <a:t> liegt auf einer kompakten Architektur, die es ermöglicht, das Programm auf kleinen eingebetteten Systemen laufen zu lassen. Wenn das Projekt den Genehmigungsprozess durchlaufen soll, um Teil des Hauptprodukts zu werden, verbessert kompakter Code die Chancen auf Genehmigung. </a:t>
+              <a:t> auf kompakter Architektur laufen soll</a:t>
+            </a:r>
+          </a:p>
+          <a:p>
+            <a:pPr marL="742950" lvl="1" indent="-285750" algn="just">
+              <a:spcBef>
+                <a:spcPts val="1200"/>
+              </a:spcBef>
+              <a:spcAft>
+                <a:spcPts val="600"/>
+              </a:spcAft>
+              <a:buSzPts val="1200"/>
+              <a:buFont typeface="Arial" panose="020B0604020202020204" pitchFamily="34" charset="0"/>
+              <a:buChar char="•"/>
+              <a:tabLst>
+                <a:tab pos="431800" algn="l"/>
+                <a:tab pos="540385" algn="l"/>
+                <a:tab pos="571500" algn="l"/>
+              </a:tabLst>
+            </a:pPr>
+            <a:r>
+              <a:rPr lang="de-DE" sz="1400" b="0">
+                <a:effectLst/>
+                <a:latin typeface="Verdana" panose="020B0604030504040204" pitchFamily="34" charset="0"/>
+                <a:cs typeface="Symbol" panose="05050102010706020507" pitchFamily="18" charset="2"/>
+              </a:rPr>
+              <a:t>Effizienter Code erhöht Chancen durch Zulassungsprozess zu gelangen</a:t>
             </a:r>
           </a:p>
           <a:p>
@@ -13051,7 +13673,59 @@
                 <a:latin typeface="Verdana" panose="020B0604030504040204" pitchFamily="34" charset="0"/>
                 <a:cs typeface="Symbol" panose="05050102010706020507" pitchFamily="18" charset="2"/>
               </a:rPr>
-              <a:t>/NF20/Effizienter Code</a:t>
+              <a:t>/NF30/Intuitive GUI für Test-Client</a:t>
+            </a:r>
+          </a:p>
+          <a:p>
+            <a:pPr marL="742950" lvl="1" indent="-285750" algn="just">
+              <a:spcBef>
+                <a:spcPts val="1200"/>
+              </a:spcBef>
+              <a:spcAft>
+                <a:spcPts val="600"/>
+              </a:spcAft>
+              <a:buSzPts val="1200"/>
+              <a:buFont typeface="Arial" panose="020B0604020202020204" pitchFamily="34" charset="0"/>
+              <a:buChar char="•"/>
+              <a:tabLst>
+                <a:tab pos="431800" algn="l"/>
+                <a:tab pos="540385" algn="l"/>
+                <a:tab pos="571500" algn="l"/>
+              </a:tabLst>
+            </a:pPr>
+            <a:r>
+              <a:rPr lang="de-DE" sz="1400" b="0">
+                <a:effectLst/>
+                <a:latin typeface="Verdana" panose="020B0604030504040204" pitchFamily="34" charset="0"/>
+                <a:cs typeface="Symbol" panose="05050102010706020507" pitchFamily="18" charset="2"/>
+              </a:rPr>
+              <a:t>GUI soll intuitiv verwendbar sein</a:t>
+            </a:r>
+          </a:p>
+          <a:p>
+            <a:pPr marL="742950" lvl="1" indent="-285750" algn="just">
+              <a:spcBef>
+                <a:spcPts val="1200"/>
+              </a:spcBef>
+              <a:spcAft>
+                <a:spcPts val="600"/>
+              </a:spcAft>
+              <a:buSzPts val="1200"/>
+              <a:buFont typeface="Arial" panose="020B0604020202020204" pitchFamily="34" charset="0"/>
+              <a:buChar char="•"/>
+              <a:tabLst>
+                <a:tab pos="431800" algn="l"/>
+                <a:tab pos="540385" algn="l"/>
+                <a:tab pos="571500" algn="l"/>
+              </a:tabLst>
+            </a:pPr>
+            <a:r>
+              <a:rPr lang="de-DE" sz="1400" b="0">
+                <a:effectLst/>
+                <a:latin typeface="Verdana" panose="020B0604030504040204" pitchFamily="34" charset="0"/>
+                <a:cs typeface="Symbol" panose="05050102010706020507" pitchFamily="18" charset="2"/>
+              </a:rPr>
+              <a:t>Gleichzeitig Darstellung aller relevanter Informationen über Websocket Funktionalität, ohne User zu überfordern</a:t>
             </a:r>
           </a:p>
           <a:p>
@@ -13072,12 +13746,38 @@
               </a:tabLst>
             </a:pPr>
             <a:r>
+              <a:rPr lang="de-DE" sz="1400" b="1">
+                <a:effectLst/>
+                <a:latin typeface="Verdana" panose="020B0604030504040204" pitchFamily="34" charset="0"/>
+                <a:cs typeface="Symbol" panose="05050102010706020507" pitchFamily="18" charset="2"/>
+              </a:rPr>
+              <a:t>/NF40/Passieren des Genehmigungsprozesses</a:t>
+            </a:r>
+          </a:p>
+          <a:p>
+            <a:pPr marL="742950" lvl="1" indent="-285750" algn="just">
+              <a:spcBef>
+                <a:spcPts val="1200"/>
+              </a:spcBef>
+              <a:spcAft>
+                <a:spcPts val="600"/>
+              </a:spcAft>
+              <a:buSzPts val="1200"/>
+              <a:buFont typeface="Arial" panose="020B0604020202020204" pitchFamily="34" charset="0"/>
+              <a:buChar char="•"/>
+              <a:tabLst>
+                <a:tab pos="431800" algn="l"/>
+                <a:tab pos="540385" algn="l"/>
+                <a:tab pos="571500" algn="l"/>
+              </a:tabLst>
+            </a:pPr>
+            <a:r>
               <a:rPr lang="de-DE" sz="1400" b="0">
                 <a:effectLst/>
                 <a:latin typeface="Verdana" panose="020B0604030504040204" pitchFamily="34" charset="0"/>
                 <a:cs typeface="Symbol" panose="05050102010706020507" pitchFamily="18" charset="2"/>
               </a:rPr>
-              <a:t>Damit </a:t>
+              <a:t>Wenn Mängel von Patch #9525 behoben -&gt; Patch </a:t>
             </a:r>
             <a:r>
               <a:rPr lang="de-DE" sz="1400" b="0" err="1">
@@ -13085,7 +13785,7 @@
                 <a:latin typeface="Verdana" panose="020B0604030504040204" pitchFamily="34" charset="0"/>
                 <a:cs typeface="Symbol" panose="05050102010706020507" pitchFamily="18" charset="2"/>
               </a:rPr>
-              <a:t>lwIP</a:t>
+              <a:t>Maintainer</a:t>
             </a:r>
             <a:r>
               <a:rPr lang="de-DE" sz="1400" b="0">
@@ -13093,7 +13793,49 @@
                 <a:latin typeface="Verdana" panose="020B0604030504040204" pitchFamily="34" charset="0"/>
                 <a:cs typeface="Symbol" panose="05050102010706020507" pitchFamily="18" charset="2"/>
               </a:rPr>
-              <a:t> auf Systemen mit geringer Rechenleistung laufen kann, muss der Code effizient sein. Effizientes Schreiben von Code kann unsere Chancen verbessern, den Zulassungsprozess zu durchlaufen.</a:t>
+              <a:t> Goldschmidt vorlegen</a:t>
+            </a:r>
+          </a:p>
+          <a:p>
+            <a:pPr marL="742950" lvl="1" indent="-285750" algn="just">
+              <a:spcBef>
+                <a:spcPts val="1200"/>
+              </a:spcBef>
+              <a:spcAft>
+                <a:spcPts val="600"/>
+              </a:spcAft>
+              <a:buSzPts val="1200"/>
+              <a:buFont typeface="Arial" panose="020B0604020202020204" pitchFamily="34" charset="0"/>
+              <a:buChar char="•"/>
+              <a:tabLst>
+                <a:tab pos="431800" algn="l"/>
+                <a:tab pos="540385" algn="l"/>
+                <a:tab pos="571500" algn="l"/>
+              </a:tabLst>
+            </a:pPr>
+            <a:r>
+              <a:rPr lang="de-DE" sz="1400" b="0">
+                <a:effectLst/>
+                <a:latin typeface="Verdana" panose="020B0604030504040204" pitchFamily="34" charset="0"/>
+                <a:cs typeface="Symbol" panose="05050102010706020507" pitchFamily="18" charset="2"/>
+              </a:rPr>
+              <a:t>Eine Prüfung von Seiten des </a:t>
+            </a:r>
+            <a:r>
+              <a:rPr lang="de-DE" sz="1400" b="0" err="1">
+                <a:effectLst/>
+                <a:latin typeface="Verdana" panose="020B0604030504040204" pitchFamily="34" charset="0"/>
+                <a:cs typeface="Symbol" panose="05050102010706020507" pitchFamily="18" charset="2"/>
+              </a:rPr>
+              <a:t>Maintainers</a:t>
+            </a:r>
+            <a:r>
+              <a:rPr lang="de-DE" sz="1400" b="0">
+                <a:effectLst/>
+                <a:latin typeface="Verdana" panose="020B0604030504040204" pitchFamily="34" charset="0"/>
+                <a:cs typeface="Symbol" panose="05050102010706020507" pitchFamily="18" charset="2"/>
+              </a:rPr>
+              <a:t> ist nicht garantiert</a:t>
             </a:r>
           </a:p>
           <a:p>
@@ -13119,11 +13861,27 @@
                 <a:latin typeface="Verdana" panose="020B0604030504040204" pitchFamily="34" charset="0"/>
                 <a:cs typeface="Symbol" panose="05050102010706020507" pitchFamily="18" charset="2"/>
               </a:rPr>
-              <a:t>/NF30/Intuitive GUI für Test-Client</a:t>
-            </a:r>
-          </a:p>
-          <a:p>
-            <a:pPr marL="457200" lvl="1" indent="0" algn="just">
+              <a:t>/NF50/</a:t>
+            </a:r>
+            <a:r>
+              <a:rPr lang="de-DE" sz="1400" b="1" err="1">
+                <a:effectLst/>
+                <a:latin typeface="Verdana" panose="020B0604030504040204" pitchFamily="34" charset="0"/>
+                <a:cs typeface="Symbol" panose="05050102010706020507" pitchFamily="18" charset="2"/>
+              </a:rPr>
+              <a:t>Executable</a:t>
+            </a:r>
+            <a:r>
+              <a:rPr lang="de-DE" sz="1400" b="1">
+                <a:effectLst/>
+                <a:latin typeface="Verdana" panose="020B0604030504040204" pitchFamily="34" charset="0"/>
+                <a:cs typeface="Symbol" panose="05050102010706020507" pitchFamily="18" charset="2"/>
+              </a:rPr>
+              <a:t> Programm</a:t>
+            </a:r>
+          </a:p>
+          <a:p>
+            <a:pPr marL="742950" lvl="1" indent="-285750" algn="just">
               <a:spcBef>
                 <a:spcPts val="1200"/>
               </a:spcBef>
@@ -13131,8 +13889,8 @@
                 <a:spcPts val="600"/>
               </a:spcAft>
               <a:buSzPts val="1200"/>
-              <a:buFont typeface="+mj-lt"/>
-              <a:buNone/>
+              <a:buFont typeface="Arial" panose="020B0604020202020204" pitchFamily="34" charset="0"/>
+              <a:buChar char="•"/>
               <a:tabLst>
                 <a:tab pos="431800" algn="l"/>
                 <a:tab pos="540385" algn="l"/>
@@ -13140,98 +13898,6 @@
               </a:tabLst>
             </a:pPr>
             <a:r>
-              <a:rPr lang="de-DE" sz="1400" b="0">
-                <a:effectLst/>
-                <a:latin typeface="Verdana" panose="020B0604030504040204" pitchFamily="34" charset="0"/>
-                <a:cs typeface="Symbol" panose="05050102010706020507" pitchFamily="18" charset="2"/>
-              </a:rPr>
-              <a:t>Die GUI für den Test-Client sollte für jeden Benutzer intuitiv zu bedienen sein, um die </a:t>
-            </a:r>
-            <a:r>
-              <a:rPr lang="de-DE" sz="1400" b="0" err="1">
-                <a:effectLst/>
-                <a:latin typeface="Verdana" panose="020B0604030504040204" pitchFamily="34" charset="0"/>
-                <a:cs typeface="Symbol" panose="05050102010706020507" pitchFamily="18" charset="2"/>
-              </a:rPr>
-              <a:t>WebSockets</a:t>
-            </a:r>
-            <a:r>
-              <a:rPr lang="de-DE" sz="1400" b="0">
-                <a:effectLst/>
-                <a:latin typeface="Verdana" panose="020B0604030504040204" pitchFamily="34" charset="0"/>
-                <a:cs typeface="Symbol" panose="05050102010706020507" pitchFamily="18" charset="2"/>
-              </a:rPr>
-              <a:t>-Funktionalität zu testen. Die GUI sollte außerdem so zugänglich wie möglich sein und so viele relevante Informationen wie nötig vermitteln.</a:t>
-            </a:r>
-          </a:p>
-          <a:p>
-            <a:pPr marL="457200" lvl="1" indent="0" algn="just">
-              <a:spcBef>
-                <a:spcPts val="1200"/>
-              </a:spcBef>
-              <a:spcAft>
-                <a:spcPts val="600"/>
-              </a:spcAft>
-              <a:buSzPts val="1200"/>
-              <a:buFont typeface="+mj-lt"/>
-              <a:buNone/>
-              <a:tabLst>
-                <a:tab pos="431800" algn="l"/>
-                <a:tab pos="540385" algn="l"/>
-                <a:tab pos="571500" algn="l"/>
-              </a:tabLst>
-            </a:pPr>
-            <a:r>
-              <a:rPr lang="de-DE" sz="1400" b="1">
-                <a:effectLst/>
-                <a:latin typeface="Verdana" panose="020B0604030504040204" pitchFamily="34" charset="0"/>
-                <a:cs typeface="Symbol" panose="05050102010706020507" pitchFamily="18" charset="2"/>
-              </a:rPr>
-              <a:t>/NF40/Passieren des Genehmigungsprozesses</a:t>
-            </a:r>
-          </a:p>
-          <a:p>
-            <a:pPr marL="457200" lvl="1" indent="0" algn="just">
-              <a:spcBef>
-                <a:spcPts val="1200"/>
-              </a:spcBef>
-              <a:spcAft>
-                <a:spcPts val="600"/>
-              </a:spcAft>
-              <a:buSzPts val="1200"/>
-              <a:buFont typeface="+mj-lt"/>
-              <a:buNone/>
-              <a:tabLst>
-                <a:tab pos="431800" algn="l"/>
-                <a:tab pos="540385" algn="l"/>
-                <a:tab pos="571500" algn="l"/>
-              </a:tabLst>
-            </a:pPr>
-            <a:r>
-              <a:rPr lang="de-DE" sz="1400" b="0">
-                <a:effectLst/>
-                <a:latin typeface="Verdana" panose="020B0604030504040204" pitchFamily="34" charset="0"/>
-                <a:cs typeface="Symbol" panose="05050102010706020507" pitchFamily="18" charset="2"/>
-              </a:rPr>
-              <a:t>Wenn alle architektonischen Probleme mit Patch #9525 behoben werden können, werden wir unsere Änderungen dem </a:t>
-            </a:r>
-            <a:r>
-              <a:rPr lang="de-DE" sz="1400" b="0" err="1">
-                <a:effectLst/>
-                <a:latin typeface="Verdana" panose="020B0604030504040204" pitchFamily="34" charset="0"/>
-                <a:cs typeface="Symbol" panose="05050102010706020507" pitchFamily="18" charset="2"/>
-              </a:rPr>
-              <a:t>Maintainer</a:t>
-            </a:r>
-            <a:r>
-              <a:rPr lang="de-DE" sz="1400" b="0">
-                <a:effectLst/>
-                <a:latin typeface="Verdana" panose="020B0604030504040204" pitchFamily="34" charset="0"/>
-                <a:cs typeface="Symbol" panose="05050102010706020507" pitchFamily="18" charset="2"/>
-              </a:rPr>
-              <a:t> von </a:t>
-            </a:r>
-            <a:r>
               <a:rPr lang="de-DE" sz="1400" b="0" err="1">
                 <a:effectLst/>
                 <a:latin typeface="Verdana" panose="020B0604030504040204" pitchFamily="34" charset="0"/>
@@ -13245,117 +13911,8 @@
                 <a:latin typeface="Verdana" panose="020B0604030504040204" pitchFamily="34" charset="0"/>
                 <a:cs typeface="Symbol" panose="05050102010706020507" pitchFamily="18" charset="2"/>
               </a:rPr>
-              <a:t> zur Genehmigung vorlegen. Es ist jedoch nicht garantiert, dass der </a:t>
-            </a:r>
-            <a:r>
-              <a:rPr lang="de-DE" sz="1400" b="0" err="1">
-                <a:effectLst/>
-                <a:latin typeface="Verdana" panose="020B0604030504040204" pitchFamily="34" charset="0"/>
-                <a:cs typeface="Symbol" panose="05050102010706020507" pitchFamily="18" charset="2"/>
-              </a:rPr>
-              <a:t>Maintainer</a:t>
-            </a:r>
-            <a:r>
-              <a:rPr lang="de-DE" sz="1400" b="0">
-                <a:effectLst/>
-                <a:latin typeface="Verdana" panose="020B0604030504040204" pitchFamily="34" charset="0"/>
-                <a:cs typeface="Symbol" panose="05050102010706020507" pitchFamily="18" charset="2"/>
-              </a:rPr>
-              <a:t> überhaupt Zeit hat, sich unsere Einreichungen anzusehen.</a:t>
-            </a:r>
-            <a:r>
-              <a:rPr lang="de-DE" sz="1400" b="1">
-                <a:effectLst/>
-                <a:latin typeface="Verdana" panose="020B0604030504040204" pitchFamily="34" charset="0"/>
-                <a:cs typeface="Symbol" panose="05050102010706020507" pitchFamily="18" charset="2"/>
-              </a:rPr>
-              <a:t> </a:t>
-            </a:r>
-          </a:p>
-          <a:p>
-            <a:pPr marL="457200" lvl="1" indent="0" algn="just">
-              <a:spcBef>
-                <a:spcPts val="1200"/>
-              </a:spcBef>
-              <a:spcAft>
-                <a:spcPts val="600"/>
-              </a:spcAft>
-              <a:buSzPts val="1200"/>
-              <a:buFont typeface="+mj-lt"/>
-              <a:buNone/>
-              <a:tabLst>
-                <a:tab pos="431800" algn="l"/>
-                <a:tab pos="540385" algn="l"/>
-                <a:tab pos="571500" algn="l"/>
-              </a:tabLst>
-            </a:pPr>
-            <a:r>
-              <a:rPr lang="de-DE" sz="1400" b="1">
-                <a:effectLst/>
-                <a:latin typeface="Verdana" panose="020B0604030504040204" pitchFamily="34" charset="0"/>
-                <a:cs typeface="Symbol" panose="05050102010706020507" pitchFamily="18" charset="2"/>
-              </a:rPr>
-              <a:t>/NF50/</a:t>
-            </a:r>
-            <a:r>
-              <a:rPr lang="de-DE" sz="1400" b="1" err="1">
-                <a:effectLst/>
-                <a:latin typeface="Verdana" panose="020B0604030504040204" pitchFamily="34" charset="0"/>
-                <a:cs typeface="Symbol" panose="05050102010706020507" pitchFamily="18" charset="2"/>
-              </a:rPr>
-              <a:t>Executable</a:t>
-            </a:r>
-            <a:r>
-              <a:rPr lang="de-DE" sz="1400" b="1">
-                <a:effectLst/>
-                <a:latin typeface="Verdana" panose="020B0604030504040204" pitchFamily="34" charset="0"/>
-                <a:cs typeface="Symbol" panose="05050102010706020507" pitchFamily="18" charset="2"/>
-              </a:rPr>
-              <a:t> Programm</a:t>
-            </a:r>
-          </a:p>
-          <a:p>
-            <a:pPr marL="457200" lvl="1" indent="0" algn="just">
-              <a:spcBef>
-                <a:spcPts val="1200"/>
-              </a:spcBef>
-              <a:spcAft>
-                <a:spcPts val="600"/>
-              </a:spcAft>
-              <a:buSzPts val="1200"/>
-              <a:buFont typeface="+mj-lt"/>
-              <a:buNone/>
-              <a:tabLst>
-                <a:tab pos="431800" algn="l"/>
-                <a:tab pos="540385" algn="l"/>
-                <a:tab pos="571500" algn="l"/>
-              </a:tabLst>
-            </a:pPr>
-            <a:r>
-              <a:rPr lang="de-DE" sz="1400" b="0">
-                <a:effectLst/>
-                <a:latin typeface="Verdana" panose="020B0604030504040204" pitchFamily="34" charset="0"/>
-                <a:cs typeface="Symbol" panose="05050102010706020507" pitchFamily="18" charset="2"/>
-              </a:rPr>
-              <a:t>Am Ende des Projekts sollte es möglich sein, </a:t>
-            </a:r>
-            <a:r>
-              <a:rPr lang="de-DE" sz="1400" b="0" err="1">
-                <a:effectLst/>
-                <a:latin typeface="Verdana" panose="020B0604030504040204" pitchFamily="34" charset="0"/>
-                <a:cs typeface="Symbol" panose="05050102010706020507" pitchFamily="18" charset="2"/>
-              </a:rPr>
-              <a:t>lwIP</a:t>
-            </a:r>
-            <a:r>
-              <a:rPr lang="de-DE" sz="1400" b="0">
-                <a:effectLst/>
-                <a:latin typeface="Verdana" panose="020B0604030504040204" pitchFamily="34" charset="0"/>
-                <a:cs typeface="Symbol" panose="05050102010706020507" pitchFamily="18" charset="2"/>
-              </a:rPr>
-              <a:t> mit Patch #9525 als leicht ausführbares Programm zu verwenden, um die Benotung zu vereinfachen.</a:t>
-            </a:r>
-            <a:endParaRPr lang="de-DE" b="0"/>
+              <a:t> mit Patch #9252 soll auf Windows ausführbar sein</a:t>
+            </a:r>
           </a:p>
         </p:txBody>
       </p:sp>
@@ -13446,6 +14003,108 @@
             <a:r>
               <a:rPr lang="de-DE"/>
               <a:t>Lucas</a:t>
+            </a:r>
+          </a:p>
+          <a:p>
+            <a:pPr marL="0" indent="0">
+              <a:buFont typeface="Arial" panose="020B0604020202020204" pitchFamily="34" charset="0"/>
+              <a:buNone/>
+            </a:pPr>
+            <a:endParaRPr lang="de-DE"/>
+          </a:p>
+          <a:p>
+            <a:pPr marL="0" indent="0">
+              <a:buFont typeface="Arial" panose="020B0604020202020204" pitchFamily="34" charset="0"/>
+              <a:buNone/>
+            </a:pPr>
+            <a:r>
+              <a:rPr lang="de-DE"/>
+              <a:t>Anhand dieser Tabelle wurde der Zeit- und Kostenplan aufgestellt. Die Gesamtkosten pro Mitarbeiter orientieren sich an den marktüblichen Stundenkosten im Freelancer-Bereich.</a:t>
+            </a:r>
+          </a:p>
+          <a:p>
+            <a:pPr marL="0" indent="0">
+              <a:buFont typeface="Arial" panose="020B0604020202020204" pitchFamily="34" charset="0"/>
+              <a:buNone/>
+            </a:pPr>
+            <a:r>
+              <a:rPr lang="de-DE"/>
+              <a:t>Zusätzlich wurde an dieser Stelle ein weiteres Kostenpaket von 12.800 € hinzugefügt, was den Kosten eines weiteren Mitarbeiters entspricht. Dies dient lediglich als Backup.</a:t>
+            </a:r>
+          </a:p>
+          <a:p>
+            <a:pPr marL="0" indent="0">
+              <a:buFont typeface="Arial" panose="020B0604020202020204" pitchFamily="34" charset="0"/>
+              <a:buNone/>
+            </a:pPr>
+            <a:endParaRPr lang="de-DE"/>
+          </a:p>
+          <a:p>
+            <a:pPr marL="0" indent="0">
+              <a:buFont typeface="Arial" panose="020B0604020202020204" pitchFamily="34" charset="0"/>
+              <a:buNone/>
+            </a:pPr>
+            <a:r>
+              <a:rPr lang="de-DE"/>
+              <a:t>Ganz wichtig am Ende ist noch die Bemerkung, dass es sich hierbei um ein open-source Projekt handelt, was zur Folge hat, dass keine Gewinnabsichten bestehen.</a:t>
+            </a:r>
+          </a:p>
+          <a:p>
+            <a:pPr marL="0" indent="0">
+              <a:buFont typeface="Arial" panose="020B0604020202020204" pitchFamily="34" charset="0"/>
+              <a:buNone/>
+            </a:pPr>
+            <a:endParaRPr lang="de-DE"/>
+          </a:p>
+          <a:p>
+            <a:pPr marL="0" indent="0">
+              <a:buFont typeface="Arial" panose="020B0604020202020204" pitchFamily="34" charset="0"/>
+              <a:buNone/>
+            </a:pPr>
+            <a:r>
+              <a:rPr lang="de-DE"/>
+              <a:t>Projektdurchführung hat Risiken:
+interne Risiken:
+Mangelndes Hintergrundwissen zum Aufgabenbereich (</a:t>
+            </a:r>
+            <a:r>
+              <a:rPr lang="de-DE" err="1"/>
+              <a:t>Websockets</a:t>
+            </a:r>
+            <a:r>
+              <a:rPr lang="de-DE"/>
+              <a:t>, </a:t>
+            </a:r>
+            <a:r>
+              <a:rPr lang="de-DE" err="1"/>
+              <a:t>lwIP</a:t>
+            </a:r>
+            <a:r>
+              <a:rPr lang="de-DE"/>
+              <a:t> etc.)
+externe Risiken:
+Kosten fürs Projekt müssen im Rahmen bleiben
+Zwei Projektmitglieder scheiden durch Auslandsjahr aus Projektteam aus</a:t>
+            </a:r>
+          </a:p>
+          <a:p>
+            <a:pPr marL="0" indent="0">
+              <a:buFont typeface="Arial" panose="020B0604020202020204" pitchFamily="34" charset="0"/>
+              <a:buNone/>
+            </a:pPr>
+            <a:r>
+              <a:rPr lang="de-DE"/>
+              <a:t>Rechtliche Risiken: Verwendeter Code sollte auf mögliche Plagiate geprüft werden</a:t>
+            </a:r>
+          </a:p>
+          <a:p>
+            <a:pPr marL="0" lvl="0" indent="0">
+              <a:buFont typeface="Arial" panose="020B0604020202020204" pitchFamily="34" charset="0"/>
+              <a:buNone/>
+            </a:pPr>
+            <a:r>
+              <a:rPr lang="de-DE"/>
+              <a:t>--------------------------------------------------------------------------------------------------</a:t>
             </a:r>
           </a:p>
           <a:p>
@@ -13807,7 +14466,7 @@
           <a:p>
             <a:fld id="{DAE98948-80CE-43AE-99C2-97A06E8A32E8}" type="datetimeFigureOut">
               <a:rPr lang="de-DE" smtClean="0"/>
-              <a:t>10.11.2021</a:t>
+              <a:t>11.11.2021</a:t>
             </a:fld>
             <a:endParaRPr lang="de-DE"/>
           </a:p>
@@ -13877,13 +14536,13 @@
   <p:clrMapOvr>
     <a:masterClrMapping/>
   </p:clrMapOvr>
-  <mc:AlternateContent xmlns:mc="http://schemas.openxmlformats.org/markup-compatibility/2006" xmlns:p14="http://schemas.microsoft.com/office/powerpoint/2010/main">
-    <mc:Choice Requires="p14">
+  <mc:AlternateContent xmlns:mc="http://schemas.openxmlformats.org/markup-compatibility/2006">
+    <mc:Choice xmlns:p14="http://schemas.microsoft.com/office/powerpoint/2010/main" Requires="p14">
       <p:transition spd="med" p14:dur="700">
         <p:fade/>
       </p:transition>
     </mc:Choice>
-    <mc:Fallback xmlns="">
+    <mc:Fallback>
       <p:transition spd="med">
         <p:fade/>
       </p:transition>
@@ -14017,7 +14676,7 @@
           <a:p>
             <a:fld id="{DAE98948-80CE-43AE-99C2-97A06E8A32E8}" type="datetimeFigureOut">
               <a:rPr lang="de-DE" smtClean="0"/>
-              <a:t>10.11.2021</a:t>
+              <a:t>11.11.2021</a:t>
             </a:fld>
             <a:endParaRPr lang="de-DE"/>
           </a:p>
@@ -14087,13 +14746,13 @@
   <p:clrMapOvr>
     <a:masterClrMapping/>
   </p:clrMapOvr>
-  <mc:AlternateContent xmlns:mc="http://schemas.openxmlformats.org/markup-compatibility/2006" xmlns:p14="http://schemas.microsoft.com/office/powerpoint/2010/main">
-    <mc:Choice Requires="p14">
+  <mc:AlternateContent xmlns:mc="http://schemas.openxmlformats.org/markup-compatibility/2006">
+    <mc:Choice xmlns:p14="http://schemas.microsoft.com/office/powerpoint/2010/main" Requires="p14">
       <p:transition spd="med" p14:dur="700">
         <p:fade/>
       </p:transition>
     </mc:Choice>
-    <mc:Fallback xmlns="">
+    <mc:Fallback>
       <p:transition spd="med">
         <p:fade/>
       </p:transition>
@@ -14237,7 +14896,7 @@
           <a:p>
             <a:fld id="{DAE98948-80CE-43AE-99C2-97A06E8A32E8}" type="datetimeFigureOut">
               <a:rPr lang="de-DE" smtClean="0"/>
-              <a:t>10.11.2021</a:t>
+              <a:t>11.11.2021</a:t>
             </a:fld>
             <a:endParaRPr lang="de-DE"/>
           </a:p>
@@ -14307,13 +14966,13 @@
   <p:clrMapOvr>
     <a:masterClrMapping/>
   </p:clrMapOvr>
-  <mc:AlternateContent xmlns:mc="http://schemas.openxmlformats.org/markup-compatibility/2006" xmlns:p14="http://schemas.microsoft.com/office/powerpoint/2010/main">
-    <mc:Choice Requires="p14">
+  <mc:AlternateContent xmlns:mc="http://schemas.openxmlformats.org/markup-compatibility/2006">
+    <mc:Choice xmlns:p14="http://schemas.microsoft.com/office/powerpoint/2010/main" Requires="p14">
       <p:transition spd="med" p14:dur="700">
         <p:fade/>
       </p:transition>
     </mc:Choice>
-    <mc:Fallback xmlns="">
+    <mc:Fallback>
       <p:transition spd="med">
         <p:fade/>
       </p:transition>
@@ -14447,7 +15106,7 @@
           <a:p>
             <a:fld id="{DAE98948-80CE-43AE-99C2-97A06E8A32E8}" type="datetimeFigureOut">
               <a:rPr lang="de-DE" smtClean="0"/>
-              <a:t>10.11.2021</a:t>
+              <a:t>11.11.2021</a:t>
             </a:fld>
             <a:endParaRPr lang="de-DE"/>
           </a:p>
@@ -14517,13 +15176,13 @@
   <p:clrMapOvr>
     <a:masterClrMapping/>
   </p:clrMapOvr>
-  <mc:AlternateContent xmlns:mc="http://schemas.openxmlformats.org/markup-compatibility/2006" xmlns:p14="http://schemas.microsoft.com/office/powerpoint/2010/main">
-    <mc:Choice Requires="p14">
+  <mc:AlternateContent xmlns:mc="http://schemas.openxmlformats.org/markup-compatibility/2006">
+    <mc:Choice xmlns:p14="http://schemas.microsoft.com/office/powerpoint/2010/main" Requires="p14">
       <p:transition spd="med" p14:dur="700">
         <p:fade/>
       </p:transition>
     </mc:Choice>
-    <mc:Fallback xmlns="">
+    <mc:Fallback>
       <p:transition spd="med">
         <p:fade/>
       </p:transition>
@@ -14734,7 +15393,7 @@
           <a:p>
             <a:fld id="{DAE98948-80CE-43AE-99C2-97A06E8A32E8}" type="datetimeFigureOut">
               <a:rPr lang="de-DE" smtClean="0"/>
-              <a:t>10.11.2021</a:t>
+              <a:t>11.11.2021</a:t>
             </a:fld>
             <a:endParaRPr lang="de-DE"/>
           </a:p>
@@ -14804,13 +15463,13 @@
   <p:clrMapOvr>
     <a:masterClrMapping/>
   </p:clrMapOvr>
-  <mc:AlternateContent xmlns:mc="http://schemas.openxmlformats.org/markup-compatibility/2006" xmlns:p14="http://schemas.microsoft.com/office/powerpoint/2010/main">
-    <mc:Choice Requires="p14">
+  <mc:AlternateContent xmlns:mc="http://schemas.openxmlformats.org/markup-compatibility/2006">
+    <mc:Choice xmlns:p14="http://schemas.microsoft.com/office/powerpoint/2010/main" Requires="p14">
       <p:transition spd="med" p14:dur="700">
         <p:fade/>
       </p:transition>
     </mc:Choice>
-    <mc:Fallback xmlns="">
+    <mc:Fallback>
       <p:transition spd="med">
         <p:fade/>
       </p:transition>
@@ -15011,7 +15670,7 @@
           <a:p>
             <a:fld id="{DAE98948-80CE-43AE-99C2-97A06E8A32E8}" type="datetimeFigureOut">
               <a:rPr lang="de-DE" smtClean="0"/>
-              <a:t>10.11.2021</a:t>
+              <a:t>11.11.2021</a:t>
             </a:fld>
             <a:endParaRPr lang="de-DE"/>
           </a:p>
@@ -15081,13 +15740,13 @@
   <p:clrMapOvr>
     <a:masterClrMapping/>
   </p:clrMapOvr>
-  <mc:AlternateContent xmlns:mc="http://schemas.openxmlformats.org/markup-compatibility/2006" xmlns:p14="http://schemas.microsoft.com/office/powerpoint/2010/main">
-    <mc:Choice Requires="p14">
+  <mc:AlternateContent xmlns:mc="http://schemas.openxmlformats.org/markup-compatibility/2006">
+    <mc:Choice xmlns:p14="http://schemas.microsoft.com/office/powerpoint/2010/main" Requires="p14">
       <p:transition spd="med" p14:dur="700">
         <p:fade/>
       </p:transition>
     </mc:Choice>
-    <mc:Fallback xmlns="">
+    <mc:Fallback>
       <p:transition spd="med">
         <p:fade/>
       </p:transition>
@@ -15435,7 +16094,7 @@
           <a:p>
             <a:fld id="{DAE98948-80CE-43AE-99C2-97A06E8A32E8}" type="datetimeFigureOut">
               <a:rPr lang="de-DE" smtClean="0"/>
-              <a:t>10.11.2021</a:t>
+              <a:t>11.11.2021</a:t>
             </a:fld>
             <a:endParaRPr lang="de-DE"/>
           </a:p>
@@ -15505,13 +16164,13 @@
   <p:clrMapOvr>
     <a:masterClrMapping/>
   </p:clrMapOvr>
-  <mc:AlternateContent xmlns:mc="http://schemas.openxmlformats.org/markup-compatibility/2006" xmlns:p14="http://schemas.microsoft.com/office/powerpoint/2010/main">
-    <mc:Choice Requires="p14">
+  <mc:AlternateContent xmlns:mc="http://schemas.openxmlformats.org/markup-compatibility/2006">
+    <mc:Choice xmlns:p14="http://schemas.microsoft.com/office/powerpoint/2010/main" Requires="p14">
       <p:transition spd="med" p14:dur="700">
         <p:fade/>
       </p:transition>
     </mc:Choice>
-    <mc:Fallback xmlns="">
+    <mc:Fallback>
       <p:transition spd="med">
         <p:fade/>
       </p:transition>
@@ -15588,7 +16247,7 @@
           <a:p>
             <a:fld id="{DAE98948-80CE-43AE-99C2-97A06E8A32E8}" type="datetimeFigureOut">
               <a:rPr lang="de-DE" smtClean="0"/>
-              <a:t>10.11.2021</a:t>
+              <a:t>11.11.2021</a:t>
             </a:fld>
             <a:endParaRPr lang="de-DE"/>
           </a:p>
@@ -15658,13 +16317,13 @@
   <p:clrMapOvr>
     <a:masterClrMapping/>
   </p:clrMapOvr>
-  <mc:AlternateContent xmlns:mc="http://schemas.openxmlformats.org/markup-compatibility/2006" xmlns:p14="http://schemas.microsoft.com/office/powerpoint/2010/main">
-    <mc:Choice Requires="p14">
+  <mc:AlternateContent xmlns:mc="http://schemas.openxmlformats.org/markup-compatibility/2006">
+    <mc:Choice xmlns:p14="http://schemas.microsoft.com/office/powerpoint/2010/main" Requires="p14">
       <p:transition spd="med" p14:dur="700">
         <p:fade/>
       </p:transition>
     </mc:Choice>
-    <mc:Fallback xmlns="">
+    <mc:Fallback>
       <p:transition spd="med">
         <p:fade/>
       </p:transition>
@@ -15713,7 +16372,7 @@
           <a:p>
             <a:fld id="{DAE98948-80CE-43AE-99C2-97A06E8A32E8}" type="datetimeFigureOut">
               <a:rPr lang="de-DE" smtClean="0"/>
-              <a:t>10.11.2021</a:t>
+              <a:t>11.11.2021</a:t>
             </a:fld>
             <a:endParaRPr lang="de-DE"/>
           </a:p>
@@ -15783,13 +16442,13 @@
   <p:clrMapOvr>
     <a:masterClrMapping/>
   </p:clrMapOvr>
-  <mc:AlternateContent xmlns:mc="http://schemas.openxmlformats.org/markup-compatibility/2006" xmlns:p14="http://schemas.microsoft.com/office/powerpoint/2010/main">
-    <mc:Choice Requires="p14">
+  <mc:AlternateContent xmlns:mc="http://schemas.openxmlformats.org/markup-compatibility/2006">
+    <mc:Choice xmlns:p14="http://schemas.microsoft.com/office/powerpoint/2010/main" Requires="p14">
       <p:transition spd="med" p14:dur="700">
         <p:fade/>
       </p:transition>
     </mc:Choice>
-    <mc:Fallback xmlns="">
+    <mc:Fallback>
       <p:transition spd="med">
         <p:fade/>
       </p:transition>
@@ -16036,7 +16695,7 @@
           <a:p>
             <a:fld id="{DAE98948-80CE-43AE-99C2-97A06E8A32E8}" type="datetimeFigureOut">
               <a:rPr lang="de-DE" smtClean="0"/>
-              <a:t>10.11.2021</a:t>
+              <a:t>11.11.2021</a:t>
             </a:fld>
             <a:endParaRPr lang="de-DE"/>
           </a:p>
@@ -16106,13 +16765,13 @@
   <p:clrMapOvr>
     <a:masterClrMapping/>
   </p:clrMapOvr>
-  <mc:AlternateContent xmlns:mc="http://schemas.openxmlformats.org/markup-compatibility/2006" xmlns:p14="http://schemas.microsoft.com/office/powerpoint/2010/main">
-    <mc:Choice Requires="p14">
+  <mc:AlternateContent xmlns:mc="http://schemas.openxmlformats.org/markup-compatibility/2006">
+    <mc:Choice xmlns:p14="http://schemas.microsoft.com/office/powerpoint/2010/main" Requires="p14">
       <p:transition spd="med" p14:dur="700">
         <p:fade/>
       </p:transition>
     </mc:Choice>
-    <mc:Fallback xmlns="">
+    <mc:Fallback>
       <p:transition spd="med">
         <p:fade/>
       </p:transition>
@@ -16336,7 +16995,7 @@
           <a:p>
             <a:fld id="{DAE98948-80CE-43AE-99C2-97A06E8A32E8}" type="datetimeFigureOut">
               <a:rPr lang="de-DE" smtClean="0"/>
-              <a:t>10.11.2021</a:t>
+              <a:t>11.11.2021</a:t>
             </a:fld>
             <a:endParaRPr lang="de-DE"/>
           </a:p>
@@ -16406,13 +17065,13 @@
   <p:clrMapOvr>
     <a:masterClrMapping/>
   </p:clrMapOvr>
-  <mc:AlternateContent xmlns:mc="http://schemas.openxmlformats.org/markup-compatibility/2006" xmlns:p14="http://schemas.microsoft.com/office/powerpoint/2010/main">
-    <mc:Choice Requires="p14">
+  <mc:AlternateContent xmlns:mc="http://schemas.openxmlformats.org/markup-compatibility/2006">
+    <mc:Choice xmlns:p14="http://schemas.microsoft.com/office/powerpoint/2010/main" Requires="p14">
       <p:transition spd="med" p14:dur="700">
         <p:fade/>
       </p:transition>
     </mc:Choice>
-    <mc:Fallback xmlns="">
+    <mc:Fallback>
       <p:transition spd="med">
         <p:fade/>
       </p:transition>
@@ -16589,7 +17248,7 @@
           <a:p>
             <a:fld id="{DAE98948-80CE-43AE-99C2-97A06E8A32E8}" type="datetimeFigureOut">
               <a:rPr lang="de-DE" smtClean="0"/>
-              <a:t>10.11.2021</a:t>
+              <a:t>11.11.2021</a:t>
             </a:fld>
             <a:endParaRPr lang="de-DE"/>
           </a:p>
@@ -16706,13 +17365,13 @@
     <p:sldLayoutId id="2147483658" r:id="rId10"/>
     <p:sldLayoutId id="2147483659" r:id="rId11"/>
   </p:sldLayoutIdLst>
-  <mc:AlternateContent xmlns:mc="http://schemas.openxmlformats.org/markup-compatibility/2006" xmlns:p14="http://schemas.microsoft.com/office/powerpoint/2010/main">
-    <mc:Choice Requires="p14">
+  <mc:AlternateContent xmlns:mc="http://schemas.openxmlformats.org/markup-compatibility/2006">
+    <mc:Choice xmlns:p14="http://schemas.microsoft.com/office/powerpoint/2010/main" Requires="p14">
       <p:transition spd="med" p14:dur="700">
         <p:fade/>
       </p:transition>
     </mc:Choice>
-    <mc:Fallback xmlns="">
+    <mc:Fallback>
       <p:transition spd="med">
         <p:fade/>
       </p:transition>
@@ -18016,7 +18675,7 @@
               <a:buNone/>
             </a:pPr>
             <a:r>
-              <a:rPr lang="de-DE" b="1" dirty="0">
+              <a:rPr lang="de-DE" b="1">
                 <a:cs typeface="Calibri"/>
               </a:rPr>
               <a:t>Vorgehensweise</a:t>
@@ -18024,29 +18683,29 @@
           </a:p>
           <a:p>
             <a:r>
-              <a:rPr lang="de-DE" dirty="0">
+              <a:rPr lang="de-DE">
                 <a:cs typeface="Calibri"/>
               </a:rPr>
               <a:t>Kontaktaufnahme mit dem </a:t>
             </a:r>
             <a:r>
-              <a:rPr lang="de-DE" dirty="0" err="1">
+              <a:rPr lang="de-DE" err="1">
                 <a:cs typeface="Calibri"/>
               </a:rPr>
               <a:t>lwIP</a:t>
             </a:r>
             <a:r>
-              <a:rPr lang="de-DE" dirty="0">
+              <a:rPr lang="de-DE">
                 <a:cs typeface="Calibri"/>
               </a:rPr>
               <a:t>-Forum</a:t>
             </a:r>
-            <a:endParaRPr lang="de-DE" dirty="0"/>
+            <a:endParaRPr lang="de-DE"/>
           </a:p>
           <a:p>
             <a:pPr lvl="1"/>
             <a:r>
-              <a:rPr lang="de-DE" dirty="0">
+              <a:rPr lang="de-DE">
                 <a:cs typeface="Calibri"/>
               </a:rPr>
               <a:t>Admin: Simon Goldschmidt</a:t>
@@ -18054,7 +18713,7 @@
           </a:p>
           <a:p>
             <a:r>
-              <a:rPr lang="de-DE" dirty="0">
+              <a:rPr lang="de-DE">
                 <a:cs typeface="Calibri"/>
               </a:rPr>
               <a:t>Wiederverwendung von Lösungen</a:t>
@@ -18062,7 +18721,7 @@
           </a:p>
           <a:p>
             <a:r>
-              <a:rPr lang="de-DE" dirty="0">
+              <a:rPr lang="de-DE">
                 <a:cs typeface="Calibri"/>
               </a:rPr>
               <a:t>Notfalls eigene Implementierung der Aufgaben:</a:t>
@@ -18074,16 +18733,16 @@
               <a:buAutoNum type="arabicParenBoth"/>
             </a:pPr>
             <a:r>
-              <a:rPr lang="de-DE" dirty="0" err="1">
+              <a:rPr lang="de-DE" err="1">
                 <a:cs typeface="Calibri"/>
               </a:rPr>
               <a:t>lwIP</a:t>
             </a:r>
             <a:r>
-              <a:rPr lang="de-DE" dirty="0">
+              <a:rPr lang="de-DE">
                 <a:cs typeface="Calibri"/>
               </a:rPr>
-              <a:t> auf Windows zum Laufen bringen</a:t>
+              <a:t> auf Windows lauffähig machen</a:t>
             </a:r>
           </a:p>
           <a:p>
@@ -18092,7 +18751,7 @@
               <a:buAutoNum type="arabicParenBoth"/>
             </a:pPr>
             <a:r>
-              <a:rPr lang="de-DE" dirty="0">
+              <a:rPr lang="de-DE">
                 <a:cs typeface="Calibri"/>
               </a:rPr>
               <a:t>Websocket-Support implementieren</a:t>
@@ -18104,7 +18763,7 @@
               <a:buAutoNum type="arabicParenBoth"/>
             </a:pPr>
             <a:r>
-              <a:rPr lang="de-DE" dirty="0">
+              <a:rPr lang="de-DE">
                 <a:cs typeface="Calibri"/>
               </a:rPr>
               <a:t>Demo-Server in virtuellen Windows-Umgebung</a:t>
@@ -18116,7 +18775,7 @@
               <a:buAutoNum type="arabicParenBoth"/>
             </a:pPr>
             <a:r>
-              <a:rPr lang="de-DE" dirty="0">
+              <a:rPr lang="de-DE">
                 <a:cs typeface="Calibri"/>
               </a:rPr>
               <a:t>Test-Client zu Demonstrations-/Testzwecken</a:t>
@@ -18361,7 +19020,7 @@
               <a:buNone/>
             </a:pPr>
             <a:r>
-              <a:rPr lang="de-DE" b="1" dirty="0">
+              <a:rPr lang="de-DE" b="1">
                 <a:cs typeface="Calibri"/>
               </a:rPr>
               <a:t>Tools</a:t>
@@ -18371,7 +19030,7 @@
             <a:pPr marL="0" indent="0">
               <a:buNone/>
             </a:pPr>
-            <a:endParaRPr lang="de-DE" b="1" dirty="0">
+            <a:endParaRPr lang="de-DE" b="1">
               <a:cs typeface="Calibri"/>
             </a:endParaRPr>
           </a:p>
@@ -18379,7 +19038,7 @@
             <a:pPr marL="0" indent="0">
               <a:buNone/>
             </a:pPr>
-            <a:endParaRPr lang="de-DE" b="1" dirty="0">
+            <a:endParaRPr lang="de-DE" b="1">
               <a:cs typeface="Calibri"/>
             </a:endParaRPr>
           </a:p>
@@ -18388,18 +19047,18 @@
               <a:buNone/>
             </a:pPr>
             <a:r>
-              <a:rPr lang="de-DE" sz="2400" dirty="0">
+              <a:rPr lang="de-DE" sz="2400">
                 <a:cs typeface="Calibri"/>
               </a:rPr>
               <a:t>                   Visual Studio</a:t>
             </a:r>
-            <a:endParaRPr lang="de-DE" dirty="0"/>
+            <a:endParaRPr lang="de-DE"/>
           </a:p>
           <a:p>
             <a:pPr marL="0" indent="0">
               <a:buNone/>
             </a:pPr>
-            <a:endParaRPr lang="de-DE" sz="2400" dirty="0">
+            <a:endParaRPr lang="de-DE" sz="2400">
               <a:cs typeface="Calibri"/>
             </a:endParaRPr>
           </a:p>
@@ -18408,13 +19067,13 @@
               <a:buNone/>
             </a:pPr>
             <a:r>
-              <a:rPr lang="de-DE" sz="2400" dirty="0" err="1">
+              <a:rPr lang="de-DE" sz="2400" err="1">
                 <a:ea typeface="+mn-lt"/>
                 <a:cs typeface="+mn-lt"/>
               </a:rPr>
               <a:t>Cmake</a:t>
             </a:r>
-            <a:endParaRPr lang="de-DE" sz="2400" dirty="0">
+            <a:endParaRPr lang="de-DE" sz="2400">
               <a:ea typeface="+mn-lt"/>
               <a:cs typeface="+mn-lt"/>
             </a:endParaRPr>
@@ -18423,7 +19082,7 @@
             <a:pPr marL="0" indent="0">
               <a:buNone/>
             </a:pPr>
-            <a:endParaRPr lang="de-DE" sz="2400" dirty="0">
+            <a:endParaRPr lang="de-DE" sz="2400">
               <a:ea typeface="+mn-lt"/>
               <a:cs typeface="+mn-lt"/>
             </a:endParaRPr>
@@ -18432,7 +19091,7 @@
             <a:pPr marL="0" indent="0">
               <a:buNone/>
             </a:pPr>
-            <a:endParaRPr lang="de-DE" sz="2400" dirty="0">
+            <a:endParaRPr lang="de-DE" sz="2400">
               <a:cs typeface="Calibri"/>
             </a:endParaRPr>
           </a:p>
@@ -18441,12 +19100,12 @@
               <a:buNone/>
             </a:pPr>
             <a:r>
-              <a:rPr lang="de-DE" sz="1000" dirty="0">
+              <a:rPr lang="de-DE" sz="1000">
                 <a:cs typeface="Calibri"/>
               </a:rPr>
               <a:t>Bildquellen: </a:t>
             </a:r>
-            <a:endParaRPr lang="de-DE" sz="1000" dirty="0">
+            <a:endParaRPr lang="de-DE" sz="1000">
               <a:ea typeface="+mn-lt"/>
               <a:cs typeface="+mn-lt"/>
             </a:endParaRPr>
@@ -18459,14 +19118,14 @@
               <a:buNone/>
             </a:pPr>
             <a:r>
-              <a:rPr lang="de-DE" sz="1000" dirty="0">
+              <a:rPr lang="de-DE" sz="1000">
                 <a:ea typeface="+mn-lt"/>
                 <a:cs typeface="+mn-lt"/>
                 <a:hlinkClick r:id="rId3"/>
               </a:rPr>
               <a:t>https://logos.fandom.com/wiki/Microsoft_Visual_Studio#2021.E2.80.93present</a:t>
             </a:r>
-            <a:endParaRPr lang="de-DE" sz="1000" dirty="0">
+            <a:endParaRPr lang="de-DE" sz="1000">
               <a:ea typeface="+mn-lt"/>
               <a:cs typeface="+mn-lt"/>
             </a:endParaRPr>
@@ -18479,7 +19138,7 @@
               <a:buNone/>
             </a:pPr>
             <a:r>
-              <a:rPr lang="de-DE" sz="1000" dirty="0">
+              <a:rPr lang="de-DE" sz="1000">
                 <a:ea typeface="+mn-lt"/>
                 <a:cs typeface="+mn-lt"/>
                 <a:hlinkClick r:id="rId4"/>
@@ -18487,13 +19146,13 @@
               <a:t>https://cmake.org/</a:t>
             </a:r>
             <a:br>
-              <a:rPr lang="de-DE" sz="1000" dirty="0">
+              <a:rPr lang="de-DE" sz="1000">
                 <a:ea typeface="+mn-lt"/>
                 <a:cs typeface="+mn-lt"/>
               </a:rPr>
             </a:br>
             <a:r>
-              <a:rPr lang="de-DE" sz="1000" dirty="0">
+              <a:rPr lang="de-DE" sz="1000">
                 <a:ea typeface="+mn-lt"/>
                 <a:cs typeface="+mn-lt"/>
                 <a:hlinkClick r:id="rId5"/>
@@ -18501,13 +19160,13 @@
               <a:t>https://www.winpcap.org/docs/docs_412/html/</a:t>
             </a:r>
             <a:r>
-              <a:rPr lang="de-DE" sz="1000" dirty="0">
+              <a:rPr lang="de-DE" sz="1000">
                 <a:ea typeface="+mn-lt"/>
                 <a:cs typeface="+mn-lt"/>
               </a:rPr>
               <a:t> </a:t>
             </a:r>
-            <a:endParaRPr lang="de-DE" dirty="0">
+            <a:endParaRPr lang="de-DE">
               <a:cs typeface="Calibri" panose="020F0502020204030204"/>
             </a:endParaRPr>
           </a:p>
@@ -19102,7 +19761,7 @@
           <a:lstStyle/>
           <a:p>
             <a:r>
-              <a:rPr lang="de-DE" dirty="0"/>
+              <a:rPr lang="de-DE"/>
               <a:t>Steht noch nicht zur Verfügung</a:t>
             </a:r>
           </a:p>
@@ -19112,19 +19771,19 @@
               <a:buChar char="à"/>
             </a:pPr>
             <a:r>
-              <a:rPr lang="de-DE" dirty="0">
+              <a:rPr lang="de-DE">
                 <a:sym typeface="Wingdings" panose="05000000000000000000" pitchFamily="2" charset="2"/>
               </a:rPr>
               <a:t>Implementation durch Mangel an </a:t>
             </a:r>
             <a:r>
-              <a:rPr lang="de-DE" dirty="0" err="1">
+              <a:rPr lang="de-DE" err="1">
                 <a:sym typeface="Wingdings" panose="05000000000000000000" pitchFamily="2" charset="2"/>
               </a:rPr>
               <a:t>HowTo</a:t>
             </a:r>
             <a:r>
-              <a:rPr lang="de-DE" dirty="0">
+              <a:rPr lang="de-DE">
                 <a:sym typeface="Wingdings" panose="05000000000000000000" pitchFamily="2" charset="2"/>
               </a:rPr>
               <a:t>-Guides erschwert</a:t>
@@ -19136,24 +19795,24 @@
               <a:buChar char="à"/>
             </a:pPr>
             <a:r>
-              <a:rPr lang="de-DE" dirty="0">
+              <a:rPr lang="de-DE">
                 <a:sym typeface="Wingdings" panose="05000000000000000000" pitchFamily="2" charset="2"/>
               </a:rPr>
               <a:t>Rückmeldung der </a:t>
             </a:r>
             <a:r>
-              <a:rPr lang="de-DE" dirty="0" err="1">
+              <a:rPr lang="de-DE" err="1">
                 <a:sym typeface="Wingdings" panose="05000000000000000000" pitchFamily="2" charset="2"/>
               </a:rPr>
               <a:t>lwIP</a:t>
             </a:r>
             <a:r>
-              <a:rPr lang="de-DE" dirty="0">
+              <a:rPr lang="de-DE">
                 <a:sym typeface="Wingdings" panose="05000000000000000000" pitchFamily="2" charset="2"/>
               </a:rPr>
               <a:t>-Community steht aus</a:t>
             </a:r>
-            <a:endParaRPr lang="de-DE" dirty="0"/>
+            <a:endParaRPr lang="de-DE"/>
           </a:p>
         </p:txBody>
       </p:sp>
@@ -19387,7 +20046,7 @@
           <a:lstStyle/>
           <a:p>
             <a:pPr algn="ctr"/>
-            <a:endParaRPr lang="de-DE" dirty="0"/>
+            <a:endParaRPr lang="de-DE"/>
           </a:p>
         </p:txBody>
       </p:sp>
@@ -20298,7 +20957,7 @@
           <a:lstStyle/>
           <a:p>
             <a:r>
-              <a:rPr lang="en-US" sz="5400" b="1" kern="1200" dirty="0">
+              <a:rPr lang="en-US" sz="5400" b="1" kern="1200">
                 <a:solidFill>
                   <a:schemeClr val="tx1"/>
                 </a:solidFill>
@@ -20327,7 +20986,7 @@
             <p:ph idx="1"/>
             <p:extLst>
               <p:ext uri="{D42A27DB-BD31-4B8C-83A1-F6EECF244321}">
-                <p14:modId xmlns:p14="http://schemas.microsoft.com/office/powerpoint/2010/main" val="1953822990"/>
+                <p14:modId xmlns:p14="http://schemas.microsoft.com/office/powerpoint/2010/main" val="3307607680"/>
               </p:ext>
             </p:extLst>
           </p:nvPr>
@@ -20438,7 +21097,7 @@
                     <a:lstStyle/>
                     <a:p>
                       <a:r>
-                        <a:rPr lang="de-DE" sz="1800" dirty="0"/>
+                        <a:rPr lang="de-DE" sz="1800"/>
                         <a:t>Laura Reeken</a:t>
                       </a:r>
                     </a:p>
@@ -20498,6 +21157,65 @@
                     <a:p>
                       <a:r>
                         <a:rPr lang="de-DE" sz="1800"/>
+                        <a:t>Lucas Kaczynski</a:t>
+                      </a:r>
+                    </a:p>
+                  </a:txBody>
+                  <a:tcPr marL="90999" marR="90999" marT="45499" marB="45499" anchor="ctr"/>
+                </a:tc>
+                <a:tc>
+                  <a:txBody>
+                    <a:bodyPr/>
+                    <a:lstStyle/>
+                    <a:p>
+                      <a:r>
+                        <a:rPr lang="de-DE" sz="1800"/>
+                        <a:t>9411266</a:t>
+                      </a:r>
+                    </a:p>
+                  </a:txBody>
+                  <a:tcPr marL="90999" marR="90999" marT="45499" marB="45499" anchor="ctr"/>
+                </a:tc>
+                <a:tc>
+                  <a:txBody>
+                    <a:bodyPr/>
+                    <a:lstStyle/>
+                    <a:p>
+                      <a:r>
+                        <a:rPr lang="de-DE" sz="1800"/>
+                        <a:t>Techn. Redakteur</a:t>
+                      </a:r>
+                    </a:p>
+                  </a:txBody>
+                  <a:tcPr marL="90999" marR="90999" marT="45499" marB="45499" anchor="ctr"/>
+                </a:tc>
+                <a:tc>
+                  <a:txBody>
+                    <a:bodyPr/>
+                    <a:lstStyle/>
+                    <a:p>
+                      <a:r>
+                        <a:rPr lang="de-DE" sz="1800"/>
+                        <a:t>inf20147@lehre.dhbw-stuttgart.de</a:t>
+                      </a:r>
+                    </a:p>
+                  </a:txBody>
+                  <a:tcPr marL="90999" marR="90999" marT="45499" marB="45499" anchor="ctr"/>
+                </a:tc>
+                <a:extLst>
+                  <a:ext uri="{0D108BD9-81ED-4DB2-BD59-A6C34878D82A}">
+                    <a16:rowId xmlns:a16="http://schemas.microsoft.com/office/drawing/2014/main" val="181098251"/>
+                  </a:ext>
+                </a:extLst>
+              </a:tr>
+              <a:tr h="673392">
+                <a:tc>
+                  <a:txBody>
+                    <a:bodyPr/>
+                    <a:lstStyle/>
+                    <a:p>
+                      <a:r>
+                        <a:rPr lang="de-DE" sz="1800"/>
                         <a:t>Benjamin Esenwein</a:t>
                       </a:r>
                     </a:p>
@@ -20545,66 +21263,7 @@
                 </a:tc>
                 <a:extLst>
                   <a:ext uri="{0D108BD9-81ED-4DB2-BD59-A6C34878D82A}">
-                    <a16:rowId xmlns:a16="http://schemas.microsoft.com/office/drawing/2014/main" val="2630460121"/>
-                  </a:ext>
-                </a:extLst>
-              </a:tr>
-              <a:tr h="673392">
-                <a:tc>
-                  <a:txBody>
-                    <a:bodyPr/>
-                    <a:lstStyle/>
-                    <a:p>
-                      <a:r>
-                        <a:rPr lang="de-DE" sz="1800"/>
-                        <a:t>Lucas Kaczynski</a:t>
-                      </a:r>
-                    </a:p>
-                  </a:txBody>
-                  <a:tcPr marL="90999" marR="90999" marT="45499" marB="45499" anchor="ctr"/>
-                </a:tc>
-                <a:tc>
-                  <a:txBody>
-                    <a:bodyPr/>
-                    <a:lstStyle/>
-                    <a:p>
-                      <a:r>
-                        <a:rPr lang="de-DE" sz="1800"/>
-                        <a:t>9411266</a:t>
-                      </a:r>
-                    </a:p>
-                  </a:txBody>
-                  <a:tcPr marL="90999" marR="90999" marT="45499" marB="45499" anchor="ctr"/>
-                </a:tc>
-                <a:tc>
-                  <a:txBody>
-                    <a:bodyPr/>
-                    <a:lstStyle/>
-                    <a:p>
-                      <a:r>
-                        <a:rPr lang="de-DE" sz="1800"/>
-                        <a:t>Techn. Dokumentation</a:t>
-                      </a:r>
-                    </a:p>
-                  </a:txBody>
-                  <a:tcPr marL="90999" marR="90999" marT="45499" marB="45499" anchor="ctr"/>
-                </a:tc>
-                <a:tc>
-                  <a:txBody>
-                    <a:bodyPr/>
-                    <a:lstStyle/>
-                    <a:p>
-                      <a:r>
-                        <a:rPr lang="de-DE" sz="1800"/>
-                        <a:t>inf20147@lehre.dhbw-stuttgart.de</a:t>
-                      </a:r>
-                    </a:p>
-                  </a:txBody>
-                  <a:tcPr marL="90999" marR="90999" marT="45499" marB="45499" anchor="ctr"/>
-                </a:tc>
-                <a:extLst>
-                  <a:ext uri="{0D108BD9-81ED-4DB2-BD59-A6C34878D82A}">
-                    <a16:rowId xmlns:a16="http://schemas.microsoft.com/office/drawing/2014/main" val="181098251"/>
+                    <a16:rowId xmlns:a16="http://schemas.microsoft.com/office/drawing/2014/main" val="4232455793"/>
                   </a:ext>
                 </a:extLst>
               </a:tr>
@@ -20772,7 +21431,7 @@
                     <a:lstStyle/>
                     <a:p>
                       <a:r>
-                        <a:rPr lang="de-DE" sz="1800" dirty="0"/>
+                        <a:rPr lang="de-DE" sz="1800"/>
                         <a:t>inf20093@lehre.dhbw-stuttgart.de</a:t>
                       </a:r>
                     </a:p>
@@ -21552,7 +22211,7 @@
           <a:p>
             <a:r>
               <a:rPr lang="de-DE" sz="5400" b="1"/>
-              <a:t>INHALT – BC / CRS / SRS / SAS</a:t>
+              <a:t>INHALT</a:t>
             </a:r>
           </a:p>
         </p:txBody>
@@ -21576,64 +22235,73 @@
         <p:spPr/>
         <p:txBody>
           <a:bodyPr>
-            <a:normAutofit/>
+            <a:normAutofit lnSpcReduction="10000"/>
           </a:bodyPr>
           <a:lstStyle/>
           <a:p>
             <a:r>
-              <a:rPr lang="de-DE" dirty="0"/>
-              <a:t>Vorstellung Projekt (Master </a:t>
-            </a:r>
-            <a:r>
-              <a:rPr lang="de-DE" dirty="0" err="1"/>
-              <a:t>Usecase</a:t>
-            </a:r>
-            <a:r>
-              <a:rPr lang="de-DE" dirty="0"/>
-              <a:t>)</a:t>
-            </a:r>
-          </a:p>
-          <a:p>
-            <a:r>
-              <a:rPr lang="de-DE" dirty="0"/>
-              <a:t>Funktionsumfang</a:t>
-            </a:r>
-          </a:p>
-          <a:p>
-            <a:pPr lvl="1"/>
-            <a:r>
-              <a:rPr lang="de-DE" dirty="0"/>
-              <a:t>Funktionale und nichtfunktionale Anforderungen</a:t>
-            </a:r>
-          </a:p>
-          <a:p>
-            <a:r>
-              <a:rPr lang="de-DE" dirty="0"/>
+              <a:rPr lang="de-DE"/>
+              <a:t>Master Use Case</a:t>
+            </a:r>
+          </a:p>
+          <a:p>
+            <a:r>
+              <a:rPr lang="de-DE" err="1"/>
+              <a:t>Websockets</a:t>
+            </a:r>
+            <a:r>
+              <a:rPr lang="de-DE"/>
+              <a:t> im </a:t>
+            </a:r>
+            <a:r>
+              <a:rPr lang="de-DE" err="1"/>
+              <a:t>lwIP</a:t>
+            </a:r>
+            <a:r>
+              <a:rPr lang="de-DE"/>
+              <a:t> HTTP Server</a:t>
+            </a:r>
+          </a:p>
+          <a:p>
+            <a:r>
+              <a:rPr lang="de-DE"/>
               <a:t>Systemarchitektur</a:t>
             </a:r>
           </a:p>
           <a:p>
             <a:r>
-              <a:rPr lang="de-DE" dirty="0"/>
+              <a:rPr lang="de-DE"/>
+              <a:t>Funktionale Anforderungen</a:t>
+            </a:r>
+          </a:p>
+          <a:p>
+            <a:r>
+              <a:rPr lang="de-DE"/>
+              <a:t>Nichtfunktionale Anforderungen</a:t>
+            </a:r>
+          </a:p>
+          <a:p>
+            <a:r>
+              <a:rPr lang="de-DE"/>
               <a:t>Business Case</a:t>
             </a:r>
           </a:p>
           <a:p>
             <a:r>
-              <a:rPr lang="de-DE" dirty="0"/>
-              <a:t>Vorgehensweise und Tools</a:t>
-            </a:r>
-          </a:p>
-          <a:p>
-            <a:r>
-              <a:rPr lang="de-DE" dirty="0"/>
+              <a:rPr lang="de-DE"/>
+              <a:t>Vorgehensweise &amp; Tools</a:t>
+            </a:r>
+          </a:p>
+          <a:p>
+            <a:r>
+              <a:rPr lang="de-DE"/>
               <a:t>Modularisierung &amp; Projektplan</a:t>
             </a:r>
           </a:p>
           <a:p>
             <a:r>
-              <a:rPr lang="de-DE" dirty="0"/>
-              <a:t>Ggf. Prototyp</a:t>
+              <a:rPr lang="de-DE"/>
+              <a:t>Prototyp</a:t>
             </a:r>
           </a:p>
         </p:txBody>
@@ -22338,12 +23006,14 @@
         </p:nvSpPr>
         <p:spPr/>
         <p:txBody>
-          <a:bodyPr/>
+          <a:bodyPr>
+            <a:noAutofit/>
+          </a:bodyPr>
           <a:lstStyle/>
           <a:p>
             <a:r>
               <a:rPr lang="de-DE" sz="5400" b="1"/>
-              <a:t>Projektvorstellung - Master Use Case</a:t>
+              <a:t>MASTER USE CASE</a:t>
             </a:r>
             <a:endParaRPr lang="en-US" sz="5400" b="1"/>
           </a:p>
@@ -24184,15 +24854,20 @@
           <p:nvPr/>
         </p:nvPicPr>
         <p:blipFill>
-          <a:blip r:embed="rId3"/>
-          <a:stretch>
-            <a:fillRect/>
-          </a:stretch>
+          <a:blip r:embed="rId3">
+            <a:extLst>
+              <a:ext uri="{28A0092B-C50C-407E-A947-70E740481C1C}">
+                <a14:useLocalDpi xmlns:a14="http://schemas.microsoft.com/office/drawing/2010/main" val="0"/>
+              </a:ext>
+            </a:extLst>
+          </a:blip>
+          <a:srcRect/>
+          <a:stretch/>
         </p:blipFill>
         <p:spPr>
           <a:xfrm>
-            <a:off x="4541653" y="2931608"/>
-            <a:ext cx="3108691" cy="3557060"/>
+            <a:off x="4541653" y="2935422"/>
+            <a:ext cx="3108691" cy="3549431"/>
           </a:xfrm>
           <a:prstGeom prst="rect">
             <a:avLst/>
@@ -25245,8 +25920,8 @@
           <a:lstStyle/>
           <a:p>
             <a:r>
-              <a:rPr lang="de-DE" sz="5400" b="1"/>
-              <a:t>NICHTFUNKTIONAL ANFORDERUNGEN</a:t>
+              <a:rPr lang="de-DE" sz="5200" b="1"/>
+              <a:t>NICHTFUNKTIONALE ANFORDERUNGEN</a:t>
             </a:r>
           </a:p>
         </p:txBody>
@@ -25505,7 +26180,7 @@
             <a:p>
               <a:pPr lvl="0"/>
               <a:r>
-                <a:rPr lang="de-DE" sz="1400" dirty="0">
+                <a:rPr lang="de-DE" sz="1400">
                   <a:solidFill>
                     <a:schemeClr val="tx1"/>
                   </a:solidFill>
@@ -25686,7 +26361,7 @@
             <a:p>
               <a:pPr lvl="0"/>
               <a:r>
-                <a:rPr lang="de-DE" sz="1400" dirty="0">
+                <a:rPr lang="de-DE" sz="1400">
                   <a:solidFill>
                     <a:schemeClr val="tx1"/>
                   </a:solidFill>
@@ -25867,7 +26542,7 @@
             <a:p>
               <a:pPr lvl="0"/>
               <a:r>
-                <a:rPr lang="de-DE" sz="1400" dirty="0">
+                <a:rPr lang="de-DE" sz="1400">
                   <a:solidFill>
                     <a:schemeClr val="tx1"/>
                   </a:solidFill>
@@ -26048,7 +26723,7 @@
             <a:p>
               <a:pPr lvl="0"/>
               <a:r>
-                <a:rPr lang="de-DE" sz="1400" dirty="0">
+                <a:rPr lang="de-DE" sz="1400">
                   <a:solidFill>
                     <a:schemeClr val="tx1"/>
                   </a:solidFill>
@@ -26056,7 +26731,7 @@
                 <a:t>/NF40/   Bestehen des </a:t>
               </a:r>
               <a:r>
-                <a:rPr lang="de-DE" sz="1400" dirty="0" err="1">
+                <a:rPr lang="de-DE" sz="1400" err="1">
                   <a:solidFill>
                     <a:schemeClr val="tx1"/>
                   </a:solidFill>
@@ -26064,7 +26739,7 @@
                 <a:t>Approval</a:t>
               </a:r>
               <a:r>
-                <a:rPr lang="de-DE" sz="1400" dirty="0">
+                <a:rPr lang="de-DE" sz="1400">
                   <a:solidFill>
                     <a:schemeClr val="tx1"/>
                   </a:solidFill>
@@ -26072,14 +26747,14 @@
                 <a:t> </a:t>
               </a:r>
               <a:r>
-                <a:rPr lang="de-DE" sz="1400" dirty="0" err="1">
+                <a:rPr lang="de-DE" sz="1400" err="1">
                   <a:solidFill>
                     <a:schemeClr val="tx1"/>
                   </a:solidFill>
                 </a:rPr>
                 <a:t>Process</a:t>
               </a:r>
-              <a:endParaRPr lang="de-DE" sz="1400" dirty="0">
+              <a:endParaRPr lang="de-DE" sz="1400">
                 <a:solidFill>
                   <a:schemeClr val="tx1"/>
                 </a:solidFill>
@@ -26258,7 +26933,7 @@
             <a:p>
               <a:pPr lvl="0"/>
               <a:r>
-                <a:rPr lang="de-DE" sz="1400" dirty="0">
+                <a:rPr lang="de-DE" sz="1400">
                   <a:solidFill>
                     <a:schemeClr val="tx1"/>
                   </a:solidFill>
@@ -26266,7 +26941,7 @@
                 <a:t>/NF50/   </a:t>
               </a:r>
               <a:r>
-                <a:rPr lang="de-DE" sz="1400" dirty="0" err="1">
+                <a:rPr lang="de-DE" sz="1400" err="1">
                   <a:solidFill>
                     <a:schemeClr val="tx1"/>
                   </a:solidFill>
@@ -26274,7 +26949,7 @@
                 <a:t>Executable</a:t>
               </a:r>
               <a:r>
-                <a:rPr lang="de-DE" sz="1400" dirty="0">
+                <a:rPr lang="de-DE" sz="1400">
                   <a:solidFill>
                     <a:schemeClr val="tx1"/>
                   </a:solidFill>
@@ -26282,14 +26957,14 @@
                 <a:t> </a:t>
               </a:r>
               <a:r>
-                <a:rPr lang="de-DE" sz="1400" dirty="0" err="1">
+                <a:rPr lang="de-DE" sz="1400" err="1">
                   <a:solidFill>
                     <a:schemeClr val="tx1"/>
                   </a:solidFill>
                 </a:rPr>
                 <a:t>Program</a:t>
               </a:r>
-              <a:endParaRPr lang="de-DE" sz="1400" dirty="0">
+              <a:endParaRPr lang="de-DE" sz="1400">
                 <a:solidFill>
                   <a:schemeClr val="tx1"/>
                 </a:solidFill>
